--- a/Section01/Section01.pptx
+++ b/Section01/Section01.pptx
@@ -16,6 +16,7 @@
     <p:sldId id="263" r:id="rId10"/>
     <p:sldId id="266" r:id="rId11"/>
     <p:sldId id="267" r:id="rId12"/>
+    <p:sldId id="268" r:id="rId13"/>
   </p:sldIdLst>
   <p:sldSz cx="12192000" cy="6858000"/>
   <p:notesSz cx="6858000" cy="9144000"/>
@@ -271,7 +272,7 @@
           <a:p>
             <a:fld id="{1D34F2E3-3545-4AD3-A31E-9231ACC12138}" type="datetimeFigureOut">
               <a:rPr lang="en-US" smtClean="0"/>
-              <a:t>8/22/2022</a:t>
+              <a:t>10/3/2022</a:t>
             </a:fld>
             <a:endParaRPr lang="en-US"/>
           </a:p>
@@ -471,7 +472,7 @@
           <a:p>
             <a:fld id="{1D34F2E3-3545-4AD3-A31E-9231ACC12138}" type="datetimeFigureOut">
               <a:rPr lang="en-US" smtClean="0"/>
-              <a:t>8/22/2022</a:t>
+              <a:t>10/3/2022</a:t>
             </a:fld>
             <a:endParaRPr lang="en-US"/>
           </a:p>
@@ -681,7 +682,7 @@
           <a:p>
             <a:fld id="{1D34F2E3-3545-4AD3-A31E-9231ACC12138}" type="datetimeFigureOut">
               <a:rPr lang="en-US" smtClean="0"/>
-              <a:t>8/22/2022</a:t>
+              <a:t>10/3/2022</a:t>
             </a:fld>
             <a:endParaRPr lang="en-US"/>
           </a:p>
@@ -881,7 +882,7 @@
           <a:p>
             <a:fld id="{1D34F2E3-3545-4AD3-A31E-9231ACC12138}" type="datetimeFigureOut">
               <a:rPr lang="en-US" smtClean="0"/>
-              <a:t>8/22/2022</a:t>
+              <a:t>10/3/2022</a:t>
             </a:fld>
             <a:endParaRPr lang="en-US"/>
           </a:p>
@@ -1157,7 +1158,7 @@
           <a:p>
             <a:fld id="{1D34F2E3-3545-4AD3-A31E-9231ACC12138}" type="datetimeFigureOut">
               <a:rPr lang="en-US" smtClean="0"/>
-              <a:t>8/22/2022</a:t>
+              <a:t>10/3/2022</a:t>
             </a:fld>
             <a:endParaRPr lang="en-US"/>
           </a:p>
@@ -1425,7 +1426,7 @@
           <a:p>
             <a:fld id="{1D34F2E3-3545-4AD3-A31E-9231ACC12138}" type="datetimeFigureOut">
               <a:rPr lang="en-US" smtClean="0"/>
-              <a:t>8/22/2022</a:t>
+              <a:t>10/3/2022</a:t>
             </a:fld>
             <a:endParaRPr lang="en-US"/>
           </a:p>
@@ -1840,7 +1841,7 @@
           <a:p>
             <a:fld id="{1D34F2E3-3545-4AD3-A31E-9231ACC12138}" type="datetimeFigureOut">
               <a:rPr lang="en-US" smtClean="0"/>
-              <a:t>8/22/2022</a:t>
+              <a:t>10/3/2022</a:t>
             </a:fld>
             <a:endParaRPr lang="en-US"/>
           </a:p>
@@ -1982,7 +1983,7 @@
           <a:p>
             <a:fld id="{1D34F2E3-3545-4AD3-A31E-9231ACC12138}" type="datetimeFigureOut">
               <a:rPr lang="en-US" smtClean="0"/>
-              <a:t>8/22/2022</a:t>
+              <a:t>10/3/2022</a:t>
             </a:fld>
             <a:endParaRPr lang="en-US"/>
           </a:p>
@@ -2095,7 +2096,7 @@
           <a:p>
             <a:fld id="{1D34F2E3-3545-4AD3-A31E-9231ACC12138}" type="datetimeFigureOut">
               <a:rPr lang="en-US" smtClean="0"/>
-              <a:t>8/22/2022</a:t>
+              <a:t>10/3/2022</a:t>
             </a:fld>
             <a:endParaRPr lang="en-US"/>
           </a:p>
@@ -2408,7 +2409,7 @@
           <a:p>
             <a:fld id="{1D34F2E3-3545-4AD3-A31E-9231ACC12138}" type="datetimeFigureOut">
               <a:rPr lang="en-US" smtClean="0"/>
-              <a:t>8/22/2022</a:t>
+              <a:t>10/3/2022</a:t>
             </a:fld>
             <a:endParaRPr lang="en-US"/>
           </a:p>
@@ -2697,7 +2698,7 @@
           <a:p>
             <a:fld id="{1D34F2E3-3545-4AD3-A31E-9231ACC12138}" type="datetimeFigureOut">
               <a:rPr lang="en-US" smtClean="0"/>
-              <a:t>8/22/2022</a:t>
+              <a:t>10/3/2022</a:t>
             </a:fld>
             <a:endParaRPr lang="en-US"/>
           </a:p>
@@ -2940,7 +2941,7 @@
           <a:p>
             <a:fld id="{1D34F2E3-3545-4AD3-A31E-9231ACC12138}" type="datetimeFigureOut">
               <a:rPr lang="en-US" smtClean="0"/>
-              <a:t>8/22/2022</a:t>
+              <a:t>10/3/2022</a:t>
             </a:fld>
             <a:endParaRPr lang="en-US"/>
           </a:p>
@@ -5428,12 +5429,520 @@
           <a:chExt cx="0" cy="0"/>
         </a:xfrm>
       </p:grpSpPr>
+      <p:sp>
+        <p:nvSpPr>
+          <p:cNvPr id="7" name="Trapecio 6">
+            <a:extLst>
+              <a:ext uri="{FF2B5EF4-FFF2-40B4-BE49-F238E27FC236}">
+                <a16:creationId xmlns:a16="http://schemas.microsoft.com/office/drawing/2014/main" id="{54201D4B-C04E-1CBE-4988-6C99C2E383F7}"/>
+              </a:ext>
+            </a:extLst>
+          </p:cNvPr>
+          <p:cNvSpPr/>
+          <p:nvPr/>
+        </p:nvSpPr>
+        <p:spPr>
+          <a:xfrm>
+            <a:off x="5200261" y="1856792"/>
+            <a:ext cx="1791477" cy="2220686"/>
+          </a:xfrm>
+          <a:prstGeom prst="trapezoid">
+            <a:avLst/>
+          </a:prstGeom>
+          <a:solidFill>
+            <a:schemeClr val="bg2">
+              <a:lumMod val="75000"/>
+            </a:schemeClr>
+          </a:solidFill>
+          <a:ln>
+            <a:noFill/>
+          </a:ln>
+        </p:spPr>
+        <p:style>
+          <a:lnRef idx="2">
+            <a:schemeClr val="accent1">
+              <a:shade val="50000"/>
+            </a:schemeClr>
+          </a:lnRef>
+          <a:fillRef idx="1">
+            <a:schemeClr val="accent1"/>
+          </a:fillRef>
+          <a:effectRef idx="0">
+            <a:schemeClr val="accent1"/>
+          </a:effectRef>
+          <a:fontRef idx="minor">
+            <a:schemeClr val="lt1"/>
+          </a:fontRef>
+        </p:style>
+        <p:txBody>
+          <a:bodyPr rtlCol="0" anchor="ctr"/>
+          <a:lstStyle/>
+          <a:p>
+            <a:pPr algn="ctr"/>
+            <a:endParaRPr lang="en-US"/>
+          </a:p>
+        </p:txBody>
+      </p:sp>
+      <p:cxnSp>
+        <p:nvCxnSpPr>
+          <p:cNvPr id="5" name="Conector recto 4">
+            <a:extLst>
+              <a:ext uri="{FF2B5EF4-FFF2-40B4-BE49-F238E27FC236}">
+                <a16:creationId xmlns:a16="http://schemas.microsoft.com/office/drawing/2014/main" id="{BDA69656-5E9B-68AD-35AF-F0FEB7FAD04F}"/>
+              </a:ext>
+            </a:extLst>
+          </p:cNvPr>
+          <p:cNvCxnSpPr>
+            <a:cxnSpLocks/>
+          </p:cNvCxnSpPr>
+          <p:nvPr/>
+        </p:nvCxnSpPr>
+        <p:spPr>
+          <a:xfrm>
+            <a:off x="2388638" y="3517641"/>
+            <a:ext cx="7632440" cy="905070"/>
+          </a:xfrm>
+          <a:prstGeom prst="line">
+            <a:avLst/>
+          </a:prstGeom>
+          <a:ln w="28575">
+            <a:solidFill>
+              <a:schemeClr val="bg2">
+                <a:lumMod val="25000"/>
+              </a:schemeClr>
+            </a:solidFill>
+          </a:ln>
+        </p:spPr>
+        <p:style>
+          <a:lnRef idx="1">
+            <a:schemeClr val="accent1"/>
+          </a:lnRef>
+          <a:fillRef idx="0">
+            <a:schemeClr val="accent1"/>
+          </a:fillRef>
+          <a:effectRef idx="0">
+            <a:schemeClr val="accent1"/>
+          </a:effectRef>
+          <a:fontRef idx="minor">
+            <a:schemeClr val="tx1"/>
+          </a:fontRef>
+        </p:style>
+      </p:cxnSp>
+      <p:cxnSp>
+        <p:nvCxnSpPr>
+          <p:cNvPr id="8" name="Conector recto 7">
+            <a:extLst>
+              <a:ext uri="{FF2B5EF4-FFF2-40B4-BE49-F238E27FC236}">
+                <a16:creationId xmlns:a16="http://schemas.microsoft.com/office/drawing/2014/main" id="{C7C641F9-CA95-A7B1-42B8-79AAC6533BE1}"/>
+              </a:ext>
+            </a:extLst>
+          </p:cNvPr>
+          <p:cNvCxnSpPr>
+            <a:cxnSpLocks/>
+          </p:cNvCxnSpPr>
+          <p:nvPr/>
+        </p:nvCxnSpPr>
+        <p:spPr>
+          <a:xfrm>
+            <a:off x="2388638" y="2155004"/>
+            <a:ext cx="3200400" cy="0"/>
+          </a:xfrm>
+          <a:prstGeom prst="line">
+            <a:avLst/>
+          </a:prstGeom>
+          <a:ln w="12700"/>
+        </p:spPr>
+        <p:style>
+          <a:lnRef idx="1">
+            <a:schemeClr val="dk1"/>
+          </a:lnRef>
+          <a:fillRef idx="0">
+            <a:schemeClr val="dk1"/>
+          </a:fillRef>
+          <a:effectRef idx="0">
+            <a:schemeClr val="dk1"/>
+          </a:effectRef>
+          <a:fontRef idx="minor">
+            <a:schemeClr val="tx1"/>
+          </a:fontRef>
+        </p:style>
+      </p:cxnSp>
+      <p:sp>
+        <p:nvSpPr>
+          <p:cNvPr id="9" name="Triángulo isósceles 8">
+            <a:extLst>
+              <a:ext uri="{FF2B5EF4-FFF2-40B4-BE49-F238E27FC236}">
+                <a16:creationId xmlns:a16="http://schemas.microsoft.com/office/drawing/2014/main" id="{BF5311C8-056D-7622-4CE9-D3A8A802AD66}"/>
+              </a:ext>
+            </a:extLst>
+          </p:cNvPr>
+          <p:cNvSpPr/>
+          <p:nvPr/>
+        </p:nvSpPr>
+        <p:spPr>
+          <a:xfrm rot="10800000">
+            <a:off x="4051213" y="1994932"/>
+            <a:ext cx="324378" cy="160072"/>
+          </a:xfrm>
+          <a:prstGeom prst="triangle">
+            <a:avLst/>
+          </a:prstGeom>
+          <a:ln w="12700"/>
+        </p:spPr>
+        <p:style>
+          <a:lnRef idx="1">
+            <a:schemeClr val="dk1"/>
+          </a:lnRef>
+          <a:fillRef idx="0">
+            <a:schemeClr val="dk1"/>
+          </a:fillRef>
+          <a:effectRef idx="0">
+            <a:schemeClr val="dk1"/>
+          </a:effectRef>
+          <a:fontRef idx="minor">
+            <a:schemeClr val="tx1"/>
+          </a:fontRef>
+        </p:style>
+        <p:txBody>
+          <a:bodyPr rtlCol="0" anchor="ctr"/>
+          <a:lstStyle/>
+          <a:p>
+            <a:pPr algn="ctr"/>
+            <a:endParaRPr lang="en-US" dirty="0"/>
+          </a:p>
+        </p:txBody>
+      </p:sp>
+      <p:cxnSp>
+        <p:nvCxnSpPr>
+          <p:cNvPr id="10" name="Conector recto 9">
+            <a:extLst>
+              <a:ext uri="{FF2B5EF4-FFF2-40B4-BE49-F238E27FC236}">
+                <a16:creationId xmlns:a16="http://schemas.microsoft.com/office/drawing/2014/main" id="{4E43E276-E196-74B5-71D9-43401A1DFA36}"/>
+              </a:ext>
+            </a:extLst>
+          </p:cNvPr>
+          <p:cNvCxnSpPr>
+            <a:cxnSpLocks/>
+          </p:cNvCxnSpPr>
+          <p:nvPr/>
+        </p:nvCxnSpPr>
+        <p:spPr>
+          <a:xfrm>
+            <a:off x="4076237" y="2203458"/>
+            <a:ext cx="274330" cy="0"/>
+          </a:xfrm>
+          <a:prstGeom prst="line">
+            <a:avLst/>
+          </a:prstGeom>
+          <a:ln w="12700"/>
+        </p:spPr>
+        <p:style>
+          <a:lnRef idx="1">
+            <a:schemeClr val="dk1"/>
+          </a:lnRef>
+          <a:fillRef idx="0">
+            <a:schemeClr val="dk1"/>
+          </a:fillRef>
+          <a:effectRef idx="0">
+            <a:schemeClr val="dk1"/>
+          </a:effectRef>
+          <a:fontRef idx="minor">
+            <a:schemeClr val="tx1"/>
+          </a:fontRef>
+        </p:style>
+      </p:cxnSp>
+      <p:cxnSp>
+        <p:nvCxnSpPr>
+          <p:cNvPr id="11" name="Conector recto 10">
+            <a:extLst>
+              <a:ext uri="{FF2B5EF4-FFF2-40B4-BE49-F238E27FC236}">
+                <a16:creationId xmlns:a16="http://schemas.microsoft.com/office/drawing/2014/main" id="{FEA024F4-876F-36D8-31D2-D6A1D203F697}"/>
+              </a:ext>
+            </a:extLst>
+          </p:cNvPr>
+          <p:cNvCxnSpPr>
+            <a:cxnSpLocks/>
+          </p:cNvCxnSpPr>
+          <p:nvPr/>
+        </p:nvCxnSpPr>
+        <p:spPr>
+          <a:xfrm>
+            <a:off x="4135209" y="2272038"/>
+            <a:ext cx="156387" cy="0"/>
+          </a:xfrm>
+          <a:prstGeom prst="line">
+            <a:avLst/>
+          </a:prstGeom>
+          <a:ln w="12700"/>
+        </p:spPr>
+        <p:style>
+          <a:lnRef idx="1">
+            <a:schemeClr val="dk1"/>
+          </a:lnRef>
+          <a:fillRef idx="0">
+            <a:schemeClr val="dk1"/>
+          </a:fillRef>
+          <a:effectRef idx="0">
+            <a:schemeClr val="dk1"/>
+          </a:effectRef>
+          <a:fontRef idx="minor">
+            <a:schemeClr val="tx1"/>
+          </a:fontRef>
+        </p:style>
+      </p:cxnSp>
+      <p:cxnSp>
+        <p:nvCxnSpPr>
+          <p:cNvPr id="12" name="Conector recto 11">
+            <a:extLst>
+              <a:ext uri="{FF2B5EF4-FFF2-40B4-BE49-F238E27FC236}">
+                <a16:creationId xmlns:a16="http://schemas.microsoft.com/office/drawing/2014/main" id="{A239A977-A324-D017-7F3B-36C0AE5045C2}"/>
+              </a:ext>
+            </a:extLst>
+          </p:cNvPr>
+          <p:cNvCxnSpPr>
+            <a:cxnSpLocks/>
+          </p:cNvCxnSpPr>
+          <p:nvPr/>
+        </p:nvCxnSpPr>
+        <p:spPr>
+          <a:xfrm>
+            <a:off x="4167677" y="2340618"/>
+            <a:ext cx="91450" cy="0"/>
+          </a:xfrm>
+          <a:prstGeom prst="line">
+            <a:avLst/>
+          </a:prstGeom>
+          <a:ln w="12700"/>
+        </p:spPr>
+        <p:style>
+          <a:lnRef idx="1">
+            <a:schemeClr val="dk1"/>
+          </a:lnRef>
+          <a:fillRef idx="0">
+            <a:schemeClr val="dk1"/>
+          </a:fillRef>
+          <a:effectRef idx="0">
+            <a:schemeClr val="dk1"/>
+          </a:effectRef>
+          <a:fontRef idx="minor">
+            <a:schemeClr val="tx1"/>
+          </a:fontRef>
+        </p:style>
+      </p:cxnSp>
+      <p:sp>
+        <p:nvSpPr>
+          <p:cNvPr id="18" name="CuadroTexto 17">
+            <a:extLst>
+              <a:ext uri="{FF2B5EF4-FFF2-40B4-BE49-F238E27FC236}">
+                <a16:creationId xmlns:a16="http://schemas.microsoft.com/office/drawing/2014/main" id="{766BCE9A-4783-C163-E40E-C556E0A6163D}"/>
+              </a:ext>
+            </a:extLst>
+          </p:cNvPr>
+          <p:cNvSpPr txBox="1"/>
+          <p:nvPr/>
+        </p:nvSpPr>
+        <p:spPr>
+          <a:xfrm>
+            <a:off x="2601394" y="2272038"/>
+            <a:ext cx="725719" cy="369332"/>
+          </a:xfrm>
+          <a:prstGeom prst="rect">
+            <a:avLst/>
+          </a:prstGeom>
+          <a:noFill/>
+        </p:spPr>
+        <p:txBody>
+          <a:bodyPr wrap="square" rtlCol="0">
+            <a:spAutoFit/>
+          </a:bodyPr>
+          <a:lstStyle/>
+          <a:p>
+            <a:r>
+              <a:rPr lang="es-VE" b="1" dirty="0">
+                <a:latin typeface="Segoe UI Light" panose="020B0502040204020203" pitchFamily="34" charset="0"/>
+                <a:cs typeface="Segoe UI Light" panose="020B0502040204020203" pitchFamily="34" charset="0"/>
+              </a:rPr>
+              <a:t>Flujo</a:t>
+            </a:r>
+            <a:endParaRPr lang="en-US" b="1" dirty="0">
+              <a:latin typeface="Segoe UI Light" panose="020B0502040204020203" pitchFamily="34" charset="0"/>
+              <a:cs typeface="Segoe UI Light" panose="020B0502040204020203" pitchFamily="34" charset="0"/>
+            </a:endParaRPr>
+          </a:p>
+        </p:txBody>
+      </p:sp>
+      <p:cxnSp>
+        <p:nvCxnSpPr>
+          <p:cNvPr id="20" name="Conector recto de flecha 19">
+            <a:extLst>
+              <a:ext uri="{FF2B5EF4-FFF2-40B4-BE49-F238E27FC236}">
+                <a16:creationId xmlns:a16="http://schemas.microsoft.com/office/drawing/2014/main" id="{28A29462-34FC-BBD2-8D88-248D88185FA9}"/>
+              </a:ext>
+            </a:extLst>
+          </p:cNvPr>
+          <p:cNvCxnSpPr>
+            <a:cxnSpLocks/>
+          </p:cNvCxnSpPr>
+          <p:nvPr/>
+        </p:nvCxnSpPr>
+        <p:spPr>
+          <a:xfrm>
+            <a:off x="2509936" y="2649839"/>
+            <a:ext cx="908626" cy="0"/>
+          </a:xfrm>
+          <a:prstGeom prst="straightConnector1">
+            <a:avLst/>
+          </a:prstGeom>
+          <a:ln>
+            <a:solidFill>
+              <a:schemeClr val="bg2">
+                <a:lumMod val="25000"/>
+              </a:schemeClr>
+            </a:solidFill>
+            <a:tailEnd type="triangle"/>
+          </a:ln>
+        </p:spPr>
+        <p:style>
+          <a:lnRef idx="1">
+            <a:schemeClr val="accent3"/>
+          </a:lnRef>
+          <a:fillRef idx="0">
+            <a:schemeClr val="accent3"/>
+          </a:fillRef>
+          <a:effectRef idx="0">
+            <a:schemeClr val="accent3"/>
+          </a:effectRef>
+          <a:fontRef idx="minor">
+            <a:schemeClr val="tx1"/>
+          </a:fontRef>
+        </p:style>
+      </p:cxnSp>
+      <p:sp>
+        <p:nvSpPr>
+          <p:cNvPr id="23" name="CuadroTexto 22">
+            <a:extLst>
+              <a:ext uri="{FF2B5EF4-FFF2-40B4-BE49-F238E27FC236}">
+                <a16:creationId xmlns:a16="http://schemas.microsoft.com/office/drawing/2014/main" id="{A9FD051B-43A4-5716-EE17-BAE689693F96}"/>
+              </a:ext>
+            </a:extLst>
+          </p:cNvPr>
+          <p:cNvSpPr txBox="1"/>
+          <p:nvPr/>
+        </p:nvSpPr>
+        <p:spPr>
+          <a:xfrm>
+            <a:off x="8153574" y="3055003"/>
+            <a:ext cx="1774197" cy="369332"/>
+          </a:xfrm>
+          <a:prstGeom prst="rect">
+            <a:avLst/>
+          </a:prstGeom>
+          <a:noFill/>
+        </p:spPr>
+        <p:txBody>
+          <a:bodyPr wrap="square" rtlCol="0">
+            <a:spAutoFit/>
+          </a:bodyPr>
+          <a:lstStyle/>
+          <a:p>
+            <a:r>
+              <a:rPr lang="es-VE" b="1" dirty="0">
+                <a:latin typeface="Segoe UI Light" panose="020B0502040204020203" pitchFamily="34" charset="0"/>
+                <a:cs typeface="Segoe UI Light" panose="020B0502040204020203" pitchFamily="34" charset="0"/>
+              </a:rPr>
+              <a:t>Lecho original</a:t>
+            </a:r>
+            <a:endParaRPr lang="en-US" b="1" dirty="0">
+              <a:latin typeface="Segoe UI Light" panose="020B0502040204020203" pitchFamily="34" charset="0"/>
+              <a:cs typeface="Segoe UI Light" panose="020B0502040204020203" pitchFamily="34" charset="0"/>
+            </a:endParaRPr>
+          </a:p>
+        </p:txBody>
+      </p:sp>
+      <p:cxnSp>
+        <p:nvCxnSpPr>
+          <p:cNvPr id="24" name="Conector recto 23">
+            <a:extLst>
+              <a:ext uri="{FF2B5EF4-FFF2-40B4-BE49-F238E27FC236}">
+                <a16:creationId xmlns:a16="http://schemas.microsoft.com/office/drawing/2014/main" id="{385178B1-78A2-4427-AFC9-DAB018DBB9FB}"/>
+              </a:ext>
+            </a:extLst>
+          </p:cNvPr>
+          <p:cNvCxnSpPr>
+            <a:cxnSpLocks/>
+          </p:cNvCxnSpPr>
+          <p:nvPr/>
+        </p:nvCxnSpPr>
+        <p:spPr>
+          <a:xfrm flipV="1">
+            <a:off x="8453535" y="3429000"/>
+            <a:ext cx="435152" cy="751114"/>
+          </a:xfrm>
+          <a:prstGeom prst="line">
+            <a:avLst/>
+          </a:prstGeom>
+          <a:ln w="9525">
+            <a:solidFill>
+              <a:schemeClr val="tx1">
+                <a:lumMod val="65000"/>
+                <a:lumOff val="35000"/>
+              </a:schemeClr>
+            </a:solidFill>
+            <a:headEnd type="triangle" w="med" len="med"/>
+            <a:tailEnd type="none" w="med" len="med"/>
+          </a:ln>
+        </p:spPr>
+        <p:style>
+          <a:lnRef idx="1">
+            <a:schemeClr val="dk1"/>
+          </a:lnRef>
+          <a:fillRef idx="0">
+            <a:schemeClr val="dk1"/>
+          </a:fillRef>
+          <a:effectRef idx="0">
+            <a:schemeClr val="dk1"/>
+          </a:effectRef>
+          <a:fontRef idx="minor">
+            <a:schemeClr val="tx1"/>
+          </a:fontRef>
+        </p:style>
+      </p:cxnSp>
+    </p:spTree>
+    <p:extLst>
+      <p:ext uri="{BB962C8B-B14F-4D97-AF65-F5344CB8AC3E}">
+        <p14:creationId xmlns:p14="http://schemas.microsoft.com/office/powerpoint/2010/main" val="1557235792"/>
+      </p:ext>
+    </p:extLst>
+  </p:cSld>
+  <p:clrMapOvr>
+    <a:masterClrMapping/>
+  </p:clrMapOvr>
+</p:sld>
+</file>
+
+<file path=ppt/slides/slide11.xml><?xml version="1.0" encoding="utf-8"?>
+<p:sld xmlns:a="http://schemas.openxmlformats.org/drawingml/2006/main" xmlns:r="http://schemas.openxmlformats.org/officeDocument/2006/relationships" xmlns:p="http://schemas.openxmlformats.org/presentationml/2006/main">
+  <p:cSld>
+    <p:spTree>
+      <p:nvGrpSpPr>
+        <p:cNvPr id="1" name=""/>
+        <p:cNvGrpSpPr/>
+        <p:nvPr/>
+      </p:nvGrpSpPr>
+      <p:grpSpPr>
+        <a:xfrm>
+          <a:off x="0" y="0"/>
+          <a:ext cx="0" cy="0"/>
+          <a:chOff x="0" y="0"/>
+          <a:chExt cx="0" cy="0"/>
+        </a:xfrm>
+      </p:grpSpPr>
       <p:grpSp>
         <p:nvGrpSpPr>
-          <p:cNvPr id="26" name="Grupo 25">
+          <p:cNvPr id="94" name="Grupo 93">
             <a:extLst>
               <a:ext uri="{FF2B5EF4-FFF2-40B4-BE49-F238E27FC236}">
-                <a16:creationId xmlns:a16="http://schemas.microsoft.com/office/drawing/2014/main" id="{52C8A540-B4FB-D46D-CCF1-F120A0FD8E0F}"/>
+                <a16:creationId xmlns:a16="http://schemas.microsoft.com/office/drawing/2014/main" id="{D0C5C03E-B3FB-774C-FACE-A03066B29D32}"/>
               </a:ext>
             </a:extLst>
           </p:cNvPr>
@@ -5442,10 +5951,10 @@
         </p:nvGrpSpPr>
         <p:grpSpPr>
           <a:xfrm>
-            <a:off x="2388638" y="1856792"/>
-            <a:ext cx="7632440" cy="2565919"/>
-            <a:chOff x="2388638" y="1856792"/>
-            <a:chExt cx="7632440" cy="2565919"/>
+            <a:off x="1897988" y="1147667"/>
+            <a:ext cx="9449698" cy="4337764"/>
+            <a:chOff x="2383180" y="1054361"/>
+            <a:chExt cx="9449698" cy="4337764"/>
           </a:xfrm>
         </p:grpSpPr>
         <p:sp>
@@ -5850,535 +6359,6 @@
           </p:nvSpPr>
           <p:spPr>
             <a:xfrm>
-              <a:off x="8153574" y="3055003"/>
-              <a:ext cx="1774197" cy="369332"/>
-            </a:xfrm>
-            <a:prstGeom prst="rect">
-              <a:avLst/>
-            </a:prstGeom>
-            <a:noFill/>
-          </p:spPr>
-          <p:txBody>
-            <a:bodyPr wrap="square" rtlCol="0">
-              <a:spAutoFit/>
-            </a:bodyPr>
-            <a:lstStyle/>
-            <a:p>
-              <a:r>
-                <a:rPr lang="es-VE" b="1" dirty="0">
-                  <a:latin typeface="Segoe UI Light" panose="020B0502040204020203" pitchFamily="34" charset="0"/>
-                  <a:cs typeface="Segoe UI Light" panose="020B0502040204020203" pitchFamily="34" charset="0"/>
-                </a:rPr>
-                <a:t>Lecho original</a:t>
-              </a:r>
-              <a:endParaRPr lang="en-US" b="1" dirty="0">
-                <a:latin typeface="Segoe UI Light" panose="020B0502040204020203" pitchFamily="34" charset="0"/>
-                <a:cs typeface="Segoe UI Light" panose="020B0502040204020203" pitchFamily="34" charset="0"/>
-              </a:endParaRPr>
-            </a:p>
-          </p:txBody>
-        </p:sp>
-        <p:cxnSp>
-          <p:nvCxnSpPr>
-            <p:cNvPr id="24" name="Conector recto 23">
-              <a:extLst>
-                <a:ext uri="{FF2B5EF4-FFF2-40B4-BE49-F238E27FC236}">
-                  <a16:creationId xmlns:a16="http://schemas.microsoft.com/office/drawing/2014/main" id="{385178B1-78A2-4427-AFC9-DAB018DBB9FB}"/>
-                </a:ext>
-              </a:extLst>
-            </p:cNvPr>
-            <p:cNvCxnSpPr>
-              <a:cxnSpLocks/>
-            </p:cNvCxnSpPr>
-            <p:nvPr/>
-          </p:nvCxnSpPr>
-          <p:spPr>
-            <a:xfrm flipV="1">
-              <a:off x="8453535" y="3429000"/>
-              <a:ext cx="435152" cy="751114"/>
-            </a:xfrm>
-            <a:prstGeom prst="line">
-              <a:avLst/>
-            </a:prstGeom>
-            <a:ln w="9525">
-              <a:solidFill>
-                <a:schemeClr val="tx1">
-                  <a:lumMod val="65000"/>
-                  <a:lumOff val="35000"/>
-                </a:schemeClr>
-              </a:solidFill>
-              <a:headEnd type="triangle" w="med" len="med"/>
-              <a:tailEnd type="none" w="med" len="med"/>
-            </a:ln>
-          </p:spPr>
-          <p:style>
-            <a:lnRef idx="1">
-              <a:schemeClr val="dk1"/>
-            </a:lnRef>
-            <a:fillRef idx="0">
-              <a:schemeClr val="dk1"/>
-            </a:fillRef>
-            <a:effectRef idx="0">
-              <a:schemeClr val="dk1"/>
-            </a:effectRef>
-            <a:fontRef idx="minor">
-              <a:schemeClr val="tx1"/>
-            </a:fontRef>
-          </p:style>
-        </p:cxnSp>
-      </p:grpSp>
-    </p:spTree>
-    <p:extLst>
-      <p:ext uri="{BB962C8B-B14F-4D97-AF65-F5344CB8AC3E}">
-        <p14:creationId xmlns:p14="http://schemas.microsoft.com/office/powerpoint/2010/main" val="1557235792"/>
-      </p:ext>
-    </p:extLst>
-  </p:cSld>
-  <p:clrMapOvr>
-    <a:masterClrMapping/>
-  </p:clrMapOvr>
-</p:sld>
-</file>
-
-<file path=ppt/slides/slide11.xml><?xml version="1.0" encoding="utf-8"?>
-<p:sld xmlns:a="http://schemas.openxmlformats.org/drawingml/2006/main" xmlns:r="http://schemas.openxmlformats.org/officeDocument/2006/relationships" xmlns:p="http://schemas.openxmlformats.org/presentationml/2006/main">
-  <p:cSld>
-    <p:spTree>
-      <p:nvGrpSpPr>
-        <p:cNvPr id="1" name=""/>
-        <p:cNvGrpSpPr/>
-        <p:nvPr/>
-      </p:nvGrpSpPr>
-      <p:grpSpPr>
-        <a:xfrm>
-          <a:off x="0" y="0"/>
-          <a:ext cx="0" cy="0"/>
-          <a:chOff x="0" y="0"/>
-          <a:chExt cx="0" cy="0"/>
-        </a:xfrm>
-      </p:grpSpPr>
-      <p:grpSp>
-        <p:nvGrpSpPr>
-          <p:cNvPr id="94" name="Grupo 93">
-            <a:extLst>
-              <a:ext uri="{FF2B5EF4-FFF2-40B4-BE49-F238E27FC236}">
-                <a16:creationId xmlns:a16="http://schemas.microsoft.com/office/drawing/2014/main" id="{D0C5C03E-B3FB-774C-FACE-A03066B29D32}"/>
-              </a:ext>
-            </a:extLst>
-          </p:cNvPr>
-          <p:cNvGrpSpPr/>
-          <p:nvPr/>
-        </p:nvGrpSpPr>
-        <p:grpSpPr>
-          <a:xfrm>
-            <a:off x="1897988" y="1147667"/>
-            <a:ext cx="9449698" cy="4337764"/>
-            <a:chOff x="2383180" y="1054361"/>
-            <a:chExt cx="9449698" cy="4337764"/>
-          </a:xfrm>
-        </p:grpSpPr>
-        <p:sp>
-          <p:nvSpPr>
-            <p:cNvPr id="7" name="Trapecio 6">
-              <a:extLst>
-                <a:ext uri="{FF2B5EF4-FFF2-40B4-BE49-F238E27FC236}">
-                  <a16:creationId xmlns:a16="http://schemas.microsoft.com/office/drawing/2014/main" id="{54201D4B-C04E-1CBE-4988-6C99C2E383F7}"/>
-                </a:ext>
-              </a:extLst>
-            </p:cNvPr>
-            <p:cNvSpPr/>
-            <p:nvPr/>
-          </p:nvSpPr>
-          <p:spPr>
-            <a:xfrm>
-              <a:off x="5200261" y="1856792"/>
-              <a:ext cx="1791477" cy="2220686"/>
-            </a:xfrm>
-            <a:prstGeom prst="trapezoid">
-              <a:avLst/>
-            </a:prstGeom>
-            <a:solidFill>
-              <a:schemeClr val="bg2">
-                <a:lumMod val="75000"/>
-              </a:schemeClr>
-            </a:solidFill>
-            <a:ln>
-              <a:noFill/>
-            </a:ln>
-          </p:spPr>
-          <p:style>
-            <a:lnRef idx="2">
-              <a:schemeClr val="accent1">
-                <a:shade val="50000"/>
-              </a:schemeClr>
-            </a:lnRef>
-            <a:fillRef idx="1">
-              <a:schemeClr val="accent1"/>
-            </a:fillRef>
-            <a:effectRef idx="0">
-              <a:schemeClr val="accent1"/>
-            </a:effectRef>
-            <a:fontRef idx="minor">
-              <a:schemeClr val="lt1"/>
-            </a:fontRef>
-          </p:style>
-          <p:txBody>
-            <a:bodyPr rtlCol="0" anchor="ctr"/>
-            <a:lstStyle/>
-            <a:p>
-              <a:pPr algn="ctr"/>
-              <a:endParaRPr lang="en-US"/>
-            </a:p>
-          </p:txBody>
-        </p:sp>
-        <p:cxnSp>
-          <p:nvCxnSpPr>
-            <p:cNvPr id="5" name="Conector recto 4">
-              <a:extLst>
-                <a:ext uri="{FF2B5EF4-FFF2-40B4-BE49-F238E27FC236}">
-                  <a16:creationId xmlns:a16="http://schemas.microsoft.com/office/drawing/2014/main" id="{BDA69656-5E9B-68AD-35AF-F0FEB7FAD04F}"/>
-                </a:ext>
-              </a:extLst>
-            </p:cNvPr>
-            <p:cNvCxnSpPr>
-              <a:cxnSpLocks/>
-            </p:cNvCxnSpPr>
-            <p:nvPr/>
-          </p:nvCxnSpPr>
-          <p:spPr>
-            <a:xfrm>
-              <a:off x="2388638" y="3517641"/>
-              <a:ext cx="7632440" cy="905070"/>
-            </a:xfrm>
-            <a:prstGeom prst="line">
-              <a:avLst/>
-            </a:prstGeom>
-            <a:ln w="28575">
-              <a:solidFill>
-                <a:schemeClr val="bg2">
-                  <a:lumMod val="25000"/>
-                </a:schemeClr>
-              </a:solidFill>
-            </a:ln>
-          </p:spPr>
-          <p:style>
-            <a:lnRef idx="1">
-              <a:schemeClr val="accent1"/>
-            </a:lnRef>
-            <a:fillRef idx="0">
-              <a:schemeClr val="accent1"/>
-            </a:fillRef>
-            <a:effectRef idx="0">
-              <a:schemeClr val="accent1"/>
-            </a:effectRef>
-            <a:fontRef idx="minor">
-              <a:schemeClr val="tx1"/>
-            </a:fontRef>
-          </p:style>
-        </p:cxnSp>
-        <p:cxnSp>
-          <p:nvCxnSpPr>
-            <p:cNvPr id="8" name="Conector recto 7">
-              <a:extLst>
-                <a:ext uri="{FF2B5EF4-FFF2-40B4-BE49-F238E27FC236}">
-                  <a16:creationId xmlns:a16="http://schemas.microsoft.com/office/drawing/2014/main" id="{C7C641F9-CA95-A7B1-42B8-79AAC6533BE1}"/>
-                </a:ext>
-              </a:extLst>
-            </p:cNvPr>
-            <p:cNvCxnSpPr>
-              <a:cxnSpLocks/>
-            </p:cNvCxnSpPr>
-            <p:nvPr/>
-          </p:nvCxnSpPr>
-          <p:spPr>
-            <a:xfrm>
-              <a:off x="2388638" y="2155004"/>
-              <a:ext cx="3200400" cy="0"/>
-            </a:xfrm>
-            <a:prstGeom prst="line">
-              <a:avLst/>
-            </a:prstGeom>
-            <a:ln w="12700"/>
-          </p:spPr>
-          <p:style>
-            <a:lnRef idx="1">
-              <a:schemeClr val="dk1"/>
-            </a:lnRef>
-            <a:fillRef idx="0">
-              <a:schemeClr val="dk1"/>
-            </a:fillRef>
-            <a:effectRef idx="0">
-              <a:schemeClr val="dk1"/>
-            </a:effectRef>
-            <a:fontRef idx="minor">
-              <a:schemeClr val="tx1"/>
-            </a:fontRef>
-          </p:style>
-        </p:cxnSp>
-        <p:sp>
-          <p:nvSpPr>
-            <p:cNvPr id="9" name="Triángulo isósceles 8">
-              <a:extLst>
-                <a:ext uri="{FF2B5EF4-FFF2-40B4-BE49-F238E27FC236}">
-                  <a16:creationId xmlns:a16="http://schemas.microsoft.com/office/drawing/2014/main" id="{BF5311C8-056D-7622-4CE9-D3A8A802AD66}"/>
-                </a:ext>
-              </a:extLst>
-            </p:cNvPr>
-            <p:cNvSpPr/>
-            <p:nvPr/>
-          </p:nvSpPr>
-          <p:spPr>
-            <a:xfrm rot="10800000">
-              <a:off x="4051213" y="1994932"/>
-              <a:ext cx="324378" cy="160072"/>
-            </a:xfrm>
-            <a:prstGeom prst="triangle">
-              <a:avLst/>
-            </a:prstGeom>
-            <a:ln w="12700"/>
-          </p:spPr>
-          <p:style>
-            <a:lnRef idx="1">
-              <a:schemeClr val="dk1"/>
-            </a:lnRef>
-            <a:fillRef idx="0">
-              <a:schemeClr val="dk1"/>
-            </a:fillRef>
-            <a:effectRef idx="0">
-              <a:schemeClr val="dk1"/>
-            </a:effectRef>
-            <a:fontRef idx="minor">
-              <a:schemeClr val="tx1"/>
-            </a:fontRef>
-          </p:style>
-          <p:txBody>
-            <a:bodyPr rtlCol="0" anchor="ctr"/>
-            <a:lstStyle/>
-            <a:p>
-              <a:pPr algn="ctr"/>
-              <a:endParaRPr lang="en-US"/>
-            </a:p>
-          </p:txBody>
-        </p:sp>
-        <p:cxnSp>
-          <p:nvCxnSpPr>
-            <p:cNvPr id="10" name="Conector recto 9">
-              <a:extLst>
-                <a:ext uri="{FF2B5EF4-FFF2-40B4-BE49-F238E27FC236}">
-                  <a16:creationId xmlns:a16="http://schemas.microsoft.com/office/drawing/2014/main" id="{4E43E276-E196-74B5-71D9-43401A1DFA36}"/>
-                </a:ext>
-              </a:extLst>
-            </p:cNvPr>
-            <p:cNvCxnSpPr>
-              <a:cxnSpLocks/>
-            </p:cNvCxnSpPr>
-            <p:nvPr/>
-          </p:nvCxnSpPr>
-          <p:spPr>
-            <a:xfrm>
-              <a:off x="4076237" y="2203458"/>
-              <a:ext cx="274330" cy="0"/>
-            </a:xfrm>
-            <a:prstGeom prst="line">
-              <a:avLst/>
-            </a:prstGeom>
-            <a:ln w="12700"/>
-          </p:spPr>
-          <p:style>
-            <a:lnRef idx="1">
-              <a:schemeClr val="dk1"/>
-            </a:lnRef>
-            <a:fillRef idx="0">
-              <a:schemeClr val="dk1"/>
-            </a:fillRef>
-            <a:effectRef idx="0">
-              <a:schemeClr val="dk1"/>
-            </a:effectRef>
-            <a:fontRef idx="minor">
-              <a:schemeClr val="tx1"/>
-            </a:fontRef>
-          </p:style>
-        </p:cxnSp>
-        <p:cxnSp>
-          <p:nvCxnSpPr>
-            <p:cNvPr id="11" name="Conector recto 10">
-              <a:extLst>
-                <a:ext uri="{FF2B5EF4-FFF2-40B4-BE49-F238E27FC236}">
-                  <a16:creationId xmlns:a16="http://schemas.microsoft.com/office/drawing/2014/main" id="{FEA024F4-876F-36D8-31D2-D6A1D203F697}"/>
-                </a:ext>
-              </a:extLst>
-            </p:cNvPr>
-            <p:cNvCxnSpPr>
-              <a:cxnSpLocks/>
-            </p:cNvCxnSpPr>
-            <p:nvPr/>
-          </p:nvCxnSpPr>
-          <p:spPr>
-            <a:xfrm>
-              <a:off x="4135209" y="2272038"/>
-              <a:ext cx="156387" cy="0"/>
-            </a:xfrm>
-            <a:prstGeom prst="line">
-              <a:avLst/>
-            </a:prstGeom>
-            <a:ln w="12700"/>
-          </p:spPr>
-          <p:style>
-            <a:lnRef idx="1">
-              <a:schemeClr val="dk1"/>
-            </a:lnRef>
-            <a:fillRef idx="0">
-              <a:schemeClr val="dk1"/>
-            </a:fillRef>
-            <a:effectRef idx="0">
-              <a:schemeClr val="dk1"/>
-            </a:effectRef>
-            <a:fontRef idx="minor">
-              <a:schemeClr val="tx1"/>
-            </a:fontRef>
-          </p:style>
-        </p:cxnSp>
-        <p:cxnSp>
-          <p:nvCxnSpPr>
-            <p:cNvPr id="12" name="Conector recto 11">
-              <a:extLst>
-                <a:ext uri="{FF2B5EF4-FFF2-40B4-BE49-F238E27FC236}">
-                  <a16:creationId xmlns:a16="http://schemas.microsoft.com/office/drawing/2014/main" id="{A239A977-A324-D017-7F3B-36C0AE5045C2}"/>
-                </a:ext>
-              </a:extLst>
-            </p:cNvPr>
-            <p:cNvCxnSpPr>
-              <a:cxnSpLocks/>
-            </p:cNvCxnSpPr>
-            <p:nvPr/>
-          </p:nvCxnSpPr>
-          <p:spPr>
-            <a:xfrm>
-              <a:off x="4167677" y="2340618"/>
-              <a:ext cx="91450" cy="0"/>
-            </a:xfrm>
-            <a:prstGeom prst="line">
-              <a:avLst/>
-            </a:prstGeom>
-            <a:ln w="12700"/>
-          </p:spPr>
-          <p:style>
-            <a:lnRef idx="1">
-              <a:schemeClr val="dk1"/>
-            </a:lnRef>
-            <a:fillRef idx="0">
-              <a:schemeClr val="dk1"/>
-            </a:fillRef>
-            <a:effectRef idx="0">
-              <a:schemeClr val="dk1"/>
-            </a:effectRef>
-            <a:fontRef idx="minor">
-              <a:schemeClr val="tx1"/>
-            </a:fontRef>
-          </p:style>
-        </p:cxnSp>
-        <p:sp>
-          <p:nvSpPr>
-            <p:cNvPr id="18" name="CuadroTexto 17">
-              <a:extLst>
-                <a:ext uri="{FF2B5EF4-FFF2-40B4-BE49-F238E27FC236}">
-                  <a16:creationId xmlns:a16="http://schemas.microsoft.com/office/drawing/2014/main" id="{766BCE9A-4783-C163-E40E-C556E0A6163D}"/>
-                </a:ext>
-              </a:extLst>
-            </p:cNvPr>
-            <p:cNvSpPr txBox="1"/>
-            <p:nvPr/>
-          </p:nvSpPr>
-          <p:spPr>
-            <a:xfrm>
-              <a:off x="2601394" y="2272038"/>
-              <a:ext cx="1774197" cy="369332"/>
-            </a:xfrm>
-            <a:prstGeom prst="rect">
-              <a:avLst/>
-            </a:prstGeom>
-            <a:noFill/>
-          </p:spPr>
-          <p:txBody>
-            <a:bodyPr wrap="square" rtlCol="0">
-              <a:spAutoFit/>
-            </a:bodyPr>
-            <a:lstStyle/>
-            <a:p>
-              <a:r>
-                <a:rPr lang="es-VE" b="1" dirty="0">
-                  <a:latin typeface="Segoe UI Light" panose="020B0502040204020203" pitchFamily="34" charset="0"/>
-                  <a:cs typeface="Segoe UI Light" panose="020B0502040204020203" pitchFamily="34" charset="0"/>
-                </a:rPr>
-                <a:t>Flujo</a:t>
-              </a:r>
-              <a:endParaRPr lang="en-US" b="1" dirty="0">
-                <a:latin typeface="Segoe UI Light" panose="020B0502040204020203" pitchFamily="34" charset="0"/>
-                <a:cs typeface="Segoe UI Light" panose="020B0502040204020203" pitchFamily="34" charset="0"/>
-              </a:endParaRPr>
-            </a:p>
-          </p:txBody>
-        </p:sp>
-        <p:cxnSp>
-          <p:nvCxnSpPr>
-            <p:cNvPr id="20" name="Conector recto de flecha 19">
-              <a:extLst>
-                <a:ext uri="{FF2B5EF4-FFF2-40B4-BE49-F238E27FC236}">
-                  <a16:creationId xmlns:a16="http://schemas.microsoft.com/office/drawing/2014/main" id="{28A29462-34FC-BBD2-8D88-248D88185FA9}"/>
-                </a:ext>
-              </a:extLst>
-            </p:cNvPr>
-            <p:cNvCxnSpPr>
-              <a:cxnSpLocks/>
-            </p:cNvCxnSpPr>
-            <p:nvPr/>
-          </p:nvCxnSpPr>
-          <p:spPr>
-            <a:xfrm>
-              <a:off x="2509936" y="2649839"/>
-              <a:ext cx="908626" cy="0"/>
-            </a:xfrm>
-            <a:prstGeom prst="straightConnector1">
-              <a:avLst/>
-            </a:prstGeom>
-            <a:ln>
-              <a:solidFill>
-                <a:schemeClr val="bg2">
-                  <a:lumMod val="25000"/>
-                </a:schemeClr>
-              </a:solidFill>
-              <a:tailEnd type="triangle"/>
-            </a:ln>
-          </p:spPr>
-          <p:style>
-            <a:lnRef idx="1">
-              <a:schemeClr val="accent3"/>
-            </a:lnRef>
-            <a:fillRef idx="0">
-              <a:schemeClr val="accent3"/>
-            </a:fillRef>
-            <a:effectRef idx="0">
-              <a:schemeClr val="accent3"/>
-            </a:effectRef>
-            <a:fontRef idx="minor">
-              <a:schemeClr val="tx1"/>
-            </a:fontRef>
-          </p:style>
-        </p:cxnSp>
-        <p:sp>
-          <p:nvSpPr>
-            <p:cNvPr id="23" name="CuadroTexto 22">
-              <a:extLst>
-                <a:ext uri="{FF2B5EF4-FFF2-40B4-BE49-F238E27FC236}">
-                  <a16:creationId xmlns:a16="http://schemas.microsoft.com/office/drawing/2014/main" id="{A9FD051B-43A4-5716-EE17-BAE689693F96}"/>
-                </a:ext>
-              </a:extLst>
-            </p:cNvPr>
-            <p:cNvSpPr txBox="1"/>
-            <p:nvPr/>
-          </p:nvSpPr>
-          <p:spPr>
-            <a:xfrm>
               <a:off x="6018952" y="5022793"/>
               <a:ext cx="1774197" cy="369332"/>
             </a:xfrm>
@@ -9765,6 +9745,1395 @@
     <p:extLst>
       <p:ext uri="{BB962C8B-B14F-4D97-AF65-F5344CB8AC3E}">
         <p14:creationId xmlns:p14="http://schemas.microsoft.com/office/powerpoint/2010/main" val="3620805565"/>
+      </p:ext>
+    </p:extLst>
+  </p:cSld>
+  <p:clrMapOvr>
+    <a:masterClrMapping/>
+  </p:clrMapOvr>
+</p:sld>
+</file>
+
+<file path=ppt/slides/slide12.xml><?xml version="1.0" encoding="utf-8"?>
+<p:sld xmlns:a="http://schemas.openxmlformats.org/drawingml/2006/main" xmlns:r="http://schemas.openxmlformats.org/officeDocument/2006/relationships" xmlns:p="http://schemas.openxmlformats.org/presentationml/2006/main">
+  <p:cSld>
+    <p:spTree>
+      <p:nvGrpSpPr>
+        <p:cNvPr id="1" name=""/>
+        <p:cNvGrpSpPr/>
+        <p:nvPr/>
+      </p:nvGrpSpPr>
+      <p:grpSpPr>
+        <a:xfrm>
+          <a:off x="0" y="0"/>
+          <a:ext cx="0" cy="0"/>
+          <a:chOff x="0" y="0"/>
+          <a:chExt cx="0" cy="0"/>
+        </a:xfrm>
+      </p:grpSpPr>
+      <p:grpSp>
+        <p:nvGrpSpPr>
+          <p:cNvPr id="46" name="Grupo 45">
+            <a:extLst>
+              <a:ext uri="{FF2B5EF4-FFF2-40B4-BE49-F238E27FC236}">
+                <a16:creationId xmlns:a16="http://schemas.microsoft.com/office/drawing/2014/main" id="{861F122A-61B3-F6C8-9BAD-1013096FF75A}"/>
+              </a:ext>
+            </a:extLst>
+          </p:cNvPr>
+          <p:cNvGrpSpPr/>
+          <p:nvPr/>
+        </p:nvGrpSpPr>
+        <p:grpSpPr>
+          <a:xfrm>
+            <a:off x="1212313" y="1220457"/>
+            <a:ext cx="8550979" cy="4105187"/>
+            <a:chOff x="1212313" y="1220457"/>
+            <a:chExt cx="8550979" cy="4105187"/>
+          </a:xfrm>
+        </p:grpSpPr>
+        <p:sp>
+          <p:nvSpPr>
+            <p:cNvPr id="19" name="Rectángulo 18">
+              <a:extLst>
+                <a:ext uri="{FF2B5EF4-FFF2-40B4-BE49-F238E27FC236}">
+                  <a16:creationId xmlns:a16="http://schemas.microsoft.com/office/drawing/2014/main" id="{FA6A65B0-688A-5680-FB6F-85096DCF179B}"/>
+                </a:ext>
+              </a:extLst>
+            </p:cNvPr>
+            <p:cNvSpPr/>
+            <p:nvPr/>
+          </p:nvSpPr>
+          <p:spPr>
+            <a:xfrm>
+              <a:off x="2475153" y="3355450"/>
+              <a:ext cx="6665162" cy="1970193"/>
+            </a:xfrm>
+            <a:prstGeom prst="rect">
+              <a:avLst/>
+            </a:prstGeom>
+            <a:solidFill>
+              <a:schemeClr val="bg1">
+                <a:lumMod val="85000"/>
+              </a:schemeClr>
+            </a:solidFill>
+            <a:ln>
+              <a:noFill/>
+            </a:ln>
+          </p:spPr>
+          <p:style>
+            <a:lnRef idx="2">
+              <a:schemeClr val="accent1">
+                <a:shade val="50000"/>
+              </a:schemeClr>
+            </a:lnRef>
+            <a:fillRef idx="1">
+              <a:schemeClr val="accent1"/>
+            </a:fillRef>
+            <a:effectRef idx="0">
+              <a:schemeClr val="accent1"/>
+            </a:effectRef>
+            <a:fontRef idx="minor">
+              <a:schemeClr val="lt1"/>
+            </a:fontRef>
+          </p:style>
+          <p:txBody>
+            <a:bodyPr rtlCol="0" anchor="ctr"/>
+            <a:lstStyle/>
+            <a:p>
+              <a:pPr algn="ctr"/>
+              <a:endParaRPr lang="en-US"/>
+            </a:p>
+          </p:txBody>
+        </p:sp>
+        <p:sp>
+          <p:nvSpPr>
+            <p:cNvPr id="20" name="Rectángulo 19">
+              <a:extLst>
+                <a:ext uri="{FF2B5EF4-FFF2-40B4-BE49-F238E27FC236}">
+                  <a16:creationId xmlns:a16="http://schemas.microsoft.com/office/drawing/2014/main" id="{7E4B4A93-2D99-199E-6406-68E5FA5E147C}"/>
+                </a:ext>
+              </a:extLst>
+            </p:cNvPr>
+            <p:cNvSpPr/>
+            <p:nvPr/>
+          </p:nvSpPr>
+          <p:spPr>
+            <a:xfrm rot="180000">
+              <a:off x="2361040" y="3063464"/>
+              <a:ext cx="6893388" cy="1230464"/>
+            </a:xfrm>
+            <a:prstGeom prst="rect">
+              <a:avLst/>
+            </a:prstGeom>
+            <a:solidFill>
+              <a:schemeClr val="bg1"/>
+            </a:solidFill>
+            <a:ln>
+              <a:noFill/>
+            </a:ln>
+          </p:spPr>
+          <p:style>
+            <a:lnRef idx="2">
+              <a:schemeClr val="accent1">
+                <a:shade val="50000"/>
+              </a:schemeClr>
+            </a:lnRef>
+            <a:fillRef idx="1">
+              <a:schemeClr val="accent1"/>
+            </a:fillRef>
+            <a:effectRef idx="0">
+              <a:schemeClr val="accent1"/>
+            </a:effectRef>
+            <a:fontRef idx="minor">
+              <a:schemeClr val="lt1"/>
+            </a:fontRef>
+          </p:style>
+          <p:txBody>
+            <a:bodyPr rtlCol="0" anchor="ctr"/>
+            <a:lstStyle/>
+            <a:p>
+              <a:pPr algn="ctr"/>
+              <a:endParaRPr lang="en-US"/>
+            </a:p>
+          </p:txBody>
+        </p:sp>
+        <p:cxnSp>
+          <p:nvCxnSpPr>
+            <p:cNvPr id="4" name="Conector recto 3">
+              <a:extLst>
+                <a:ext uri="{FF2B5EF4-FFF2-40B4-BE49-F238E27FC236}">
+                  <a16:creationId xmlns:a16="http://schemas.microsoft.com/office/drawing/2014/main" id="{D061E941-E727-4498-D51E-420D2C23289D}"/>
+                </a:ext>
+              </a:extLst>
+            </p:cNvPr>
+            <p:cNvCxnSpPr>
+              <a:cxnSpLocks/>
+            </p:cNvCxnSpPr>
+            <p:nvPr/>
+          </p:nvCxnSpPr>
+          <p:spPr>
+            <a:xfrm flipV="1">
+              <a:off x="2475153" y="1628771"/>
+              <a:ext cx="0" cy="3696873"/>
+            </a:xfrm>
+            <a:prstGeom prst="line">
+              <a:avLst/>
+            </a:prstGeom>
+            <a:ln w="19050">
+              <a:solidFill>
+                <a:schemeClr val="bg2">
+                  <a:lumMod val="50000"/>
+                </a:schemeClr>
+              </a:solidFill>
+              <a:prstDash val="lgDash"/>
+            </a:ln>
+          </p:spPr>
+          <p:style>
+            <a:lnRef idx="1">
+              <a:schemeClr val="accent1"/>
+            </a:lnRef>
+            <a:fillRef idx="0">
+              <a:schemeClr val="accent1"/>
+            </a:fillRef>
+            <a:effectRef idx="0">
+              <a:schemeClr val="accent1"/>
+            </a:effectRef>
+            <a:fontRef idx="minor">
+              <a:schemeClr val="tx1"/>
+            </a:fontRef>
+          </p:style>
+        </p:cxnSp>
+        <p:cxnSp>
+          <p:nvCxnSpPr>
+            <p:cNvPr id="5" name="Conector recto 4">
+              <a:extLst>
+                <a:ext uri="{FF2B5EF4-FFF2-40B4-BE49-F238E27FC236}">
+                  <a16:creationId xmlns:a16="http://schemas.microsoft.com/office/drawing/2014/main" id="{D8FCCBA2-209E-74A1-0986-0F33DE89CD33}"/>
+                </a:ext>
+              </a:extLst>
+            </p:cNvPr>
+            <p:cNvCxnSpPr>
+              <a:cxnSpLocks/>
+            </p:cNvCxnSpPr>
+            <p:nvPr/>
+          </p:nvCxnSpPr>
+          <p:spPr>
+            <a:xfrm flipV="1">
+              <a:off x="9140320" y="1628771"/>
+              <a:ext cx="0" cy="3696873"/>
+            </a:xfrm>
+            <a:prstGeom prst="line">
+              <a:avLst/>
+            </a:prstGeom>
+            <a:ln w="19050">
+              <a:solidFill>
+                <a:schemeClr val="bg2">
+                  <a:lumMod val="50000"/>
+                </a:schemeClr>
+              </a:solidFill>
+              <a:prstDash val="lgDash"/>
+            </a:ln>
+          </p:spPr>
+          <p:style>
+            <a:lnRef idx="1">
+              <a:schemeClr val="accent1"/>
+            </a:lnRef>
+            <a:fillRef idx="0">
+              <a:schemeClr val="accent1"/>
+            </a:fillRef>
+            <a:effectRef idx="0">
+              <a:schemeClr val="accent1"/>
+            </a:effectRef>
+            <a:fontRef idx="minor">
+              <a:schemeClr val="tx1"/>
+            </a:fontRef>
+          </p:style>
+        </p:cxnSp>
+        <p:cxnSp>
+          <p:nvCxnSpPr>
+            <p:cNvPr id="6" name="Conector recto 5">
+              <a:extLst>
+                <a:ext uri="{FF2B5EF4-FFF2-40B4-BE49-F238E27FC236}">
+                  <a16:creationId xmlns:a16="http://schemas.microsoft.com/office/drawing/2014/main" id="{B0AAA414-5F6E-3FEB-6709-7D198C30EBF8}"/>
+                </a:ext>
+              </a:extLst>
+            </p:cNvPr>
+            <p:cNvCxnSpPr>
+              <a:cxnSpLocks/>
+            </p:cNvCxnSpPr>
+            <p:nvPr/>
+          </p:nvCxnSpPr>
+          <p:spPr>
+            <a:xfrm flipV="1">
+              <a:off x="5807737" y="1628771"/>
+              <a:ext cx="0" cy="3696873"/>
+            </a:xfrm>
+            <a:prstGeom prst="line">
+              <a:avLst/>
+            </a:prstGeom>
+            <a:ln w="19050">
+              <a:solidFill>
+                <a:schemeClr val="bg2">
+                  <a:lumMod val="50000"/>
+                </a:schemeClr>
+              </a:solidFill>
+              <a:prstDash val="lgDash"/>
+            </a:ln>
+          </p:spPr>
+          <p:style>
+            <a:lnRef idx="1">
+              <a:schemeClr val="accent1"/>
+            </a:lnRef>
+            <a:fillRef idx="0">
+              <a:schemeClr val="accent1"/>
+            </a:fillRef>
+            <a:effectRef idx="0">
+              <a:schemeClr val="accent1"/>
+            </a:effectRef>
+            <a:fontRef idx="minor">
+              <a:schemeClr val="tx1"/>
+            </a:fontRef>
+          </p:style>
+        </p:cxnSp>
+        <p:cxnSp>
+          <p:nvCxnSpPr>
+            <p:cNvPr id="8" name="Conector recto 7">
+              <a:extLst>
+                <a:ext uri="{FF2B5EF4-FFF2-40B4-BE49-F238E27FC236}">
+                  <a16:creationId xmlns:a16="http://schemas.microsoft.com/office/drawing/2014/main" id="{FEB1CF91-CA3E-FEFF-0593-24CF57710D78}"/>
+                </a:ext>
+              </a:extLst>
+            </p:cNvPr>
+            <p:cNvCxnSpPr>
+              <a:cxnSpLocks/>
+            </p:cNvCxnSpPr>
+            <p:nvPr/>
+          </p:nvCxnSpPr>
+          <p:spPr>
+            <a:xfrm>
+              <a:off x="2037962" y="4106847"/>
+              <a:ext cx="7678885" cy="373832"/>
+            </a:xfrm>
+            <a:prstGeom prst="line">
+              <a:avLst/>
+            </a:prstGeom>
+            <a:ln w="28575">
+              <a:solidFill>
+                <a:schemeClr val="bg2">
+                  <a:lumMod val="25000"/>
+                </a:schemeClr>
+              </a:solidFill>
+            </a:ln>
+          </p:spPr>
+          <p:style>
+            <a:lnRef idx="1">
+              <a:schemeClr val="accent1"/>
+            </a:lnRef>
+            <a:fillRef idx="0">
+              <a:schemeClr val="accent1"/>
+            </a:fillRef>
+            <a:effectRef idx="0">
+              <a:schemeClr val="accent1"/>
+            </a:effectRef>
+            <a:fontRef idx="minor">
+              <a:schemeClr val="tx1"/>
+            </a:fontRef>
+          </p:style>
+        </p:cxnSp>
+        <p:cxnSp>
+          <p:nvCxnSpPr>
+            <p:cNvPr id="10" name="Conector recto 9">
+              <a:extLst>
+                <a:ext uri="{FF2B5EF4-FFF2-40B4-BE49-F238E27FC236}">
+                  <a16:creationId xmlns:a16="http://schemas.microsoft.com/office/drawing/2014/main" id="{D9FA4FE8-D5D5-4928-6634-97FC116C7BC5}"/>
+                </a:ext>
+              </a:extLst>
+            </p:cNvPr>
+            <p:cNvCxnSpPr>
+              <a:cxnSpLocks/>
+            </p:cNvCxnSpPr>
+            <p:nvPr/>
+          </p:nvCxnSpPr>
+          <p:spPr>
+            <a:xfrm>
+              <a:off x="2037962" y="2149240"/>
+              <a:ext cx="7725330" cy="458177"/>
+            </a:xfrm>
+            <a:prstGeom prst="line">
+              <a:avLst/>
+            </a:prstGeom>
+            <a:ln w="12700"/>
+          </p:spPr>
+          <p:style>
+            <a:lnRef idx="1">
+              <a:schemeClr val="dk1"/>
+            </a:lnRef>
+            <a:fillRef idx="0">
+              <a:schemeClr val="dk1"/>
+            </a:fillRef>
+            <a:effectRef idx="0">
+              <a:schemeClr val="dk1"/>
+            </a:effectRef>
+            <a:fontRef idx="minor">
+              <a:schemeClr val="tx1"/>
+            </a:fontRef>
+          </p:style>
+        </p:cxnSp>
+        <p:sp>
+          <p:nvSpPr>
+            <p:cNvPr id="12" name="Triángulo isósceles 11">
+              <a:extLst>
+                <a:ext uri="{FF2B5EF4-FFF2-40B4-BE49-F238E27FC236}">
+                  <a16:creationId xmlns:a16="http://schemas.microsoft.com/office/drawing/2014/main" id="{7B7FA729-D3A7-3715-1916-BEBB54E8DC47}"/>
+                </a:ext>
+              </a:extLst>
+            </p:cNvPr>
+            <p:cNvSpPr/>
+            <p:nvPr/>
+          </p:nvSpPr>
+          <p:spPr>
+            <a:xfrm rot="10800000">
+              <a:off x="8082038" y="2350336"/>
+              <a:ext cx="324378" cy="160072"/>
+            </a:xfrm>
+            <a:prstGeom prst="triangle">
+              <a:avLst/>
+            </a:prstGeom>
+            <a:ln w="12700"/>
+          </p:spPr>
+          <p:style>
+            <a:lnRef idx="1">
+              <a:schemeClr val="dk1"/>
+            </a:lnRef>
+            <a:fillRef idx="0">
+              <a:schemeClr val="dk1"/>
+            </a:fillRef>
+            <a:effectRef idx="0">
+              <a:schemeClr val="dk1"/>
+            </a:effectRef>
+            <a:fontRef idx="minor">
+              <a:schemeClr val="tx1"/>
+            </a:fontRef>
+          </p:style>
+          <p:txBody>
+            <a:bodyPr rtlCol="0" anchor="ctr"/>
+            <a:lstStyle/>
+            <a:p>
+              <a:pPr algn="ctr"/>
+              <a:endParaRPr lang="en-US" dirty="0"/>
+            </a:p>
+          </p:txBody>
+        </p:sp>
+        <p:cxnSp>
+          <p:nvCxnSpPr>
+            <p:cNvPr id="13" name="Conector recto 12">
+              <a:extLst>
+                <a:ext uri="{FF2B5EF4-FFF2-40B4-BE49-F238E27FC236}">
+                  <a16:creationId xmlns:a16="http://schemas.microsoft.com/office/drawing/2014/main" id="{96404A4F-49CE-0E11-B1E3-97989E4E00C2}"/>
+                </a:ext>
+              </a:extLst>
+            </p:cNvPr>
+            <p:cNvCxnSpPr>
+              <a:cxnSpLocks/>
+            </p:cNvCxnSpPr>
+            <p:nvPr/>
+          </p:nvCxnSpPr>
+          <p:spPr>
+            <a:xfrm>
+              <a:off x="8107062" y="2558862"/>
+              <a:ext cx="274330" cy="0"/>
+            </a:xfrm>
+            <a:prstGeom prst="line">
+              <a:avLst/>
+            </a:prstGeom>
+            <a:ln w="12700"/>
+          </p:spPr>
+          <p:style>
+            <a:lnRef idx="1">
+              <a:schemeClr val="dk1"/>
+            </a:lnRef>
+            <a:fillRef idx="0">
+              <a:schemeClr val="dk1"/>
+            </a:fillRef>
+            <a:effectRef idx="0">
+              <a:schemeClr val="dk1"/>
+            </a:effectRef>
+            <a:fontRef idx="minor">
+              <a:schemeClr val="tx1"/>
+            </a:fontRef>
+          </p:style>
+        </p:cxnSp>
+        <p:cxnSp>
+          <p:nvCxnSpPr>
+            <p:cNvPr id="14" name="Conector recto 13">
+              <a:extLst>
+                <a:ext uri="{FF2B5EF4-FFF2-40B4-BE49-F238E27FC236}">
+                  <a16:creationId xmlns:a16="http://schemas.microsoft.com/office/drawing/2014/main" id="{2ECBB768-9768-E310-03B3-68B371EBECA8}"/>
+                </a:ext>
+              </a:extLst>
+            </p:cNvPr>
+            <p:cNvCxnSpPr>
+              <a:cxnSpLocks/>
+            </p:cNvCxnSpPr>
+            <p:nvPr/>
+          </p:nvCxnSpPr>
+          <p:spPr>
+            <a:xfrm>
+              <a:off x="8166034" y="2627442"/>
+              <a:ext cx="156387" cy="0"/>
+            </a:xfrm>
+            <a:prstGeom prst="line">
+              <a:avLst/>
+            </a:prstGeom>
+            <a:ln w="12700"/>
+          </p:spPr>
+          <p:style>
+            <a:lnRef idx="1">
+              <a:schemeClr val="dk1"/>
+            </a:lnRef>
+            <a:fillRef idx="0">
+              <a:schemeClr val="dk1"/>
+            </a:fillRef>
+            <a:effectRef idx="0">
+              <a:schemeClr val="dk1"/>
+            </a:effectRef>
+            <a:fontRef idx="minor">
+              <a:schemeClr val="tx1"/>
+            </a:fontRef>
+          </p:style>
+        </p:cxnSp>
+        <p:cxnSp>
+          <p:nvCxnSpPr>
+            <p:cNvPr id="15" name="Conector recto 14">
+              <a:extLst>
+                <a:ext uri="{FF2B5EF4-FFF2-40B4-BE49-F238E27FC236}">
+                  <a16:creationId xmlns:a16="http://schemas.microsoft.com/office/drawing/2014/main" id="{427E1259-30B3-834B-2C75-8FF2D29E7BF8}"/>
+                </a:ext>
+              </a:extLst>
+            </p:cNvPr>
+            <p:cNvCxnSpPr>
+              <a:cxnSpLocks/>
+            </p:cNvCxnSpPr>
+            <p:nvPr/>
+          </p:nvCxnSpPr>
+          <p:spPr>
+            <a:xfrm>
+              <a:off x="8198502" y="2696022"/>
+              <a:ext cx="91450" cy="0"/>
+            </a:xfrm>
+            <a:prstGeom prst="line">
+              <a:avLst/>
+            </a:prstGeom>
+            <a:ln w="12700"/>
+          </p:spPr>
+          <p:style>
+            <a:lnRef idx="1">
+              <a:schemeClr val="dk1"/>
+            </a:lnRef>
+            <a:fillRef idx="0">
+              <a:schemeClr val="dk1"/>
+            </a:fillRef>
+            <a:effectRef idx="0">
+              <a:schemeClr val="dk1"/>
+            </a:effectRef>
+            <a:fontRef idx="minor">
+              <a:schemeClr val="tx1"/>
+            </a:fontRef>
+          </p:style>
+        </p:cxnSp>
+        <p:cxnSp>
+          <p:nvCxnSpPr>
+            <p:cNvPr id="18" name="Conector recto 17">
+              <a:extLst>
+                <a:ext uri="{FF2B5EF4-FFF2-40B4-BE49-F238E27FC236}">
+                  <a16:creationId xmlns:a16="http://schemas.microsoft.com/office/drawing/2014/main" id="{980B2216-C2B7-EB3C-B551-C3DA8D13A05D}"/>
+                </a:ext>
+              </a:extLst>
+            </p:cNvPr>
+            <p:cNvCxnSpPr>
+              <a:cxnSpLocks/>
+            </p:cNvCxnSpPr>
+            <p:nvPr/>
+          </p:nvCxnSpPr>
+          <p:spPr>
+            <a:xfrm>
+              <a:off x="2037962" y="5325644"/>
+              <a:ext cx="7632440" cy="0"/>
+            </a:xfrm>
+            <a:prstGeom prst="line">
+              <a:avLst/>
+            </a:prstGeom>
+            <a:ln w="28575">
+              <a:solidFill>
+                <a:schemeClr val="bg2">
+                  <a:lumMod val="25000"/>
+                </a:schemeClr>
+              </a:solidFill>
+            </a:ln>
+          </p:spPr>
+          <p:style>
+            <a:lnRef idx="1">
+              <a:schemeClr val="accent1"/>
+            </a:lnRef>
+            <a:fillRef idx="0">
+              <a:schemeClr val="accent1"/>
+            </a:fillRef>
+            <a:effectRef idx="0">
+              <a:schemeClr val="accent1"/>
+            </a:effectRef>
+            <a:fontRef idx="minor">
+              <a:schemeClr val="tx1"/>
+            </a:fontRef>
+          </p:style>
+        </p:cxnSp>
+        <p:cxnSp>
+          <p:nvCxnSpPr>
+            <p:cNvPr id="22" name="Conector recto 21">
+              <a:extLst>
+                <a:ext uri="{FF2B5EF4-FFF2-40B4-BE49-F238E27FC236}">
+                  <a16:creationId xmlns:a16="http://schemas.microsoft.com/office/drawing/2014/main" id="{6AB0C883-35D0-44E1-6D19-FA822FFAE48D}"/>
+                </a:ext>
+              </a:extLst>
+            </p:cNvPr>
+            <p:cNvCxnSpPr>
+              <a:cxnSpLocks/>
+            </p:cNvCxnSpPr>
+            <p:nvPr/>
+          </p:nvCxnSpPr>
+          <p:spPr>
+            <a:xfrm flipV="1">
+              <a:off x="4101519" y="2310580"/>
+              <a:ext cx="0" cy="2975307"/>
+            </a:xfrm>
+            <a:prstGeom prst="line">
+              <a:avLst/>
+            </a:prstGeom>
+            <a:ln w="28575">
+              <a:solidFill>
+                <a:schemeClr val="bg2">
+                  <a:lumMod val="50000"/>
+                </a:schemeClr>
+              </a:solidFill>
+              <a:prstDash val="lgDash"/>
+            </a:ln>
+          </p:spPr>
+          <p:style>
+            <a:lnRef idx="1">
+              <a:schemeClr val="accent1"/>
+            </a:lnRef>
+            <a:fillRef idx="0">
+              <a:schemeClr val="accent1"/>
+            </a:fillRef>
+            <a:effectRef idx="0">
+              <a:schemeClr val="accent1"/>
+            </a:effectRef>
+            <a:fontRef idx="minor">
+              <a:schemeClr val="tx1"/>
+            </a:fontRef>
+          </p:style>
+        </p:cxnSp>
+        <p:cxnSp>
+          <p:nvCxnSpPr>
+            <p:cNvPr id="24" name="Conector recto 23">
+              <a:extLst>
+                <a:ext uri="{FF2B5EF4-FFF2-40B4-BE49-F238E27FC236}">
+                  <a16:creationId xmlns:a16="http://schemas.microsoft.com/office/drawing/2014/main" id="{A07E935F-73FF-0E0A-DC2F-E54CF90696DD}"/>
+                </a:ext>
+              </a:extLst>
+            </p:cNvPr>
+            <p:cNvCxnSpPr>
+              <a:cxnSpLocks/>
+            </p:cNvCxnSpPr>
+            <p:nvPr/>
+          </p:nvCxnSpPr>
+          <p:spPr>
+            <a:xfrm flipV="1">
+              <a:off x="7474197" y="2470652"/>
+              <a:ext cx="0" cy="2811822"/>
+            </a:xfrm>
+            <a:prstGeom prst="line">
+              <a:avLst/>
+            </a:prstGeom>
+            <a:ln w="28575">
+              <a:solidFill>
+                <a:schemeClr val="bg2">
+                  <a:lumMod val="50000"/>
+                </a:schemeClr>
+              </a:solidFill>
+              <a:prstDash val="lgDash"/>
+            </a:ln>
+          </p:spPr>
+          <p:style>
+            <a:lnRef idx="1">
+              <a:schemeClr val="accent1"/>
+            </a:lnRef>
+            <a:fillRef idx="0">
+              <a:schemeClr val="accent1"/>
+            </a:fillRef>
+            <a:effectRef idx="0">
+              <a:schemeClr val="accent1"/>
+            </a:effectRef>
+            <a:fontRef idx="minor">
+              <a:schemeClr val="tx1"/>
+            </a:fontRef>
+          </p:style>
+        </p:cxnSp>
+        <p:cxnSp>
+          <p:nvCxnSpPr>
+            <p:cNvPr id="26" name="Conector recto 25">
+              <a:extLst>
+                <a:ext uri="{FF2B5EF4-FFF2-40B4-BE49-F238E27FC236}">
+                  <a16:creationId xmlns:a16="http://schemas.microsoft.com/office/drawing/2014/main" id="{86370A3F-9830-D6DB-A7CE-83389937E665}"/>
+                </a:ext>
+              </a:extLst>
+            </p:cNvPr>
+            <p:cNvCxnSpPr>
+              <a:cxnSpLocks/>
+            </p:cNvCxnSpPr>
+            <p:nvPr/>
+          </p:nvCxnSpPr>
+          <p:spPr>
+            <a:xfrm flipH="1" flipV="1">
+              <a:off x="4122679" y="2338572"/>
+              <a:ext cx="3346327" cy="180534"/>
+            </a:xfrm>
+            <a:prstGeom prst="line">
+              <a:avLst/>
+            </a:prstGeom>
+            <a:ln w="28575">
+              <a:solidFill>
+                <a:schemeClr val="bg2">
+                  <a:lumMod val="50000"/>
+                </a:schemeClr>
+              </a:solidFill>
+              <a:prstDash val="lgDash"/>
+            </a:ln>
+          </p:spPr>
+          <p:style>
+            <a:lnRef idx="1">
+              <a:schemeClr val="accent1"/>
+            </a:lnRef>
+            <a:fillRef idx="0">
+              <a:schemeClr val="accent1"/>
+            </a:fillRef>
+            <a:effectRef idx="0">
+              <a:schemeClr val="accent1"/>
+            </a:effectRef>
+            <a:fontRef idx="minor">
+              <a:schemeClr val="tx1"/>
+            </a:fontRef>
+          </p:style>
+        </p:cxnSp>
+        <p:cxnSp>
+          <p:nvCxnSpPr>
+            <p:cNvPr id="29" name="Conector recto 28">
+              <a:extLst>
+                <a:ext uri="{FF2B5EF4-FFF2-40B4-BE49-F238E27FC236}">
+                  <a16:creationId xmlns:a16="http://schemas.microsoft.com/office/drawing/2014/main" id="{77152B94-A2D4-64CD-A6EE-A947B687DE68}"/>
+                </a:ext>
+              </a:extLst>
+            </p:cNvPr>
+            <p:cNvCxnSpPr>
+              <a:cxnSpLocks/>
+            </p:cNvCxnSpPr>
+            <p:nvPr/>
+          </p:nvCxnSpPr>
+          <p:spPr>
+            <a:xfrm flipV="1">
+              <a:off x="4101519" y="5282474"/>
+              <a:ext cx="3367487" cy="7832"/>
+            </a:xfrm>
+            <a:prstGeom prst="line">
+              <a:avLst/>
+            </a:prstGeom>
+            <a:ln w="28575">
+              <a:solidFill>
+                <a:schemeClr val="bg2">
+                  <a:lumMod val="50000"/>
+                </a:schemeClr>
+              </a:solidFill>
+              <a:prstDash val="lgDash"/>
+            </a:ln>
+          </p:spPr>
+          <p:style>
+            <a:lnRef idx="1">
+              <a:schemeClr val="accent1"/>
+            </a:lnRef>
+            <a:fillRef idx="0">
+              <a:schemeClr val="accent1"/>
+            </a:fillRef>
+            <a:effectRef idx="0">
+              <a:schemeClr val="accent1"/>
+            </a:effectRef>
+            <a:fontRef idx="minor">
+              <a:schemeClr val="tx1"/>
+            </a:fontRef>
+          </p:style>
+        </p:cxnSp>
+        <p:sp>
+          <p:nvSpPr>
+            <p:cNvPr id="32" name="CuadroTexto 31">
+              <a:extLst>
+                <a:ext uri="{FF2B5EF4-FFF2-40B4-BE49-F238E27FC236}">
+                  <a16:creationId xmlns:a16="http://schemas.microsoft.com/office/drawing/2014/main" id="{72F25DB6-A417-10BF-C889-752E2E528550}"/>
+                </a:ext>
+              </a:extLst>
+            </p:cNvPr>
+            <p:cNvSpPr txBox="1"/>
+            <p:nvPr/>
+          </p:nvSpPr>
+          <p:spPr>
+            <a:xfrm>
+              <a:off x="2858462" y="2973112"/>
+              <a:ext cx="1301750" cy="338554"/>
+            </a:xfrm>
+            <a:prstGeom prst="rect">
+              <a:avLst/>
+            </a:prstGeom>
+            <a:noFill/>
+          </p:spPr>
+          <p:txBody>
+            <a:bodyPr wrap="square" rtlCol="0">
+              <a:spAutoFit/>
+            </a:bodyPr>
+            <a:lstStyle>
+              <a:defPPr>
+                <a:defRPr lang="en-US"/>
+              </a:defPPr>
+              <a:lvl1pPr algn="ctr">
+                <a:defRPr sz="1100" b="1">
+                  <a:solidFill>
+                    <a:schemeClr val="bg2">
+                      <a:lumMod val="25000"/>
+                    </a:schemeClr>
+                  </a:solidFill>
+                  <a:latin typeface="Segoe UI Light" panose="020B0502040204020203" pitchFamily="34" charset="0"/>
+                  <a:cs typeface="Segoe UI Light" panose="020B0502040204020203" pitchFamily="34" charset="0"/>
+                </a:defRPr>
+              </a:lvl1pPr>
+            </a:lstStyle>
+            <a:p>
+              <a:r>
+                <a:rPr lang="en-US" sz="1600" dirty="0">
+                  <a:solidFill>
+                    <a:schemeClr val="bg2">
+                      <a:lumMod val="10000"/>
+                    </a:schemeClr>
+                  </a:solidFill>
+                </a:rPr>
+                <a:t>Q</a:t>
+              </a:r>
+              <a:r>
+                <a:rPr lang="en-US" sz="1600" baseline="-25000" dirty="0">
+                  <a:solidFill>
+                    <a:schemeClr val="bg2">
+                      <a:lumMod val="10000"/>
+                    </a:schemeClr>
+                  </a:solidFill>
+                </a:rPr>
+                <a:t>S (in)</a:t>
+              </a:r>
+              <a:endParaRPr lang="en-US" sz="1400" baseline="-25000" dirty="0">
+                <a:solidFill>
+                  <a:schemeClr val="bg2">
+                    <a:lumMod val="10000"/>
+                  </a:schemeClr>
+                </a:solidFill>
+              </a:endParaRPr>
+            </a:p>
+          </p:txBody>
+        </p:sp>
+        <p:sp>
+          <p:nvSpPr>
+            <p:cNvPr id="33" name="CuadroTexto 32">
+              <a:extLst>
+                <a:ext uri="{FF2B5EF4-FFF2-40B4-BE49-F238E27FC236}">
+                  <a16:creationId xmlns:a16="http://schemas.microsoft.com/office/drawing/2014/main" id="{CEB748B8-E192-DE3D-860C-D1FFAF5D034E}"/>
+                </a:ext>
+              </a:extLst>
+            </p:cNvPr>
+            <p:cNvSpPr txBox="1"/>
+            <p:nvPr/>
+          </p:nvSpPr>
+          <p:spPr>
+            <a:xfrm>
+              <a:off x="7358625" y="3201426"/>
+              <a:ext cx="1301750" cy="338554"/>
+            </a:xfrm>
+            <a:prstGeom prst="rect">
+              <a:avLst/>
+            </a:prstGeom>
+            <a:noFill/>
+          </p:spPr>
+          <p:txBody>
+            <a:bodyPr wrap="square" rtlCol="0">
+              <a:spAutoFit/>
+            </a:bodyPr>
+            <a:lstStyle>
+              <a:defPPr>
+                <a:defRPr lang="en-US"/>
+              </a:defPPr>
+              <a:lvl1pPr algn="ctr">
+                <a:defRPr sz="1100" b="1">
+                  <a:solidFill>
+                    <a:schemeClr val="bg2">
+                      <a:lumMod val="25000"/>
+                    </a:schemeClr>
+                  </a:solidFill>
+                  <a:latin typeface="Segoe UI Light" panose="020B0502040204020203" pitchFamily="34" charset="0"/>
+                  <a:cs typeface="Segoe UI Light" panose="020B0502040204020203" pitchFamily="34" charset="0"/>
+                </a:defRPr>
+              </a:lvl1pPr>
+            </a:lstStyle>
+            <a:p>
+              <a:r>
+                <a:rPr lang="en-US" sz="1600" dirty="0">
+                  <a:solidFill>
+                    <a:schemeClr val="bg2">
+                      <a:lumMod val="10000"/>
+                    </a:schemeClr>
+                  </a:solidFill>
+                </a:rPr>
+                <a:t>Q</a:t>
+              </a:r>
+              <a:r>
+                <a:rPr lang="en-US" sz="1600" baseline="-25000" dirty="0">
+                  <a:solidFill>
+                    <a:schemeClr val="bg2">
+                      <a:lumMod val="10000"/>
+                    </a:schemeClr>
+                  </a:solidFill>
+                </a:rPr>
+                <a:t>S (out)</a:t>
+              </a:r>
+              <a:endParaRPr lang="en-US" sz="1400" baseline="-25000" dirty="0">
+                <a:solidFill>
+                  <a:schemeClr val="bg2">
+                    <a:lumMod val="10000"/>
+                  </a:schemeClr>
+                </a:solidFill>
+              </a:endParaRPr>
+            </a:p>
+          </p:txBody>
+        </p:sp>
+        <p:cxnSp>
+          <p:nvCxnSpPr>
+            <p:cNvPr id="34" name="Conector recto de flecha 33">
+              <a:extLst>
+                <a:ext uri="{FF2B5EF4-FFF2-40B4-BE49-F238E27FC236}">
+                  <a16:creationId xmlns:a16="http://schemas.microsoft.com/office/drawing/2014/main" id="{3BD7D15D-1B1E-B1B6-AD62-2BF18A264B32}"/>
+                </a:ext>
+              </a:extLst>
+            </p:cNvPr>
+            <p:cNvCxnSpPr>
+              <a:cxnSpLocks/>
+            </p:cNvCxnSpPr>
+            <p:nvPr/>
+          </p:nvCxnSpPr>
+          <p:spPr>
+            <a:xfrm>
+              <a:off x="1436867" y="3053198"/>
+              <a:ext cx="852643" cy="102896"/>
+            </a:xfrm>
+            <a:prstGeom prst="straightConnector1">
+              <a:avLst/>
+            </a:prstGeom>
+            <a:ln w="57150">
+              <a:solidFill>
+                <a:schemeClr val="bg2">
+                  <a:lumMod val="25000"/>
+                </a:schemeClr>
+              </a:solidFill>
+              <a:tailEnd type="triangle"/>
+            </a:ln>
+          </p:spPr>
+          <p:style>
+            <a:lnRef idx="1">
+              <a:schemeClr val="accent3"/>
+            </a:lnRef>
+            <a:fillRef idx="0">
+              <a:schemeClr val="accent3"/>
+            </a:fillRef>
+            <a:effectRef idx="0">
+              <a:schemeClr val="accent3"/>
+            </a:effectRef>
+            <a:fontRef idx="minor">
+              <a:schemeClr val="tx1"/>
+            </a:fontRef>
+          </p:style>
+        </p:cxnSp>
+        <p:sp>
+          <p:nvSpPr>
+            <p:cNvPr id="36" name="CuadroTexto 35">
+              <a:extLst>
+                <a:ext uri="{FF2B5EF4-FFF2-40B4-BE49-F238E27FC236}">
+                  <a16:creationId xmlns:a16="http://schemas.microsoft.com/office/drawing/2014/main" id="{CB7A1B72-DC5A-D6A8-9CED-2C0BAA140C32}"/>
+                </a:ext>
+              </a:extLst>
+            </p:cNvPr>
+            <p:cNvSpPr txBox="1"/>
+            <p:nvPr/>
+          </p:nvSpPr>
+          <p:spPr>
+            <a:xfrm>
+              <a:off x="1212313" y="2634558"/>
+              <a:ext cx="1301750" cy="338554"/>
+            </a:xfrm>
+            <a:prstGeom prst="rect">
+              <a:avLst/>
+            </a:prstGeom>
+            <a:noFill/>
+          </p:spPr>
+          <p:txBody>
+            <a:bodyPr wrap="square" rtlCol="0">
+              <a:spAutoFit/>
+            </a:bodyPr>
+            <a:lstStyle>
+              <a:defPPr>
+                <a:defRPr lang="en-US"/>
+              </a:defPPr>
+              <a:lvl1pPr algn="ctr">
+                <a:defRPr sz="1100" b="1">
+                  <a:solidFill>
+                    <a:schemeClr val="bg2">
+                      <a:lumMod val="25000"/>
+                    </a:schemeClr>
+                  </a:solidFill>
+                  <a:latin typeface="Segoe UI Light" panose="020B0502040204020203" pitchFamily="34" charset="0"/>
+                  <a:cs typeface="Segoe UI Light" panose="020B0502040204020203" pitchFamily="34" charset="0"/>
+                </a:defRPr>
+              </a:lvl1pPr>
+            </a:lstStyle>
+            <a:p>
+              <a:r>
+                <a:rPr lang="en-US" sz="1600" dirty="0">
+                  <a:solidFill>
+                    <a:schemeClr val="bg2">
+                      <a:lumMod val="10000"/>
+                    </a:schemeClr>
+                  </a:solidFill>
+                </a:rPr>
+                <a:t>Q</a:t>
+              </a:r>
+              <a:r>
+                <a:rPr lang="en-US" sz="1600" baseline="-25000" dirty="0">
+                  <a:solidFill>
+                    <a:schemeClr val="bg2">
+                      <a:lumMod val="10000"/>
+                    </a:schemeClr>
+                  </a:solidFill>
+                </a:rPr>
+                <a:t> </a:t>
+              </a:r>
+              <a:endParaRPr lang="en-US" sz="1400" baseline="-25000" dirty="0">
+                <a:solidFill>
+                  <a:schemeClr val="bg2">
+                    <a:lumMod val="10000"/>
+                  </a:schemeClr>
+                </a:solidFill>
+              </a:endParaRPr>
+            </a:p>
+          </p:txBody>
+        </p:sp>
+        <p:cxnSp>
+          <p:nvCxnSpPr>
+            <p:cNvPr id="37" name="Conector recto de flecha 36">
+              <a:extLst>
+                <a:ext uri="{FF2B5EF4-FFF2-40B4-BE49-F238E27FC236}">
+                  <a16:creationId xmlns:a16="http://schemas.microsoft.com/office/drawing/2014/main" id="{D5240B35-B54D-4051-CC0D-2BAA815533D6}"/>
+                </a:ext>
+              </a:extLst>
+            </p:cNvPr>
+            <p:cNvCxnSpPr>
+              <a:cxnSpLocks/>
+            </p:cNvCxnSpPr>
+            <p:nvPr/>
+          </p:nvCxnSpPr>
+          <p:spPr>
+            <a:xfrm>
+              <a:off x="3332996" y="3408396"/>
+              <a:ext cx="543171" cy="19871"/>
+            </a:xfrm>
+            <a:prstGeom prst="straightConnector1">
+              <a:avLst/>
+            </a:prstGeom>
+            <a:ln w="57150">
+              <a:solidFill>
+                <a:schemeClr val="bg2">
+                  <a:lumMod val="25000"/>
+                </a:schemeClr>
+              </a:solidFill>
+              <a:tailEnd type="triangle"/>
+            </a:ln>
+          </p:spPr>
+          <p:style>
+            <a:lnRef idx="1">
+              <a:schemeClr val="accent3"/>
+            </a:lnRef>
+            <a:fillRef idx="0">
+              <a:schemeClr val="accent3"/>
+            </a:fillRef>
+            <a:effectRef idx="0">
+              <a:schemeClr val="accent3"/>
+            </a:effectRef>
+            <a:fontRef idx="minor">
+              <a:schemeClr val="tx1"/>
+            </a:fontRef>
+          </p:style>
+        </p:cxnSp>
+        <p:cxnSp>
+          <p:nvCxnSpPr>
+            <p:cNvPr id="40" name="Conector recto de flecha 39">
+              <a:extLst>
+                <a:ext uri="{FF2B5EF4-FFF2-40B4-BE49-F238E27FC236}">
+                  <a16:creationId xmlns:a16="http://schemas.microsoft.com/office/drawing/2014/main" id="{13343F23-993F-50C5-79E7-CCD74A88DE9D}"/>
+                </a:ext>
+              </a:extLst>
+            </p:cNvPr>
+            <p:cNvCxnSpPr>
+              <a:cxnSpLocks/>
+            </p:cNvCxnSpPr>
+            <p:nvPr/>
+          </p:nvCxnSpPr>
+          <p:spPr>
+            <a:xfrm>
+              <a:off x="7684340" y="3611599"/>
+              <a:ext cx="543171" cy="19871"/>
+            </a:xfrm>
+            <a:prstGeom prst="straightConnector1">
+              <a:avLst/>
+            </a:prstGeom>
+            <a:ln w="57150">
+              <a:solidFill>
+                <a:schemeClr val="bg2">
+                  <a:lumMod val="25000"/>
+                </a:schemeClr>
+              </a:solidFill>
+              <a:tailEnd type="triangle"/>
+            </a:ln>
+          </p:spPr>
+          <p:style>
+            <a:lnRef idx="1">
+              <a:schemeClr val="accent3"/>
+            </a:lnRef>
+            <a:fillRef idx="0">
+              <a:schemeClr val="accent3"/>
+            </a:fillRef>
+            <a:effectRef idx="0">
+              <a:schemeClr val="accent3"/>
+            </a:effectRef>
+            <a:fontRef idx="minor">
+              <a:schemeClr val="tx1"/>
+            </a:fontRef>
+          </p:style>
+        </p:cxnSp>
+        <p:sp>
+          <p:nvSpPr>
+            <p:cNvPr id="41" name="CuadroTexto 40">
+              <a:extLst>
+                <a:ext uri="{FF2B5EF4-FFF2-40B4-BE49-F238E27FC236}">
+                  <a16:creationId xmlns:a16="http://schemas.microsoft.com/office/drawing/2014/main" id="{9890FB9A-355E-4EF1-56AD-53D5C7479CC7}"/>
+                </a:ext>
+              </a:extLst>
+            </p:cNvPr>
+            <p:cNvSpPr txBox="1"/>
+            <p:nvPr/>
+          </p:nvSpPr>
+          <p:spPr>
+            <a:xfrm>
+              <a:off x="1852271" y="1220457"/>
+              <a:ext cx="1301750" cy="338554"/>
+            </a:xfrm>
+            <a:prstGeom prst="rect">
+              <a:avLst/>
+            </a:prstGeom>
+            <a:noFill/>
+          </p:spPr>
+          <p:txBody>
+            <a:bodyPr wrap="square" rtlCol="0">
+              <a:spAutoFit/>
+            </a:bodyPr>
+            <a:lstStyle>
+              <a:defPPr>
+                <a:defRPr lang="en-US"/>
+              </a:defPPr>
+              <a:lvl1pPr algn="ctr">
+                <a:defRPr sz="1100" b="1">
+                  <a:solidFill>
+                    <a:schemeClr val="bg2">
+                      <a:lumMod val="25000"/>
+                    </a:schemeClr>
+                  </a:solidFill>
+                  <a:latin typeface="Segoe UI Light" panose="020B0502040204020203" pitchFamily="34" charset="0"/>
+                  <a:cs typeface="Segoe UI Light" panose="020B0502040204020203" pitchFamily="34" charset="0"/>
+                </a:defRPr>
+              </a:lvl1pPr>
+            </a:lstStyle>
+            <a:p>
+              <a:r>
+                <a:rPr lang="en-US" sz="1600" dirty="0">
+                  <a:solidFill>
+                    <a:schemeClr val="bg2">
+                      <a:lumMod val="10000"/>
+                    </a:schemeClr>
+                  </a:solidFill>
+                </a:rPr>
+                <a:t>XS 1</a:t>
+              </a:r>
+              <a:endParaRPr lang="en-US" sz="1400" baseline="-25000" dirty="0">
+                <a:solidFill>
+                  <a:schemeClr val="bg2">
+                    <a:lumMod val="10000"/>
+                  </a:schemeClr>
+                </a:solidFill>
+              </a:endParaRPr>
+            </a:p>
+          </p:txBody>
+        </p:sp>
+        <p:sp>
+          <p:nvSpPr>
+            <p:cNvPr id="42" name="CuadroTexto 41">
+              <a:extLst>
+                <a:ext uri="{FF2B5EF4-FFF2-40B4-BE49-F238E27FC236}">
+                  <a16:creationId xmlns:a16="http://schemas.microsoft.com/office/drawing/2014/main" id="{4E1CD722-21C0-8C2B-95AF-7733BE3996B0}"/>
+                </a:ext>
+              </a:extLst>
+            </p:cNvPr>
+            <p:cNvSpPr txBox="1"/>
+            <p:nvPr/>
+          </p:nvSpPr>
+          <p:spPr>
+            <a:xfrm>
+              <a:off x="8396645" y="1220457"/>
+              <a:ext cx="1301750" cy="338554"/>
+            </a:xfrm>
+            <a:prstGeom prst="rect">
+              <a:avLst/>
+            </a:prstGeom>
+            <a:noFill/>
+          </p:spPr>
+          <p:txBody>
+            <a:bodyPr wrap="square" rtlCol="0">
+              <a:spAutoFit/>
+            </a:bodyPr>
+            <a:lstStyle>
+              <a:defPPr>
+                <a:defRPr lang="en-US"/>
+              </a:defPPr>
+              <a:lvl1pPr algn="ctr">
+                <a:defRPr sz="1100" b="1">
+                  <a:solidFill>
+                    <a:schemeClr val="bg2">
+                      <a:lumMod val="25000"/>
+                    </a:schemeClr>
+                  </a:solidFill>
+                  <a:latin typeface="Segoe UI Light" panose="020B0502040204020203" pitchFamily="34" charset="0"/>
+                  <a:cs typeface="Segoe UI Light" panose="020B0502040204020203" pitchFamily="34" charset="0"/>
+                </a:defRPr>
+              </a:lvl1pPr>
+            </a:lstStyle>
+            <a:p>
+              <a:r>
+                <a:rPr lang="en-US" sz="1600" dirty="0">
+                  <a:solidFill>
+                    <a:schemeClr val="bg2">
+                      <a:lumMod val="10000"/>
+                    </a:schemeClr>
+                  </a:solidFill>
+                </a:rPr>
+                <a:t>XS 3</a:t>
+              </a:r>
+              <a:endParaRPr lang="en-US" sz="1400" baseline="-25000" dirty="0">
+                <a:solidFill>
+                  <a:schemeClr val="bg2">
+                    <a:lumMod val="10000"/>
+                  </a:schemeClr>
+                </a:solidFill>
+              </a:endParaRPr>
+            </a:p>
+          </p:txBody>
+        </p:sp>
+        <p:sp>
+          <p:nvSpPr>
+            <p:cNvPr id="43" name="CuadroTexto 42">
+              <a:extLst>
+                <a:ext uri="{FF2B5EF4-FFF2-40B4-BE49-F238E27FC236}">
+                  <a16:creationId xmlns:a16="http://schemas.microsoft.com/office/drawing/2014/main" id="{C84FADEB-3831-67F2-064A-352248E031CE}"/>
+                </a:ext>
+              </a:extLst>
+            </p:cNvPr>
+            <p:cNvSpPr txBox="1"/>
+            <p:nvPr/>
+          </p:nvSpPr>
+          <p:spPr>
+            <a:xfrm>
+              <a:off x="5124458" y="1220457"/>
+              <a:ext cx="1301750" cy="338554"/>
+            </a:xfrm>
+            <a:prstGeom prst="rect">
+              <a:avLst/>
+            </a:prstGeom>
+            <a:noFill/>
+          </p:spPr>
+          <p:txBody>
+            <a:bodyPr wrap="square" rtlCol="0">
+              <a:spAutoFit/>
+            </a:bodyPr>
+            <a:lstStyle>
+              <a:defPPr>
+                <a:defRPr lang="en-US"/>
+              </a:defPPr>
+              <a:lvl1pPr algn="ctr">
+                <a:defRPr sz="1100" b="1">
+                  <a:solidFill>
+                    <a:schemeClr val="bg2">
+                      <a:lumMod val="25000"/>
+                    </a:schemeClr>
+                  </a:solidFill>
+                  <a:latin typeface="Segoe UI Light" panose="020B0502040204020203" pitchFamily="34" charset="0"/>
+                  <a:cs typeface="Segoe UI Light" panose="020B0502040204020203" pitchFamily="34" charset="0"/>
+                </a:defRPr>
+              </a:lvl1pPr>
+            </a:lstStyle>
+            <a:p>
+              <a:r>
+                <a:rPr lang="en-US" sz="1600" dirty="0">
+                  <a:solidFill>
+                    <a:schemeClr val="bg2">
+                      <a:lumMod val="10000"/>
+                    </a:schemeClr>
+                  </a:solidFill>
+                </a:rPr>
+                <a:t>XS 2</a:t>
+              </a:r>
+              <a:endParaRPr lang="en-US" sz="1400" baseline="-25000" dirty="0">
+                <a:solidFill>
+                  <a:schemeClr val="bg2">
+                    <a:lumMod val="10000"/>
+                  </a:schemeClr>
+                </a:solidFill>
+              </a:endParaRPr>
+            </a:p>
+          </p:txBody>
+        </p:sp>
+        <p:sp>
+          <p:nvSpPr>
+            <p:cNvPr id="45" name="CuadroTexto 44">
+              <a:extLst>
+                <a:ext uri="{FF2B5EF4-FFF2-40B4-BE49-F238E27FC236}">
+                  <a16:creationId xmlns:a16="http://schemas.microsoft.com/office/drawing/2014/main" id="{2C9B4118-DE62-1B96-4199-8536936AC48C}"/>
+                </a:ext>
+              </a:extLst>
+            </p:cNvPr>
+            <p:cNvSpPr txBox="1"/>
+            <p:nvPr/>
+          </p:nvSpPr>
+          <p:spPr>
+            <a:xfrm>
+              <a:off x="4552432" y="4337935"/>
+              <a:ext cx="1301750" cy="338554"/>
+            </a:xfrm>
+            <a:prstGeom prst="rect">
+              <a:avLst/>
+            </a:prstGeom>
+            <a:noFill/>
+          </p:spPr>
+          <p:txBody>
+            <a:bodyPr wrap="square" rtlCol="0">
+              <a:spAutoFit/>
+            </a:bodyPr>
+            <a:lstStyle>
+              <a:defPPr>
+                <a:defRPr lang="en-US"/>
+              </a:defPPr>
+              <a:lvl1pPr algn="ctr">
+                <a:defRPr sz="1100" b="1">
+                  <a:solidFill>
+                    <a:schemeClr val="bg2">
+                      <a:lumMod val="25000"/>
+                    </a:schemeClr>
+                  </a:solidFill>
+                  <a:latin typeface="Segoe UI Light" panose="020B0502040204020203" pitchFamily="34" charset="0"/>
+                  <a:cs typeface="Segoe UI Light" panose="020B0502040204020203" pitchFamily="34" charset="0"/>
+                </a:defRPr>
+              </a:lvl1pPr>
+            </a:lstStyle>
+            <a:p>
+              <a:r>
+                <a:rPr lang="el-GR" sz="1600" dirty="0">
+                  <a:solidFill>
+                    <a:schemeClr val="bg2">
+                      <a:lumMod val="10000"/>
+                    </a:schemeClr>
+                  </a:solidFill>
+                </a:rPr>
+                <a:t>Δ</a:t>
+              </a:r>
+              <a:r>
+                <a:rPr lang="en-US" sz="1600" dirty="0">
+                  <a:solidFill>
+                    <a:schemeClr val="bg2">
+                      <a:lumMod val="10000"/>
+                    </a:schemeClr>
+                  </a:solidFill>
+                </a:rPr>
+                <a:t>Volumen</a:t>
+              </a:r>
+              <a:endParaRPr lang="en-US" sz="1400" baseline="-25000" dirty="0">
+                <a:solidFill>
+                  <a:schemeClr val="bg2">
+                    <a:lumMod val="10000"/>
+                  </a:schemeClr>
+                </a:solidFill>
+              </a:endParaRPr>
+            </a:p>
+          </p:txBody>
+        </p:sp>
+      </p:grpSp>
+    </p:spTree>
+    <p:extLst>
+      <p:ext uri="{BB962C8B-B14F-4D97-AF65-F5344CB8AC3E}">
+        <p14:creationId xmlns:p14="http://schemas.microsoft.com/office/powerpoint/2010/main" val="1496772281"/>
       </p:ext>
     </p:extLst>
   </p:cSld>

--- a/Section01/Section01.pptx
+++ b/Section01/Section01.pptx
@@ -17,6 +17,7 @@
     <p:sldId id="266" r:id="rId11"/>
     <p:sldId id="267" r:id="rId12"/>
     <p:sldId id="268" r:id="rId13"/>
+    <p:sldId id="269" r:id="rId14"/>
   </p:sldIdLst>
   <p:sldSz cx="12192000" cy="6858000"/>
   <p:notesSz cx="6858000" cy="9144000"/>
@@ -272,7 +273,7 @@
           <a:p>
             <a:fld id="{1D34F2E3-3545-4AD3-A31E-9231ACC12138}" type="datetimeFigureOut">
               <a:rPr lang="en-US" smtClean="0"/>
-              <a:t>10/3/2022</a:t>
+              <a:t>10/20/2022</a:t>
             </a:fld>
             <a:endParaRPr lang="en-US"/>
           </a:p>
@@ -472,7 +473,7 @@
           <a:p>
             <a:fld id="{1D34F2E3-3545-4AD3-A31E-9231ACC12138}" type="datetimeFigureOut">
               <a:rPr lang="en-US" smtClean="0"/>
-              <a:t>10/3/2022</a:t>
+              <a:t>10/20/2022</a:t>
             </a:fld>
             <a:endParaRPr lang="en-US"/>
           </a:p>
@@ -682,7 +683,7 @@
           <a:p>
             <a:fld id="{1D34F2E3-3545-4AD3-A31E-9231ACC12138}" type="datetimeFigureOut">
               <a:rPr lang="en-US" smtClean="0"/>
-              <a:t>10/3/2022</a:t>
+              <a:t>10/20/2022</a:t>
             </a:fld>
             <a:endParaRPr lang="en-US"/>
           </a:p>
@@ -882,7 +883,7 @@
           <a:p>
             <a:fld id="{1D34F2E3-3545-4AD3-A31E-9231ACC12138}" type="datetimeFigureOut">
               <a:rPr lang="en-US" smtClean="0"/>
-              <a:t>10/3/2022</a:t>
+              <a:t>10/20/2022</a:t>
             </a:fld>
             <a:endParaRPr lang="en-US"/>
           </a:p>
@@ -1158,7 +1159,7 @@
           <a:p>
             <a:fld id="{1D34F2E3-3545-4AD3-A31E-9231ACC12138}" type="datetimeFigureOut">
               <a:rPr lang="en-US" smtClean="0"/>
-              <a:t>10/3/2022</a:t>
+              <a:t>10/20/2022</a:t>
             </a:fld>
             <a:endParaRPr lang="en-US"/>
           </a:p>
@@ -1426,7 +1427,7 @@
           <a:p>
             <a:fld id="{1D34F2E3-3545-4AD3-A31E-9231ACC12138}" type="datetimeFigureOut">
               <a:rPr lang="en-US" smtClean="0"/>
-              <a:t>10/3/2022</a:t>
+              <a:t>10/20/2022</a:t>
             </a:fld>
             <a:endParaRPr lang="en-US"/>
           </a:p>
@@ -1841,7 +1842,7 @@
           <a:p>
             <a:fld id="{1D34F2E3-3545-4AD3-A31E-9231ACC12138}" type="datetimeFigureOut">
               <a:rPr lang="en-US" smtClean="0"/>
-              <a:t>10/3/2022</a:t>
+              <a:t>10/20/2022</a:t>
             </a:fld>
             <a:endParaRPr lang="en-US"/>
           </a:p>
@@ -1983,7 +1984,7 @@
           <a:p>
             <a:fld id="{1D34F2E3-3545-4AD3-A31E-9231ACC12138}" type="datetimeFigureOut">
               <a:rPr lang="en-US" smtClean="0"/>
-              <a:t>10/3/2022</a:t>
+              <a:t>10/20/2022</a:t>
             </a:fld>
             <a:endParaRPr lang="en-US"/>
           </a:p>
@@ -2096,7 +2097,7 @@
           <a:p>
             <a:fld id="{1D34F2E3-3545-4AD3-A31E-9231ACC12138}" type="datetimeFigureOut">
               <a:rPr lang="en-US" smtClean="0"/>
-              <a:t>10/3/2022</a:t>
+              <a:t>10/20/2022</a:t>
             </a:fld>
             <a:endParaRPr lang="en-US"/>
           </a:p>
@@ -2409,7 +2410,7 @@
           <a:p>
             <a:fld id="{1D34F2E3-3545-4AD3-A31E-9231ACC12138}" type="datetimeFigureOut">
               <a:rPr lang="en-US" smtClean="0"/>
-              <a:t>10/3/2022</a:t>
+              <a:t>10/20/2022</a:t>
             </a:fld>
             <a:endParaRPr lang="en-US"/>
           </a:p>
@@ -2698,7 +2699,7 @@
           <a:p>
             <a:fld id="{1D34F2E3-3545-4AD3-A31E-9231ACC12138}" type="datetimeFigureOut">
               <a:rPr lang="en-US" smtClean="0"/>
-              <a:t>10/3/2022</a:t>
+              <a:t>10/20/2022</a:t>
             </a:fld>
             <a:endParaRPr lang="en-US"/>
           </a:p>
@@ -2941,7 +2942,7 @@
           <a:p>
             <a:fld id="{1D34F2E3-3545-4AD3-A31E-9231ACC12138}" type="datetimeFigureOut">
               <a:rPr lang="en-US" smtClean="0"/>
-              <a:t>10/3/2022</a:t>
+              <a:t>10/20/2022</a:t>
             </a:fld>
             <a:endParaRPr lang="en-US"/>
           </a:p>
@@ -5951,7 +5952,7 @@
         </p:nvGrpSpPr>
         <p:grpSpPr>
           <a:xfrm>
-            <a:off x="1897988" y="1147667"/>
+            <a:off x="1878938" y="1141317"/>
             <a:ext cx="9449698" cy="4337764"/>
             <a:chOff x="2383180" y="1054361"/>
             <a:chExt cx="9449698" cy="4337764"/>
@@ -11134,6 +11135,9223 @@
     <p:extLst>
       <p:ext uri="{BB962C8B-B14F-4D97-AF65-F5344CB8AC3E}">
         <p14:creationId xmlns:p14="http://schemas.microsoft.com/office/powerpoint/2010/main" val="1496772281"/>
+      </p:ext>
+    </p:extLst>
+  </p:cSld>
+  <p:clrMapOvr>
+    <a:masterClrMapping/>
+  </p:clrMapOvr>
+</p:sld>
+</file>
+
+<file path=ppt/slides/slide13.xml><?xml version="1.0" encoding="utf-8"?>
+<p:sld xmlns:a="http://schemas.openxmlformats.org/drawingml/2006/main" xmlns:r="http://schemas.openxmlformats.org/officeDocument/2006/relationships" xmlns:p="http://schemas.openxmlformats.org/presentationml/2006/main">
+  <p:cSld>
+    <p:spTree>
+      <p:nvGrpSpPr>
+        <p:cNvPr id="1" name=""/>
+        <p:cNvGrpSpPr/>
+        <p:nvPr/>
+      </p:nvGrpSpPr>
+      <p:grpSpPr>
+        <a:xfrm>
+          <a:off x="0" y="0"/>
+          <a:ext cx="0" cy="0"/>
+          <a:chOff x="0" y="0"/>
+          <a:chExt cx="0" cy="0"/>
+        </a:xfrm>
+      </p:grpSpPr>
+      <p:grpSp>
+        <p:nvGrpSpPr>
+          <p:cNvPr id="156" name="Grupo 155">
+            <a:extLst>
+              <a:ext uri="{FF2B5EF4-FFF2-40B4-BE49-F238E27FC236}">
+                <a16:creationId xmlns:a16="http://schemas.microsoft.com/office/drawing/2014/main" id="{8924FE32-AD18-B987-90A2-653DD45A988B}"/>
+              </a:ext>
+            </a:extLst>
+          </p:cNvPr>
+          <p:cNvGrpSpPr/>
+          <p:nvPr/>
+        </p:nvGrpSpPr>
+        <p:grpSpPr>
+          <a:xfrm>
+            <a:off x="3702050" y="656431"/>
+            <a:ext cx="4387850" cy="5545138"/>
+            <a:chOff x="3721100" y="807600"/>
+            <a:chExt cx="4387850" cy="5545138"/>
+          </a:xfrm>
+        </p:grpSpPr>
+        <p:sp>
+          <p:nvSpPr>
+            <p:cNvPr id="6" name="Forma libre: forma 5">
+              <a:extLst>
+                <a:ext uri="{FF2B5EF4-FFF2-40B4-BE49-F238E27FC236}">
+                  <a16:creationId xmlns:a16="http://schemas.microsoft.com/office/drawing/2014/main" id="{BB047909-A17D-7C27-0D99-E8097396A25E}"/>
+                </a:ext>
+              </a:extLst>
+            </p:cNvPr>
+            <p:cNvSpPr/>
+            <p:nvPr/>
+          </p:nvSpPr>
+          <p:spPr>
+            <a:xfrm>
+              <a:off x="3900196" y="807600"/>
+              <a:ext cx="3946849" cy="117184"/>
+            </a:xfrm>
+            <a:custGeom>
+              <a:avLst/>
+              <a:gdLst>
+                <a:gd name="connsiteX0" fmla="*/ 0 w 3946849"/>
+                <a:gd name="connsiteY0" fmla="*/ 69478 h 117184"/>
+                <a:gd name="connsiteX1" fmla="*/ 550506 w 3946849"/>
+                <a:gd name="connsiteY1" fmla="*/ 13494 h 117184"/>
+                <a:gd name="connsiteX2" fmla="*/ 1754155 w 3946849"/>
+                <a:gd name="connsiteY2" fmla="*/ 4163 h 117184"/>
+                <a:gd name="connsiteX3" fmla="*/ 2789853 w 3946849"/>
+                <a:gd name="connsiteY3" fmla="*/ 69478 h 117184"/>
+                <a:gd name="connsiteX4" fmla="*/ 3722914 w 3946849"/>
+                <a:gd name="connsiteY4" fmla="*/ 116131 h 117184"/>
+                <a:gd name="connsiteX5" fmla="*/ 3946849 w 3946849"/>
+                <a:gd name="connsiteY5" fmla="*/ 97469 h 117184"/>
+              </a:gdLst>
+              <a:ahLst/>
+              <a:cxnLst>
+                <a:cxn ang="0">
+                  <a:pos x="connsiteX0" y="connsiteY0"/>
+                </a:cxn>
+                <a:cxn ang="0">
+                  <a:pos x="connsiteX1" y="connsiteY1"/>
+                </a:cxn>
+                <a:cxn ang="0">
+                  <a:pos x="connsiteX2" y="connsiteY2"/>
+                </a:cxn>
+                <a:cxn ang="0">
+                  <a:pos x="connsiteX3" y="connsiteY3"/>
+                </a:cxn>
+                <a:cxn ang="0">
+                  <a:pos x="connsiteX4" y="connsiteY4"/>
+                </a:cxn>
+                <a:cxn ang="0">
+                  <a:pos x="connsiteX5" y="connsiteY5"/>
+                </a:cxn>
+              </a:cxnLst>
+              <a:rect l="l" t="t" r="r" b="b"/>
+              <a:pathLst>
+                <a:path w="3946849" h="117184">
+                  <a:moveTo>
+                    <a:pt x="0" y="69478"/>
+                  </a:moveTo>
+                  <a:cubicBezTo>
+                    <a:pt x="129073" y="46929"/>
+                    <a:pt x="258147" y="24380"/>
+                    <a:pt x="550506" y="13494"/>
+                  </a:cubicBezTo>
+                  <a:cubicBezTo>
+                    <a:pt x="842865" y="2608"/>
+                    <a:pt x="1380931" y="-5168"/>
+                    <a:pt x="1754155" y="4163"/>
+                  </a:cubicBezTo>
+                  <a:cubicBezTo>
+                    <a:pt x="2127380" y="13494"/>
+                    <a:pt x="2789853" y="69478"/>
+                    <a:pt x="2789853" y="69478"/>
+                  </a:cubicBezTo>
+                  <a:lnTo>
+                    <a:pt x="3722914" y="116131"/>
+                  </a:lnTo>
+                  <a:cubicBezTo>
+                    <a:pt x="3915747" y="120796"/>
+                    <a:pt x="3931298" y="109132"/>
+                    <a:pt x="3946849" y="97469"/>
+                  </a:cubicBezTo>
+                </a:path>
+              </a:pathLst>
+            </a:custGeom>
+            <a:ln w="22225">
+              <a:solidFill>
+                <a:schemeClr val="bg2">
+                  <a:lumMod val="25000"/>
+                </a:schemeClr>
+              </a:solidFill>
+            </a:ln>
+          </p:spPr>
+          <p:style>
+            <a:lnRef idx="1">
+              <a:schemeClr val="accent1"/>
+            </a:lnRef>
+            <a:fillRef idx="0">
+              <a:schemeClr val="accent1"/>
+            </a:fillRef>
+            <a:effectRef idx="0">
+              <a:schemeClr val="accent1"/>
+            </a:effectRef>
+            <a:fontRef idx="minor">
+              <a:schemeClr val="tx1"/>
+            </a:fontRef>
+          </p:style>
+          <p:txBody>
+            <a:bodyPr rtlCol="0" anchor="ctr"/>
+            <a:lstStyle/>
+            <a:p>
+              <a:pPr algn="ctr"/>
+              <a:endParaRPr lang="en-US"/>
+            </a:p>
+          </p:txBody>
+        </p:sp>
+        <p:sp>
+          <p:nvSpPr>
+            <p:cNvPr id="7" name="Forma libre: forma 6">
+              <a:extLst>
+                <a:ext uri="{FF2B5EF4-FFF2-40B4-BE49-F238E27FC236}">
+                  <a16:creationId xmlns:a16="http://schemas.microsoft.com/office/drawing/2014/main" id="{59B3CAF0-E895-4041-F7E9-5B0FBCDA2B17}"/>
+                </a:ext>
+              </a:extLst>
+            </p:cNvPr>
+            <p:cNvSpPr/>
+            <p:nvPr/>
+          </p:nvSpPr>
+          <p:spPr>
+            <a:xfrm>
+              <a:off x="3962400" y="1263264"/>
+              <a:ext cx="3924300" cy="102120"/>
+            </a:xfrm>
+            <a:custGeom>
+              <a:avLst/>
+              <a:gdLst>
+                <a:gd name="connsiteX0" fmla="*/ 0 w 3924300"/>
+                <a:gd name="connsiteY0" fmla="*/ 63886 h 102120"/>
+                <a:gd name="connsiteX1" fmla="*/ 603250 w 3924300"/>
+                <a:gd name="connsiteY1" fmla="*/ 386 h 102120"/>
+                <a:gd name="connsiteX2" fmla="*/ 1422400 w 3924300"/>
+                <a:gd name="connsiteY2" fmla="*/ 38486 h 102120"/>
+                <a:gd name="connsiteX3" fmla="*/ 2616200 w 3924300"/>
+                <a:gd name="connsiteY3" fmla="*/ 63886 h 102120"/>
+                <a:gd name="connsiteX4" fmla="*/ 3117850 w 3924300"/>
+                <a:gd name="connsiteY4" fmla="*/ 44836 h 102120"/>
+                <a:gd name="connsiteX5" fmla="*/ 3644900 w 3924300"/>
+                <a:gd name="connsiteY5" fmla="*/ 101986 h 102120"/>
+                <a:gd name="connsiteX6" fmla="*/ 3924300 w 3924300"/>
+                <a:gd name="connsiteY6" fmla="*/ 57536 h 102120"/>
+              </a:gdLst>
+              <a:ahLst/>
+              <a:cxnLst>
+                <a:cxn ang="0">
+                  <a:pos x="connsiteX0" y="connsiteY0"/>
+                </a:cxn>
+                <a:cxn ang="0">
+                  <a:pos x="connsiteX1" y="connsiteY1"/>
+                </a:cxn>
+                <a:cxn ang="0">
+                  <a:pos x="connsiteX2" y="connsiteY2"/>
+                </a:cxn>
+                <a:cxn ang="0">
+                  <a:pos x="connsiteX3" y="connsiteY3"/>
+                </a:cxn>
+                <a:cxn ang="0">
+                  <a:pos x="connsiteX4" y="connsiteY4"/>
+                </a:cxn>
+                <a:cxn ang="0">
+                  <a:pos x="connsiteX5" y="connsiteY5"/>
+                </a:cxn>
+                <a:cxn ang="0">
+                  <a:pos x="connsiteX6" y="connsiteY6"/>
+                </a:cxn>
+              </a:cxnLst>
+              <a:rect l="l" t="t" r="r" b="b"/>
+              <a:pathLst>
+                <a:path w="3924300" h="102120">
+                  <a:moveTo>
+                    <a:pt x="0" y="63886"/>
+                  </a:moveTo>
+                  <a:cubicBezTo>
+                    <a:pt x="183091" y="34252"/>
+                    <a:pt x="366183" y="4619"/>
+                    <a:pt x="603250" y="386"/>
+                  </a:cubicBezTo>
+                  <a:cubicBezTo>
+                    <a:pt x="840317" y="-3847"/>
+                    <a:pt x="1086908" y="27903"/>
+                    <a:pt x="1422400" y="38486"/>
+                  </a:cubicBezTo>
+                  <a:cubicBezTo>
+                    <a:pt x="1757892" y="49069"/>
+                    <a:pt x="2333625" y="62828"/>
+                    <a:pt x="2616200" y="63886"/>
+                  </a:cubicBezTo>
+                  <a:cubicBezTo>
+                    <a:pt x="2898775" y="64944"/>
+                    <a:pt x="2946400" y="38486"/>
+                    <a:pt x="3117850" y="44836"/>
+                  </a:cubicBezTo>
+                  <a:cubicBezTo>
+                    <a:pt x="3289300" y="51186"/>
+                    <a:pt x="3510492" y="99869"/>
+                    <a:pt x="3644900" y="101986"/>
+                  </a:cubicBezTo>
+                  <a:cubicBezTo>
+                    <a:pt x="3779308" y="104103"/>
+                    <a:pt x="3851804" y="80819"/>
+                    <a:pt x="3924300" y="57536"/>
+                  </a:cubicBezTo>
+                </a:path>
+              </a:pathLst>
+            </a:custGeom>
+            <a:ln w="22225">
+              <a:solidFill>
+                <a:schemeClr val="bg2">
+                  <a:lumMod val="25000"/>
+                </a:schemeClr>
+              </a:solidFill>
+            </a:ln>
+          </p:spPr>
+          <p:style>
+            <a:lnRef idx="1">
+              <a:schemeClr val="accent1"/>
+            </a:lnRef>
+            <a:fillRef idx="0">
+              <a:schemeClr val="accent1"/>
+            </a:fillRef>
+            <a:effectRef idx="0">
+              <a:schemeClr val="accent1"/>
+            </a:effectRef>
+            <a:fontRef idx="minor">
+              <a:schemeClr val="tx1"/>
+            </a:fontRef>
+          </p:style>
+          <p:txBody>
+            <a:bodyPr rtlCol="0" anchor="ctr"/>
+            <a:lstStyle/>
+            <a:p>
+              <a:pPr algn="ctr"/>
+              <a:endParaRPr lang="en-US"/>
+            </a:p>
+          </p:txBody>
+        </p:sp>
+        <p:sp>
+          <p:nvSpPr>
+            <p:cNvPr id="8" name="Forma libre: forma 7">
+              <a:extLst>
+                <a:ext uri="{FF2B5EF4-FFF2-40B4-BE49-F238E27FC236}">
+                  <a16:creationId xmlns:a16="http://schemas.microsoft.com/office/drawing/2014/main" id="{189F0817-6D89-EAE5-CF77-621B05FD79FC}"/>
+                </a:ext>
+              </a:extLst>
+            </p:cNvPr>
+            <p:cNvSpPr/>
+            <p:nvPr/>
+          </p:nvSpPr>
+          <p:spPr>
+            <a:xfrm>
+              <a:off x="3898900" y="939729"/>
+              <a:ext cx="3962400" cy="362021"/>
+            </a:xfrm>
+            <a:custGeom>
+              <a:avLst/>
+              <a:gdLst>
+                <a:gd name="connsiteX0" fmla="*/ 0 w 3962400"/>
+                <a:gd name="connsiteY0" fmla="*/ 50871 h 362021"/>
+                <a:gd name="connsiteX1" fmla="*/ 1263650 w 3962400"/>
+                <a:gd name="connsiteY1" fmla="*/ 292171 h 362021"/>
+                <a:gd name="connsiteX2" fmla="*/ 2425700 w 3962400"/>
+                <a:gd name="connsiteY2" fmla="*/ 71 h 362021"/>
+                <a:gd name="connsiteX3" fmla="*/ 3524250 w 3962400"/>
+                <a:gd name="connsiteY3" fmla="*/ 323921 h 362021"/>
+                <a:gd name="connsiteX4" fmla="*/ 3962400 w 3962400"/>
+                <a:gd name="connsiteY4" fmla="*/ 342971 h 362021"/>
+              </a:gdLst>
+              <a:ahLst/>
+              <a:cxnLst>
+                <a:cxn ang="0">
+                  <a:pos x="connsiteX0" y="connsiteY0"/>
+                </a:cxn>
+                <a:cxn ang="0">
+                  <a:pos x="connsiteX1" y="connsiteY1"/>
+                </a:cxn>
+                <a:cxn ang="0">
+                  <a:pos x="connsiteX2" y="connsiteY2"/>
+                </a:cxn>
+                <a:cxn ang="0">
+                  <a:pos x="connsiteX3" y="connsiteY3"/>
+                </a:cxn>
+                <a:cxn ang="0">
+                  <a:pos x="connsiteX4" y="connsiteY4"/>
+                </a:cxn>
+              </a:cxnLst>
+              <a:rect l="l" t="t" r="r" b="b"/>
+              <a:pathLst>
+                <a:path w="3962400" h="362021">
+                  <a:moveTo>
+                    <a:pt x="0" y="50871"/>
+                  </a:moveTo>
+                  <a:cubicBezTo>
+                    <a:pt x="429683" y="175754"/>
+                    <a:pt x="859367" y="300638"/>
+                    <a:pt x="1263650" y="292171"/>
+                  </a:cubicBezTo>
+                  <a:cubicBezTo>
+                    <a:pt x="1667933" y="283704"/>
+                    <a:pt x="2048933" y="-5221"/>
+                    <a:pt x="2425700" y="71"/>
+                  </a:cubicBezTo>
+                  <a:cubicBezTo>
+                    <a:pt x="2802467" y="5363"/>
+                    <a:pt x="3268133" y="266771"/>
+                    <a:pt x="3524250" y="323921"/>
+                  </a:cubicBezTo>
+                  <a:cubicBezTo>
+                    <a:pt x="3780367" y="381071"/>
+                    <a:pt x="3871383" y="362021"/>
+                    <a:pt x="3962400" y="342971"/>
+                  </a:cubicBezTo>
+                </a:path>
+              </a:pathLst>
+            </a:custGeom>
+            <a:ln w="19050">
+              <a:solidFill>
+                <a:schemeClr val="bg2">
+                  <a:lumMod val="50000"/>
+                </a:schemeClr>
+              </a:solidFill>
+              <a:prstDash val="lgDash"/>
+            </a:ln>
+          </p:spPr>
+          <p:style>
+            <a:lnRef idx="1">
+              <a:schemeClr val="accent1"/>
+            </a:lnRef>
+            <a:fillRef idx="0">
+              <a:schemeClr val="accent1"/>
+            </a:fillRef>
+            <a:effectRef idx="0">
+              <a:schemeClr val="accent1"/>
+            </a:effectRef>
+            <a:fontRef idx="minor">
+              <a:schemeClr val="tx1"/>
+            </a:fontRef>
+          </p:style>
+          <p:txBody>
+            <a:bodyPr rtlCol="0" anchor="ctr"/>
+            <a:lstStyle/>
+            <a:p>
+              <a:pPr algn="ctr"/>
+              <a:endParaRPr lang="en-US"/>
+            </a:p>
+          </p:txBody>
+        </p:sp>
+        <p:sp>
+          <p:nvSpPr>
+            <p:cNvPr id="9" name="CuadroTexto 8">
+              <a:extLst>
+                <a:ext uri="{FF2B5EF4-FFF2-40B4-BE49-F238E27FC236}">
+                  <a16:creationId xmlns:a16="http://schemas.microsoft.com/office/drawing/2014/main" id="{981438F7-6435-192D-67F6-8C0270B6A9D0}"/>
+                </a:ext>
+              </a:extLst>
+            </p:cNvPr>
+            <p:cNvSpPr txBox="1"/>
+            <p:nvPr/>
+          </p:nvSpPr>
+          <p:spPr>
+            <a:xfrm>
+              <a:off x="4238903" y="821151"/>
+              <a:ext cx="290702" cy="261610"/>
+            </a:xfrm>
+            <a:prstGeom prst="rect">
+              <a:avLst/>
+            </a:prstGeom>
+            <a:noFill/>
+          </p:spPr>
+          <p:txBody>
+            <a:bodyPr wrap="square" rtlCol="0">
+              <a:spAutoFit/>
+            </a:bodyPr>
+            <a:lstStyle/>
+            <a:p>
+              <a:r>
+                <a:rPr lang="es-VE" sz="1100" b="1" dirty="0">
+                  <a:latin typeface="Segoe UI Light" panose="020B0502040204020203" pitchFamily="34" charset="0"/>
+                  <a:cs typeface="Segoe UI Light" panose="020B0502040204020203" pitchFamily="34" charset="0"/>
+                </a:rPr>
+                <a:t>Q</a:t>
+              </a:r>
+              <a:endParaRPr lang="en-US" sz="1100" b="1" dirty="0">
+                <a:latin typeface="Segoe UI Light" panose="020B0502040204020203" pitchFamily="34" charset="0"/>
+                <a:cs typeface="Segoe UI Light" panose="020B0502040204020203" pitchFamily="34" charset="0"/>
+              </a:endParaRPr>
+            </a:p>
+          </p:txBody>
+        </p:sp>
+        <p:cxnSp>
+          <p:nvCxnSpPr>
+            <p:cNvPr id="10" name="Conector recto de flecha 9">
+              <a:extLst>
+                <a:ext uri="{FF2B5EF4-FFF2-40B4-BE49-F238E27FC236}">
+                  <a16:creationId xmlns:a16="http://schemas.microsoft.com/office/drawing/2014/main" id="{72982580-1C03-69BA-6434-EA5B00405743}"/>
+                </a:ext>
+              </a:extLst>
+            </p:cNvPr>
+            <p:cNvCxnSpPr>
+              <a:cxnSpLocks/>
+            </p:cNvCxnSpPr>
+            <p:nvPr/>
+          </p:nvCxnSpPr>
+          <p:spPr>
+            <a:xfrm>
+              <a:off x="4037694" y="928192"/>
+              <a:ext cx="254292" cy="85361"/>
+            </a:xfrm>
+            <a:prstGeom prst="straightConnector1">
+              <a:avLst/>
+            </a:prstGeom>
+            <a:ln>
+              <a:solidFill>
+                <a:schemeClr val="bg2">
+                  <a:lumMod val="25000"/>
+                </a:schemeClr>
+              </a:solidFill>
+              <a:tailEnd type="triangle"/>
+            </a:ln>
+          </p:spPr>
+          <p:style>
+            <a:lnRef idx="1">
+              <a:schemeClr val="accent3"/>
+            </a:lnRef>
+            <a:fillRef idx="0">
+              <a:schemeClr val="accent3"/>
+            </a:fillRef>
+            <a:effectRef idx="0">
+              <a:schemeClr val="accent3"/>
+            </a:effectRef>
+            <a:fontRef idx="minor">
+              <a:schemeClr val="tx1"/>
+            </a:fontRef>
+          </p:style>
+        </p:cxnSp>
+        <p:sp>
+          <p:nvSpPr>
+            <p:cNvPr id="12" name="Forma libre: forma 11">
+              <a:extLst>
+                <a:ext uri="{FF2B5EF4-FFF2-40B4-BE49-F238E27FC236}">
+                  <a16:creationId xmlns:a16="http://schemas.microsoft.com/office/drawing/2014/main" id="{2D2B166F-16B6-E9F6-CDEF-B8AEE4CBAB8C}"/>
+                </a:ext>
+              </a:extLst>
+            </p:cNvPr>
+            <p:cNvSpPr/>
+            <p:nvPr/>
+          </p:nvSpPr>
+          <p:spPr>
+            <a:xfrm>
+              <a:off x="3746500" y="2157482"/>
+              <a:ext cx="4362450" cy="1847127"/>
+            </a:xfrm>
+            <a:custGeom>
+              <a:avLst/>
+              <a:gdLst>
+                <a:gd name="connsiteX0" fmla="*/ 0 w 4362450"/>
+                <a:gd name="connsiteY0" fmla="*/ 1792218 h 1847127"/>
+                <a:gd name="connsiteX1" fmla="*/ 234950 w 4362450"/>
+                <a:gd name="connsiteY1" fmla="*/ 1468368 h 1847127"/>
+                <a:gd name="connsiteX2" fmla="*/ 57150 w 4362450"/>
+                <a:gd name="connsiteY2" fmla="*/ 1011168 h 1847127"/>
+                <a:gd name="connsiteX3" fmla="*/ 158750 w 4362450"/>
+                <a:gd name="connsiteY3" fmla="*/ 763518 h 1847127"/>
+                <a:gd name="connsiteX4" fmla="*/ 622300 w 4362450"/>
+                <a:gd name="connsiteY4" fmla="*/ 655568 h 1847127"/>
+                <a:gd name="connsiteX5" fmla="*/ 901700 w 4362450"/>
+                <a:gd name="connsiteY5" fmla="*/ 636518 h 1847127"/>
+                <a:gd name="connsiteX6" fmla="*/ 1250950 w 4362450"/>
+                <a:gd name="connsiteY6" fmla="*/ 776218 h 1847127"/>
+                <a:gd name="connsiteX7" fmla="*/ 1460500 w 4362450"/>
+                <a:gd name="connsiteY7" fmla="*/ 1277868 h 1847127"/>
+                <a:gd name="connsiteX8" fmla="*/ 1581150 w 4362450"/>
+                <a:gd name="connsiteY8" fmla="*/ 1347718 h 1847127"/>
+                <a:gd name="connsiteX9" fmla="*/ 1765300 w 4362450"/>
+                <a:gd name="connsiteY9" fmla="*/ 1335018 h 1847127"/>
+                <a:gd name="connsiteX10" fmla="*/ 2038350 w 4362450"/>
+                <a:gd name="connsiteY10" fmla="*/ 1398518 h 1847127"/>
+                <a:gd name="connsiteX11" fmla="*/ 2336800 w 4362450"/>
+                <a:gd name="connsiteY11" fmla="*/ 1131818 h 1847127"/>
+                <a:gd name="connsiteX12" fmla="*/ 2146300 w 4362450"/>
+                <a:gd name="connsiteY12" fmla="*/ 528568 h 1847127"/>
+                <a:gd name="connsiteX13" fmla="*/ 2139950 w 4362450"/>
+                <a:gd name="connsiteY13" fmla="*/ 217418 h 1847127"/>
+                <a:gd name="connsiteX14" fmla="*/ 2698750 w 4362450"/>
+                <a:gd name="connsiteY14" fmla="*/ 1518 h 1847127"/>
+                <a:gd name="connsiteX15" fmla="*/ 3136900 w 4362450"/>
+                <a:gd name="connsiteY15" fmla="*/ 325368 h 1847127"/>
+                <a:gd name="connsiteX16" fmla="*/ 3054350 w 4362450"/>
+                <a:gd name="connsiteY16" fmla="*/ 763518 h 1847127"/>
+                <a:gd name="connsiteX17" fmla="*/ 2705100 w 4362450"/>
+                <a:gd name="connsiteY17" fmla="*/ 1144518 h 1847127"/>
+                <a:gd name="connsiteX18" fmla="*/ 2622550 w 4362450"/>
+                <a:gd name="connsiteY18" fmla="*/ 1379468 h 1847127"/>
+                <a:gd name="connsiteX19" fmla="*/ 2819400 w 4362450"/>
+                <a:gd name="connsiteY19" fmla="*/ 1646168 h 1847127"/>
+                <a:gd name="connsiteX20" fmla="*/ 3257550 w 4362450"/>
+                <a:gd name="connsiteY20" fmla="*/ 1836668 h 1847127"/>
+                <a:gd name="connsiteX21" fmla="*/ 3695700 w 4362450"/>
+                <a:gd name="connsiteY21" fmla="*/ 1779518 h 1847127"/>
+                <a:gd name="connsiteX22" fmla="*/ 4013200 w 4362450"/>
+                <a:gd name="connsiteY22" fmla="*/ 1423918 h 1847127"/>
+                <a:gd name="connsiteX23" fmla="*/ 3949700 w 4362450"/>
+                <a:gd name="connsiteY23" fmla="*/ 960368 h 1847127"/>
+                <a:gd name="connsiteX24" fmla="*/ 4191000 w 4362450"/>
+                <a:gd name="connsiteY24" fmla="*/ 687318 h 1847127"/>
+                <a:gd name="connsiteX25" fmla="*/ 4362450 w 4362450"/>
+                <a:gd name="connsiteY25" fmla="*/ 636518 h 1847127"/>
+              </a:gdLst>
+              <a:ahLst/>
+              <a:cxnLst>
+                <a:cxn ang="0">
+                  <a:pos x="connsiteX0" y="connsiteY0"/>
+                </a:cxn>
+                <a:cxn ang="0">
+                  <a:pos x="connsiteX1" y="connsiteY1"/>
+                </a:cxn>
+                <a:cxn ang="0">
+                  <a:pos x="connsiteX2" y="connsiteY2"/>
+                </a:cxn>
+                <a:cxn ang="0">
+                  <a:pos x="connsiteX3" y="connsiteY3"/>
+                </a:cxn>
+                <a:cxn ang="0">
+                  <a:pos x="connsiteX4" y="connsiteY4"/>
+                </a:cxn>
+                <a:cxn ang="0">
+                  <a:pos x="connsiteX5" y="connsiteY5"/>
+                </a:cxn>
+                <a:cxn ang="0">
+                  <a:pos x="connsiteX6" y="connsiteY6"/>
+                </a:cxn>
+                <a:cxn ang="0">
+                  <a:pos x="connsiteX7" y="connsiteY7"/>
+                </a:cxn>
+                <a:cxn ang="0">
+                  <a:pos x="connsiteX8" y="connsiteY8"/>
+                </a:cxn>
+                <a:cxn ang="0">
+                  <a:pos x="connsiteX9" y="connsiteY9"/>
+                </a:cxn>
+                <a:cxn ang="0">
+                  <a:pos x="connsiteX10" y="connsiteY10"/>
+                </a:cxn>
+                <a:cxn ang="0">
+                  <a:pos x="connsiteX11" y="connsiteY11"/>
+                </a:cxn>
+                <a:cxn ang="0">
+                  <a:pos x="connsiteX12" y="connsiteY12"/>
+                </a:cxn>
+                <a:cxn ang="0">
+                  <a:pos x="connsiteX13" y="connsiteY13"/>
+                </a:cxn>
+                <a:cxn ang="0">
+                  <a:pos x="connsiteX14" y="connsiteY14"/>
+                </a:cxn>
+                <a:cxn ang="0">
+                  <a:pos x="connsiteX15" y="connsiteY15"/>
+                </a:cxn>
+                <a:cxn ang="0">
+                  <a:pos x="connsiteX16" y="connsiteY16"/>
+                </a:cxn>
+                <a:cxn ang="0">
+                  <a:pos x="connsiteX17" y="connsiteY17"/>
+                </a:cxn>
+                <a:cxn ang="0">
+                  <a:pos x="connsiteX18" y="connsiteY18"/>
+                </a:cxn>
+                <a:cxn ang="0">
+                  <a:pos x="connsiteX19" y="connsiteY19"/>
+                </a:cxn>
+                <a:cxn ang="0">
+                  <a:pos x="connsiteX20" y="connsiteY20"/>
+                </a:cxn>
+                <a:cxn ang="0">
+                  <a:pos x="connsiteX21" y="connsiteY21"/>
+                </a:cxn>
+                <a:cxn ang="0">
+                  <a:pos x="connsiteX22" y="connsiteY22"/>
+                </a:cxn>
+                <a:cxn ang="0">
+                  <a:pos x="connsiteX23" y="connsiteY23"/>
+                </a:cxn>
+                <a:cxn ang="0">
+                  <a:pos x="connsiteX24" y="connsiteY24"/>
+                </a:cxn>
+                <a:cxn ang="0">
+                  <a:pos x="connsiteX25" y="connsiteY25"/>
+                </a:cxn>
+              </a:cxnLst>
+              <a:rect l="l" t="t" r="r" b="b"/>
+              <a:pathLst>
+                <a:path w="4362450" h="1847127">
+                  <a:moveTo>
+                    <a:pt x="0" y="1792218"/>
+                  </a:moveTo>
+                  <a:cubicBezTo>
+                    <a:pt x="112712" y="1695380"/>
+                    <a:pt x="225425" y="1598543"/>
+                    <a:pt x="234950" y="1468368"/>
+                  </a:cubicBezTo>
+                  <a:cubicBezTo>
+                    <a:pt x="244475" y="1338193"/>
+                    <a:pt x="69850" y="1128643"/>
+                    <a:pt x="57150" y="1011168"/>
+                  </a:cubicBezTo>
+                  <a:cubicBezTo>
+                    <a:pt x="44450" y="893693"/>
+                    <a:pt x="64558" y="822785"/>
+                    <a:pt x="158750" y="763518"/>
+                  </a:cubicBezTo>
+                  <a:cubicBezTo>
+                    <a:pt x="252942" y="704251"/>
+                    <a:pt x="498475" y="676735"/>
+                    <a:pt x="622300" y="655568"/>
+                  </a:cubicBezTo>
+                  <a:cubicBezTo>
+                    <a:pt x="746125" y="634401"/>
+                    <a:pt x="796925" y="616410"/>
+                    <a:pt x="901700" y="636518"/>
+                  </a:cubicBezTo>
+                  <a:cubicBezTo>
+                    <a:pt x="1006475" y="656626"/>
+                    <a:pt x="1157817" y="669326"/>
+                    <a:pt x="1250950" y="776218"/>
+                  </a:cubicBezTo>
+                  <a:cubicBezTo>
+                    <a:pt x="1344083" y="883110"/>
+                    <a:pt x="1405467" y="1182618"/>
+                    <a:pt x="1460500" y="1277868"/>
+                  </a:cubicBezTo>
+                  <a:cubicBezTo>
+                    <a:pt x="1515533" y="1373118"/>
+                    <a:pt x="1530350" y="1338193"/>
+                    <a:pt x="1581150" y="1347718"/>
+                  </a:cubicBezTo>
+                  <a:cubicBezTo>
+                    <a:pt x="1631950" y="1357243"/>
+                    <a:pt x="1689100" y="1326551"/>
+                    <a:pt x="1765300" y="1335018"/>
+                  </a:cubicBezTo>
+                  <a:cubicBezTo>
+                    <a:pt x="1841500" y="1343485"/>
+                    <a:pt x="1943100" y="1432385"/>
+                    <a:pt x="2038350" y="1398518"/>
+                  </a:cubicBezTo>
+                  <a:cubicBezTo>
+                    <a:pt x="2133600" y="1364651"/>
+                    <a:pt x="2318808" y="1276810"/>
+                    <a:pt x="2336800" y="1131818"/>
+                  </a:cubicBezTo>
+                  <a:cubicBezTo>
+                    <a:pt x="2354792" y="986826"/>
+                    <a:pt x="2179108" y="680968"/>
+                    <a:pt x="2146300" y="528568"/>
+                  </a:cubicBezTo>
+                  <a:cubicBezTo>
+                    <a:pt x="2113492" y="376168"/>
+                    <a:pt x="2047875" y="305260"/>
+                    <a:pt x="2139950" y="217418"/>
+                  </a:cubicBezTo>
+                  <a:cubicBezTo>
+                    <a:pt x="2232025" y="129576"/>
+                    <a:pt x="2532592" y="-16474"/>
+                    <a:pt x="2698750" y="1518"/>
+                  </a:cubicBezTo>
+                  <a:cubicBezTo>
+                    <a:pt x="2864908" y="19510"/>
+                    <a:pt x="3077633" y="198368"/>
+                    <a:pt x="3136900" y="325368"/>
+                  </a:cubicBezTo>
+                  <a:cubicBezTo>
+                    <a:pt x="3196167" y="452368"/>
+                    <a:pt x="3126317" y="626993"/>
+                    <a:pt x="3054350" y="763518"/>
+                  </a:cubicBezTo>
+                  <a:cubicBezTo>
+                    <a:pt x="2982383" y="900043"/>
+                    <a:pt x="2777067" y="1041860"/>
+                    <a:pt x="2705100" y="1144518"/>
+                  </a:cubicBezTo>
+                  <a:cubicBezTo>
+                    <a:pt x="2633133" y="1247176"/>
+                    <a:pt x="2603500" y="1295860"/>
+                    <a:pt x="2622550" y="1379468"/>
+                  </a:cubicBezTo>
+                  <a:cubicBezTo>
+                    <a:pt x="2641600" y="1463076"/>
+                    <a:pt x="2713567" y="1569968"/>
+                    <a:pt x="2819400" y="1646168"/>
+                  </a:cubicBezTo>
+                  <a:cubicBezTo>
+                    <a:pt x="2925233" y="1722368"/>
+                    <a:pt x="3111500" y="1814443"/>
+                    <a:pt x="3257550" y="1836668"/>
+                  </a:cubicBezTo>
+                  <a:cubicBezTo>
+                    <a:pt x="3403600" y="1858893"/>
+                    <a:pt x="3569758" y="1848310"/>
+                    <a:pt x="3695700" y="1779518"/>
+                  </a:cubicBezTo>
+                  <a:cubicBezTo>
+                    <a:pt x="3821642" y="1710726"/>
+                    <a:pt x="3970867" y="1560443"/>
+                    <a:pt x="4013200" y="1423918"/>
+                  </a:cubicBezTo>
+                  <a:cubicBezTo>
+                    <a:pt x="4055533" y="1287393"/>
+                    <a:pt x="3920067" y="1083135"/>
+                    <a:pt x="3949700" y="960368"/>
+                  </a:cubicBezTo>
+                  <a:cubicBezTo>
+                    <a:pt x="3979333" y="837601"/>
+                    <a:pt x="4122208" y="741293"/>
+                    <a:pt x="4191000" y="687318"/>
+                  </a:cubicBezTo>
+                  <a:cubicBezTo>
+                    <a:pt x="4259792" y="633343"/>
+                    <a:pt x="4311121" y="634930"/>
+                    <a:pt x="4362450" y="636518"/>
+                  </a:cubicBezTo>
+                </a:path>
+              </a:pathLst>
+            </a:custGeom>
+            <a:ln w="22225">
+              <a:solidFill>
+                <a:schemeClr val="bg2">
+                  <a:lumMod val="25000"/>
+                </a:schemeClr>
+              </a:solidFill>
+            </a:ln>
+          </p:spPr>
+          <p:style>
+            <a:lnRef idx="1">
+              <a:schemeClr val="accent1"/>
+            </a:lnRef>
+            <a:fillRef idx="0">
+              <a:schemeClr val="accent1"/>
+            </a:fillRef>
+            <a:effectRef idx="0">
+              <a:schemeClr val="accent1"/>
+            </a:effectRef>
+            <a:fontRef idx="minor">
+              <a:schemeClr val="tx1"/>
+            </a:fontRef>
+          </p:style>
+          <p:txBody>
+            <a:bodyPr rtlCol="0" anchor="ctr"/>
+            <a:lstStyle/>
+            <a:p>
+              <a:pPr algn="ctr"/>
+              <a:endParaRPr lang="en-US"/>
+            </a:p>
+          </p:txBody>
+        </p:sp>
+        <p:sp>
+          <p:nvSpPr>
+            <p:cNvPr id="13" name="Forma libre: forma 12">
+              <a:extLst>
+                <a:ext uri="{FF2B5EF4-FFF2-40B4-BE49-F238E27FC236}">
+                  <a16:creationId xmlns:a16="http://schemas.microsoft.com/office/drawing/2014/main" id="{65053A0D-E5A9-A71C-340C-F3DB7BCE9144}"/>
+                </a:ext>
+              </a:extLst>
+            </p:cNvPr>
+            <p:cNvSpPr/>
+            <p:nvPr/>
+          </p:nvSpPr>
+          <p:spPr>
+            <a:xfrm>
+              <a:off x="3924300" y="2535514"/>
+              <a:ext cx="4165600" cy="1578148"/>
+            </a:xfrm>
+            <a:custGeom>
+              <a:avLst/>
+              <a:gdLst>
+                <a:gd name="connsiteX0" fmla="*/ 0 w 4165600"/>
+                <a:gd name="connsiteY0" fmla="*/ 1547536 h 1578148"/>
+                <a:gd name="connsiteX1" fmla="*/ 146050 w 4165600"/>
+                <a:gd name="connsiteY1" fmla="*/ 1344336 h 1578148"/>
+                <a:gd name="connsiteX2" fmla="*/ 234950 w 4165600"/>
+                <a:gd name="connsiteY2" fmla="*/ 855386 h 1578148"/>
+                <a:gd name="connsiteX3" fmla="*/ 463550 w 4165600"/>
+                <a:gd name="connsiteY3" fmla="*/ 474386 h 1578148"/>
+                <a:gd name="connsiteX4" fmla="*/ 1003300 w 4165600"/>
+                <a:gd name="connsiteY4" fmla="*/ 620436 h 1578148"/>
+                <a:gd name="connsiteX5" fmla="*/ 1181100 w 4165600"/>
+                <a:gd name="connsiteY5" fmla="*/ 1083986 h 1578148"/>
+                <a:gd name="connsiteX6" fmla="*/ 1460500 w 4165600"/>
+                <a:gd name="connsiteY6" fmla="*/ 1261786 h 1578148"/>
+                <a:gd name="connsiteX7" fmla="*/ 2051050 w 4165600"/>
+                <a:gd name="connsiteY7" fmla="*/ 1128436 h 1578148"/>
+                <a:gd name="connsiteX8" fmla="*/ 2266950 w 4165600"/>
+                <a:gd name="connsiteY8" fmla="*/ 715686 h 1578148"/>
+                <a:gd name="connsiteX9" fmla="*/ 2209800 w 4165600"/>
+                <a:gd name="connsiteY9" fmla="*/ 226736 h 1578148"/>
+                <a:gd name="connsiteX10" fmla="*/ 2197100 w 4165600"/>
+                <a:gd name="connsiteY10" fmla="*/ 67986 h 1578148"/>
+                <a:gd name="connsiteX11" fmla="*/ 2495550 w 4165600"/>
+                <a:gd name="connsiteY11" fmla="*/ 4486 h 1578148"/>
+                <a:gd name="connsiteX12" fmla="*/ 2717800 w 4165600"/>
+                <a:gd name="connsiteY12" fmla="*/ 182286 h 1578148"/>
+                <a:gd name="connsiteX13" fmla="*/ 2609850 w 4165600"/>
+                <a:gd name="connsiteY13" fmla="*/ 468036 h 1578148"/>
+                <a:gd name="connsiteX14" fmla="*/ 2374900 w 4165600"/>
+                <a:gd name="connsiteY14" fmla="*/ 880786 h 1578148"/>
+                <a:gd name="connsiteX15" fmla="*/ 2355850 w 4165600"/>
+                <a:gd name="connsiteY15" fmla="*/ 1083986 h 1578148"/>
+                <a:gd name="connsiteX16" fmla="*/ 2489200 w 4165600"/>
+                <a:gd name="connsiteY16" fmla="*/ 1433236 h 1578148"/>
+                <a:gd name="connsiteX17" fmla="*/ 2959100 w 4165600"/>
+                <a:gd name="connsiteY17" fmla="*/ 1560236 h 1578148"/>
+                <a:gd name="connsiteX18" fmla="*/ 3606800 w 4165600"/>
+                <a:gd name="connsiteY18" fmla="*/ 1522136 h 1578148"/>
+                <a:gd name="connsiteX19" fmla="*/ 3968750 w 4165600"/>
+                <a:gd name="connsiteY19" fmla="*/ 1058586 h 1578148"/>
+                <a:gd name="connsiteX20" fmla="*/ 4019550 w 4165600"/>
+                <a:gd name="connsiteY20" fmla="*/ 702986 h 1578148"/>
+                <a:gd name="connsiteX21" fmla="*/ 4165600 w 4165600"/>
+                <a:gd name="connsiteY21" fmla="*/ 442636 h 1578148"/>
+              </a:gdLst>
+              <a:ahLst/>
+              <a:cxnLst>
+                <a:cxn ang="0">
+                  <a:pos x="connsiteX0" y="connsiteY0"/>
+                </a:cxn>
+                <a:cxn ang="0">
+                  <a:pos x="connsiteX1" y="connsiteY1"/>
+                </a:cxn>
+                <a:cxn ang="0">
+                  <a:pos x="connsiteX2" y="connsiteY2"/>
+                </a:cxn>
+                <a:cxn ang="0">
+                  <a:pos x="connsiteX3" y="connsiteY3"/>
+                </a:cxn>
+                <a:cxn ang="0">
+                  <a:pos x="connsiteX4" y="connsiteY4"/>
+                </a:cxn>
+                <a:cxn ang="0">
+                  <a:pos x="connsiteX5" y="connsiteY5"/>
+                </a:cxn>
+                <a:cxn ang="0">
+                  <a:pos x="connsiteX6" y="connsiteY6"/>
+                </a:cxn>
+                <a:cxn ang="0">
+                  <a:pos x="connsiteX7" y="connsiteY7"/>
+                </a:cxn>
+                <a:cxn ang="0">
+                  <a:pos x="connsiteX8" y="connsiteY8"/>
+                </a:cxn>
+                <a:cxn ang="0">
+                  <a:pos x="connsiteX9" y="connsiteY9"/>
+                </a:cxn>
+                <a:cxn ang="0">
+                  <a:pos x="connsiteX10" y="connsiteY10"/>
+                </a:cxn>
+                <a:cxn ang="0">
+                  <a:pos x="connsiteX11" y="connsiteY11"/>
+                </a:cxn>
+                <a:cxn ang="0">
+                  <a:pos x="connsiteX12" y="connsiteY12"/>
+                </a:cxn>
+                <a:cxn ang="0">
+                  <a:pos x="connsiteX13" y="connsiteY13"/>
+                </a:cxn>
+                <a:cxn ang="0">
+                  <a:pos x="connsiteX14" y="connsiteY14"/>
+                </a:cxn>
+                <a:cxn ang="0">
+                  <a:pos x="connsiteX15" y="connsiteY15"/>
+                </a:cxn>
+                <a:cxn ang="0">
+                  <a:pos x="connsiteX16" y="connsiteY16"/>
+                </a:cxn>
+                <a:cxn ang="0">
+                  <a:pos x="connsiteX17" y="connsiteY17"/>
+                </a:cxn>
+                <a:cxn ang="0">
+                  <a:pos x="connsiteX18" y="connsiteY18"/>
+                </a:cxn>
+                <a:cxn ang="0">
+                  <a:pos x="connsiteX19" y="connsiteY19"/>
+                </a:cxn>
+                <a:cxn ang="0">
+                  <a:pos x="connsiteX20" y="connsiteY20"/>
+                </a:cxn>
+                <a:cxn ang="0">
+                  <a:pos x="connsiteX21" y="connsiteY21"/>
+                </a:cxn>
+              </a:cxnLst>
+              <a:rect l="l" t="t" r="r" b="b"/>
+              <a:pathLst>
+                <a:path w="4165600" h="1578148">
+                  <a:moveTo>
+                    <a:pt x="0" y="1547536"/>
+                  </a:moveTo>
+                  <a:cubicBezTo>
+                    <a:pt x="53446" y="1503615"/>
+                    <a:pt x="106892" y="1459694"/>
+                    <a:pt x="146050" y="1344336"/>
+                  </a:cubicBezTo>
+                  <a:cubicBezTo>
+                    <a:pt x="185208" y="1228978"/>
+                    <a:pt x="182033" y="1000378"/>
+                    <a:pt x="234950" y="855386"/>
+                  </a:cubicBezTo>
+                  <a:cubicBezTo>
+                    <a:pt x="287867" y="710394"/>
+                    <a:pt x="335492" y="513544"/>
+                    <a:pt x="463550" y="474386"/>
+                  </a:cubicBezTo>
+                  <a:cubicBezTo>
+                    <a:pt x="591608" y="435228"/>
+                    <a:pt x="883708" y="518836"/>
+                    <a:pt x="1003300" y="620436"/>
+                  </a:cubicBezTo>
+                  <a:cubicBezTo>
+                    <a:pt x="1122892" y="722036"/>
+                    <a:pt x="1104900" y="977094"/>
+                    <a:pt x="1181100" y="1083986"/>
+                  </a:cubicBezTo>
+                  <a:cubicBezTo>
+                    <a:pt x="1257300" y="1190878"/>
+                    <a:pt x="1315508" y="1254378"/>
+                    <a:pt x="1460500" y="1261786"/>
+                  </a:cubicBezTo>
+                  <a:cubicBezTo>
+                    <a:pt x="1605492" y="1269194"/>
+                    <a:pt x="1916642" y="1219453"/>
+                    <a:pt x="2051050" y="1128436"/>
+                  </a:cubicBezTo>
+                  <a:cubicBezTo>
+                    <a:pt x="2185458" y="1037419"/>
+                    <a:pt x="2240492" y="865969"/>
+                    <a:pt x="2266950" y="715686"/>
+                  </a:cubicBezTo>
+                  <a:cubicBezTo>
+                    <a:pt x="2293408" y="565403"/>
+                    <a:pt x="2221442" y="334686"/>
+                    <a:pt x="2209800" y="226736"/>
+                  </a:cubicBezTo>
+                  <a:cubicBezTo>
+                    <a:pt x="2198158" y="118786"/>
+                    <a:pt x="2149475" y="105028"/>
+                    <a:pt x="2197100" y="67986"/>
+                  </a:cubicBezTo>
+                  <a:cubicBezTo>
+                    <a:pt x="2244725" y="30944"/>
+                    <a:pt x="2408767" y="-14564"/>
+                    <a:pt x="2495550" y="4486"/>
+                  </a:cubicBezTo>
+                  <a:cubicBezTo>
+                    <a:pt x="2582333" y="23536"/>
+                    <a:pt x="2698750" y="105028"/>
+                    <a:pt x="2717800" y="182286"/>
+                  </a:cubicBezTo>
+                  <a:cubicBezTo>
+                    <a:pt x="2736850" y="259544"/>
+                    <a:pt x="2667000" y="351619"/>
+                    <a:pt x="2609850" y="468036"/>
+                  </a:cubicBezTo>
+                  <a:cubicBezTo>
+                    <a:pt x="2552700" y="584453"/>
+                    <a:pt x="2417233" y="778128"/>
+                    <a:pt x="2374900" y="880786"/>
+                  </a:cubicBezTo>
+                  <a:cubicBezTo>
+                    <a:pt x="2332567" y="983444"/>
+                    <a:pt x="2336800" y="991911"/>
+                    <a:pt x="2355850" y="1083986"/>
+                  </a:cubicBezTo>
+                  <a:cubicBezTo>
+                    <a:pt x="2374900" y="1176061"/>
+                    <a:pt x="2388658" y="1353861"/>
+                    <a:pt x="2489200" y="1433236"/>
+                  </a:cubicBezTo>
+                  <a:cubicBezTo>
+                    <a:pt x="2589742" y="1512611"/>
+                    <a:pt x="2772833" y="1545419"/>
+                    <a:pt x="2959100" y="1560236"/>
+                  </a:cubicBezTo>
+                  <a:cubicBezTo>
+                    <a:pt x="3145367" y="1575053"/>
+                    <a:pt x="3438525" y="1605744"/>
+                    <a:pt x="3606800" y="1522136"/>
+                  </a:cubicBezTo>
+                  <a:cubicBezTo>
+                    <a:pt x="3775075" y="1438528"/>
+                    <a:pt x="3899958" y="1195111"/>
+                    <a:pt x="3968750" y="1058586"/>
+                  </a:cubicBezTo>
+                  <a:cubicBezTo>
+                    <a:pt x="4037542" y="922061"/>
+                    <a:pt x="3986742" y="805644"/>
+                    <a:pt x="4019550" y="702986"/>
+                  </a:cubicBezTo>
+                  <a:cubicBezTo>
+                    <a:pt x="4052358" y="600328"/>
+                    <a:pt x="4108979" y="521482"/>
+                    <a:pt x="4165600" y="442636"/>
+                  </a:cubicBezTo>
+                </a:path>
+              </a:pathLst>
+            </a:custGeom>
+            <a:ln w="22225">
+              <a:solidFill>
+                <a:schemeClr val="bg2">
+                  <a:lumMod val="25000"/>
+                </a:schemeClr>
+              </a:solidFill>
+            </a:ln>
+          </p:spPr>
+          <p:style>
+            <a:lnRef idx="1">
+              <a:schemeClr val="accent1"/>
+            </a:lnRef>
+            <a:fillRef idx="0">
+              <a:schemeClr val="accent1"/>
+            </a:fillRef>
+            <a:effectRef idx="0">
+              <a:schemeClr val="accent1"/>
+            </a:effectRef>
+            <a:fontRef idx="minor">
+              <a:schemeClr val="tx1"/>
+            </a:fontRef>
+          </p:style>
+          <p:txBody>
+            <a:bodyPr rtlCol="0" anchor="ctr"/>
+            <a:lstStyle/>
+            <a:p>
+              <a:pPr algn="ctr"/>
+              <a:endParaRPr lang="en-US"/>
+            </a:p>
+          </p:txBody>
+        </p:sp>
+        <p:sp>
+          <p:nvSpPr>
+            <p:cNvPr id="14" name="Forma libre: forma 13">
+              <a:extLst>
+                <a:ext uri="{FF2B5EF4-FFF2-40B4-BE49-F238E27FC236}">
+                  <a16:creationId xmlns:a16="http://schemas.microsoft.com/office/drawing/2014/main" id="{CF3548C2-A542-C284-2F8F-88EA12D87F71}"/>
+                </a:ext>
+              </a:extLst>
+            </p:cNvPr>
+            <p:cNvSpPr/>
+            <p:nvPr/>
+          </p:nvSpPr>
+          <p:spPr>
+            <a:xfrm>
+              <a:off x="3746500" y="4737100"/>
+              <a:ext cx="1579487" cy="832162"/>
+            </a:xfrm>
+            <a:custGeom>
+              <a:avLst/>
+              <a:gdLst>
+                <a:gd name="connsiteX0" fmla="*/ 0 w 1579487"/>
+                <a:gd name="connsiteY0" fmla="*/ 723900 h 832162"/>
+                <a:gd name="connsiteX1" fmla="*/ 260350 w 1579487"/>
+                <a:gd name="connsiteY1" fmla="*/ 755650 h 832162"/>
+                <a:gd name="connsiteX2" fmla="*/ 508000 w 1579487"/>
+                <a:gd name="connsiteY2" fmla="*/ 831850 h 832162"/>
+                <a:gd name="connsiteX3" fmla="*/ 901700 w 1579487"/>
+                <a:gd name="connsiteY3" fmla="*/ 723900 h 832162"/>
+                <a:gd name="connsiteX4" fmla="*/ 1568450 w 1579487"/>
+                <a:gd name="connsiteY4" fmla="*/ 654050 h 832162"/>
+                <a:gd name="connsiteX5" fmla="*/ 1308100 w 1579487"/>
+                <a:gd name="connsiteY5" fmla="*/ 476250 h 832162"/>
+                <a:gd name="connsiteX6" fmla="*/ 1181100 w 1579487"/>
+                <a:gd name="connsiteY6" fmla="*/ 374650 h 832162"/>
+                <a:gd name="connsiteX7" fmla="*/ 977900 w 1579487"/>
+                <a:gd name="connsiteY7" fmla="*/ 311150 h 832162"/>
+                <a:gd name="connsiteX8" fmla="*/ 838200 w 1579487"/>
+                <a:gd name="connsiteY8" fmla="*/ 133350 h 832162"/>
+                <a:gd name="connsiteX9" fmla="*/ 685800 w 1579487"/>
+                <a:gd name="connsiteY9" fmla="*/ 0 h 832162"/>
+              </a:gdLst>
+              <a:ahLst/>
+              <a:cxnLst>
+                <a:cxn ang="0">
+                  <a:pos x="connsiteX0" y="connsiteY0"/>
+                </a:cxn>
+                <a:cxn ang="0">
+                  <a:pos x="connsiteX1" y="connsiteY1"/>
+                </a:cxn>
+                <a:cxn ang="0">
+                  <a:pos x="connsiteX2" y="connsiteY2"/>
+                </a:cxn>
+                <a:cxn ang="0">
+                  <a:pos x="connsiteX3" y="connsiteY3"/>
+                </a:cxn>
+                <a:cxn ang="0">
+                  <a:pos x="connsiteX4" y="connsiteY4"/>
+                </a:cxn>
+                <a:cxn ang="0">
+                  <a:pos x="connsiteX5" y="connsiteY5"/>
+                </a:cxn>
+                <a:cxn ang="0">
+                  <a:pos x="connsiteX6" y="connsiteY6"/>
+                </a:cxn>
+                <a:cxn ang="0">
+                  <a:pos x="connsiteX7" y="connsiteY7"/>
+                </a:cxn>
+                <a:cxn ang="0">
+                  <a:pos x="connsiteX8" y="connsiteY8"/>
+                </a:cxn>
+                <a:cxn ang="0">
+                  <a:pos x="connsiteX9" y="connsiteY9"/>
+                </a:cxn>
+              </a:cxnLst>
+              <a:rect l="l" t="t" r="r" b="b"/>
+              <a:pathLst>
+                <a:path w="1579487" h="832162">
+                  <a:moveTo>
+                    <a:pt x="0" y="723900"/>
+                  </a:moveTo>
+                  <a:cubicBezTo>
+                    <a:pt x="87841" y="730779"/>
+                    <a:pt x="175683" y="737658"/>
+                    <a:pt x="260350" y="755650"/>
+                  </a:cubicBezTo>
+                  <a:cubicBezTo>
+                    <a:pt x="345017" y="773642"/>
+                    <a:pt x="401108" y="837142"/>
+                    <a:pt x="508000" y="831850"/>
+                  </a:cubicBezTo>
+                  <a:cubicBezTo>
+                    <a:pt x="614892" y="826558"/>
+                    <a:pt x="724958" y="753533"/>
+                    <a:pt x="901700" y="723900"/>
+                  </a:cubicBezTo>
+                  <a:cubicBezTo>
+                    <a:pt x="1078442" y="694267"/>
+                    <a:pt x="1500717" y="695325"/>
+                    <a:pt x="1568450" y="654050"/>
+                  </a:cubicBezTo>
+                  <a:cubicBezTo>
+                    <a:pt x="1636183" y="612775"/>
+                    <a:pt x="1372658" y="522817"/>
+                    <a:pt x="1308100" y="476250"/>
+                  </a:cubicBezTo>
+                  <a:cubicBezTo>
+                    <a:pt x="1243542" y="429683"/>
+                    <a:pt x="1236133" y="402167"/>
+                    <a:pt x="1181100" y="374650"/>
+                  </a:cubicBezTo>
+                  <a:cubicBezTo>
+                    <a:pt x="1126067" y="347133"/>
+                    <a:pt x="1035050" y="351367"/>
+                    <a:pt x="977900" y="311150"/>
+                  </a:cubicBezTo>
+                  <a:cubicBezTo>
+                    <a:pt x="920750" y="270933"/>
+                    <a:pt x="886883" y="185208"/>
+                    <a:pt x="838200" y="133350"/>
+                  </a:cubicBezTo>
+                  <a:cubicBezTo>
+                    <a:pt x="789517" y="81492"/>
+                    <a:pt x="737658" y="40746"/>
+                    <a:pt x="685800" y="0"/>
+                  </a:cubicBezTo>
+                </a:path>
+              </a:pathLst>
+            </a:custGeom>
+            <a:ln w="22225">
+              <a:solidFill>
+                <a:schemeClr val="bg2">
+                  <a:lumMod val="25000"/>
+                </a:schemeClr>
+              </a:solidFill>
+            </a:ln>
+          </p:spPr>
+          <p:style>
+            <a:lnRef idx="1">
+              <a:schemeClr val="accent1"/>
+            </a:lnRef>
+            <a:fillRef idx="0">
+              <a:schemeClr val="accent1"/>
+            </a:fillRef>
+            <a:effectRef idx="0">
+              <a:schemeClr val="accent1"/>
+            </a:effectRef>
+            <a:fontRef idx="minor">
+              <a:schemeClr val="tx1"/>
+            </a:fontRef>
+          </p:style>
+          <p:txBody>
+            <a:bodyPr rtlCol="0" anchor="ctr"/>
+            <a:lstStyle/>
+            <a:p>
+              <a:pPr algn="ctr"/>
+              <a:endParaRPr lang="en-US"/>
+            </a:p>
+          </p:txBody>
+        </p:sp>
+        <p:sp>
+          <p:nvSpPr>
+            <p:cNvPr id="15" name="Forma libre: forma 14">
+              <a:extLst>
+                <a:ext uri="{FF2B5EF4-FFF2-40B4-BE49-F238E27FC236}">
+                  <a16:creationId xmlns:a16="http://schemas.microsoft.com/office/drawing/2014/main" id="{EFCE1858-A265-1D87-EFFE-39A3D53EF90A}"/>
+                </a:ext>
+              </a:extLst>
+            </p:cNvPr>
+            <p:cNvSpPr/>
+            <p:nvPr/>
+          </p:nvSpPr>
+          <p:spPr>
+            <a:xfrm>
+              <a:off x="4749800" y="4724400"/>
+              <a:ext cx="3079750" cy="965200"/>
+            </a:xfrm>
+            <a:custGeom>
+              <a:avLst/>
+              <a:gdLst>
+                <a:gd name="connsiteX0" fmla="*/ 0 w 3079750"/>
+                <a:gd name="connsiteY0" fmla="*/ 0 h 965200"/>
+                <a:gd name="connsiteX1" fmla="*/ 361950 w 3079750"/>
+                <a:gd name="connsiteY1" fmla="*/ 266700 h 965200"/>
+                <a:gd name="connsiteX2" fmla="*/ 641350 w 3079750"/>
+                <a:gd name="connsiteY2" fmla="*/ 488950 h 965200"/>
+                <a:gd name="connsiteX3" fmla="*/ 793750 w 3079750"/>
+                <a:gd name="connsiteY3" fmla="*/ 622300 h 965200"/>
+                <a:gd name="connsiteX4" fmla="*/ 1174750 w 3079750"/>
+                <a:gd name="connsiteY4" fmla="*/ 635000 h 965200"/>
+                <a:gd name="connsiteX5" fmla="*/ 1543050 w 3079750"/>
+                <a:gd name="connsiteY5" fmla="*/ 622300 h 965200"/>
+                <a:gd name="connsiteX6" fmla="*/ 1758950 w 3079750"/>
+                <a:gd name="connsiteY6" fmla="*/ 666750 h 965200"/>
+                <a:gd name="connsiteX7" fmla="*/ 1924050 w 3079750"/>
+                <a:gd name="connsiteY7" fmla="*/ 628650 h 965200"/>
+                <a:gd name="connsiteX8" fmla="*/ 2209800 w 3079750"/>
+                <a:gd name="connsiteY8" fmla="*/ 755650 h 965200"/>
+                <a:gd name="connsiteX9" fmla="*/ 2501900 w 3079750"/>
+                <a:gd name="connsiteY9" fmla="*/ 831850 h 965200"/>
+                <a:gd name="connsiteX10" fmla="*/ 2762250 w 3079750"/>
+                <a:gd name="connsiteY10" fmla="*/ 927100 h 965200"/>
+                <a:gd name="connsiteX11" fmla="*/ 3079750 w 3079750"/>
+                <a:gd name="connsiteY11" fmla="*/ 965200 h 965200"/>
+              </a:gdLst>
+              <a:ahLst/>
+              <a:cxnLst>
+                <a:cxn ang="0">
+                  <a:pos x="connsiteX0" y="connsiteY0"/>
+                </a:cxn>
+                <a:cxn ang="0">
+                  <a:pos x="connsiteX1" y="connsiteY1"/>
+                </a:cxn>
+                <a:cxn ang="0">
+                  <a:pos x="connsiteX2" y="connsiteY2"/>
+                </a:cxn>
+                <a:cxn ang="0">
+                  <a:pos x="connsiteX3" y="connsiteY3"/>
+                </a:cxn>
+                <a:cxn ang="0">
+                  <a:pos x="connsiteX4" y="connsiteY4"/>
+                </a:cxn>
+                <a:cxn ang="0">
+                  <a:pos x="connsiteX5" y="connsiteY5"/>
+                </a:cxn>
+                <a:cxn ang="0">
+                  <a:pos x="connsiteX6" y="connsiteY6"/>
+                </a:cxn>
+                <a:cxn ang="0">
+                  <a:pos x="connsiteX7" y="connsiteY7"/>
+                </a:cxn>
+                <a:cxn ang="0">
+                  <a:pos x="connsiteX8" y="connsiteY8"/>
+                </a:cxn>
+                <a:cxn ang="0">
+                  <a:pos x="connsiteX9" y="connsiteY9"/>
+                </a:cxn>
+                <a:cxn ang="0">
+                  <a:pos x="connsiteX10" y="connsiteY10"/>
+                </a:cxn>
+                <a:cxn ang="0">
+                  <a:pos x="connsiteX11" y="connsiteY11"/>
+                </a:cxn>
+              </a:cxnLst>
+              <a:rect l="l" t="t" r="r" b="b"/>
+              <a:pathLst>
+                <a:path w="3079750" h="965200">
+                  <a:moveTo>
+                    <a:pt x="0" y="0"/>
+                  </a:moveTo>
+                  <a:cubicBezTo>
+                    <a:pt x="127529" y="92604"/>
+                    <a:pt x="255058" y="185208"/>
+                    <a:pt x="361950" y="266700"/>
+                  </a:cubicBezTo>
+                  <a:cubicBezTo>
+                    <a:pt x="468842" y="348192"/>
+                    <a:pt x="569383" y="429683"/>
+                    <a:pt x="641350" y="488950"/>
+                  </a:cubicBezTo>
+                  <a:cubicBezTo>
+                    <a:pt x="713317" y="548217"/>
+                    <a:pt x="704850" y="597958"/>
+                    <a:pt x="793750" y="622300"/>
+                  </a:cubicBezTo>
+                  <a:cubicBezTo>
+                    <a:pt x="882650" y="646642"/>
+                    <a:pt x="1049867" y="635000"/>
+                    <a:pt x="1174750" y="635000"/>
+                  </a:cubicBezTo>
+                  <a:cubicBezTo>
+                    <a:pt x="1299633" y="635000"/>
+                    <a:pt x="1445683" y="617008"/>
+                    <a:pt x="1543050" y="622300"/>
+                  </a:cubicBezTo>
+                  <a:cubicBezTo>
+                    <a:pt x="1640417" y="627592"/>
+                    <a:pt x="1695450" y="665692"/>
+                    <a:pt x="1758950" y="666750"/>
+                  </a:cubicBezTo>
+                  <a:cubicBezTo>
+                    <a:pt x="1822450" y="667808"/>
+                    <a:pt x="1848908" y="613833"/>
+                    <a:pt x="1924050" y="628650"/>
+                  </a:cubicBezTo>
+                  <a:cubicBezTo>
+                    <a:pt x="1999192" y="643467"/>
+                    <a:pt x="2113492" y="721783"/>
+                    <a:pt x="2209800" y="755650"/>
+                  </a:cubicBezTo>
+                  <a:cubicBezTo>
+                    <a:pt x="2306108" y="789517"/>
+                    <a:pt x="2409825" y="803275"/>
+                    <a:pt x="2501900" y="831850"/>
+                  </a:cubicBezTo>
+                  <a:cubicBezTo>
+                    <a:pt x="2593975" y="860425"/>
+                    <a:pt x="2665942" y="904875"/>
+                    <a:pt x="2762250" y="927100"/>
+                  </a:cubicBezTo>
+                  <a:cubicBezTo>
+                    <a:pt x="2858558" y="949325"/>
+                    <a:pt x="2969154" y="957262"/>
+                    <a:pt x="3079750" y="965200"/>
+                  </a:cubicBezTo>
+                </a:path>
+              </a:pathLst>
+            </a:custGeom>
+            <a:ln w="22225">
+              <a:solidFill>
+                <a:schemeClr val="bg2">
+                  <a:lumMod val="25000"/>
+                </a:schemeClr>
+              </a:solidFill>
+            </a:ln>
+          </p:spPr>
+          <p:style>
+            <a:lnRef idx="1">
+              <a:schemeClr val="accent1"/>
+            </a:lnRef>
+            <a:fillRef idx="0">
+              <a:schemeClr val="accent1"/>
+            </a:fillRef>
+            <a:effectRef idx="0">
+              <a:schemeClr val="accent1"/>
+            </a:effectRef>
+            <a:fontRef idx="minor">
+              <a:schemeClr val="tx1"/>
+            </a:fontRef>
+          </p:style>
+          <p:txBody>
+            <a:bodyPr rtlCol="0" anchor="ctr"/>
+            <a:lstStyle/>
+            <a:p>
+              <a:pPr algn="ctr"/>
+              <a:endParaRPr lang="en-US"/>
+            </a:p>
+          </p:txBody>
+        </p:sp>
+        <p:sp>
+          <p:nvSpPr>
+            <p:cNvPr id="16" name="Forma libre: forma 15">
+              <a:extLst>
+                <a:ext uri="{FF2B5EF4-FFF2-40B4-BE49-F238E27FC236}">
+                  <a16:creationId xmlns:a16="http://schemas.microsoft.com/office/drawing/2014/main" id="{7CD8B369-F4B0-17D8-012E-7EA0120BFF20}"/>
+                </a:ext>
+              </a:extLst>
+            </p:cNvPr>
+            <p:cNvSpPr/>
+            <p:nvPr/>
+          </p:nvSpPr>
+          <p:spPr>
+            <a:xfrm>
+              <a:off x="3721100" y="5686186"/>
+              <a:ext cx="3994150" cy="517764"/>
+            </a:xfrm>
+            <a:custGeom>
+              <a:avLst/>
+              <a:gdLst>
+                <a:gd name="connsiteX0" fmla="*/ 0 w 3994150"/>
+                <a:gd name="connsiteY0" fmla="*/ 346314 h 517764"/>
+                <a:gd name="connsiteX1" fmla="*/ 793750 w 3994150"/>
+                <a:gd name="connsiteY1" fmla="*/ 352664 h 517764"/>
+                <a:gd name="connsiteX2" fmla="*/ 1428750 w 3994150"/>
+                <a:gd name="connsiteY2" fmla="*/ 117714 h 517764"/>
+                <a:gd name="connsiteX3" fmla="*/ 1898650 w 3994150"/>
+                <a:gd name="connsiteY3" fmla="*/ 85964 h 517764"/>
+                <a:gd name="connsiteX4" fmla="*/ 2355850 w 3994150"/>
+                <a:gd name="connsiteY4" fmla="*/ 79614 h 517764"/>
+                <a:gd name="connsiteX5" fmla="*/ 2692400 w 3994150"/>
+                <a:gd name="connsiteY5" fmla="*/ 3414 h 517764"/>
+                <a:gd name="connsiteX6" fmla="*/ 3175000 w 3994150"/>
+                <a:gd name="connsiteY6" fmla="*/ 206614 h 517764"/>
+                <a:gd name="connsiteX7" fmla="*/ 3689350 w 3994150"/>
+                <a:gd name="connsiteY7" fmla="*/ 422514 h 517764"/>
+                <a:gd name="connsiteX8" fmla="*/ 3994150 w 3994150"/>
+                <a:gd name="connsiteY8" fmla="*/ 517764 h 517764"/>
+              </a:gdLst>
+              <a:ahLst/>
+              <a:cxnLst>
+                <a:cxn ang="0">
+                  <a:pos x="connsiteX0" y="connsiteY0"/>
+                </a:cxn>
+                <a:cxn ang="0">
+                  <a:pos x="connsiteX1" y="connsiteY1"/>
+                </a:cxn>
+                <a:cxn ang="0">
+                  <a:pos x="connsiteX2" y="connsiteY2"/>
+                </a:cxn>
+                <a:cxn ang="0">
+                  <a:pos x="connsiteX3" y="connsiteY3"/>
+                </a:cxn>
+                <a:cxn ang="0">
+                  <a:pos x="connsiteX4" y="connsiteY4"/>
+                </a:cxn>
+                <a:cxn ang="0">
+                  <a:pos x="connsiteX5" y="connsiteY5"/>
+                </a:cxn>
+                <a:cxn ang="0">
+                  <a:pos x="connsiteX6" y="connsiteY6"/>
+                </a:cxn>
+                <a:cxn ang="0">
+                  <a:pos x="connsiteX7" y="connsiteY7"/>
+                </a:cxn>
+                <a:cxn ang="0">
+                  <a:pos x="connsiteX8" y="connsiteY8"/>
+                </a:cxn>
+              </a:cxnLst>
+              <a:rect l="l" t="t" r="r" b="b"/>
+              <a:pathLst>
+                <a:path w="3994150" h="517764">
+                  <a:moveTo>
+                    <a:pt x="0" y="346314"/>
+                  </a:moveTo>
+                  <a:cubicBezTo>
+                    <a:pt x="277812" y="368539"/>
+                    <a:pt x="555625" y="390764"/>
+                    <a:pt x="793750" y="352664"/>
+                  </a:cubicBezTo>
+                  <a:cubicBezTo>
+                    <a:pt x="1031875" y="314564"/>
+                    <a:pt x="1244600" y="162164"/>
+                    <a:pt x="1428750" y="117714"/>
+                  </a:cubicBezTo>
+                  <a:cubicBezTo>
+                    <a:pt x="1612900" y="73264"/>
+                    <a:pt x="1744133" y="92314"/>
+                    <a:pt x="1898650" y="85964"/>
+                  </a:cubicBezTo>
+                  <a:cubicBezTo>
+                    <a:pt x="2053167" y="79614"/>
+                    <a:pt x="2223558" y="93372"/>
+                    <a:pt x="2355850" y="79614"/>
+                  </a:cubicBezTo>
+                  <a:cubicBezTo>
+                    <a:pt x="2488142" y="65856"/>
+                    <a:pt x="2555875" y="-17753"/>
+                    <a:pt x="2692400" y="3414"/>
+                  </a:cubicBezTo>
+                  <a:cubicBezTo>
+                    <a:pt x="2828925" y="24581"/>
+                    <a:pt x="3175000" y="206614"/>
+                    <a:pt x="3175000" y="206614"/>
+                  </a:cubicBezTo>
+                  <a:cubicBezTo>
+                    <a:pt x="3341158" y="276464"/>
+                    <a:pt x="3552825" y="370656"/>
+                    <a:pt x="3689350" y="422514"/>
+                  </a:cubicBezTo>
+                  <a:cubicBezTo>
+                    <a:pt x="3825875" y="474372"/>
+                    <a:pt x="3910012" y="496068"/>
+                    <a:pt x="3994150" y="517764"/>
+                  </a:cubicBezTo>
+                </a:path>
+              </a:pathLst>
+            </a:custGeom>
+            <a:ln w="22225">
+              <a:solidFill>
+                <a:schemeClr val="bg2">
+                  <a:lumMod val="25000"/>
+                </a:schemeClr>
+              </a:solidFill>
+            </a:ln>
+          </p:spPr>
+          <p:style>
+            <a:lnRef idx="1">
+              <a:schemeClr val="accent1"/>
+            </a:lnRef>
+            <a:fillRef idx="0">
+              <a:schemeClr val="accent1"/>
+            </a:fillRef>
+            <a:effectRef idx="0">
+              <a:schemeClr val="accent1"/>
+            </a:effectRef>
+            <a:fontRef idx="minor">
+              <a:schemeClr val="tx1"/>
+            </a:fontRef>
+          </p:style>
+          <p:txBody>
+            <a:bodyPr rtlCol="0" anchor="ctr"/>
+            <a:lstStyle/>
+            <a:p>
+              <a:pPr algn="ctr"/>
+              <a:endParaRPr lang="en-US"/>
+            </a:p>
+          </p:txBody>
+        </p:sp>
+        <p:sp>
+          <p:nvSpPr>
+            <p:cNvPr id="17" name="CuadroTexto 16">
+              <a:extLst>
+                <a:ext uri="{FF2B5EF4-FFF2-40B4-BE49-F238E27FC236}">
+                  <a16:creationId xmlns:a16="http://schemas.microsoft.com/office/drawing/2014/main" id="{57BEB62E-1304-5DF0-6C66-923F3ADE6B05}"/>
+                </a:ext>
+              </a:extLst>
+            </p:cNvPr>
+            <p:cNvSpPr txBox="1"/>
+            <p:nvPr/>
+          </p:nvSpPr>
+          <p:spPr>
+            <a:xfrm>
+              <a:off x="5046782" y="1425612"/>
+              <a:ext cx="1774197" cy="307777"/>
+            </a:xfrm>
+            <a:prstGeom prst="rect">
+              <a:avLst/>
+            </a:prstGeom>
+            <a:noFill/>
+          </p:spPr>
+          <p:txBody>
+            <a:bodyPr wrap="square" rtlCol="0">
+              <a:spAutoFit/>
+            </a:bodyPr>
+            <a:lstStyle/>
+            <a:p>
+              <a:pPr algn="ctr"/>
+              <a:r>
+                <a:rPr lang="es-VE" sz="1400" b="1" dirty="0">
+                  <a:latin typeface="Segoe UI Light" panose="020B0502040204020203" pitchFamily="34" charset="0"/>
+                  <a:cs typeface="Segoe UI Light" panose="020B0502040204020203" pitchFamily="34" charset="0"/>
+                </a:rPr>
+                <a:t>a) Cauce recto</a:t>
+              </a:r>
+              <a:endParaRPr lang="en-US" sz="1400" b="1" dirty="0">
+                <a:latin typeface="Segoe UI Light" panose="020B0502040204020203" pitchFamily="34" charset="0"/>
+                <a:cs typeface="Segoe UI Light" panose="020B0502040204020203" pitchFamily="34" charset="0"/>
+              </a:endParaRPr>
+            </a:p>
+          </p:txBody>
+        </p:sp>
+        <p:sp>
+          <p:nvSpPr>
+            <p:cNvPr id="19" name="CuadroTexto 18">
+              <a:extLst>
+                <a:ext uri="{FF2B5EF4-FFF2-40B4-BE49-F238E27FC236}">
+                  <a16:creationId xmlns:a16="http://schemas.microsoft.com/office/drawing/2014/main" id="{95FB8ED1-3D4E-BF3C-39E0-2DFE662EA194}"/>
+                </a:ext>
+              </a:extLst>
+            </p:cNvPr>
+            <p:cNvSpPr txBox="1"/>
+            <p:nvPr/>
+          </p:nvSpPr>
+          <p:spPr>
+            <a:xfrm>
+              <a:off x="5046782" y="4209496"/>
+              <a:ext cx="1774197" cy="307777"/>
+            </a:xfrm>
+            <a:prstGeom prst="rect">
+              <a:avLst/>
+            </a:prstGeom>
+            <a:noFill/>
+          </p:spPr>
+          <p:txBody>
+            <a:bodyPr wrap="square" rtlCol="0">
+              <a:spAutoFit/>
+            </a:bodyPr>
+            <a:lstStyle/>
+            <a:p>
+              <a:pPr algn="ctr"/>
+              <a:r>
+                <a:rPr lang="es-VE" sz="1400" b="1" dirty="0">
+                  <a:latin typeface="Segoe UI Light" panose="020B0502040204020203" pitchFamily="34" charset="0"/>
+                  <a:cs typeface="Segoe UI Light" panose="020B0502040204020203" pitchFamily="34" charset="0"/>
+                </a:rPr>
+                <a:t>b) Cauce meándrico</a:t>
+              </a:r>
+              <a:endParaRPr lang="en-US" sz="1400" b="1" dirty="0">
+                <a:latin typeface="Segoe UI Light" panose="020B0502040204020203" pitchFamily="34" charset="0"/>
+                <a:cs typeface="Segoe UI Light" panose="020B0502040204020203" pitchFamily="34" charset="0"/>
+              </a:endParaRPr>
+            </a:p>
+          </p:txBody>
+        </p:sp>
+        <p:sp>
+          <p:nvSpPr>
+            <p:cNvPr id="20" name="CuadroTexto 19">
+              <a:extLst>
+                <a:ext uri="{FF2B5EF4-FFF2-40B4-BE49-F238E27FC236}">
+                  <a16:creationId xmlns:a16="http://schemas.microsoft.com/office/drawing/2014/main" id="{9EDAB32B-46FE-4939-ED6A-E69EBCD795DE}"/>
+                </a:ext>
+              </a:extLst>
+            </p:cNvPr>
+            <p:cNvSpPr txBox="1"/>
+            <p:nvPr/>
+          </p:nvSpPr>
+          <p:spPr>
+            <a:xfrm>
+              <a:off x="5046782" y="6044961"/>
+              <a:ext cx="1774197" cy="307777"/>
+            </a:xfrm>
+            <a:prstGeom prst="rect">
+              <a:avLst/>
+            </a:prstGeom>
+            <a:noFill/>
+          </p:spPr>
+          <p:txBody>
+            <a:bodyPr wrap="square" rtlCol="0">
+              <a:spAutoFit/>
+            </a:bodyPr>
+            <a:lstStyle/>
+            <a:p>
+              <a:pPr algn="ctr"/>
+              <a:r>
+                <a:rPr lang="es-VE" sz="1400" b="1" dirty="0">
+                  <a:latin typeface="Segoe UI Light" panose="020B0502040204020203" pitchFamily="34" charset="0"/>
+                  <a:cs typeface="Segoe UI Light" panose="020B0502040204020203" pitchFamily="34" charset="0"/>
+                </a:rPr>
+                <a:t>c) Cauce trenzado</a:t>
+              </a:r>
+              <a:endParaRPr lang="en-US" sz="1400" b="1" dirty="0">
+                <a:latin typeface="Segoe UI Light" panose="020B0502040204020203" pitchFamily="34" charset="0"/>
+                <a:cs typeface="Segoe UI Light" panose="020B0502040204020203" pitchFamily="34" charset="0"/>
+              </a:endParaRPr>
+            </a:p>
+          </p:txBody>
+        </p:sp>
+        <p:sp>
+          <p:nvSpPr>
+            <p:cNvPr id="2" name="Elipse 1">
+              <a:extLst>
+                <a:ext uri="{FF2B5EF4-FFF2-40B4-BE49-F238E27FC236}">
+                  <a16:creationId xmlns:a16="http://schemas.microsoft.com/office/drawing/2014/main" id="{4B3E39FF-3DAB-242F-E9A2-A82D26039064}"/>
+                </a:ext>
+              </a:extLst>
+            </p:cNvPr>
+            <p:cNvSpPr/>
+            <p:nvPr/>
+          </p:nvSpPr>
+          <p:spPr>
+            <a:xfrm rot="357242">
+              <a:off x="4018507" y="1254120"/>
+              <a:ext cx="18288" cy="18288"/>
+            </a:xfrm>
+            <a:prstGeom prst="ellipse">
+              <a:avLst/>
+            </a:prstGeom>
+            <a:solidFill>
+              <a:schemeClr val="bg1">
+                <a:lumMod val="50000"/>
+              </a:schemeClr>
+            </a:solidFill>
+            <a:ln w="12700">
+              <a:noFill/>
+            </a:ln>
+          </p:spPr>
+          <p:style>
+            <a:lnRef idx="2">
+              <a:schemeClr val="accent1">
+                <a:shade val="50000"/>
+              </a:schemeClr>
+            </a:lnRef>
+            <a:fillRef idx="1">
+              <a:schemeClr val="accent1"/>
+            </a:fillRef>
+            <a:effectRef idx="0">
+              <a:schemeClr val="accent1"/>
+            </a:effectRef>
+            <a:fontRef idx="minor">
+              <a:schemeClr val="lt1"/>
+            </a:fontRef>
+          </p:style>
+          <p:txBody>
+            <a:bodyPr rtlCol="0" anchor="ctr"/>
+            <a:lstStyle/>
+            <a:p>
+              <a:pPr algn="ctr"/>
+              <a:endParaRPr lang="en-US"/>
+            </a:p>
+          </p:txBody>
+        </p:sp>
+        <p:sp>
+          <p:nvSpPr>
+            <p:cNvPr id="3" name="Elipse 2">
+              <a:extLst>
+                <a:ext uri="{FF2B5EF4-FFF2-40B4-BE49-F238E27FC236}">
+                  <a16:creationId xmlns:a16="http://schemas.microsoft.com/office/drawing/2014/main" id="{1BF7D1ED-3778-A027-41BB-BC7B97819142}"/>
+                </a:ext>
+              </a:extLst>
+            </p:cNvPr>
+            <p:cNvSpPr/>
+            <p:nvPr/>
+          </p:nvSpPr>
+          <p:spPr>
+            <a:xfrm rot="357242">
+              <a:off x="4158888" y="1254121"/>
+              <a:ext cx="18288" cy="18288"/>
+            </a:xfrm>
+            <a:prstGeom prst="ellipse">
+              <a:avLst/>
+            </a:prstGeom>
+            <a:solidFill>
+              <a:schemeClr val="bg1">
+                <a:lumMod val="50000"/>
+              </a:schemeClr>
+            </a:solidFill>
+            <a:ln w="12700">
+              <a:noFill/>
+            </a:ln>
+          </p:spPr>
+          <p:style>
+            <a:lnRef idx="2">
+              <a:schemeClr val="accent1">
+                <a:shade val="50000"/>
+              </a:schemeClr>
+            </a:lnRef>
+            <a:fillRef idx="1">
+              <a:schemeClr val="accent1"/>
+            </a:fillRef>
+            <a:effectRef idx="0">
+              <a:schemeClr val="accent1"/>
+            </a:effectRef>
+            <a:fontRef idx="minor">
+              <a:schemeClr val="lt1"/>
+            </a:fontRef>
+          </p:style>
+          <p:txBody>
+            <a:bodyPr rtlCol="0" anchor="ctr"/>
+            <a:lstStyle/>
+            <a:p>
+              <a:pPr algn="ctr"/>
+              <a:endParaRPr lang="en-US"/>
+            </a:p>
+          </p:txBody>
+        </p:sp>
+        <p:sp>
+          <p:nvSpPr>
+            <p:cNvPr id="4" name="Elipse 3">
+              <a:extLst>
+                <a:ext uri="{FF2B5EF4-FFF2-40B4-BE49-F238E27FC236}">
+                  <a16:creationId xmlns:a16="http://schemas.microsoft.com/office/drawing/2014/main" id="{46AE2066-869F-1BAE-A8B7-E00FCF52EADD}"/>
+                </a:ext>
+              </a:extLst>
+            </p:cNvPr>
+            <p:cNvSpPr/>
+            <p:nvPr/>
+          </p:nvSpPr>
+          <p:spPr>
+            <a:xfrm rot="357242">
+              <a:off x="4068611" y="1250112"/>
+              <a:ext cx="18288" cy="18288"/>
+            </a:xfrm>
+            <a:prstGeom prst="ellipse">
+              <a:avLst/>
+            </a:prstGeom>
+            <a:solidFill>
+              <a:schemeClr val="bg1">
+                <a:lumMod val="50000"/>
+              </a:schemeClr>
+            </a:solidFill>
+            <a:ln w="12700">
+              <a:noFill/>
+            </a:ln>
+          </p:spPr>
+          <p:style>
+            <a:lnRef idx="2">
+              <a:schemeClr val="accent1">
+                <a:shade val="50000"/>
+              </a:schemeClr>
+            </a:lnRef>
+            <a:fillRef idx="1">
+              <a:schemeClr val="accent1"/>
+            </a:fillRef>
+            <a:effectRef idx="0">
+              <a:schemeClr val="accent1"/>
+            </a:effectRef>
+            <a:fontRef idx="minor">
+              <a:schemeClr val="lt1"/>
+            </a:fontRef>
+          </p:style>
+          <p:txBody>
+            <a:bodyPr rtlCol="0" anchor="ctr"/>
+            <a:lstStyle/>
+            <a:p>
+              <a:pPr algn="ctr"/>
+              <a:endParaRPr lang="en-US"/>
+            </a:p>
+          </p:txBody>
+        </p:sp>
+        <p:sp>
+          <p:nvSpPr>
+            <p:cNvPr id="11" name="Elipse 10">
+              <a:extLst>
+                <a:ext uri="{FF2B5EF4-FFF2-40B4-BE49-F238E27FC236}">
+                  <a16:creationId xmlns:a16="http://schemas.microsoft.com/office/drawing/2014/main" id="{D3FF6034-18A6-96AF-0834-A15E7BEEEFF7}"/>
+                </a:ext>
+              </a:extLst>
+            </p:cNvPr>
+            <p:cNvSpPr/>
+            <p:nvPr/>
+          </p:nvSpPr>
+          <p:spPr>
+            <a:xfrm rot="357242">
+              <a:off x="3984198" y="1195658"/>
+              <a:ext cx="18288" cy="18288"/>
+            </a:xfrm>
+            <a:prstGeom prst="ellipse">
+              <a:avLst/>
+            </a:prstGeom>
+            <a:solidFill>
+              <a:schemeClr val="bg1">
+                <a:lumMod val="50000"/>
+              </a:schemeClr>
+            </a:solidFill>
+            <a:ln w="12700">
+              <a:noFill/>
+            </a:ln>
+          </p:spPr>
+          <p:style>
+            <a:lnRef idx="2">
+              <a:schemeClr val="accent1">
+                <a:shade val="50000"/>
+              </a:schemeClr>
+            </a:lnRef>
+            <a:fillRef idx="1">
+              <a:schemeClr val="accent1"/>
+            </a:fillRef>
+            <a:effectRef idx="0">
+              <a:schemeClr val="accent1"/>
+            </a:effectRef>
+            <a:fontRef idx="minor">
+              <a:schemeClr val="lt1"/>
+            </a:fontRef>
+          </p:style>
+          <p:txBody>
+            <a:bodyPr rtlCol="0" anchor="ctr"/>
+            <a:lstStyle/>
+            <a:p>
+              <a:pPr algn="ctr"/>
+              <a:endParaRPr lang="en-US"/>
+            </a:p>
+          </p:txBody>
+        </p:sp>
+        <p:sp>
+          <p:nvSpPr>
+            <p:cNvPr id="18" name="Elipse 17">
+              <a:extLst>
+                <a:ext uri="{FF2B5EF4-FFF2-40B4-BE49-F238E27FC236}">
+                  <a16:creationId xmlns:a16="http://schemas.microsoft.com/office/drawing/2014/main" id="{965C0477-AB7A-DAD6-541E-B17DB75F36EA}"/>
+                </a:ext>
+              </a:extLst>
+            </p:cNvPr>
+            <p:cNvSpPr/>
+            <p:nvPr/>
+          </p:nvSpPr>
+          <p:spPr>
+            <a:xfrm rot="357242">
+              <a:off x="4068597" y="1192033"/>
+              <a:ext cx="18288" cy="18288"/>
+            </a:xfrm>
+            <a:prstGeom prst="ellipse">
+              <a:avLst/>
+            </a:prstGeom>
+            <a:solidFill>
+              <a:schemeClr val="bg1">
+                <a:lumMod val="50000"/>
+              </a:schemeClr>
+            </a:solidFill>
+            <a:ln w="12700">
+              <a:noFill/>
+            </a:ln>
+          </p:spPr>
+          <p:style>
+            <a:lnRef idx="2">
+              <a:schemeClr val="accent1">
+                <a:shade val="50000"/>
+              </a:schemeClr>
+            </a:lnRef>
+            <a:fillRef idx="1">
+              <a:schemeClr val="accent1"/>
+            </a:fillRef>
+            <a:effectRef idx="0">
+              <a:schemeClr val="accent1"/>
+            </a:effectRef>
+            <a:fontRef idx="minor">
+              <a:schemeClr val="lt1"/>
+            </a:fontRef>
+          </p:style>
+          <p:txBody>
+            <a:bodyPr rtlCol="0" anchor="ctr"/>
+            <a:lstStyle/>
+            <a:p>
+              <a:pPr algn="ctr"/>
+              <a:endParaRPr lang="en-US"/>
+            </a:p>
+          </p:txBody>
+        </p:sp>
+        <p:sp>
+          <p:nvSpPr>
+            <p:cNvPr id="21" name="Elipse 20">
+              <a:extLst>
+                <a:ext uri="{FF2B5EF4-FFF2-40B4-BE49-F238E27FC236}">
+                  <a16:creationId xmlns:a16="http://schemas.microsoft.com/office/drawing/2014/main" id="{E474BE61-B2AE-B928-E222-DEF8DA4C0FBB}"/>
+                </a:ext>
+              </a:extLst>
+            </p:cNvPr>
+            <p:cNvSpPr/>
+            <p:nvPr/>
+          </p:nvSpPr>
+          <p:spPr>
+            <a:xfrm rot="357242">
+              <a:off x="5001319" y="954652"/>
+              <a:ext cx="18288" cy="18288"/>
+            </a:xfrm>
+            <a:prstGeom prst="ellipse">
+              <a:avLst/>
+            </a:prstGeom>
+            <a:solidFill>
+              <a:schemeClr val="bg1">
+                <a:lumMod val="50000"/>
+              </a:schemeClr>
+            </a:solidFill>
+            <a:ln w="12700">
+              <a:noFill/>
+            </a:ln>
+          </p:spPr>
+          <p:style>
+            <a:lnRef idx="2">
+              <a:schemeClr val="accent1">
+                <a:shade val="50000"/>
+              </a:schemeClr>
+            </a:lnRef>
+            <a:fillRef idx="1">
+              <a:schemeClr val="accent1"/>
+            </a:fillRef>
+            <a:effectRef idx="0">
+              <a:schemeClr val="accent1"/>
+            </a:effectRef>
+            <a:fontRef idx="minor">
+              <a:schemeClr val="lt1"/>
+            </a:fontRef>
+          </p:style>
+          <p:txBody>
+            <a:bodyPr rtlCol="0" anchor="ctr"/>
+            <a:lstStyle/>
+            <a:p>
+              <a:pPr algn="ctr"/>
+              <a:endParaRPr lang="en-US"/>
+            </a:p>
+          </p:txBody>
+        </p:sp>
+        <p:sp>
+          <p:nvSpPr>
+            <p:cNvPr id="22" name="Elipse 21">
+              <a:extLst>
+                <a:ext uri="{FF2B5EF4-FFF2-40B4-BE49-F238E27FC236}">
+                  <a16:creationId xmlns:a16="http://schemas.microsoft.com/office/drawing/2014/main" id="{BF7AFE24-2D4C-D65F-D6BC-EE342DEC771D}"/>
+                </a:ext>
+              </a:extLst>
+            </p:cNvPr>
+            <p:cNvSpPr/>
+            <p:nvPr/>
+          </p:nvSpPr>
+          <p:spPr>
+            <a:xfrm rot="357242">
+              <a:off x="5097100" y="915489"/>
+              <a:ext cx="18288" cy="18288"/>
+            </a:xfrm>
+            <a:prstGeom prst="ellipse">
+              <a:avLst/>
+            </a:prstGeom>
+            <a:solidFill>
+              <a:schemeClr val="bg1">
+                <a:lumMod val="50000"/>
+              </a:schemeClr>
+            </a:solidFill>
+            <a:ln w="12700">
+              <a:noFill/>
+            </a:ln>
+          </p:spPr>
+          <p:style>
+            <a:lnRef idx="2">
+              <a:schemeClr val="accent1">
+                <a:shade val="50000"/>
+              </a:schemeClr>
+            </a:lnRef>
+            <a:fillRef idx="1">
+              <a:schemeClr val="accent1"/>
+            </a:fillRef>
+            <a:effectRef idx="0">
+              <a:schemeClr val="accent1"/>
+            </a:effectRef>
+            <a:fontRef idx="minor">
+              <a:schemeClr val="lt1"/>
+            </a:fontRef>
+          </p:style>
+          <p:txBody>
+            <a:bodyPr rtlCol="0" anchor="ctr"/>
+            <a:lstStyle/>
+            <a:p>
+              <a:pPr algn="ctr"/>
+              <a:endParaRPr lang="en-US"/>
+            </a:p>
+          </p:txBody>
+        </p:sp>
+        <p:sp>
+          <p:nvSpPr>
+            <p:cNvPr id="23" name="Elipse 22">
+              <a:extLst>
+                <a:ext uri="{FF2B5EF4-FFF2-40B4-BE49-F238E27FC236}">
+                  <a16:creationId xmlns:a16="http://schemas.microsoft.com/office/drawing/2014/main" id="{01350614-F6CE-6111-1DA8-4D0DE0749EAA}"/>
+                </a:ext>
+              </a:extLst>
+            </p:cNvPr>
+            <p:cNvSpPr/>
+            <p:nvPr/>
+          </p:nvSpPr>
+          <p:spPr>
+            <a:xfrm rot="357242">
+              <a:off x="5259024" y="887875"/>
+              <a:ext cx="18288" cy="18288"/>
+            </a:xfrm>
+            <a:prstGeom prst="ellipse">
+              <a:avLst/>
+            </a:prstGeom>
+            <a:solidFill>
+              <a:schemeClr val="bg1">
+                <a:lumMod val="50000"/>
+              </a:schemeClr>
+            </a:solidFill>
+            <a:ln w="12700">
+              <a:noFill/>
+            </a:ln>
+          </p:spPr>
+          <p:style>
+            <a:lnRef idx="2">
+              <a:schemeClr val="accent1">
+                <a:shade val="50000"/>
+              </a:schemeClr>
+            </a:lnRef>
+            <a:fillRef idx="1">
+              <a:schemeClr val="accent1"/>
+            </a:fillRef>
+            <a:effectRef idx="0">
+              <a:schemeClr val="accent1"/>
+            </a:effectRef>
+            <a:fontRef idx="minor">
+              <a:schemeClr val="lt1"/>
+            </a:fontRef>
+          </p:style>
+          <p:txBody>
+            <a:bodyPr rtlCol="0" anchor="ctr"/>
+            <a:lstStyle/>
+            <a:p>
+              <a:pPr algn="ctr"/>
+              <a:endParaRPr lang="en-US"/>
+            </a:p>
+          </p:txBody>
+        </p:sp>
+        <p:sp>
+          <p:nvSpPr>
+            <p:cNvPr id="24" name="Elipse 23">
+              <a:extLst>
+                <a:ext uri="{FF2B5EF4-FFF2-40B4-BE49-F238E27FC236}">
+                  <a16:creationId xmlns:a16="http://schemas.microsoft.com/office/drawing/2014/main" id="{DA13ABEB-14E1-4315-058F-49FF76B81FEE}"/>
+                </a:ext>
+              </a:extLst>
+            </p:cNvPr>
+            <p:cNvSpPr/>
+            <p:nvPr/>
+          </p:nvSpPr>
+          <p:spPr>
+            <a:xfrm rot="357242">
+              <a:off x="4889441" y="903027"/>
+              <a:ext cx="18288" cy="18288"/>
+            </a:xfrm>
+            <a:prstGeom prst="ellipse">
+              <a:avLst/>
+            </a:prstGeom>
+            <a:solidFill>
+              <a:schemeClr val="bg1">
+                <a:lumMod val="50000"/>
+              </a:schemeClr>
+            </a:solidFill>
+            <a:ln w="12700">
+              <a:noFill/>
+            </a:ln>
+          </p:spPr>
+          <p:style>
+            <a:lnRef idx="2">
+              <a:schemeClr val="accent1">
+                <a:shade val="50000"/>
+              </a:schemeClr>
+            </a:lnRef>
+            <a:fillRef idx="1">
+              <a:schemeClr val="accent1"/>
+            </a:fillRef>
+            <a:effectRef idx="0">
+              <a:schemeClr val="accent1"/>
+            </a:effectRef>
+            <a:fontRef idx="minor">
+              <a:schemeClr val="lt1"/>
+            </a:fontRef>
+          </p:style>
+          <p:txBody>
+            <a:bodyPr rtlCol="0" anchor="ctr"/>
+            <a:lstStyle/>
+            <a:p>
+              <a:pPr algn="ctr"/>
+              <a:endParaRPr lang="en-US"/>
+            </a:p>
+          </p:txBody>
+        </p:sp>
+        <p:sp>
+          <p:nvSpPr>
+            <p:cNvPr id="25" name="Elipse 24">
+              <a:extLst>
+                <a:ext uri="{FF2B5EF4-FFF2-40B4-BE49-F238E27FC236}">
+                  <a16:creationId xmlns:a16="http://schemas.microsoft.com/office/drawing/2014/main" id="{38C8161A-A1FD-3254-44EA-9720ADA73171}"/>
+                </a:ext>
+              </a:extLst>
+            </p:cNvPr>
+            <p:cNvSpPr/>
+            <p:nvPr/>
+          </p:nvSpPr>
+          <p:spPr>
+            <a:xfrm rot="357242">
+              <a:off x="4809999" y="871170"/>
+              <a:ext cx="18288" cy="18288"/>
+            </a:xfrm>
+            <a:prstGeom prst="ellipse">
+              <a:avLst/>
+            </a:prstGeom>
+            <a:solidFill>
+              <a:schemeClr val="bg1">
+                <a:lumMod val="50000"/>
+              </a:schemeClr>
+            </a:solidFill>
+            <a:ln w="12700">
+              <a:noFill/>
+            </a:ln>
+          </p:spPr>
+          <p:style>
+            <a:lnRef idx="2">
+              <a:schemeClr val="accent1">
+                <a:shade val="50000"/>
+              </a:schemeClr>
+            </a:lnRef>
+            <a:fillRef idx="1">
+              <a:schemeClr val="accent1"/>
+            </a:fillRef>
+            <a:effectRef idx="0">
+              <a:schemeClr val="accent1"/>
+            </a:effectRef>
+            <a:fontRef idx="minor">
+              <a:schemeClr val="lt1"/>
+            </a:fontRef>
+          </p:style>
+          <p:txBody>
+            <a:bodyPr rtlCol="0" anchor="ctr"/>
+            <a:lstStyle/>
+            <a:p>
+              <a:pPr algn="ctr"/>
+              <a:endParaRPr lang="en-US"/>
+            </a:p>
+          </p:txBody>
+        </p:sp>
+        <p:sp>
+          <p:nvSpPr>
+            <p:cNvPr id="26" name="Elipse 25">
+              <a:extLst>
+                <a:ext uri="{FF2B5EF4-FFF2-40B4-BE49-F238E27FC236}">
+                  <a16:creationId xmlns:a16="http://schemas.microsoft.com/office/drawing/2014/main" id="{1FAFC6F3-4094-93F7-397D-3F8FD95D632C}"/>
+                </a:ext>
+              </a:extLst>
+            </p:cNvPr>
+            <p:cNvSpPr/>
+            <p:nvPr/>
+          </p:nvSpPr>
+          <p:spPr>
+            <a:xfrm rot="357242">
+              <a:off x="4663712" y="840092"/>
+              <a:ext cx="18288" cy="18288"/>
+            </a:xfrm>
+            <a:prstGeom prst="ellipse">
+              <a:avLst/>
+            </a:prstGeom>
+            <a:solidFill>
+              <a:schemeClr val="bg1">
+                <a:lumMod val="50000"/>
+              </a:schemeClr>
+            </a:solidFill>
+            <a:ln w="12700">
+              <a:noFill/>
+            </a:ln>
+          </p:spPr>
+          <p:style>
+            <a:lnRef idx="2">
+              <a:schemeClr val="accent1">
+                <a:shade val="50000"/>
+              </a:schemeClr>
+            </a:lnRef>
+            <a:fillRef idx="1">
+              <a:schemeClr val="accent1"/>
+            </a:fillRef>
+            <a:effectRef idx="0">
+              <a:schemeClr val="accent1"/>
+            </a:effectRef>
+            <a:fontRef idx="minor">
+              <a:schemeClr val="lt1"/>
+            </a:fontRef>
+          </p:style>
+          <p:txBody>
+            <a:bodyPr rtlCol="0" anchor="ctr"/>
+            <a:lstStyle/>
+            <a:p>
+              <a:pPr algn="ctr"/>
+              <a:endParaRPr lang="en-US"/>
+            </a:p>
+          </p:txBody>
+        </p:sp>
+        <p:sp>
+          <p:nvSpPr>
+            <p:cNvPr id="27" name="Elipse 26">
+              <a:extLst>
+                <a:ext uri="{FF2B5EF4-FFF2-40B4-BE49-F238E27FC236}">
+                  <a16:creationId xmlns:a16="http://schemas.microsoft.com/office/drawing/2014/main" id="{F973DF03-C23B-17FD-E7FB-59DEC29B6645}"/>
+                </a:ext>
+              </a:extLst>
+            </p:cNvPr>
+            <p:cNvSpPr/>
+            <p:nvPr/>
+          </p:nvSpPr>
+          <p:spPr>
+            <a:xfrm rot="357242">
+              <a:off x="5068989" y="847005"/>
+              <a:ext cx="18288" cy="18288"/>
+            </a:xfrm>
+            <a:prstGeom prst="ellipse">
+              <a:avLst/>
+            </a:prstGeom>
+            <a:solidFill>
+              <a:schemeClr val="bg1">
+                <a:lumMod val="50000"/>
+              </a:schemeClr>
+            </a:solidFill>
+            <a:ln w="12700">
+              <a:noFill/>
+            </a:ln>
+          </p:spPr>
+          <p:style>
+            <a:lnRef idx="2">
+              <a:schemeClr val="accent1">
+                <a:shade val="50000"/>
+              </a:schemeClr>
+            </a:lnRef>
+            <a:fillRef idx="1">
+              <a:schemeClr val="accent1"/>
+            </a:fillRef>
+            <a:effectRef idx="0">
+              <a:schemeClr val="accent1"/>
+            </a:effectRef>
+            <a:fontRef idx="minor">
+              <a:schemeClr val="lt1"/>
+            </a:fontRef>
+          </p:style>
+          <p:txBody>
+            <a:bodyPr rtlCol="0" anchor="ctr"/>
+            <a:lstStyle/>
+            <a:p>
+              <a:pPr algn="ctr"/>
+              <a:endParaRPr lang="en-US"/>
+            </a:p>
+          </p:txBody>
+        </p:sp>
+        <p:sp>
+          <p:nvSpPr>
+            <p:cNvPr id="28" name="Elipse 27">
+              <a:extLst>
+                <a:ext uri="{FF2B5EF4-FFF2-40B4-BE49-F238E27FC236}">
+                  <a16:creationId xmlns:a16="http://schemas.microsoft.com/office/drawing/2014/main" id="{3E5C4A43-8BCC-B5A1-926A-6C8EFF3F721F}"/>
+                </a:ext>
+              </a:extLst>
+            </p:cNvPr>
+            <p:cNvSpPr/>
+            <p:nvPr/>
+          </p:nvSpPr>
+          <p:spPr>
+            <a:xfrm rot="357242">
+              <a:off x="5379620" y="840017"/>
+              <a:ext cx="18288" cy="18288"/>
+            </a:xfrm>
+            <a:prstGeom prst="ellipse">
+              <a:avLst/>
+            </a:prstGeom>
+            <a:solidFill>
+              <a:schemeClr val="bg1">
+                <a:lumMod val="50000"/>
+              </a:schemeClr>
+            </a:solidFill>
+            <a:ln w="12700">
+              <a:noFill/>
+            </a:ln>
+          </p:spPr>
+          <p:style>
+            <a:lnRef idx="2">
+              <a:schemeClr val="accent1">
+                <a:shade val="50000"/>
+              </a:schemeClr>
+            </a:lnRef>
+            <a:fillRef idx="1">
+              <a:schemeClr val="accent1"/>
+            </a:fillRef>
+            <a:effectRef idx="0">
+              <a:schemeClr val="accent1"/>
+            </a:effectRef>
+            <a:fontRef idx="minor">
+              <a:schemeClr val="lt1"/>
+            </a:fontRef>
+          </p:style>
+          <p:txBody>
+            <a:bodyPr rtlCol="0" anchor="ctr"/>
+            <a:lstStyle/>
+            <a:p>
+              <a:pPr algn="ctr"/>
+              <a:endParaRPr lang="en-US"/>
+            </a:p>
+          </p:txBody>
+        </p:sp>
+        <p:sp>
+          <p:nvSpPr>
+            <p:cNvPr id="29" name="Elipse 28">
+              <a:extLst>
+                <a:ext uri="{FF2B5EF4-FFF2-40B4-BE49-F238E27FC236}">
+                  <a16:creationId xmlns:a16="http://schemas.microsoft.com/office/drawing/2014/main" id="{3B1F72AE-8E86-5A51-A00E-1664429B0336}"/>
+                </a:ext>
+              </a:extLst>
+            </p:cNvPr>
+            <p:cNvSpPr/>
+            <p:nvPr/>
+          </p:nvSpPr>
+          <p:spPr>
+            <a:xfrm rot="357242">
+              <a:off x="5169538" y="865251"/>
+              <a:ext cx="18288" cy="18288"/>
+            </a:xfrm>
+            <a:prstGeom prst="ellipse">
+              <a:avLst/>
+            </a:prstGeom>
+            <a:solidFill>
+              <a:schemeClr val="bg1">
+                <a:lumMod val="50000"/>
+              </a:schemeClr>
+            </a:solidFill>
+            <a:ln w="12700">
+              <a:noFill/>
+            </a:ln>
+          </p:spPr>
+          <p:style>
+            <a:lnRef idx="2">
+              <a:schemeClr val="accent1">
+                <a:shade val="50000"/>
+              </a:schemeClr>
+            </a:lnRef>
+            <a:fillRef idx="1">
+              <a:schemeClr val="accent1"/>
+            </a:fillRef>
+            <a:effectRef idx="0">
+              <a:schemeClr val="accent1"/>
+            </a:effectRef>
+            <a:fontRef idx="minor">
+              <a:schemeClr val="lt1"/>
+            </a:fontRef>
+          </p:style>
+          <p:txBody>
+            <a:bodyPr rtlCol="0" anchor="ctr"/>
+            <a:lstStyle/>
+            <a:p>
+              <a:pPr algn="ctr"/>
+              <a:endParaRPr lang="en-US"/>
+            </a:p>
+          </p:txBody>
+        </p:sp>
+        <p:sp>
+          <p:nvSpPr>
+            <p:cNvPr id="30" name="Elipse 29">
+              <a:extLst>
+                <a:ext uri="{FF2B5EF4-FFF2-40B4-BE49-F238E27FC236}">
+                  <a16:creationId xmlns:a16="http://schemas.microsoft.com/office/drawing/2014/main" id="{B54C4AB1-BDF0-B78C-2BE3-3936853C5F9B}"/>
+                </a:ext>
+              </a:extLst>
+            </p:cNvPr>
+            <p:cNvSpPr/>
+            <p:nvPr/>
+          </p:nvSpPr>
+          <p:spPr>
+            <a:xfrm rot="357242">
+              <a:off x="5001318" y="882939"/>
+              <a:ext cx="18288" cy="18288"/>
+            </a:xfrm>
+            <a:prstGeom prst="ellipse">
+              <a:avLst/>
+            </a:prstGeom>
+            <a:solidFill>
+              <a:schemeClr val="bg1">
+                <a:lumMod val="50000"/>
+              </a:schemeClr>
+            </a:solidFill>
+            <a:ln w="12700">
+              <a:noFill/>
+            </a:ln>
+          </p:spPr>
+          <p:style>
+            <a:lnRef idx="2">
+              <a:schemeClr val="accent1">
+                <a:shade val="50000"/>
+              </a:schemeClr>
+            </a:lnRef>
+            <a:fillRef idx="1">
+              <a:schemeClr val="accent1"/>
+            </a:fillRef>
+            <a:effectRef idx="0">
+              <a:schemeClr val="accent1"/>
+            </a:effectRef>
+            <a:fontRef idx="minor">
+              <a:schemeClr val="lt1"/>
+            </a:fontRef>
+          </p:style>
+          <p:txBody>
+            <a:bodyPr rtlCol="0" anchor="ctr"/>
+            <a:lstStyle/>
+            <a:p>
+              <a:pPr algn="ctr"/>
+              <a:endParaRPr lang="en-US"/>
+            </a:p>
+          </p:txBody>
+        </p:sp>
+        <p:sp>
+          <p:nvSpPr>
+            <p:cNvPr id="31" name="Elipse 30">
+              <a:extLst>
+                <a:ext uri="{FF2B5EF4-FFF2-40B4-BE49-F238E27FC236}">
+                  <a16:creationId xmlns:a16="http://schemas.microsoft.com/office/drawing/2014/main" id="{5A280F06-629F-DBA9-8B2F-E2A095AC18BA}"/>
+                </a:ext>
+              </a:extLst>
+            </p:cNvPr>
+            <p:cNvSpPr/>
+            <p:nvPr/>
+          </p:nvSpPr>
+          <p:spPr>
+            <a:xfrm rot="357242">
+              <a:off x="4907960" y="849927"/>
+              <a:ext cx="18288" cy="18288"/>
+            </a:xfrm>
+            <a:prstGeom prst="ellipse">
+              <a:avLst/>
+            </a:prstGeom>
+            <a:solidFill>
+              <a:schemeClr val="bg1">
+                <a:lumMod val="50000"/>
+              </a:schemeClr>
+            </a:solidFill>
+            <a:ln w="12700">
+              <a:noFill/>
+            </a:ln>
+          </p:spPr>
+          <p:style>
+            <a:lnRef idx="2">
+              <a:schemeClr val="accent1">
+                <a:shade val="50000"/>
+              </a:schemeClr>
+            </a:lnRef>
+            <a:fillRef idx="1">
+              <a:schemeClr val="accent1"/>
+            </a:fillRef>
+            <a:effectRef idx="0">
+              <a:schemeClr val="accent1"/>
+            </a:effectRef>
+            <a:fontRef idx="minor">
+              <a:schemeClr val="lt1"/>
+            </a:fontRef>
+          </p:style>
+          <p:txBody>
+            <a:bodyPr rtlCol="0" anchor="ctr"/>
+            <a:lstStyle/>
+            <a:p>
+              <a:pPr algn="ctr"/>
+              <a:endParaRPr lang="en-US"/>
+            </a:p>
+          </p:txBody>
+        </p:sp>
+        <p:sp>
+          <p:nvSpPr>
+            <p:cNvPr id="32" name="Elipse 31">
+              <a:extLst>
+                <a:ext uri="{FF2B5EF4-FFF2-40B4-BE49-F238E27FC236}">
+                  <a16:creationId xmlns:a16="http://schemas.microsoft.com/office/drawing/2014/main" id="{307FD9D5-C4A4-5162-AB59-FC068C6A3782}"/>
+                </a:ext>
+              </a:extLst>
+            </p:cNvPr>
+            <p:cNvSpPr/>
+            <p:nvPr/>
+          </p:nvSpPr>
+          <p:spPr>
+            <a:xfrm rot="357242">
+              <a:off x="4547101" y="833566"/>
+              <a:ext cx="18288" cy="18288"/>
+            </a:xfrm>
+            <a:prstGeom prst="ellipse">
+              <a:avLst/>
+            </a:prstGeom>
+            <a:solidFill>
+              <a:schemeClr val="bg1">
+                <a:lumMod val="50000"/>
+              </a:schemeClr>
+            </a:solidFill>
+            <a:ln w="12700">
+              <a:noFill/>
+            </a:ln>
+          </p:spPr>
+          <p:style>
+            <a:lnRef idx="2">
+              <a:schemeClr val="accent1">
+                <a:shade val="50000"/>
+              </a:schemeClr>
+            </a:lnRef>
+            <a:fillRef idx="1">
+              <a:schemeClr val="accent1"/>
+            </a:fillRef>
+            <a:effectRef idx="0">
+              <a:schemeClr val="accent1"/>
+            </a:effectRef>
+            <a:fontRef idx="minor">
+              <a:schemeClr val="lt1"/>
+            </a:fontRef>
+          </p:style>
+          <p:txBody>
+            <a:bodyPr rtlCol="0" anchor="ctr"/>
+            <a:lstStyle/>
+            <a:p>
+              <a:pPr algn="ctr"/>
+              <a:endParaRPr lang="en-US"/>
+            </a:p>
+          </p:txBody>
+        </p:sp>
+        <p:sp>
+          <p:nvSpPr>
+            <p:cNvPr id="33" name="Elipse 32">
+              <a:extLst>
+                <a:ext uri="{FF2B5EF4-FFF2-40B4-BE49-F238E27FC236}">
+                  <a16:creationId xmlns:a16="http://schemas.microsoft.com/office/drawing/2014/main" id="{E81D8593-BCB4-08A9-4A52-EA1C56263FA8}"/>
+                </a:ext>
+              </a:extLst>
+            </p:cNvPr>
+            <p:cNvSpPr/>
+            <p:nvPr/>
+          </p:nvSpPr>
+          <p:spPr>
+            <a:xfrm rot="357242">
+              <a:off x="6270488" y="1277130"/>
+              <a:ext cx="18288" cy="18288"/>
+            </a:xfrm>
+            <a:prstGeom prst="ellipse">
+              <a:avLst/>
+            </a:prstGeom>
+            <a:solidFill>
+              <a:schemeClr val="bg1">
+                <a:lumMod val="50000"/>
+              </a:schemeClr>
+            </a:solidFill>
+            <a:ln w="12700">
+              <a:noFill/>
+            </a:ln>
+          </p:spPr>
+          <p:style>
+            <a:lnRef idx="2">
+              <a:schemeClr val="accent1">
+                <a:shade val="50000"/>
+              </a:schemeClr>
+            </a:lnRef>
+            <a:fillRef idx="1">
+              <a:schemeClr val="accent1"/>
+            </a:fillRef>
+            <a:effectRef idx="0">
+              <a:schemeClr val="accent1"/>
+            </a:effectRef>
+            <a:fontRef idx="minor">
+              <a:schemeClr val="lt1"/>
+            </a:fontRef>
+          </p:style>
+          <p:txBody>
+            <a:bodyPr rtlCol="0" anchor="ctr"/>
+            <a:lstStyle/>
+            <a:p>
+              <a:pPr algn="ctr"/>
+              <a:endParaRPr lang="en-US"/>
+            </a:p>
+          </p:txBody>
+        </p:sp>
+        <p:sp>
+          <p:nvSpPr>
+            <p:cNvPr id="34" name="Elipse 33">
+              <a:extLst>
+                <a:ext uri="{FF2B5EF4-FFF2-40B4-BE49-F238E27FC236}">
+                  <a16:creationId xmlns:a16="http://schemas.microsoft.com/office/drawing/2014/main" id="{634985D0-F84C-8AF2-7946-79381B035487}"/>
+                </a:ext>
+              </a:extLst>
+            </p:cNvPr>
+            <p:cNvSpPr/>
+            <p:nvPr/>
+          </p:nvSpPr>
+          <p:spPr>
+            <a:xfrm rot="357242">
+              <a:off x="6330588" y="1182859"/>
+              <a:ext cx="18288" cy="18288"/>
+            </a:xfrm>
+            <a:prstGeom prst="ellipse">
+              <a:avLst/>
+            </a:prstGeom>
+            <a:solidFill>
+              <a:schemeClr val="bg1">
+                <a:lumMod val="50000"/>
+              </a:schemeClr>
+            </a:solidFill>
+            <a:ln w="12700">
+              <a:noFill/>
+            </a:ln>
+          </p:spPr>
+          <p:style>
+            <a:lnRef idx="2">
+              <a:schemeClr val="accent1">
+                <a:shade val="50000"/>
+              </a:schemeClr>
+            </a:lnRef>
+            <a:fillRef idx="1">
+              <a:schemeClr val="accent1"/>
+            </a:fillRef>
+            <a:effectRef idx="0">
+              <a:schemeClr val="accent1"/>
+            </a:effectRef>
+            <a:fontRef idx="minor">
+              <a:schemeClr val="lt1"/>
+            </a:fontRef>
+          </p:style>
+          <p:txBody>
+            <a:bodyPr rtlCol="0" anchor="ctr"/>
+            <a:lstStyle/>
+            <a:p>
+              <a:pPr algn="ctr"/>
+              <a:endParaRPr lang="en-US"/>
+            </a:p>
+          </p:txBody>
+        </p:sp>
+        <p:sp>
+          <p:nvSpPr>
+            <p:cNvPr id="35" name="Elipse 34">
+              <a:extLst>
+                <a:ext uri="{FF2B5EF4-FFF2-40B4-BE49-F238E27FC236}">
+                  <a16:creationId xmlns:a16="http://schemas.microsoft.com/office/drawing/2014/main" id="{A352BEA6-52CD-68FE-1CBF-83D942395E8A}"/>
+                </a:ext>
+              </a:extLst>
+            </p:cNvPr>
+            <p:cNvSpPr/>
+            <p:nvPr/>
+          </p:nvSpPr>
+          <p:spPr>
+            <a:xfrm rot="357242">
+              <a:off x="6359747" y="1277131"/>
+              <a:ext cx="18288" cy="18288"/>
+            </a:xfrm>
+            <a:prstGeom prst="ellipse">
+              <a:avLst/>
+            </a:prstGeom>
+            <a:solidFill>
+              <a:schemeClr val="bg1">
+                <a:lumMod val="50000"/>
+              </a:schemeClr>
+            </a:solidFill>
+            <a:ln w="12700">
+              <a:noFill/>
+            </a:ln>
+          </p:spPr>
+          <p:style>
+            <a:lnRef idx="2">
+              <a:schemeClr val="accent1">
+                <a:shade val="50000"/>
+              </a:schemeClr>
+            </a:lnRef>
+            <a:fillRef idx="1">
+              <a:schemeClr val="accent1"/>
+            </a:fillRef>
+            <a:effectRef idx="0">
+              <a:schemeClr val="accent1"/>
+            </a:effectRef>
+            <a:fontRef idx="minor">
+              <a:schemeClr val="lt1"/>
+            </a:fontRef>
+          </p:style>
+          <p:txBody>
+            <a:bodyPr rtlCol="0" anchor="ctr"/>
+            <a:lstStyle/>
+            <a:p>
+              <a:pPr algn="ctr"/>
+              <a:endParaRPr lang="en-US"/>
+            </a:p>
+          </p:txBody>
+        </p:sp>
+        <p:sp>
+          <p:nvSpPr>
+            <p:cNvPr id="36" name="Elipse 35">
+              <a:extLst>
+                <a:ext uri="{FF2B5EF4-FFF2-40B4-BE49-F238E27FC236}">
+                  <a16:creationId xmlns:a16="http://schemas.microsoft.com/office/drawing/2014/main" id="{7B28B6A0-371A-ECEB-6685-0799734BDDBA}"/>
+                </a:ext>
+              </a:extLst>
+            </p:cNvPr>
+            <p:cNvSpPr/>
+            <p:nvPr/>
+          </p:nvSpPr>
+          <p:spPr>
+            <a:xfrm rot="357242">
+              <a:off x="6250400" y="1209824"/>
+              <a:ext cx="18288" cy="18288"/>
+            </a:xfrm>
+            <a:prstGeom prst="ellipse">
+              <a:avLst/>
+            </a:prstGeom>
+            <a:solidFill>
+              <a:schemeClr val="bg1">
+                <a:lumMod val="50000"/>
+              </a:schemeClr>
+            </a:solidFill>
+            <a:ln w="12700">
+              <a:noFill/>
+            </a:ln>
+          </p:spPr>
+          <p:style>
+            <a:lnRef idx="2">
+              <a:schemeClr val="accent1">
+                <a:shade val="50000"/>
+              </a:schemeClr>
+            </a:lnRef>
+            <a:fillRef idx="1">
+              <a:schemeClr val="accent1"/>
+            </a:fillRef>
+            <a:effectRef idx="0">
+              <a:schemeClr val="accent1"/>
+            </a:effectRef>
+            <a:fontRef idx="minor">
+              <a:schemeClr val="lt1"/>
+            </a:fontRef>
+          </p:style>
+          <p:txBody>
+            <a:bodyPr rtlCol="0" anchor="ctr"/>
+            <a:lstStyle/>
+            <a:p>
+              <a:pPr algn="ctr"/>
+              <a:endParaRPr lang="en-US"/>
+            </a:p>
+          </p:txBody>
+        </p:sp>
+        <p:sp>
+          <p:nvSpPr>
+            <p:cNvPr id="37" name="Elipse 36">
+              <a:extLst>
+                <a:ext uri="{FF2B5EF4-FFF2-40B4-BE49-F238E27FC236}">
+                  <a16:creationId xmlns:a16="http://schemas.microsoft.com/office/drawing/2014/main" id="{40E1AEA1-7E64-6DAF-6059-422837079C55}"/>
+                </a:ext>
+              </a:extLst>
+            </p:cNvPr>
+            <p:cNvSpPr/>
+            <p:nvPr/>
+          </p:nvSpPr>
+          <p:spPr>
+            <a:xfrm rot="357242">
+              <a:off x="6492513" y="1254121"/>
+              <a:ext cx="18288" cy="18288"/>
+            </a:xfrm>
+            <a:prstGeom prst="ellipse">
+              <a:avLst/>
+            </a:prstGeom>
+            <a:solidFill>
+              <a:schemeClr val="bg1">
+                <a:lumMod val="50000"/>
+              </a:schemeClr>
+            </a:solidFill>
+            <a:ln w="12700">
+              <a:noFill/>
+            </a:ln>
+          </p:spPr>
+          <p:style>
+            <a:lnRef idx="2">
+              <a:schemeClr val="accent1">
+                <a:shade val="50000"/>
+              </a:schemeClr>
+            </a:lnRef>
+            <a:fillRef idx="1">
+              <a:schemeClr val="accent1"/>
+            </a:fillRef>
+            <a:effectRef idx="0">
+              <a:schemeClr val="accent1"/>
+            </a:effectRef>
+            <a:fontRef idx="minor">
+              <a:schemeClr val="lt1"/>
+            </a:fontRef>
+          </p:style>
+          <p:txBody>
+            <a:bodyPr rtlCol="0" anchor="ctr"/>
+            <a:lstStyle/>
+            <a:p>
+              <a:pPr algn="ctr"/>
+              <a:endParaRPr lang="en-US"/>
+            </a:p>
+          </p:txBody>
+        </p:sp>
+        <p:sp>
+          <p:nvSpPr>
+            <p:cNvPr id="38" name="Elipse 37">
+              <a:extLst>
+                <a:ext uri="{FF2B5EF4-FFF2-40B4-BE49-F238E27FC236}">
+                  <a16:creationId xmlns:a16="http://schemas.microsoft.com/office/drawing/2014/main" id="{F4AFCF8F-DE79-8859-ED59-F15E9524CB32}"/>
+                </a:ext>
+              </a:extLst>
+            </p:cNvPr>
+            <p:cNvSpPr/>
+            <p:nvPr/>
+          </p:nvSpPr>
+          <p:spPr>
+            <a:xfrm rot="357242">
+              <a:off x="6379834" y="1219868"/>
+              <a:ext cx="18288" cy="18288"/>
+            </a:xfrm>
+            <a:prstGeom prst="ellipse">
+              <a:avLst/>
+            </a:prstGeom>
+            <a:solidFill>
+              <a:schemeClr val="bg1">
+                <a:lumMod val="50000"/>
+              </a:schemeClr>
+            </a:solidFill>
+            <a:ln w="12700">
+              <a:noFill/>
+            </a:ln>
+          </p:spPr>
+          <p:style>
+            <a:lnRef idx="2">
+              <a:schemeClr val="accent1">
+                <a:shade val="50000"/>
+              </a:schemeClr>
+            </a:lnRef>
+            <a:fillRef idx="1">
+              <a:schemeClr val="accent1"/>
+            </a:fillRef>
+            <a:effectRef idx="0">
+              <a:schemeClr val="accent1"/>
+            </a:effectRef>
+            <a:fontRef idx="minor">
+              <a:schemeClr val="lt1"/>
+            </a:fontRef>
+          </p:style>
+          <p:txBody>
+            <a:bodyPr rtlCol="0" anchor="ctr"/>
+            <a:lstStyle/>
+            <a:p>
+              <a:pPr algn="ctr"/>
+              <a:endParaRPr lang="en-US"/>
+            </a:p>
+          </p:txBody>
+        </p:sp>
+        <p:sp>
+          <p:nvSpPr>
+            <p:cNvPr id="39" name="Elipse 38">
+              <a:extLst>
+                <a:ext uri="{FF2B5EF4-FFF2-40B4-BE49-F238E27FC236}">
+                  <a16:creationId xmlns:a16="http://schemas.microsoft.com/office/drawing/2014/main" id="{3034025F-8869-02E4-C415-2AAFBDFA0656}"/>
+                </a:ext>
+              </a:extLst>
+            </p:cNvPr>
+            <p:cNvSpPr/>
+            <p:nvPr/>
+          </p:nvSpPr>
+          <p:spPr>
+            <a:xfrm rot="357242">
+              <a:off x="6162767" y="1250204"/>
+              <a:ext cx="18288" cy="18288"/>
+            </a:xfrm>
+            <a:prstGeom prst="ellipse">
+              <a:avLst/>
+            </a:prstGeom>
+            <a:solidFill>
+              <a:schemeClr val="bg1">
+                <a:lumMod val="50000"/>
+              </a:schemeClr>
+            </a:solidFill>
+            <a:ln w="12700">
+              <a:noFill/>
+            </a:ln>
+          </p:spPr>
+          <p:style>
+            <a:lnRef idx="2">
+              <a:schemeClr val="accent1">
+                <a:shade val="50000"/>
+              </a:schemeClr>
+            </a:lnRef>
+            <a:fillRef idx="1">
+              <a:schemeClr val="accent1"/>
+            </a:fillRef>
+            <a:effectRef idx="0">
+              <a:schemeClr val="accent1"/>
+            </a:effectRef>
+            <a:fontRef idx="minor">
+              <a:schemeClr val="lt1"/>
+            </a:fontRef>
+          </p:style>
+          <p:txBody>
+            <a:bodyPr rtlCol="0" anchor="ctr"/>
+            <a:lstStyle/>
+            <a:p>
+              <a:pPr algn="ctr"/>
+              <a:endParaRPr lang="en-US"/>
+            </a:p>
+          </p:txBody>
+        </p:sp>
+        <p:sp>
+          <p:nvSpPr>
+            <p:cNvPr id="40" name="Elipse 39">
+              <a:extLst>
+                <a:ext uri="{FF2B5EF4-FFF2-40B4-BE49-F238E27FC236}">
+                  <a16:creationId xmlns:a16="http://schemas.microsoft.com/office/drawing/2014/main" id="{1BB6C392-2550-0602-1F4C-9B043065CA2D}"/>
+                </a:ext>
+              </a:extLst>
+            </p:cNvPr>
+            <p:cNvSpPr/>
+            <p:nvPr/>
+          </p:nvSpPr>
+          <p:spPr>
+            <a:xfrm rot="357242">
+              <a:off x="6592524" y="1287174"/>
+              <a:ext cx="18288" cy="18288"/>
+            </a:xfrm>
+            <a:prstGeom prst="ellipse">
+              <a:avLst/>
+            </a:prstGeom>
+            <a:solidFill>
+              <a:schemeClr val="bg1">
+                <a:lumMod val="50000"/>
+              </a:schemeClr>
+            </a:solidFill>
+            <a:ln w="12700">
+              <a:noFill/>
+            </a:ln>
+          </p:spPr>
+          <p:style>
+            <a:lnRef idx="2">
+              <a:schemeClr val="accent1">
+                <a:shade val="50000"/>
+              </a:schemeClr>
+            </a:lnRef>
+            <a:fillRef idx="1">
+              <a:schemeClr val="accent1"/>
+            </a:fillRef>
+            <a:effectRef idx="0">
+              <a:schemeClr val="accent1"/>
+            </a:effectRef>
+            <a:fontRef idx="minor">
+              <a:schemeClr val="lt1"/>
+            </a:fontRef>
+          </p:style>
+          <p:txBody>
+            <a:bodyPr rtlCol="0" anchor="ctr"/>
+            <a:lstStyle/>
+            <a:p>
+              <a:pPr algn="ctr"/>
+              <a:endParaRPr lang="en-US"/>
+            </a:p>
+          </p:txBody>
+        </p:sp>
+        <p:sp>
+          <p:nvSpPr>
+            <p:cNvPr id="41" name="Elipse 40">
+              <a:extLst>
+                <a:ext uri="{FF2B5EF4-FFF2-40B4-BE49-F238E27FC236}">
+                  <a16:creationId xmlns:a16="http://schemas.microsoft.com/office/drawing/2014/main" id="{B40556E7-4A36-F688-0D2F-6F25DA4B1BDE}"/>
+                </a:ext>
+              </a:extLst>
+            </p:cNvPr>
+            <p:cNvSpPr/>
+            <p:nvPr/>
+          </p:nvSpPr>
+          <p:spPr>
+            <a:xfrm rot="357242">
+              <a:off x="6739567" y="1266439"/>
+              <a:ext cx="18288" cy="18288"/>
+            </a:xfrm>
+            <a:prstGeom prst="ellipse">
+              <a:avLst/>
+            </a:prstGeom>
+            <a:solidFill>
+              <a:schemeClr val="bg1">
+                <a:lumMod val="50000"/>
+              </a:schemeClr>
+            </a:solidFill>
+            <a:ln w="12700">
+              <a:noFill/>
+            </a:ln>
+          </p:spPr>
+          <p:style>
+            <a:lnRef idx="2">
+              <a:schemeClr val="accent1">
+                <a:shade val="50000"/>
+              </a:schemeClr>
+            </a:lnRef>
+            <a:fillRef idx="1">
+              <a:schemeClr val="accent1"/>
+            </a:fillRef>
+            <a:effectRef idx="0">
+              <a:schemeClr val="accent1"/>
+            </a:effectRef>
+            <a:fontRef idx="minor">
+              <a:schemeClr val="lt1"/>
+            </a:fontRef>
+          </p:style>
+          <p:txBody>
+            <a:bodyPr rtlCol="0" anchor="ctr"/>
+            <a:lstStyle/>
+            <a:p>
+              <a:pPr algn="ctr"/>
+              <a:endParaRPr lang="en-US"/>
+            </a:p>
+          </p:txBody>
+        </p:sp>
+        <p:sp>
+          <p:nvSpPr>
+            <p:cNvPr id="42" name="Elipse 41">
+              <a:extLst>
+                <a:ext uri="{FF2B5EF4-FFF2-40B4-BE49-F238E27FC236}">
+                  <a16:creationId xmlns:a16="http://schemas.microsoft.com/office/drawing/2014/main" id="{1C53A93F-9799-BF2F-5C6A-634AD1330027}"/>
+                </a:ext>
+              </a:extLst>
+            </p:cNvPr>
+            <p:cNvSpPr/>
+            <p:nvPr/>
+          </p:nvSpPr>
+          <p:spPr>
+            <a:xfrm rot="357242">
+              <a:off x="6602568" y="1226561"/>
+              <a:ext cx="18288" cy="18288"/>
+            </a:xfrm>
+            <a:prstGeom prst="ellipse">
+              <a:avLst/>
+            </a:prstGeom>
+            <a:solidFill>
+              <a:schemeClr val="bg1">
+                <a:lumMod val="50000"/>
+              </a:schemeClr>
+            </a:solidFill>
+            <a:ln w="12700">
+              <a:noFill/>
+            </a:ln>
+          </p:spPr>
+          <p:style>
+            <a:lnRef idx="2">
+              <a:schemeClr val="accent1">
+                <a:shade val="50000"/>
+              </a:schemeClr>
+            </a:lnRef>
+            <a:fillRef idx="1">
+              <a:schemeClr val="accent1"/>
+            </a:fillRef>
+            <a:effectRef idx="0">
+              <a:schemeClr val="accent1"/>
+            </a:effectRef>
+            <a:fontRef idx="minor">
+              <a:schemeClr val="lt1"/>
+            </a:fontRef>
+          </p:style>
+          <p:txBody>
+            <a:bodyPr rtlCol="0" anchor="ctr"/>
+            <a:lstStyle/>
+            <a:p>
+              <a:pPr algn="ctr"/>
+              <a:endParaRPr lang="en-US"/>
+            </a:p>
+          </p:txBody>
+        </p:sp>
+        <p:sp>
+          <p:nvSpPr>
+            <p:cNvPr id="43" name="Elipse 42">
+              <a:extLst>
+                <a:ext uri="{FF2B5EF4-FFF2-40B4-BE49-F238E27FC236}">
+                  <a16:creationId xmlns:a16="http://schemas.microsoft.com/office/drawing/2014/main" id="{1E35DA9F-EEB8-F614-24DC-901CC2ADCC1B}"/>
+                </a:ext>
+              </a:extLst>
+            </p:cNvPr>
+            <p:cNvSpPr/>
+            <p:nvPr/>
+          </p:nvSpPr>
+          <p:spPr>
+            <a:xfrm rot="357242">
+              <a:off x="6441954" y="1176633"/>
+              <a:ext cx="18288" cy="18288"/>
+            </a:xfrm>
+            <a:prstGeom prst="ellipse">
+              <a:avLst/>
+            </a:prstGeom>
+            <a:solidFill>
+              <a:schemeClr val="bg1">
+                <a:lumMod val="50000"/>
+              </a:schemeClr>
+            </a:solidFill>
+            <a:ln w="12700">
+              <a:noFill/>
+            </a:ln>
+          </p:spPr>
+          <p:style>
+            <a:lnRef idx="2">
+              <a:schemeClr val="accent1">
+                <a:shade val="50000"/>
+              </a:schemeClr>
+            </a:lnRef>
+            <a:fillRef idx="1">
+              <a:schemeClr val="accent1"/>
+            </a:fillRef>
+            <a:effectRef idx="0">
+              <a:schemeClr val="accent1"/>
+            </a:effectRef>
+            <a:fontRef idx="minor">
+              <a:schemeClr val="lt1"/>
+            </a:fontRef>
+          </p:style>
+          <p:txBody>
+            <a:bodyPr rtlCol="0" anchor="ctr"/>
+            <a:lstStyle/>
+            <a:p>
+              <a:pPr algn="ctr"/>
+              <a:endParaRPr lang="en-US"/>
+            </a:p>
+          </p:txBody>
+        </p:sp>
+        <p:sp>
+          <p:nvSpPr>
+            <p:cNvPr id="44" name="Elipse 43">
+              <a:extLst>
+                <a:ext uri="{FF2B5EF4-FFF2-40B4-BE49-F238E27FC236}">
+                  <a16:creationId xmlns:a16="http://schemas.microsoft.com/office/drawing/2014/main" id="{119C4211-FD1F-6A44-674F-AA3E2FDB1415}"/>
+                </a:ext>
+              </a:extLst>
+            </p:cNvPr>
+            <p:cNvSpPr/>
+            <p:nvPr/>
+          </p:nvSpPr>
+          <p:spPr>
+            <a:xfrm rot="357242">
+              <a:off x="6079204" y="1260958"/>
+              <a:ext cx="18288" cy="18288"/>
+            </a:xfrm>
+            <a:prstGeom prst="ellipse">
+              <a:avLst/>
+            </a:prstGeom>
+            <a:solidFill>
+              <a:schemeClr val="bg1">
+                <a:lumMod val="50000"/>
+              </a:schemeClr>
+            </a:solidFill>
+            <a:ln w="12700">
+              <a:noFill/>
+            </a:ln>
+          </p:spPr>
+          <p:style>
+            <a:lnRef idx="2">
+              <a:schemeClr val="accent1">
+                <a:shade val="50000"/>
+              </a:schemeClr>
+            </a:lnRef>
+            <a:fillRef idx="1">
+              <a:schemeClr val="accent1"/>
+            </a:fillRef>
+            <a:effectRef idx="0">
+              <a:schemeClr val="accent1"/>
+            </a:effectRef>
+            <a:fontRef idx="minor">
+              <a:schemeClr val="lt1"/>
+            </a:fontRef>
+          </p:style>
+          <p:txBody>
+            <a:bodyPr rtlCol="0" anchor="ctr"/>
+            <a:lstStyle/>
+            <a:p>
+              <a:pPr algn="ctr"/>
+              <a:endParaRPr lang="en-US"/>
+            </a:p>
+          </p:txBody>
+        </p:sp>
+        <p:sp>
+          <p:nvSpPr>
+            <p:cNvPr id="45" name="Elipse 44">
+              <a:extLst>
+                <a:ext uri="{FF2B5EF4-FFF2-40B4-BE49-F238E27FC236}">
+                  <a16:creationId xmlns:a16="http://schemas.microsoft.com/office/drawing/2014/main" id="{A7A3A064-8A64-B667-BA12-F5B07E68D6F2}"/>
+                </a:ext>
+              </a:extLst>
+            </p:cNvPr>
+            <p:cNvSpPr/>
+            <p:nvPr/>
+          </p:nvSpPr>
+          <p:spPr>
+            <a:xfrm rot="357242">
+              <a:off x="5979414" y="1266440"/>
+              <a:ext cx="18288" cy="18288"/>
+            </a:xfrm>
+            <a:prstGeom prst="ellipse">
+              <a:avLst/>
+            </a:prstGeom>
+            <a:solidFill>
+              <a:schemeClr val="bg1">
+                <a:lumMod val="50000"/>
+              </a:schemeClr>
+            </a:solidFill>
+            <a:ln w="12700">
+              <a:noFill/>
+            </a:ln>
+          </p:spPr>
+          <p:style>
+            <a:lnRef idx="2">
+              <a:schemeClr val="accent1">
+                <a:shade val="50000"/>
+              </a:schemeClr>
+            </a:lnRef>
+            <a:fillRef idx="1">
+              <a:schemeClr val="accent1"/>
+            </a:fillRef>
+            <a:effectRef idx="0">
+              <a:schemeClr val="accent1"/>
+            </a:effectRef>
+            <a:fontRef idx="minor">
+              <a:schemeClr val="lt1"/>
+            </a:fontRef>
+          </p:style>
+          <p:txBody>
+            <a:bodyPr rtlCol="0" anchor="ctr"/>
+            <a:lstStyle/>
+            <a:p>
+              <a:pPr algn="ctr"/>
+              <a:endParaRPr lang="en-US"/>
+            </a:p>
+          </p:txBody>
+        </p:sp>
+        <p:sp>
+          <p:nvSpPr>
+            <p:cNvPr id="46" name="Elipse 45">
+              <a:extLst>
+                <a:ext uri="{FF2B5EF4-FFF2-40B4-BE49-F238E27FC236}">
+                  <a16:creationId xmlns:a16="http://schemas.microsoft.com/office/drawing/2014/main" id="{B6556A3E-D1B0-1EF1-A73D-87F6B6210EF6}"/>
+                </a:ext>
+              </a:extLst>
+            </p:cNvPr>
+            <p:cNvSpPr/>
+            <p:nvPr/>
+          </p:nvSpPr>
+          <p:spPr>
+            <a:xfrm rot="357242">
+              <a:off x="6304102" y="1219868"/>
+              <a:ext cx="18288" cy="18288"/>
+            </a:xfrm>
+            <a:prstGeom prst="ellipse">
+              <a:avLst/>
+            </a:prstGeom>
+            <a:solidFill>
+              <a:schemeClr val="bg1">
+                <a:lumMod val="50000"/>
+              </a:schemeClr>
+            </a:solidFill>
+            <a:ln w="12700">
+              <a:noFill/>
+            </a:ln>
+          </p:spPr>
+          <p:style>
+            <a:lnRef idx="2">
+              <a:schemeClr val="accent1">
+                <a:shade val="50000"/>
+              </a:schemeClr>
+            </a:lnRef>
+            <a:fillRef idx="1">
+              <a:schemeClr val="accent1"/>
+            </a:fillRef>
+            <a:effectRef idx="0">
+              <a:schemeClr val="accent1"/>
+            </a:effectRef>
+            <a:fontRef idx="minor">
+              <a:schemeClr val="lt1"/>
+            </a:fontRef>
+          </p:style>
+          <p:txBody>
+            <a:bodyPr rtlCol="0" anchor="ctr"/>
+            <a:lstStyle/>
+            <a:p>
+              <a:pPr algn="ctr"/>
+              <a:endParaRPr lang="en-US"/>
+            </a:p>
+          </p:txBody>
+        </p:sp>
+        <p:sp>
+          <p:nvSpPr>
+            <p:cNvPr id="48" name="Elipse 47">
+              <a:extLst>
+                <a:ext uri="{FF2B5EF4-FFF2-40B4-BE49-F238E27FC236}">
+                  <a16:creationId xmlns:a16="http://schemas.microsoft.com/office/drawing/2014/main" id="{610CF2BD-713C-583D-7E7B-EB32AE840BE6}"/>
+                </a:ext>
+              </a:extLst>
+            </p:cNvPr>
+            <p:cNvSpPr/>
+            <p:nvPr/>
+          </p:nvSpPr>
+          <p:spPr>
+            <a:xfrm rot="357242">
+              <a:off x="7668640" y="1071895"/>
+              <a:ext cx="18288" cy="18288"/>
+            </a:xfrm>
+            <a:prstGeom prst="ellipse">
+              <a:avLst/>
+            </a:prstGeom>
+            <a:solidFill>
+              <a:schemeClr val="bg1">
+                <a:lumMod val="50000"/>
+              </a:schemeClr>
+            </a:solidFill>
+            <a:ln w="12700">
+              <a:noFill/>
+            </a:ln>
+          </p:spPr>
+          <p:style>
+            <a:lnRef idx="2">
+              <a:schemeClr val="accent1">
+                <a:shade val="50000"/>
+              </a:schemeClr>
+            </a:lnRef>
+            <a:fillRef idx="1">
+              <a:schemeClr val="accent1"/>
+            </a:fillRef>
+            <a:effectRef idx="0">
+              <a:schemeClr val="accent1"/>
+            </a:effectRef>
+            <a:fontRef idx="minor">
+              <a:schemeClr val="lt1"/>
+            </a:fontRef>
+          </p:style>
+          <p:txBody>
+            <a:bodyPr rtlCol="0" anchor="ctr"/>
+            <a:lstStyle/>
+            <a:p>
+              <a:pPr algn="ctr"/>
+              <a:endParaRPr lang="en-US"/>
+            </a:p>
+          </p:txBody>
+        </p:sp>
+        <p:sp>
+          <p:nvSpPr>
+            <p:cNvPr id="49" name="Elipse 48">
+              <a:extLst>
+                <a:ext uri="{FF2B5EF4-FFF2-40B4-BE49-F238E27FC236}">
+                  <a16:creationId xmlns:a16="http://schemas.microsoft.com/office/drawing/2014/main" id="{313D02FF-F0B8-29AF-27AE-907ADA44B406}"/>
+                </a:ext>
+              </a:extLst>
+            </p:cNvPr>
+            <p:cNvSpPr/>
+            <p:nvPr/>
+          </p:nvSpPr>
+          <p:spPr>
+            <a:xfrm rot="357242">
+              <a:off x="7764421" y="1032732"/>
+              <a:ext cx="18288" cy="18288"/>
+            </a:xfrm>
+            <a:prstGeom prst="ellipse">
+              <a:avLst/>
+            </a:prstGeom>
+            <a:solidFill>
+              <a:schemeClr val="bg1">
+                <a:lumMod val="50000"/>
+              </a:schemeClr>
+            </a:solidFill>
+            <a:ln w="12700">
+              <a:noFill/>
+            </a:ln>
+          </p:spPr>
+          <p:style>
+            <a:lnRef idx="2">
+              <a:schemeClr val="accent1">
+                <a:shade val="50000"/>
+              </a:schemeClr>
+            </a:lnRef>
+            <a:fillRef idx="1">
+              <a:schemeClr val="accent1"/>
+            </a:fillRef>
+            <a:effectRef idx="0">
+              <a:schemeClr val="accent1"/>
+            </a:effectRef>
+            <a:fontRef idx="minor">
+              <a:schemeClr val="lt1"/>
+            </a:fontRef>
+          </p:style>
+          <p:txBody>
+            <a:bodyPr rtlCol="0" anchor="ctr"/>
+            <a:lstStyle/>
+            <a:p>
+              <a:pPr algn="ctr"/>
+              <a:endParaRPr lang="en-US"/>
+            </a:p>
+          </p:txBody>
+        </p:sp>
+        <p:sp>
+          <p:nvSpPr>
+            <p:cNvPr id="51" name="Elipse 50">
+              <a:extLst>
+                <a:ext uri="{FF2B5EF4-FFF2-40B4-BE49-F238E27FC236}">
+                  <a16:creationId xmlns:a16="http://schemas.microsoft.com/office/drawing/2014/main" id="{90F0F77B-D745-01B7-96EE-AA6C55B244C9}"/>
+                </a:ext>
+              </a:extLst>
+            </p:cNvPr>
+            <p:cNvSpPr/>
+            <p:nvPr/>
+          </p:nvSpPr>
+          <p:spPr>
+            <a:xfrm rot="357242">
+              <a:off x="7556762" y="1020270"/>
+              <a:ext cx="18288" cy="18288"/>
+            </a:xfrm>
+            <a:prstGeom prst="ellipse">
+              <a:avLst/>
+            </a:prstGeom>
+            <a:solidFill>
+              <a:schemeClr val="bg1">
+                <a:lumMod val="50000"/>
+              </a:schemeClr>
+            </a:solidFill>
+            <a:ln w="12700">
+              <a:noFill/>
+            </a:ln>
+          </p:spPr>
+          <p:style>
+            <a:lnRef idx="2">
+              <a:schemeClr val="accent1">
+                <a:shade val="50000"/>
+              </a:schemeClr>
+            </a:lnRef>
+            <a:fillRef idx="1">
+              <a:schemeClr val="accent1"/>
+            </a:fillRef>
+            <a:effectRef idx="0">
+              <a:schemeClr val="accent1"/>
+            </a:effectRef>
+            <a:fontRef idx="minor">
+              <a:schemeClr val="lt1"/>
+            </a:fontRef>
+          </p:style>
+          <p:txBody>
+            <a:bodyPr rtlCol="0" anchor="ctr"/>
+            <a:lstStyle/>
+            <a:p>
+              <a:pPr algn="ctr"/>
+              <a:endParaRPr lang="en-US"/>
+            </a:p>
+          </p:txBody>
+        </p:sp>
+        <p:sp>
+          <p:nvSpPr>
+            <p:cNvPr id="52" name="Elipse 51">
+              <a:extLst>
+                <a:ext uri="{FF2B5EF4-FFF2-40B4-BE49-F238E27FC236}">
+                  <a16:creationId xmlns:a16="http://schemas.microsoft.com/office/drawing/2014/main" id="{CEC3C676-157F-760F-B0CA-545907E5D789}"/>
+                </a:ext>
+              </a:extLst>
+            </p:cNvPr>
+            <p:cNvSpPr/>
+            <p:nvPr/>
+          </p:nvSpPr>
+          <p:spPr>
+            <a:xfrm rot="357242">
+              <a:off x="7477320" y="988413"/>
+              <a:ext cx="18288" cy="18288"/>
+            </a:xfrm>
+            <a:prstGeom prst="ellipse">
+              <a:avLst/>
+            </a:prstGeom>
+            <a:solidFill>
+              <a:schemeClr val="bg1">
+                <a:lumMod val="50000"/>
+              </a:schemeClr>
+            </a:solidFill>
+            <a:ln w="12700">
+              <a:noFill/>
+            </a:ln>
+          </p:spPr>
+          <p:style>
+            <a:lnRef idx="2">
+              <a:schemeClr val="accent1">
+                <a:shade val="50000"/>
+              </a:schemeClr>
+            </a:lnRef>
+            <a:fillRef idx="1">
+              <a:schemeClr val="accent1"/>
+            </a:fillRef>
+            <a:effectRef idx="0">
+              <a:schemeClr val="accent1"/>
+            </a:effectRef>
+            <a:fontRef idx="minor">
+              <a:schemeClr val="lt1"/>
+            </a:fontRef>
+          </p:style>
+          <p:txBody>
+            <a:bodyPr rtlCol="0" anchor="ctr"/>
+            <a:lstStyle/>
+            <a:p>
+              <a:pPr algn="ctr"/>
+              <a:endParaRPr lang="en-US"/>
+            </a:p>
+          </p:txBody>
+        </p:sp>
+        <p:sp>
+          <p:nvSpPr>
+            <p:cNvPr id="53" name="Elipse 52">
+              <a:extLst>
+                <a:ext uri="{FF2B5EF4-FFF2-40B4-BE49-F238E27FC236}">
+                  <a16:creationId xmlns:a16="http://schemas.microsoft.com/office/drawing/2014/main" id="{6EE7B33C-26CF-1A39-DF99-63CA5D0DE8CE}"/>
+                </a:ext>
+              </a:extLst>
+            </p:cNvPr>
+            <p:cNvSpPr/>
+            <p:nvPr/>
+          </p:nvSpPr>
+          <p:spPr>
+            <a:xfrm rot="357242">
+              <a:off x="7331033" y="957335"/>
+              <a:ext cx="18288" cy="18288"/>
+            </a:xfrm>
+            <a:prstGeom prst="ellipse">
+              <a:avLst/>
+            </a:prstGeom>
+            <a:solidFill>
+              <a:schemeClr val="bg1">
+                <a:lumMod val="50000"/>
+              </a:schemeClr>
+            </a:solidFill>
+            <a:ln w="12700">
+              <a:noFill/>
+            </a:ln>
+          </p:spPr>
+          <p:style>
+            <a:lnRef idx="2">
+              <a:schemeClr val="accent1">
+                <a:shade val="50000"/>
+              </a:schemeClr>
+            </a:lnRef>
+            <a:fillRef idx="1">
+              <a:schemeClr val="accent1"/>
+            </a:fillRef>
+            <a:effectRef idx="0">
+              <a:schemeClr val="accent1"/>
+            </a:effectRef>
+            <a:fontRef idx="minor">
+              <a:schemeClr val="lt1"/>
+            </a:fontRef>
+          </p:style>
+          <p:txBody>
+            <a:bodyPr rtlCol="0" anchor="ctr"/>
+            <a:lstStyle/>
+            <a:p>
+              <a:pPr algn="ctr"/>
+              <a:endParaRPr lang="en-US"/>
+            </a:p>
+          </p:txBody>
+        </p:sp>
+        <p:sp>
+          <p:nvSpPr>
+            <p:cNvPr id="54" name="Elipse 53">
+              <a:extLst>
+                <a:ext uri="{FF2B5EF4-FFF2-40B4-BE49-F238E27FC236}">
+                  <a16:creationId xmlns:a16="http://schemas.microsoft.com/office/drawing/2014/main" id="{BC9C8727-E6A7-84DA-8318-70F0B5DFD14C}"/>
+                </a:ext>
+              </a:extLst>
+            </p:cNvPr>
+            <p:cNvSpPr/>
+            <p:nvPr/>
+          </p:nvSpPr>
+          <p:spPr>
+            <a:xfrm rot="357242">
+              <a:off x="7736310" y="964248"/>
+              <a:ext cx="18288" cy="18288"/>
+            </a:xfrm>
+            <a:prstGeom prst="ellipse">
+              <a:avLst/>
+            </a:prstGeom>
+            <a:solidFill>
+              <a:schemeClr val="bg1">
+                <a:lumMod val="50000"/>
+              </a:schemeClr>
+            </a:solidFill>
+            <a:ln w="12700">
+              <a:noFill/>
+            </a:ln>
+          </p:spPr>
+          <p:style>
+            <a:lnRef idx="2">
+              <a:schemeClr val="accent1">
+                <a:shade val="50000"/>
+              </a:schemeClr>
+            </a:lnRef>
+            <a:fillRef idx="1">
+              <a:schemeClr val="accent1"/>
+            </a:fillRef>
+            <a:effectRef idx="0">
+              <a:schemeClr val="accent1"/>
+            </a:effectRef>
+            <a:fontRef idx="minor">
+              <a:schemeClr val="lt1"/>
+            </a:fontRef>
+          </p:style>
+          <p:txBody>
+            <a:bodyPr rtlCol="0" anchor="ctr"/>
+            <a:lstStyle/>
+            <a:p>
+              <a:pPr algn="ctr"/>
+              <a:endParaRPr lang="en-US"/>
+            </a:p>
+          </p:txBody>
+        </p:sp>
+        <p:sp>
+          <p:nvSpPr>
+            <p:cNvPr id="56" name="Elipse 55">
+              <a:extLst>
+                <a:ext uri="{FF2B5EF4-FFF2-40B4-BE49-F238E27FC236}">
+                  <a16:creationId xmlns:a16="http://schemas.microsoft.com/office/drawing/2014/main" id="{C39D588D-F624-DBB7-E07F-05A841DB2403}"/>
+                </a:ext>
+              </a:extLst>
+            </p:cNvPr>
+            <p:cNvSpPr/>
+            <p:nvPr/>
+          </p:nvSpPr>
+          <p:spPr>
+            <a:xfrm rot="357242">
+              <a:off x="7836859" y="982494"/>
+              <a:ext cx="18288" cy="18288"/>
+            </a:xfrm>
+            <a:prstGeom prst="ellipse">
+              <a:avLst/>
+            </a:prstGeom>
+            <a:solidFill>
+              <a:schemeClr val="bg1">
+                <a:lumMod val="50000"/>
+              </a:schemeClr>
+            </a:solidFill>
+            <a:ln w="12700">
+              <a:noFill/>
+            </a:ln>
+          </p:spPr>
+          <p:style>
+            <a:lnRef idx="2">
+              <a:schemeClr val="accent1">
+                <a:shade val="50000"/>
+              </a:schemeClr>
+            </a:lnRef>
+            <a:fillRef idx="1">
+              <a:schemeClr val="accent1"/>
+            </a:fillRef>
+            <a:effectRef idx="0">
+              <a:schemeClr val="accent1"/>
+            </a:effectRef>
+            <a:fontRef idx="minor">
+              <a:schemeClr val="lt1"/>
+            </a:fontRef>
+          </p:style>
+          <p:txBody>
+            <a:bodyPr rtlCol="0" anchor="ctr"/>
+            <a:lstStyle/>
+            <a:p>
+              <a:pPr algn="ctr"/>
+              <a:endParaRPr lang="en-US"/>
+            </a:p>
+          </p:txBody>
+        </p:sp>
+        <p:sp>
+          <p:nvSpPr>
+            <p:cNvPr id="57" name="Elipse 56">
+              <a:extLst>
+                <a:ext uri="{FF2B5EF4-FFF2-40B4-BE49-F238E27FC236}">
+                  <a16:creationId xmlns:a16="http://schemas.microsoft.com/office/drawing/2014/main" id="{132C96AF-EBDE-5691-615D-2D43596EBB76}"/>
+                </a:ext>
+              </a:extLst>
+            </p:cNvPr>
+            <p:cNvSpPr/>
+            <p:nvPr/>
+          </p:nvSpPr>
+          <p:spPr>
+            <a:xfrm rot="357242">
+              <a:off x="7668639" y="1000182"/>
+              <a:ext cx="18288" cy="18288"/>
+            </a:xfrm>
+            <a:prstGeom prst="ellipse">
+              <a:avLst/>
+            </a:prstGeom>
+            <a:solidFill>
+              <a:schemeClr val="bg1">
+                <a:lumMod val="50000"/>
+              </a:schemeClr>
+            </a:solidFill>
+            <a:ln w="12700">
+              <a:noFill/>
+            </a:ln>
+          </p:spPr>
+          <p:style>
+            <a:lnRef idx="2">
+              <a:schemeClr val="accent1">
+                <a:shade val="50000"/>
+              </a:schemeClr>
+            </a:lnRef>
+            <a:fillRef idx="1">
+              <a:schemeClr val="accent1"/>
+            </a:fillRef>
+            <a:effectRef idx="0">
+              <a:schemeClr val="accent1"/>
+            </a:effectRef>
+            <a:fontRef idx="minor">
+              <a:schemeClr val="lt1"/>
+            </a:fontRef>
+          </p:style>
+          <p:txBody>
+            <a:bodyPr rtlCol="0" anchor="ctr"/>
+            <a:lstStyle/>
+            <a:p>
+              <a:pPr algn="ctr"/>
+              <a:endParaRPr lang="en-US"/>
+            </a:p>
+          </p:txBody>
+        </p:sp>
+        <p:sp>
+          <p:nvSpPr>
+            <p:cNvPr id="58" name="Elipse 57">
+              <a:extLst>
+                <a:ext uri="{FF2B5EF4-FFF2-40B4-BE49-F238E27FC236}">
+                  <a16:creationId xmlns:a16="http://schemas.microsoft.com/office/drawing/2014/main" id="{E9DEF2D2-0DF0-7387-FBFA-980B1CFCD06B}"/>
+                </a:ext>
+              </a:extLst>
+            </p:cNvPr>
+            <p:cNvSpPr/>
+            <p:nvPr/>
+          </p:nvSpPr>
+          <p:spPr>
+            <a:xfrm rot="357242">
+              <a:off x="7575281" y="967170"/>
+              <a:ext cx="18288" cy="18288"/>
+            </a:xfrm>
+            <a:prstGeom prst="ellipse">
+              <a:avLst/>
+            </a:prstGeom>
+            <a:solidFill>
+              <a:schemeClr val="bg1">
+                <a:lumMod val="50000"/>
+              </a:schemeClr>
+            </a:solidFill>
+            <a:ln w="12700">
+              <a:noFill/>
+            </a:ln>
+          </p:spPr>
+          <p:style>
+            <a:lnRef idx="2">
+              <a:schemeClr val="accent1">
+                <a:shade val="50000"/>
+              </a:schemeClr>
+            </a:lnRef>
+            <a:fillRef idx="1">
+              <a:schemeClr val="accent1"/>
+            </a:fillRef>
+            <a:effectRef idx="0">
+              <a:schemeClr val="accent1"/>
+            </a:effectRef>
+            <a:fontRef idx="minor">
+              <a:schemeClr val="lt1"/>
+            </a:fontRef>
+          </p:style>
+          <p:txBody>
+            <a:bodyPr rtlCol="0" anchor="ctr"/>
+            <a:lstStyle/>
+            <a:p>
+              <a:pPr algn="ctr"/>
+              <a:endParaRPr lang="en-US"/>
+            </a:p>
+          </p:txBody>
+        </p:sp>
+        <p:sp>
+          <p:nvSpPr>
+            <p:cNvPr id="59" name="Elipse 58">
+              <a:extLst>
+                <a:ext uri="{FF2B5EF4-FFF2-40B4-BE49-F238E27FC236}">
+                  <a16:creationId xmlns:a16="http://schemas.microsoft.com/office/drawing/2014/main" id="{318CA117-36F7-5C61-44FA-3963B0C71DFB}"/>
+                </a:ext>
+              </a:extLst>
+            </p:cNvPr>
+            <p:cNvSpPr/>
+            <p:nvPr/>
+          </p:nvSpPr>
+          <p:spPr>
+            <a:xfrm rot="357242">
+              <a:off x="7214422" y="950809"/>
+              <a:ext cx="18288" cy="18288"/>
+            </a:xfrm>
+            <a:prstGeom prst="ellipse">
+              <a:avLst/>
+            </a:prstGeom>
+            <a:solidFill>
+              <a:schemeClr val="bg1">
+                <a:lumMod val="50000"/>
+              </a:schemeClr>
+            </a:solidFill>
+            <a:ln w="12700">
+              <a:noFill/>
+            </a:ln>
+          </p:spPr>
+          <p:style>
+            <a:lnRef idx="2">
+              <a:schemeClr val="accent1">
+                <a:shade val="50000"/>
+              </a:schemeClr>
+            </a:lnRef>
+            <a:fillRef idx="1">
+              <a:schemeClr val="accent1"/>
+            </a:fillRef>
+            <a:effectRef idx="0">
+              <a:schemeClr val="accent1"/>
+            </a:effectRef>
+            <a:fontRef idx="minor">
+              <a:schemeClr val="lt1"/>
+            </a:fontRef>
+          </p:style>
+          <p:txBody>
+            <a:bodyPr rtlCol="0" anchor="ctr"/>
+            <a:lstStyle/>
+            <a:p>
+              <a:pPr algn="ctr"/>
+              <a:endParaRPr lang="en-US"/>
+            </a:p>
+          </p:txBody>
+        </p:sp>
+        <p:sp>
+          <p:nvSpPr>
+            <p:cNvPr id="60" name="Elipse 59">
+              <a:extLst>
+                <a:ext uri="{FF2B5EF4-FFF2-40B4-BE49-F238E27FC236}">
+                  <a16:creationId xmlns:a16="http://schemas.microsoft.com/office/drawing/2014/main" id="{2E695C14-49A7-900D-46D5-65933D5274BD}"/>
+                </a:ext>
+              </a:extLst>
+            </p:cNvPr>
+            <p:cNvSpPr/>
+            <p:nvPr/>
+          </p:nvSpPr>
+          <p:spPr>
+            <a:xfrm rot="357242">
+              <a:off x="4067620" y="3171679"/>
+              <a:ext cx="18288" cy="18288"/>
+            </a:xfrm>
+            <a:prstGeom prst="ellipse">
+              <a:avLst/>
+            </a:prstGeom>
+            <a:solidFill>
+              <a:schemeClr val="bg1">
+                <a:lumMod val="50000"/>
+              </a:schemeClr>
+            </a:solidFill>
+            <a:ln w="12700">
+              <a:noFill/>
+            </a:ln>
+          </p:spPr>
+          <p:style>
+            <a:lnRef idx="2">
+              <a:schemeClr val="accent1">
+                <a:shade val="50000"/>
+              </a:schemeClr>
+            </a:lnRef>
+            <a:fillRef idx="1">
+              <a:schemeClr val="accent1"/>
+            </a:fillRef>
+            <a:effectRef idx="0">
+              <a:schemeClr val="accent1"/>
+            </a:effectRef>
+            <a:fontRef idx="minor">
+              <a:schemeClr val="lt1"/>
+            </a:fontRef>
+          </p:style>
+          <p:txBody>
+            <a:bodyPr rtlCol="0" anchor="ctr"/>
+            <a:lstStyle/>
+            <a:p>
+              <a:pPr algn="ctr"/>
+              <a:endParaRPr lang="en-US"/>
+            </a:p>
+          </p:txBody>
+        </p:sp>
+        <p:sp>
+          <p:nvSpPr>
+            <p:cNvPr id="61" name="Elipse 60">
+              <a:extLst>
+                <a:ext uri="{FF2B5EF4-FFF2-40B4-BE49-F238E27FC236}">
+                  <a16:creationId xmlns:a16="http://schemas.microsoft.com/office/drawing/2014/main" id="{BD3B8EBB-0F7D-B77D-7D2E-3DE63836FDF6}"/>
+                </a:ext>
+              </a:extLst>
+            </p:cNvPr>
+            <p:cNvSpPr/>
+            <p:nvPr/>
+          </p:nvSpPr>
+          <p:spPr>
+            <a:xfrm rot="357242">
+              <a:off x="4087708" y="3258711"/>
+              <a:ext cx="18288" cy="18288"/>
+            </a:xfrm>
+            <a:prstGeom prst="ellipse">
+              <a:avLst/>
+            </a:prstGeom>
+            <a:solidFill>
+              <a:schemeClr val="bg1">
+                <a:lumMod val="50000"/>
+              </a:schemeClr>
+            </a:solidFill>
+            <a:ln w="12700">
+              <a:noFill/>
+            </a:ln>
+          </p:spPr>
+          <p:style>
+            <a:lnRef idx="2">
+              <a:schemeClr val="accent1">
+                <a:shade val="50000"/>
+              </a:schemeClr>
+            </a:lnRef>
+            <a:fillRef idx="1">
+              <a:schemeClr val="accent1"/>
+            </a:fillRef>
+            <a:effectRef idx="0">
+              <a:schemeClr val="accent1"/>
+            </a:effectRef>
+            <a:fontRef idx="minor">
+              <a:schemeClr val="lt1"/>
+            </a:fontRef>
+          </p:style>
+          <p:txBody>
+            <a:bodyPr rtlCol="0" anchor="ctr"/>
+            <a:lstStyle/>
+            <a:p>
+              <a:pPr algn="ctr"/>
+              <a:endParaRPr lang="en-US"/>
+            </a:p>
+          </p:txBody>
+        </p:sp>
+        <p:sp>
+          <p:nvSpPr>
+            <p:cNvPr id="63" name="Elipse 62">
+              <a:extLst>
+                <a:ext uri="{FF2B5EF4-FFF2-40B4-BE49-F238E27FC236}">
+                  <a16:creationId xmlns:a16="http://schemas.microsoft.com/office/drawing/2014/main" id="{F5BADC12-B3E4-4AEC-436F-B07144675EEB}"/>
+                </a:ext>
+              </a:extLst>
+            </p:cNvPr>
+            <p:cNvSpPr/>
+            <p:nvPr/>
+          </p:nvSpPr>
+          <p:spPr>
+            <a:xfrm rot="357242">
+              <a:off x="4138802" y="3238624"/>
+              <a:ext cx="18288" cy="18288"/>
+            </a:xfrm>
+            <a:prstGeom prst="ellipse">
+              <a:avLst/>
+            </a:prstGeom>
+            <a:solidFill>
+              <a:schemeClr val="bg1">
+                <a:lumMod val="50000"/>
+              </a:schemeClr>
+            </a:solidFill>
+            <a:ln w="12700">
+              <a:noFill/>
+            </a:ln>
+          </p:spPr>
+          <p:style>
+            <a:lnRef idx="2">
+              <a:schemeClr val="accent1">
+                <a:shade val="50000"/>
+              </a:schemeClr>
+            </a:lnRef>
+            <a:fillRef idx="1">
+              <a:schemeClr val="accent1"/>
+            </a:fillRef>
+            <a:effectRef idx="0">
+              <a:schemeClr val="accent1"/>
+            </a:effectRef>
+            <a:fontRef idx="minor">
+              <a:schemeClr val="lt1"/>
+            </a:fontRef>
+          </p:style>
+          <p:txBody>
+            <a:bodyPr rtlCol="0" anchor="ctr"/>
+            <a:lstStyle/>
+            <a:p>
+              <a:pPr algn="ctr"/>
+              <a:endParaRPr lang="en-US"/>
+            </a:p>
+          </p:txBody>
+        </p:sp>
+        <p:sp>
+          <p:nvSpPr>
+            <p:cNvPr id="64" name="Elipse 63">
+              <a:extLst>
+                <a:ext uri="{FF2B5EF4-FFF2-40B4-BE49-F238E27FC236}">
+                  <a16:creationId xmlns:a16="http://schemas.microsoft.com/office/drawing/2014/main" id="{03EBF679-5FD6-36ED-6FE8-749EE1BF10E2}"/>
+                </a:ext>
+              </a:extLst>
+            </p:cNvPr>
+            <p:cNvSpPr/>
+            <p:nvPr/>
+          </p:nvSpPr>
+          <p:spPr>
+            <a:xfrm rot="357242">
+              <a:off x="4107795" y="3142789"/>
+              <a:ext cx="18288" cy="18288"/>
+            </a:xfrm>
+            <a:prstGeom prst="ellipse">
+              <a:avLst/>
+            </a:prstGeom>
+            <a:solidFill>
+              <a:schemeClr val="bg1">
+                <a:lumMod val="50000"/>
+              </a:schemeClr>
+            </a:solidFill>
+            <a:ln w="12700">
+              <a:noFill/>
+            </a:ln>
+          </p:spPr>
+          <p:style>
+            <a:lnRef idx="2">
+              <a:schemeClr val="accent1">
+                <a:shade val="50000"/>
+              </a:schemeClr>
+            </a:lnRef>
+            <a:fillRef idx="1">
+              <a:schemeClr val="accent1"/>
+            </a:fillRef>
+            <a:effectRef idx="0">
+              <a:schemeClr val="accent1"/>
+            </a:effectRef>
+            <a:fontRef idx="minor">
+              <a:schemeClr val="lt1"/>
+            </a:fontRef>
+          </p:style>
+          <p:txBody>
+            <a:bodyPr rtlCol="0" anchor="ctr"/>
+            <a:lstStyle/>
+            <a:p>
+              <a:pPr algn="ctr"/>
+              <a:endParaRPr lang="en-US"/>
+            </a:p>
+          </p:txBody>
+        </p:sp>
+        <p:sp>
+          <p:nvSpPr>
+            <p:cNvPr id="65" name="Elipse 64">
+              <a:extLst>
+                <a:ext uri="{FF2B5EF4-FFF2-40B4-BE49-F238E27FC236}">
+                  <a16:creationId xmlns:a16="http://schemas.microsoft.com/office/drawing/2014/main" id="{18C63BC5-19AD-CC71-8902-F17E186E78A1}"/>
+                </a:ext>
+              </a:extLst>
+            </p:cNvPr>
+            <p:cNvSpPr/>
+            <p:nvPr/>
+          </p:nvSpPr>
+          <p:spPr>
+            <a:xfrm rot="357242">
+              <a:off x="4257085" y="3047860"/>
+              <a:ext cx="18288" cy="18288"/>
+            </a:xfrm>
+            <a:prstGeom prst="ellipse">
+              <a:avLst/>
+            </a:prstGeom>
+            <a:solidFill>
+              <a:schemeClr val="bg1">
+                <a:lumMod val="50000"/>
+              </a:schemeClr>
+            </a:solidFill>
+            <a:ln w="12700">
+              <a:noFill/>
+            </a:ln>
+          </p:spPr>
+          <p:style>
+            <a:lnRef idx="2">
+              <a:schemeClr val="accent1">
+                <a:shade val="50000"/>
+              </a:schemeClr>
+            </a:lnRef>
+            <a:fillRef idx="1">
+              <a:schemeClr val="accent1"/>
+            </a:fillRef>
+            <a:effectRef idx="0">
+              <a:schemeClr val="accent1"/>
+            </a:effectRef>
+            <a:fontRef idx="minor">
+              <a:schemeClr val="lt1"/>
+            </a:fontRef>
+          </p:style>
+          <p:txBody>
+            <a:bodyPr rtlCol="0" anchor="ctr"/>
+            <a:lstStyle/>
+            <a:p>
+              <a:pPr algn="ctr"/>
+              <a:endParaRPr lang="en-US"/>
+            </a:p>
+          </p:txBody>
+        </p:sp>
+        <p:sp>
+          <p:nvSpPr>
+            <p:cNvPr id="66" name="Elipse 65">
+              <a:extLst>
+                <a:ext uri="{FF2B5EF4-FFF2-40B4-BE49-F238E27FC236}">
+                  <a16:creationId xmlns:a16="http://schemas.microsoft.com/office/drawing/2014/main" id="{D50C8CBB-E931-9086-F8D5-07B7FAF04D70}"/>
+                </a:ext>
+              </a:extLst>
+            </p:cNvPr>
+            <p:cNvSpPr/>
+            <p:nvPr/>
+          </p:nvSpPr>
+          <p:spPr>
+            <a:xfrm rot="357242">
+              <a:off x="4198153" y="3173017"/>
+              <a:ext cx="18288" cy="18288"/>
+            </a:xfrm>
+            <a:prstGeom prst="ellipse">
+              <a:avLst/>
+            </a:prstGeom>
+            <a:solidFill>
+              <a:schemeClr val="bg1">
+                <a:lumMod val="50000"/>
+              </a:schemeClr>
+            </a:solidFill>
+            <a:ln w="12700">
+              <a:noFill/>
+            </a:ln>
+          </p:spPr>
+          <p:style>
+            <a:lnRef idx="2">
+              <a:schemeClr val="accent1">
+                <a:shade val="50000"/>
+              </a:schemeClr>
+            </a:lnRef>
+            <a:fillRef idx="1">
+              <a:schemeClr val="accent1"/>
+            </a:fillRef>
+            <a:effectRef idx="0">
+              <a:schemeClr val="accent1"/>
+            </a:effectRef>
+            <a:fontRef idx="minor">
+              <a:schemeClr val="lt1"/>
+            </a:fontRef>
+          </p:style>
+          <p:txBody>
+            <a:bodyPr rtlCol="0" anchor="ctr"/>
+            <a:lstStyle/>
+            <a:p>
+              <a:pPr algn="ctr"/>
+              <a:endParaRPr lang="en-US"/>
+            </a:p>
+          </p:txBody>
+        </p:sp>
+        <p:sp>
+          <p:nvSpPr>
+            <p:cNvPr id="67" name="Elipse 66">
+              <a:extLst>
+                <a:ext uri="{FF2B5EF4-FFF2-40B4-BE49-F238E27FC236}">
+                  <a16:creationId xmlns:a16="http://schemas.microsoft.com/office/drawing/2014/main" id="{1D05697E-6B55-581C-82A7-70DDEBA1F1AF}"/>
+                </a:ext>
+              </a:extLst>
+            </p:cNvPr>
+            <p:cNvSpPr/>
+            <p:nvPr/>
+          </p:nvSpPr>
+          <p:spPr>
+            <a:xfrm rot="357242">
+              <a:off x="4175832" y="3077182"/>
+              <a:ext cx="18288" cy="18288"/>
+            </a:xfrm>
+            <a:prstGeom prst="ellipse">
+              <a:avLst/>
+            </a:prstGeom>
+            <a:solidFill>
+              <a:schemeClr val="bg1">
+                <a:lumMod val="50000"/>
+              </a:schemeClr>
+            </a:solidFill>
+            <a:ln w="12700">
+              <a:noFill/>
+            </a:ln>
+          </p:spPr>
+          <p:style>
+            <a:lnRef idx="2">
+              <a:schemeClr val="accent1">
+                <a:shade val="50000"/>
+              </a:schemeClr>
+            </a:lnRef>
+            <a:fillRef idx="1">
+              <a:schemeClr val="accent1"/>
+            </a:fillRef>
+            <a:effectRef idx="0">
+              <a:schemeClr val="accent1"/>
+            </a:effectRef>
+            <a:fontRef idx="minor">
+              <a:schemeClr val="lt1"/>
+            </a:fontRef>
+          </p:style>
+          <p:txBody>
+            <a:bodyPr rtlCol="0" anchor="ctr"/>
+            <a:lstStyle/>
+            <a:p>
+              <a:pPr algn="ctr"/>
+              <a:endParaRPr lang="en-US"/>
+            </a:p>
+          </p:txBody>
+        </p:sp>
+        <p:sp>
+          <p:nvSpPr>
+            <p:cNvPr id="68" name="Elipse 67">
+              <a:extLst>
+                <a:ext uri="{FF2B5EF4-FFF2-40B4-BE49-F238E27FC236}">
+                  <a16:creationId xmlns:a16="http://schemas.microsoft.com/office/drawing/2014/main" id="{9CEA5D45-DFA1-CCAA-AFA0-3B69B23647FD}"/>
+                </a:ext>
+              </a:extLst>
+            </p:cNvPr>
+            <p:cNvSpPr/>
+            <p:nvPr/>
+          </p:nvSpPr>
+          <p:spPr>
+            <a:xfrm rot="357242">
+              <a:off x="4097751" y="3371272"/>
+              <a:ext cx="18288" cy="18288"/>
+            </a:xfrm>
+            <a:prstGeom prst="ellipse">
+              <a:avLst/>
+            </a:prstGeom>
+            <a:solidFill>
+              <a:schemeClr val="bg1">
+                <a:lumMod val="50000"/>
+              </a:schemeClr>
+            </a:solidFill>
+            <a:ln w="12700">
+              <a:noFill/>
+            </a:ln>
+          </p:spPr>
+          <p:style>
+            <a:lnRef idx="2">
+              <a:schemeClr val="accent1">
+                <a:shade val="50000"/>
+              </a:schemeClr>
+            </a:lnRef>
+            <a:fillRef idx="1">
+              <a:schemeClr val="accent1"/>
+            </a:fillRef>
+            <a:effectRef idx="0">
+              <a:schemeClr val="accent1"/>
+            </a:effectRef>
+            <a:fontRef idx="minor">
+              <a:schemeClr val="lt1"/>
+            </a:fontRef>
+          </p:style>
+          <p:txBody>
+            <a:bodyPr rtlCol="0" anchor="ctr"/>
+            <a:lstStyle/>
+            <a:p>
+              <a:pPr algn="ctr"/>
+              <a:endParaRPr lang="en-US"/>
+            </a:p>
+          </p:txBody>
+        </p:sp>
+        <p:sp>
+          <p:nvSpPr>
+            <p:cNvPr id="69" name="Elipse 68">
+              <a:extLst>
+                <a:ext uri="{FF2B5EF4-FFF2-40B4-BE49-F238E27FC236}">
+                  <a16:creationId xmlns:a16="http://schemas.microsoft.com/office/drawing/2014/main" id="{C979E5BB-C665-494B-6B92-DCB4049699BC}"/>
+                </a:ext>
+              </a:extLst>
+            </p:cNvPr>
+            <p:cNvSpPr/>
+            <p:nvPr/>
+          </p:nvSpPr>
+          <p:spPr>
+            <a:xfrm rot="357242">
+              <a:off x="4120885" y="3313019"/>
+              <a:ext cx="18288" cy="18288"/>
+            </a:xfrm>
+            <a:prstGeom prst="ellipse">
+              <a:avLst/>
+            </a:prstGeom>
+            <a:solidFill>
+              <a:schemeClr val="bg1">
+                <a:lumMod val="50000"/>
+              </a:schemeClr>
+            </a:solidFill>
+            <a:ln w="12700">
+              <a:noFill/>
+            </a:ln>
+          </p:spPr>
+          <p:style>
+            <a:lnRef idx="2">
+              <a:schemeClr val="accent1">
+                <a:shade val="50000"/>
+              </a:schemeClr>
+            </a:lnRef>
+            <a:fillRef idx="1">
+              <a:schemeClr val="accent1"/>
+            </a:fillRef>
+            <a:effectRef idx="0">
+              <a:schemeClr val="accent1"/>
+            </a:effectRef>
+            <a:fontRef idx="minor">
+              <a:schemeClr val="lt1"/>
+            </a:fontRef>
+          </p:style>
+          <p:txBody>
+            <a:bodyPr rtlCol="0" anchor="ctr"/>
+            <a:lstStyle/>
+            <a:p>
+              <a:pPr algn="ctr"/>
+              <a:endParaRPr lang="en-US"/>
+            </a:p>
+          </p:txBody>
+        </p:sp>
+        <p:sp>
+          <p:nvSpPr>
+            <p:cNvPr id="70" name="Elipse 69">
+              <a:extLst>
+                <a:ext uri="{FF2B5EF4-FFF2-40B4-BE49-F238E27FC236}">
+                  <a16:creationId xmlns:a16="http://schemas.microsoft.com/office/drawing/2014/main" id="{F304E93F-7EE1-9806-4AF8-2F246CA9074D}"/>
+                </a:ext>
+              </a:extLst>
+            </p:cNvPr>
+            <p:cNvSpPr/>
+            <p:nvPr/>
+          </p:nvSpPr>
+          <p:spPr>
+            <a:xfrm rot="357242">
+              <a:off x="4097751" y="3071900"/>
+              <a:ext cx="18288" cy="18288"/>
+            </a:xfrm>
+            <a:prstGeom prst="ellipse">
+              <a:avLst/>
+            </a:prstGeom>
+            <a:solidFill>
+              <a:schemeClr val="bg1">
+                <a:lumMod val="50000"/>
+              </a:schemeClr>
+            </a:solidFill>
+            <a:ln w="12700">
+              <a:noFill/>
+            </a:ln>
+          </p:spPr>
+          <p:style>
+            <a:lnRef idx="2">
+              <a:schemeClr val="accent1">
+                <a:shade val="50000"/>
+              </a:schemeClr>
+            </a:lnRef>
+            <a:fillRef idx="1">
+              <a:schemeClr val="accent1"/>
+            </a:fillRef>
+            <a:effectRef idx="0">
+              <a:schemeClr val="accent1"/>
+            </a:effectRef>
+            <a:fontRef idx="minor">
+              <a:schemeClr val="lt1"/>
+            </a:fontRef>
+          </p:style>
+          <p:txBody>
+            <a:bodyPr rtlCol="0" anchor="ctr"/>
+            <a:lstStyle/>
+            <a:p>
+              <a:pPr algn="ctr"/>
+              <a:endParaRPr lang="en-US"/>
+            </a:p>
+          </p:txBody>
+        </p:sp>
+        <p:sp>
+          <p:nvSpPr>
+            <p:cNvPr id="71" name="Elipse 70">
+              <a:extLst>
+                <a:ext uri="{FF2B5EF4-FFF2-40B4-BE49-F238E27FC236}">
+                  <a16:creationId xmlns:a16="http://schemas.microsoft.com/office/drawing/2014/main" id="{C42FBC45-16DB-3112-0DE8-6A61AFFB82B8}"/>
+                </a:ext>
+              </a:extLst>
+            </p:cNvPr>
+            <p:cNvSpPr/>
+            <p:nvPr/>
+          </p:nvSpPr>
+          <p:spPr>
+            <a:xfrm rot="357242">
+              <a:off x="4164299" y="3153410"/>
+              <a:ext cx="18288" cy="18288"/>
+            </a:xfrm>
+            <a:prstGeom prst="ellipse">
+              <a:avLst/>
+            </a:prstGeom>
+            <a:solidFill>
+              <a:schemeClr val="bg1">
+                <a:lumMod val="50000"/>
+              </a:schemeClr>
+            </a:solidFill>
+            <a:ln w="12700">
+              <a:noFill/>
+            </a:ln>
+          </p:spPr>
+          <p:style>
+            <a:lnRef idx="2">
+              <a:schemeClr val="accent1">
+                <a:shade val="50000"/>
+              </a:schemeClr>
+            </a:lnRef>
+            <a:fillRef idx="1">
+              <a:schemeClr val="accent1"/>
+            </a:fillRef>
+            <a:effectRef idx="0">
+              <a:schemeClr val="accent1"/>
+            </a:effectRef>
+            <a:fontRef idx="minor">
+              <a:schemeClr val="lt1"/>
+            </a:fontRef>
+          </p:style>
+          <p:txBody>
+            <a:bodyPr rtlCol="0" anchor="ctr"/>
+            <a:lstStyle/>
+            <a:p>
+              <a:pPr algn="ctr"/>
+              <a:endParaRPr lang="en-US"/>
+            </a:p>
+          </p:txBody>
+        </p:sp>
+        <p:sp>
+          <p:nvSpPr>
+            <p:cNvPr id="72" name="Elipse 71">
+              <a:extLst>
+                <a:ext uri="{FF2B5EF4-FFF2-40B4-BE49-F238E27FC236}">
+                  <a16:creationId xmlns:a16="http://schemas.microsoft.com/office/drawing/2014/main" id="{FB04355D-2F75-4120-5858-DB028FCCCB93}"/>
+                </a:ext>
+              </a:extLst>
+            </p:cNvPr>
+            <p:cNvSpPr/>
+            <p:nvPr/>
+          </p:nvSpPr>
+          <p:spPr>
+            <a:xfrm rot="357242">
+              <a:off x="4321072" y="2984226"/>
+              <a:ext cx="18288" cy="18288"/>
+            </a:xfrm>
+            <a:prstGeom prst="ellipse">
+              <a:avLst/>
+            </a:prstGeom>
+            <a:solidFill>
+              <a:schemeClr val="bg1">
+                <a:lumMod val="50000"/>
+              </a:schemeClr>
+            </a:solidFill>
+            <a:ln w="12700">
+              <a:noFill/>
+            </a:ln>
+          </p:spPr>
+          <p:style>
+            <a:lnRef idx="2">
+              <a:schemeClr val="accent1">
+                <a:shade val="50000"/>
+              </a:schemeClr>
+            </a:lnRef>
+            <a:fillRef idx="1">
+              <a:schemeClr val="accent1"/>
+            </a:fillRef>
+            <a:effectRef idx="0">
+              <a:schemeClr val="accent1"/>
+            </a:effectRef>
+            <a:fontRef idx="minor">
+              <a:schemeClr val="lt1"/>
+            </a:fontRef>
+          </p:style>
+          <p:txBody>
+            <a:bodyPr rtlCol="0" anchor="ctr"/>
+            <a:lstStyle/>
+            <a:p>
+              <a:pPr algn="ctr"/>
+              <a:endParaRPr lang="en-US"/>
+            </a:p>
+          </p:txBody>
+        </p:sp>
+        <p:sp>
+          <p:nvSpPr>
+            <p:cNvPr id="73" name="Elipse 72">
+              <a:extLst>
+                <a:ext uri="{FF2B5EF4-FFF2-40B4-BE49-F238E27FC236}">
+                  <a16:creationId xmlns:a16="http://schemas.microsoft.com/office/drawing/2014/main" id="{60ABAA38-CD9D-74FE-1B2F-BA81DBA31D08}"/>
+                </a:ext>
+              </a:extLst>
+            </p:cNvPr>
+            <p:cNvSpPr/>
+            <p:nvPr/>
+          </p:nvSpPr>
+          <p:spPr>
+            <a:xfrm rot="357242">
+              <a:off x="4225756" y="3013373"/>
+              <a:ext cx="18288" cy="18288"/>
+            </a:xfrm>
+            <a:prstGeom prst="ellipse">
+              <a:avLst/>
+            </a:prstGeom>
+            <a:solidFill>
+              <a:schemeClr val="bg1">
+                <a:lumMod val="50000"/>
+              </a:schemeClr>
+            </a:solidFill>
+            <a:ln w="12700">
+              <a:noFill/>
+            </a:ln>
+          </p:spPr>
+          <p:style>
+            <a:lnRef idx="2">
+              <a:schemeClr val="accent1">
+                <a:shade val="50000"/>
+              </a:schemeClr>
+            </a:lnRef>
+            <a:fillRef idx="1">
+              <a:schemeClr val="accent1"/>
+            </a:fillRef>
+            <a:effectRef idx="0">
+              <a:schemeClr val="accent1"/>
+            </a:effectRef>
+            <a:fontRef idx="minor">
+              <a:schemeClr val="lt1"/>
+            </a:fontRef>
+          </p:style>
+          <p:txBody>
+            <a:bodyPr rtlCol="0" anchor="ctr"/>
+            <a:lstStyle/>
+            <a:p>
+              <a:pPr algn="ctr"/>
+              <a:endParaRPr lang="en-US"/>
+            </a:p>
+          </p:txBody>
+        </p:sp>
+        <p:sp>
+          <p:nvSpPr>
+            <p:cNvPr id="74" name="Elipse 73">
+              <a:extLst>
+                <a:ext uri="{FF2B5EF4-FFF2-40B4-BE49-F238E27FC236}">
+                  <a16:creationId xmlns:a16="http://schemas.microsoft.com/office/drawing/2014/main" id="{BB2D3497-BE4C-91BD-2C17-527AC14E231A}"/>
+                </a:ext>
+              </a:extLst>
+            </p:cNvPr>
+            <p:cNvSpPr/>
+            <p:nvPr/>
+          </p:nvSpPr>
+          <p:spPr>
+            <a:xfrm rot="357242">
+              <a:off x="5473595" y="3525324"/>
+              <a:ext cx="18288" cy="18288"/>
+            </a:xfrm>
+            <a:prstGeom prst="ellipse">
+              <a:avLst/>
+            </a:prstGeom>
+            <a:solidFill>
+              <a:schemeClr val="bg1">
+                <a:lumMod val="50000"/>
+              </a:schemeClr>
+            </a:solidFill>
+            <a:ln w="12700">
+              <a:noFill/>
+            </a:ln>
+          </p:spPr>
+          <p:style>
+            <a:lnRef idx="2">
+              <a:schemeClr val="accent1">
+                <a:shade val="50000"/>
+              </a:schemeClr>
+            </a:lnRef>
+            <a:fillRef idx="1">
+              <a:schemeClr val="accent1"/>
+            </a:fillRef>
+            <a:effectRef idx="0">
+              <a:schemeClr val="accent1"/>
+            </a:effectRef>
+            <a:fontRef idx="minor">
+              <a:schemeClr val="lt1"/>
+            </a:fontRef>
+          </p:style>
+          <p:txBody>
+            <a:bodyPr rtlCol="0" anchor="ctr"/>
+            <a:lstStyle/>
+            <a:p>
+              <a:pPr algn="ctr"/>
+              <a:endParaRPr lang="en-US"/>
+            </a:p>
+          </p:txBody>
+        </p:sp>
+        <p:sp>
+          <p:nvSpPr>
+            <p:cNvPr id="75" name="Elipse 74">
+              <a:extLst>
+                <a:ext uri="{FF2B5EF4-FFF2-40B4-BE49-F238E27FC236}">
+                  <a16:creationId xmlns:a16="http://schemas.microsoft.com/office/drawing/2014/main" id="{34806164-0276-9D13-9DBD-A3DB94E0AA6D}"/>
+                </a:ext>
+              </a:extLst>
+            </p:cNvPr>
+            <p:cNvSpPr/>
+            <p:nvPr/>
+          </p:nvSpPr>
+          <p:spPr>
+            <a:xfrm rot="357242">
+              <a:off x="5530748" y="3543810"/>
+              <a:ext cx="18288" cy="18288"/>
+            </a:xfrm>
+            <a:prstGeom prst="ellipse">
+              <a:avLst/>
+            </a:prstGeom>
+            <a:solidFill>
+              <a:schemeClr val="bg1">
+                <a:lumMod val="50000"/>
+              </a:schemeClr>
+            </a:solidFill>
+            <a:ln w="12700">
+              <a:noFill/>
+            </a:ln>
+          </p:spPr>
+          <p:style>
+            <a:lnRef idx="2">
+              <a:schemeClr val="accent1">
+                <a:shade val="50000"/>
+              </a:schemeClr>
+            </a:lnRef>
+            <a:fillRef idx="1">
+              <a:schemeClr val="accent1"/>
+            </a:fillRef>
+            <a:effectRef idx="0">
+              <a:schemeClr val="accent1"/>
+            </a:effectRef>
+            <a:fontRef idx="minor">
+              <a:schemeClr val="lt1"/>
+            </a:fontRef>
+          </p:style>
+          <p:txBody>
+            <a:bodyPr rtlCol="0" anchor="ctr"/>
+            <a:lstStyle/>
+            <a:p>
+              <a:pPr algn="ctr"/>
+              <a:endParaRPr lang="en-US"/>
+            </a:p>
+          </p:txBody>
+        </p:sp>
+        <p:sp>
+          <p:nvSpPr>
+            <p:cNvPr id="77" name="Elipse 76">
+              <a:extLst>
+                <a:ext uri="{FF2B5EF4-FFF2-40B4-BE49-F238E27FC236}">
+                  <a16:creationId xmlns:a16="http://schemas.microsoft.com/office/drawing/2014/main" id="{007575D6-E140-5149-2BD7-ADACC5E9FFC6}"/>
+                </a:ext>
+              </a:extLst>
+            </p:cNvPr>
+            <p:cNvSpPr/>
+            <p:nvPr/>
+          </p:nvSpPr>
+          <p:spPr>
+            <a:xfrm rot="357242">
+              <a:off x="5389664" y="3535367"/>
+              <a:ext cx="18288" cy="18288"/>
+            </a:xfrm>
+            <a:prstGeom prst="ellipse">
+              <a:avLst/>
+            </a:prstGeom>
+            <a:solidFill>
+              <a:schemeClr val="bg1">
+                <a:lumMod val="50000"/>
+              </a:schemeClr>
+            </a:solidFill>
+            <a:ln w="12700">
+              <a:noFill/>
+            </a:ln>
+          </p:spPr>
+          <p:style>
+            <a:lnRef idx="2">
+              <a:schemeClr val="accent1">
+                <a:shade val="50000"/>
+              </a:schemeClr>
+            </a:lnRef>
+            <a:fillRef idx="1">
+              <a:schemeClr val="accent1"/>
+            </a:fillRef>
+            <a:effectRef idx="0">
+              <a:schemeClr val="accent1"/>
+            </a:effectRef>
+            <a:fontRef idx="minor">
+              <a:schemeClr val="lt1"/>
+            </a:fontRef>
+          </p:style>
+          <p:txBody>
+            <a:bodyPr rtlCol="0" anchor="ctr"/>
+            <a:lstStyle/>
+            <a:p>
+              <a:pPr algn="ctr"/>
+              <a:endParaRPr lang="en-US"/>
+            </a:p>
+          </p:txBody>
+        </p:sp>
+        <p:sp>
+          <p:nvSpPr>
+            <p:cNvPr id="78" name="Elipse 77">
+              <a:extLst>
+                <a:ext uri="{FF2B5EF4-FFF2-40B4-BE49-F238E27FC236}">
+                  <a16:creationId xmlns:a16="http://schemas.microsoft.com/office/drawing/2014/main" id="{2B1CA030-F356-C4D1-8103-7BE33D277CC7}"/>
+                </a:ext>
+              </a:extLst>
+            </p:cNvPr>
+            <p:cNvSpPr/>
+            <p:nvPr/>
+          </p:nvSpPr>
+          <p:spPr>
+            <a:xfrm rot="357242">
+              <a:off x="5472525" y="3583286"/>
+              <a:ext cx="18288" cy="18288"/>
+            </a:xfrm>
+            <a:prstGeom prst="ellipse">
+              <a:avLst/>
+            </a:prstGeom>
+            <a:solidFill>
+              <a:schemeClr val="bg1">
+                <a:lumMod val="50000"/>
+              </a:schemeClr>
+            </a:solidFill>
+            <a:ln w="12700">
+              <a:noFill/>
+            </a:ln>
+          </p:spPr>
+          <p:style>
+            <a:lnRef idx="2">
+              <a:schemeClr val="accent1">
+                <a:shade val="50000"/>
+              </a:schemeClr>
+            </a:lnRef>
+            <a:fillRef idx="1">
+              <a:schemeClr val="accent1"/>
+            </a:fillRef>
+            <a:effectRef idx="0">
+              <a:schemeClr val="accent1"/>
+            </a:effectRef>
+            <a:fontRef idx="minor">
+              <a:schemeClr val="lt1"/>
+            </a:fontRef>
+          </p:style>
+          <p:txBody>
+            <a:bodyPr rtlCol="0" anchor="ctr"/>
+            <a:lstStyle/>
+            <a:p>
+              <a:pPr algn="ctr"/>
+              <a:endParaRPr lang="en-US"/>
+            </a:p>
+          </p:txBody>
+        </p:sp>
+        <p:sp>
+          <p:nvSpPr>
+            <p:cNvPr id="79" name="Elipse 78">
+              <a:extLst>
+                <a:ext uri="{FF2B5EF4-FFF2-40B4-BE49-F238E27FC236}">
+                  <a16:creationId xmlns:a16="http://schemas.microsoft.com/office/drawing/2014/main" id="{51E18E38-8FBA-5400-11FE-D1D505056D7E}"/>
+                </a:ext>
+              </a:extLst>
+            </p:cNvPr>
+            <p:cNvSpPr/>
+            <p:nvPr/>
+          </p:nvSpPr>
+          <p:spPr>
+            <a:xfrm rot="357242">
+              <a:off x="5597423" y="3574210"/>
+              <a:ext cx="18288" cy="18288"/>
+            </a:xfrm>
+            <a:prstGeom prst="ellipse">
+              <a:avLst/>
+            </a:prstGeom>
+            <a:solidFill>
+              <a:schemeClr val="bg1">
+                <a:lumMod val="50000"/>
+              </a:schemeClr>
+            </a:solidFill>
+            <a:ln w="12700">
+              <a:noFill/>
+            </a:ln>
+          </p:spPr>
+          <p:style>
+            <a:lnRef idx="2">
+              <a:schemeClr val="accent1">
+                <a:shade val="50000"/>
+              </a:schemeClr>
+            </a:lnRef>
+            <a:fillRef idx="1">
+              <a:schemeClr val="accent1"/>
+            </a:fillRef>
+            <a:effectRef idx="0">
+              <a:schemeClr val="accent1"/>
+            </a:effectRef>
+            <a:fontRef idx="minor">
+              <a:schemeClr val="lt1"/>
+            </a:fontRef>
+          </p:style>
+          <p:txBody>
+            <a:bodyPr rtlCol="0" anchor="ctr"/>
+            <a:lstStyle/>
+            <a:p>
+              <a:pPr algn="ctr"/>
+              <a:endParaRPr lang="en-US"/>
+            </a:p>
+          </p:txBody>
+        </p:sp>
+        <p:sp>
+          <p:nvSpPr>
+            <p:cNvPr id="80" name="Elipse 79">
+              <a:extLst>
+                <a:ext uri="{FF2B5EF4-FFF2-40B4-BE49-F238E27FC236}">
+                  <a16:creationId xmlns:a16="http://schemas.microsoft.com/office/drawing/2014/main" id="{5FE8CC17-B4C4-05D9-BA3C-5386540ACD37}"/>
+                </a:ext>
+              </a:extLst>
+            </p:cNvPr>
+            <p:cNvSpPr/>
+            <p:nvPr/>
+          </p:nvSpPr>
+          <p:spPr>
+            <a:xfrm rot="357242">
+              <a:off x="5409750" y="3593328"/>
+              <a:ext cx="18288" cy="18288"/>
+            </a:xfrm>
+            <a:prstGeom prst="ellipse">
+              <a:avLst/>
+            </a:prstGeom>
+            <a:solidFill>
+              <a:schemeClr val="bg1">
+                <a:lumMod val="50000"/>
+              </a:schemeClr>
+            </a:solidFill>
+            <a:ln w="12700">
+              <a:noFill/>
+            </a:ln>
+          </p:spPr>
+          <p:style>
+            <a:lnRef idx="2">
+              <a:schemeClr val="accent1">
+                <a:shade val="50000"/>
+              </a:schemeClr>
+            </a:lnRef>
+            <a:fillRef idx="1">
+              <a:schemeClr val="accent1"/>
+            </a:fillRef>
+            <a:effectRef idx="0">
+              <a:schemeClr val="accent1"/>
+            </a:effectRef>
+            <a:fontRef idx="minor">
+              <a:schemeClr val="lt1"/>
+            </a:fontRef>
+          </p:style>
+          <p:txBody>
+            <a:bodyPr rtlCol="0" anchor="ctr"/>
+            <a:lstStyle/>
+            <a:p>
+              <a:pPr algn="ctr"/>
+              <a:endParaRPr lang="en-US"/>
+            </a:p>
+          </p:txBody>
+        </p:sp>
+        <p:sp>
+          <p:nvSpPr>
+            <p:cNvPr id="81" name="Elipse 80">
+              <a:extLst>
+                <a:ext uri="{FF2B5EF4-FFF2-40B4-BE49-F238E27FC236}">
+                  <a16:creationId xmlns:a16="http://schemas.microsoft.com/office/drawing/2014/main" id="{670FE488-3F09-7D1F-96E0-F5E929C7D461}"/>
+                </a:ext>
+              </a:extLst>
+            </p:cNvPr>
+            <p:cNvSpPr/>
+            <p:nvPr/>
+          </p:nvSpPr>
+          <p:spPr>
+            <a:xfrm rot="357242">
+              <a:off x="5670412" y="3583284"/>
+              <a:ext cx="18288" cy="18288"/>
+            </a:xfrm>
+            <a:prstGeom prst="ellipse">
+              <a:avLst/>
+            </a:prstGeom>
+            <a:solidFill>
+              <a:schemeClr val="bg1">
+                <a:lumMod val="50000"/>
+              </a:schemeClr>
+            </a:solidFill>
+            <a:ln w="12700">
+              <a:noFill/>
+            </a:ln>
+          </p:spPr>
+          <p:style>
+            <a:lnRef idx="2">
+              <a:schemeClr val="accent1">
+                <a:shade val="50000"/>
+              </a:schemeClr>
+            </a:lnRef>
+            <a:fillRef idx="1">
+              <a:schemeClr val="accent1"/>
+            </a:fillRef>
+            <a:effectRef idx="0">
+              <a:schemeClr val="accent1"/>
+            </a:effectRef>
+            <a:fontRef idx="minor">
+              <a:schemeClr val="lt1"/>
+            </a:fontRef>
+          </p:style>
+          <p:txBody>
+            <a:bodyPr rtlCol="0" anchor="ctr"/>
+            <a:lstStyle/>
+            <a:p>
+              <a:pPr algn="ctr"/>
+              <a:endParaRPr lang="en-US"/>
+            </a:p>
+          </p:txBody>
+        </p:sp>
+        <p:sp>
+          <p:nvSpPr>
+            <p:cNvPr id="82" name="Elipse 81">
+              <a:extLst>
+                <a:ext uri="{FF2B5EF4-FFF2-40B4-BE49-F238E27FC236}">
+                  <a16:creationId xmlns:a16="http://schemas.microsoft.com/office/drawing/2014/main" id="{0A0C003A-FD82-BF80-D2E5-7F86678F2349}"/>
+                </a:ext>
+              </a:extLst>
+            </p:cNvPr>
+            <p:cNvSpPr/>
+            <p:nvPr/>
+          </p:nvSpPr>
+          <p:spPr>
+            <a:xfrm rot="357242">
+              <a:off x="5325820" y="3541489"/>
+              <a:ext cx="18288" cy="18288"/>
+            </a:xfrm>
+            <a:prstGeom prst="ellipse">
+              <a:avLst/>
+            </a:prstGeom>
+            <a:solidFill>
+              <a:schemeClr val="bg1">
+                <a:lumMod val="50000"/>
+              </a:schemeClr>
+            </a:solidFill>
+            <a:ln w="12700">
+              <a:noFill/>
+            </a:ln>
+          </p:spPr>
+          <p:style>
+            <a:lnRef idx="2">
+              <a:schemeClr val="accent1">
+                <a:shade val="50000"/>
+              </a:schemeClr>
+            </a:lnRef>
+            <a:fillRef idx="1">
+              <a:schemeClr val="accent1"/>
+            </a:fillRef>
+            <a:effectRef idx="0">
+              <a:schemeClr val="accent1"/>
+            </a:effectRef>
+            <a:fontRef idx="minor">
+              <a:schemeClr val="lt1"/>
+            </a:fontRef>
+          </p:style>
+          <p:txBody>
+            <a:bodyPr rtlCol="0" anchor="ctr"/>
+            <a:lstStyle/>
+            <a:p>
+              <a:pPr algn="ctr"/>
+              <a:endParaRPr lang="en-US"/>
+            </a:p>
+          </p:txBody>
+        </p:sp>
+        <p:sp>
+          <p:nvSpPr>
+            <p:cNvPr id="83" name="Elipse 82">
+              <a:extLst>
+                <a:ext uri="{FF2B5EF4-FFF2-40B4-BE49-F238E27FC236}">
+                  <a16:creationId xmlns:a16="http://schemas.microsoft.com/office/drawing/2014/main" id="{3ED97825-603A-75D3-6A15-D3E3FB7146EC}"/>
+                </a:ext>
+              </a:extLst>
+            </p:cNvPr>
+            <p:cNvSpPr/>
+            <p:nvPr/>
+          </p:nvSpPr>
+          <p:spPr>
+            <a:xfrm rot="357242">
+              <a:off x="5540843" y="3610665"/>
+              <a:ext cx="18288" cy="18288"/>
+            </a:xfrm>
+            <a:prstGeom prst="ellipse">
+              <a:avLst/>
+            </a:prstGeom>
+            <a:solidFill>
+              <a:schemeClr val="bg1">
+                <a:lumMod val="50000"/>
+              </a:schemeClr>
+            </a:solidFill>
+            <a:ln w="12700">
+              <a:noFill/>
+            </a:ln>
+          </p:spPr>
+          <p:style>
+            <a:lnRef idx="2">
+              <a:schemeClr val="accent1">
+                <a:shade val="50000"/>
+              </a:schemeClr>
+            </a:lnRef>
+            <a:fillRef idx="1">
+              <a:schemeClr val="accent1"/>
+            </a:fillRef>
+            <a:effectRef idx="0">
+              <a:schemeClr val="accent1"/>
+            </a:effectRef>
+            <a:fontRef idx="minor">
+              <a:schemeClr val="lt1"/>
+            </a:fontRef>
+          </p:style>
+          <p:txBody>
+            <a:bodyPr rtlCol="0" anchor="ctr"/>
+            <a:lstStyle/>
+            <a:p>
+              <a:pPr algn="ctr"/>
+              <a:endParaRPr lang="en-US"/>
+            </a:p>
+          </p:txBody>
+        </p:sp>
+        <p:sp>
+          <p:nvSpPr>
+            <p:cNvPr id="84" name="Elipse 83">
+              <a:extLst>
+                <a:ext uri="{FF2B5EF4-FFF2-40B4-BE49-F238E27FC236}">
+                  <a16:creationId xmlns:a16="http://schemas.microsoft.com/office/drawing/2014/main" id="{8CDB22B8-3845-A49F-CE48-397835485FEC}"/>
+                </a:ext>
+              </a:extLst>
+            </p:cNvPr>
+            <p:cNvSpPr/>
+            <p:nvPr/>
+          </p:nvSpPr>
+          <p:spPr>
+            <a:xfrm rot="357242">
+              <a:off x="6421866" y="2367538"/>
+              <a:ext cx="18288" cy="18288"/>
+            </a:xfrm>
+            <a:prstGeom prst="ellipse">
+              <a:avLst/>
+            </a:prstGeom>
+            <a:solidFill>
+              <a:schemeClr val="bg1">
+                <a:lumMod val="50000"/>
+              </a:schemeClr>
+            </a:solidFill>
+            <a:ln w="12700">
+              <a:noFill/>
+            </a:ln>
+          </p:spPr>
+          <p:style>
+            <a:lnRef idx="2">
+              <a:schemeClr val="accent1">
+                <a:shade val="50000"/>
+              </a:schemeClr>
+            </a:lnRef>
+            <a:fillRef idx="1">
+              <a:schemeClr val="accent1"/>
+            </a:fillRef>
+            <a:effectRef idx="0">
+              <a:schemeClr val="accent1"/>
+            </a:effectRef>
+            <a:fontRef idx="minor">
+              <a:schemeClr val="lt1"/>
+            </a:fontRef>
+          </p:style>
+          <p:txBody>
+            <a:bodyPr rtlCol="0" anchor="ctr"/>
+            <a:lstStyle/>
+            <a:p>
+              <a:pPr algn="ctr"/>
+              <a:endParaRPr lang="en-US"/>
+            </a:p>
+          </p:txBody>
+        </p:sp>
+        <p:sp>
+          <p:nvSpPr>
+            <p:cNvPr id="85" name="Elipse 84">
+              <a:extLst>
+                <a:ext uri="{FF2B5EF4-FFF2-40B4-BE49-F238E27FC236}">
+                  <a16:creationId xmlns:a16="http://schemas.microsoft.com/office/drawing/2014/main" id="{6A8B14F5-29E4-F3E8-96DD-C3F0B4D768EC}"/>
+                </a:ext>
+              </a:extLst>
+            </p:cNvPr>
+            <p:cNvSpPr/>
+            <p:nvPr/>
+          </p:nvSpPr>
+          <p:spPr>
+            <a:xfrm rot="357242">
+              <a:off x="6096899" y="2569933"/>
+              <a:ext cx="18288" cy="18288"/>
+            </a:xfrm>
+            <a:prstGeom prst="ellipse">
+              <a:avLst/>
+            </a:prstGeom>
+            <a:solidFill>
+              <a:schemeClr val="bg1">
+                <a:lumMod val="50000"/>
+              </a:schemeClr>
+            </a:solidFill>
+            <a:ln w="12700">
+              <a:noFill/>
+            </a:ln>
+          </p:spPr>
+          <p:style>
+            <a:lnRef idx="2">
+              <a:schemeClr val="accent1">
+                <a:shade val="50000"/>
+              </a:schemeClr>
+            </a:lnRef>
+            <a:fillRef idx="1">
+              <a:schemeClr val="accent1"/>
+            </a:fillRef>
+            <a:effectRef idx="0">
+              <a:schemeClr val="accent1"/>
+            </a:effectRef>
+            <a:fontRef idx="minor">
+              <a:schemeClr val="lt1"/>
+            </a:fontRef>
+          </p:style>
+          <p:txBody>
+            <a:bodyPr rtlCol="0" anchor="ctr"/>
+            <a:lstStyle/>
+            <a:p>
+              <a:pPr algn="ctr"/>
+              <a:endParaRPr lang="en-US"/>
+            </a:p>
+          </p:txBody>
+        </p:sp>
+        <p:sp>
+          <p:nvSpPr>
+            <p:cNvPr id="86" name="Elipse 85">
+              <a:extLst>
+                <a:ext uri="{FF2B5EF4-FFF2-40B4-BE49-F238E27FC236}">
+                  <a16:creationId xmlns:a16="http://schemas.microsoft.com/office/drawing/2014/main" id="{C3BC53FB-FB0F-FA2C-B7D7-5BE55D406E19}"/>
+                </a:ext>
+              </a:extLst>
+            </p:cNvPr>
+            <p:cNvSpPr/>
+            <p:nvPr/>
+          </p:nvSpPr>
+          <p:spPr>
+            <a:xfrm rot="357242">
+              <a:off x="6638042" y="2622250"/>
+              <a:ext cx="18288" cy="18288"/>
+            </a:xfrm>
+            <a:prstGeom prst="ellipse">
+              <a:avLst/>
+            </a:prstGeom>
+            <a:solidFill>
+              <a:schemeClr val="bg1">
+                <a:lumMod val="50000"/>
+              </a:schemeClr>
+            </a:solidFill>
+            <a:ln w="12700">
+              <a:noFill/>
+            </a:ln>
+          </p:spPr>
+          <p:style>
+            <a:lnRef idx="2">
+              <a:schemeClr val="accent1">
+                <a:shade val="50000"/>
+              </a:schemeClr>
+            </a:lnRef>
+            <a:fillRef idx="1">
+              <a:schemeClr val="accent1"/>
+            </a:fillRef>
+            <a:effectRef idx="0">
+              <a:schemeClr val="accent1"/>
+            </a:effectRef>
+            <a:fontRef idx="minor">
+              <a:schemeClr val="lt1"/>
+            </a:fontRef>
+          </p:style>
+          <p:txBody>
+            <a:bodyPr rtlCol="0" anchor="ctr"/>
+            <a:lstStyle/>
+            <a:p>
+              <a:pPr algn="ctr"/>
+              <a:endParaRPr lang="en-US"/>
+            </a:p>
+          </p:txBody>
+        </p:sp>
+        <p:sp>
+          <p:nvSpPr>
+            <p:cNvPr id="87" name="Elipse 86">
+              <a:extLst>
+                <a:ext uri="{FF2B5EF4-FFF2-40B4-BE49-F238E27FC236}">
+                  <a16:creationId xmlns:a16="http://schemas.microsoft.com/office/drawing/2014/main" id="{4F6C786F-99D4-1C4E-054B-E0869592A01A}"/>
+                </a:ext>
+              </a:extLst>
+            </p:cNvPr>
+            <p:cNvSpPr/>
+            <p:nvPr/>
+          </p:nvSpPr>
+          <p:spPr>
+            <a:xfrm rot="357242">
+              <a:off x="6619573" y="2525304"/>
+              <a:ext cx="18288" cy="18288"/>
+            </a:xfrm>
+            <a:prstGeom prst="ellipse">
+              <a:avLst/>
+            </a:prstGeom>
+            <a:solidFill>
+              <a:schemeClr val="bg1">
+                <a:lumMod val="50000"/>
+              </a:schemeClr>
+            </a:solidFill>
+            <a:ln w="12700">
+              <a:noFill/>
+            </a:ln>
+          </p:spPr>
+          <p:style>
+            <a:lnRef idx="2">
+              <a:schemeClr val="accent1">
+                <a:shade val="50000"/>
+              </a:schemeClr>
+            </a:lnRef>
+            <a:fillRef idx="1">
+              <a:schemeClr val="accent1"/>
+            </a:fillRef>
+            <a:effectRef idx="0">
+              <a:schemeClr val="accent1"/>
+            </a:effectRef>
+            <a:fontRef idx="minor">
+              <a:schemeClr val="lt1"/>
+            </a:fontRef>
+          </p:style>
+          <p:txBody>
+            <a:bodyPr rtlCol="0" anchor="ctr"/>
+            <a:lstStyle/>
+            <a:p>
+              <a:pPr algn="ctr"/>
+              <a:endParaRPr lang="en-US"/>
+            </a:p>
+          </p:txBody>
+        </p:sp>
+        <p:sp>
+          <p:nvSpPr>
+            <p:cNvPr id="88" name="Elipse 87">
+              <a:extLst>
+                <a:ext uri="{FF2B5EF4-FFF2-40B4-BE49-F238E27FC236}">
+                  <a16:creationId xmlns:a16="http://schemas.microsoft.com/office/drawing/2014/main" id="{CACA6017-16A2-EDD9-9863-73DB0D351363}"/>
+                </a:ext>
+              </a:extLst>
+            </p:cNvPr>
+            <p:cNvSpPr/>
+            <p:nvPr/>
+          </p:nvSpPr>
+          <p:spPr>
+            <a:xfrm rot="357242">
+              <a:off x="6569262" y="2455567"/>
+              <a:ext cx="18288" cy="18288"/>
+            </a:xfrm>
+            <a:prstGeom prst="ellipse">
+              <a:avLst/>
+            </a:prstGeom>
+            <a:solidFill>
+              <a:schemeClr val="bg1">
+                <a:lumMod val="50000"/>
+              </a:schemeClr>
+            </a:solidFill>
+            <a:ln w="12700">
+              <a:noFill/>
+            </a:ln>
+          </p:spPr>
+          <p:style>
+            <a:lnRef idx="2">
+              <a:schemeClr val="accent1">
+                <a:shade val="50000"/>
+              </a:schemeClr>
+            </a:lnRef>
+            <a:fillRef idx="1">
+              <a:schemeClr val="accent1"/>
+            </a:fillRef>
+            <a:effectRef idx="0">
+              <a:schemeClr val="accent1"/>
+            </a:effectRef>
+            <a:fontRef idx="minor">
+              <a:schemeClr val="lt1"/>
+            </a:fontRef>
+          </p:style>
+          <p:txBody>
+            <a:bodyPr rtlCol="0" anchor="ctr"/>
+            <a:lstStyle/>
+            <a:p>
+              <a:pPr algn="ctr"/>
+              <a:endParaRPr lang="en-US"/>
+            </a:p>
+          </p:txBody>
+        </p:sp>
+        <p:sp>
+          <p:nvSpPr>
+            <p:cNvPr id="89" name="Elipse 88">
+              <a:extLst>
+                <a:ext uri="{FF2B5EF4-FFF2-40B4-BE49-F238E27FC236}">
+                  <a16:creationId xmlns:a16="http://schemas.microsoft.com/office/drawing/2014/main" id="{B6385F6C-23F8-A228-39D8-3EBBB51667A8}"/>
+                </a:ext>
+              </a:extLst>
+            </p:cNvPr>
+            <p:cNvSpPr/>
+            <p:nvPr/>
+          </p:nvSpPr>
+          <p:spPr>
+            <a:xfrm rot="357242">
+              <a:off x="6589350" y="2587174"/>
+              <a:ext cx="18288" cy="18288"/>
+            </a:xfrm>
+            <a:prstGeom prst="ellipse">
+              <a:avLst/>
+            </a:prstGeom>
+            <a:solidFill>
+              <a:schemeClr val="bg1">
+                <a:lumMod val="50000"/>
+              </a:schemeClr>
+            </a:solidFill>
+            <a:ln w="12700">
+              <a:noFill/>
+            </a:ln>
+          </p:spPr>
+          <p:style>
+            <a:lnRef idx="2">
+              <a:schemeClr val="accent1">
+                <a:shade val="50000"/>
+              </a:schemeClr>
+            </a:lnRef>
+            <a:fillRef idx="1">
+              <a:schemeClr val="accent1"/>
+            </a:fillRef>
+            <a:effectRef idx="0">
+              <a:schemeClr val="accent1"/>
+            </a:effectRef>
+            <a:fontRef idx="minor">
+              <a:schemeClr val="lt1"/>
+            </a:fontRef>
+          </p:style>
+          <p:txBody>
+            <a:bodyPr rtlCol="0" anchor="ctr"/>
+            <a:lstStyle/>
+            <a:p>
+              <a:pPr algn="ctr"/>
+              <a:endParaRPr lang="en-US"/>
+            </a:p>
+          </p:txBody>
+        </p:sp>
+        <p:sp>
+          <p:nvSpPr>
+            <p:cNvPr id="90" name="Elipse 89">
+              <a:extLst>
+                <a:ext uri="{FF2B5EF4-FFF2-40B4-BE49-F238E27FC236}">
+                  <a16:creationId xmlns:a16="http://schemas.microsoft.com/office/drawing/2014/main" id="{1BF59E66-B746-96B9-3323-E6EADC1D1EBB}"/>
+                </a:ext>
+              </a:extLst>
+            </p:cNvPr>
+            <p:cNvSpPr/>
+            <p:nvPr/>
+          </p:nvSpPr>
+          <p:spPr>
+            <a:xfrm rot="357242">
+              <a:off x="6549174" y="2503485"/>
+              <a:ext cx="18288" cy="18288"/>
+            </a:xfrm>
+            <a:prstGeom prst="ellipse">
+              <a:avLst/>
+            </a:prstGeom>
+            <a:solidFill>
+              <a:schemeClr val="bg1">
+                <a:lumMod val="50000"/>
+              </a:schemeClr>
+            </a:solidFill>
+            <a:ln w="12700">
+              <a:noFill/>
+            </a:ln>
+          </p:spPr>
+          <p:style>
+            <a:lnRef idx="2">
+              <a:schemeClr val="accent1">
+                <a:shade val="50000"/>
+              </a:schemeClr>
+            </a:lnRef>
+            <a:fillRef idx="1">
+              <a:schemeClr val="accent1"/>
+            </a:fillRef>
+            <a:effectRef idx="0">
+              <a:schemeClr val="accent1"/>
+            </a:effectRef>
+            <a:fontRef idx="minor">
+              <a:schemeClr val="lt1"/>
+            </a:fontRef>
+          </p:style>
+          <p:txBody>
+            <a:bodyPr rtlCol="0" anchor="ctr"/>
+            <a:lstStyle/>
+            <a:p>
+              <a:pPr algn="ctr"/>
+              <a:endParaRPr lang="en-US"/>
+            </a:p>
+          </p:txBody>
+        </p:sp>
+        <p:sp>
+          <p:nvSpPr>
+            <p:cNvPr id="91" name="Elipse 90">
+              <a:extLst>
+                <a:ext uri="{FF2B5EF4-FFF2-40B4-BE49-F238E27FC236}">
+                  <a16:creationId xmlns:a16="http://schemas.microsoft.com/office/drawing/2014/main" id="{E35F157A-2093-F5E5-5F3D-E2C5543E75AD}"/>
+                </a:ext>
+              </a:extLst>
+            </p:cNvPr>
+            <p:cNvSpPr/>
+            <p:nvPr/>
+          </p:nvSpPr>
+          <p:spPr>
+            <a:xfrm rot="357242">
+              <a:off x="6506862" y="2513529"/>
+              <a:ext cx="18288" cy="18288"/>
+            </a:xfrm>
+            <a:prstGeom prst="ellipse">
+              <a:avLst/>
+            </a:prstGeom>
+            <a:solidFill>
+              <a:schemeClr val="bg1">
+                <a:lumMod val="50000"/>
+              </a:schemeClr>
+            </a:solidFill>
+            <a:ln w="12700">
+              <a:noFill/>
+            </a:ln>
+          </p:spPr>
+          <p:style>
+            <a:lnRef idx="2">
+              <a:schemeClr val="accent1">
+                <a:shade val="50000"/>
+              </a:schemeClr>
+            </a:lnRef>
+            <a:fillRef idx="1">
+              <a:schemeClr val="accent1"/>
+            </a:fillRef>
+            <a:effectRef idx="0">
+              <a:schemeClr val="accent1"/>
+            </a:effectRef>
+            <a:fontRef idx="minor">
+              <a:schemeClr val="lt1"/>
+            </a:fontRef>
+          </p:style>
+          <p:txBody>
+            <a:bodyPr rtlCol="0" anchor="ctr"/>
+            <a:lstStyle/>
+            <a:p>
+              <a:pPr algn="ctr"/>
+              <a:endParaRPr lang="en-US"/>
+            </a:p>
+          </p:txBody>
+        </p:sp>
+        <p:sp>
+          <p:nvSpPr>
+            <p:cNvPr id="92" name="Elipse 91">
+              <a:extLst>
+                <a:ext uri="{FF2B5EF4-FFF2-40B4-BE49-F238E27FC236}">
+                  <a16:creationId xmlns:a16="http://schemas.microsoft.com/office/drawing/2014/main" id="{3449563D-CACC-A712-F2DA-9FEB38285463}"/>
+                </a:ext>
+              </a:extLst>
+            </p:cNvPr>
+            <p:cNvSpPr/>
+            <p:nvPr/>
+          </p:nvSpPr>
+          <p:spPr>
+            <a:xfrm rot="357242">
+              <a:off x="6483281" y="2441933"/>
+              <a:ext cx="18288" cy="18288"/>
+            </a:xfrm>
+            <a:prstGeom prst="ellipse">
+              <a:avLst/>
+            </a:prstGeom>
+            <a:solidFill>
+              <a:schemeClr val="bg1">
+                <a:lumMod val="50000"/>
+              </a:schemeClr>
+            </a:solidFill>
+            <a:ln w="12700">
+              <a:noFill/>
+            </a:ln>
+          </p:spPr>
+          <p:style>
+            <a:lnRef idx="2">
+              <a:schemeClr val="accent1">
+                <a:shade val="50000"/>
+              </a:schemeClr>
+            </a:lnRef>
+            <a:fillRef idx="1">
+              <a:schemeClr val="accent1"/>
+            </a:fillRef>
+            <a:effectRef idx="0">
+              <a:schemeClr val="accent1"/>
+            </a:effectRef>
+            <a:fontRef idx="minor">
+              <a:schemeClr val="lt1"/>
+            </a:fontRef>
+          </p:style>
+          <p:txBody>
+            <a:bodyPr rtlCol="0" anchor="ctr"/>
+            <a:lstStyle/>
+            <a:p>
+              <a:pPr algn="ctr"/>
+              <a:endParaRPr lang="en-US"/>
+            </a:p>
+          </p:txBody>
+        </p:sp>
+        <p:sp>
+          <p:nvSpPr>
+            <p:cNvPr id="93" name="Elipse 92">
+              <a:extLst>
+                <a:ext uri="{FF2B5EF4-FFF2-40B4-BE49-F238E27FC236}">
+                  <a16:creationId xmlns:a16="http://schemas.microsoft.com/office/drawing/2014/main" id="{9CB6F01D-C2E5-9A3C-F74C-B642172CDD34}"/>
+                </a:ext>
+              </a:extLst>
+            </p:cNvPr>
+            <p:cNvSpPr/>
+            <p:nvPr/>
+          </p:nvSpPr>
+          <p:spPr>
+            <a:xfrm rot="357242">
+              <a:off x="6188228" y="2460880"/>
+              <a:ext cx="18288" cy="18288"/>
+            </a:xfrm>
+            <a:prstGeom prst="ellipse">
+              <a:avLst/>
+            </a:prstGeom>
+            <a:solidFill>
+              <a:schemeClr val="bg1">
+                <a:lumMod val="50000"/>
+              </a:schemeClr>
+            </a:solidFill>
+            <a:ln w="12700">
+              <a:noFill/>
+            </a:ln>
+          </p:spPr>
+          <p:style>
+            <a:lnRef idx="2">
+              <a:schemeClr val="accent1">
+                <a:shade val="50000"/>
+              </a:schemeClr>
+            </a:lnRef>
+            <a:fillRef idx="1">
+              <a:schemeClr val="accent1"/>
+            </a:fillRef>
+            <a:effectRef idx="0">
+              <a:schemeClr val="accent1"/>
+            </a:effectRef>
+            <a:fontRef idx="minor">
+              <a:schemeClr val="lt1"/>
+            </a:fontRef>
+          </p:style>
+          <p:txBody>
+            <a:bodyPr rtlCol="0" anchor="ctr"/>
+            <a:lstStyle/>
+            <a:p>
+              <a:pPr algn="ctr"/>
+              <a:endParaRPr lang="en-US"/>
+            </a:p>
+          </p:txBody>
+        </p:sp>
+        <p:sp>
+          <p:nvSpPr>
+            <p:cNvPr id="94" name="Elipse 93">
+              <a:extLst>
+                <a:ext uri="{FF2B5EF4-FFF2-40B4-BE49-F238E27FC236}">
+                  <a16:creationId xmlns:a16="http://schemas.microsoft.com/office/drawing/2014/main" id="{BD07BF76-F469-4CFB-A151-7D0BB733EEFA}"/>
+                </a:ext>
+              </a:extLst>
+            </p:cNvPr>
+            <p:cNvSpPr/>
+            <p:nvPr/>
+          </p:nvSpPr>
+          <p:spPr>
+            <a:xfrm rot="357242">
+              <a:off x="6659262" y="2665929"/>
+              <a:ext cx="18288" cy="18288"/>
+            </a:xfrm>
+            <a:prstGeom prst="ellipse">
+              <a:avLst/>
+            </a:prstGeom>
+            <a:solidFill>
+              <a:schemeClr val="bg1">
+                <a:lumMod val="50000"/>
+              </a:schemeClr>
+            </a:solidFill>
+            <a:ln w="12700">
+              <a:noFill/>
+            </a:ln>
+          </p:spPr>
+          <p:style>
+            <a:lnRef idx="2">
+              <a:schemeClr val="accent1">
+                <a:shade val="50000"/>
+              </a:schemeClr>
+            </a:lnRef>
+            <a:fillRef idx="1">
+              <a:schemeClr val="accent1"/>
+            </a:fillRef>
+            <a:effectRef idx="0">
+              <a:schemeClr val="accent1"/>
+            </a:effectRef>
+            <a:fontRef idx="minor">
+              <a:schemeClr val="lt1"/>
+            </a:fontRef>
+          </p:style>
+          <p:txBody>
+            <a:bodyPr rtlCol="0" anchor="ctr"/>
+            <a:lstStyle/>
+            <a:p>
+              <a:pPr algn="ctr"/>
+              <a:endParaRPr lang="en-US"/>
+            </a:p>
+          </p:txBody>
+        </p:sp>
+        <p:sp>
+          <p:nvSpPr>
+            <p:cNvPr id="95" name="Elipse 94">
+              <a:extLst>
+                <a:ext uri="{FF2B5EF4-FFF2-40B4-BE49-F238E27FC236}">
+                  <a16:creationId xmlns:a16="http://schemas.microsoft.com/office/drawing/2014/main" id="{B9753F18-F7E8-5563-09F1-61B94F4EF735}"/>
+                </a:ext>
+              </a:extLst>
+            </p:cNvPr>
+            <p:cNvSpPr/>
+            <p:nvPr/>
+          </p:nvSpPr>
+          <p:spPr>
+            <a:xfrm rot="357242">
+              <a:off x="6307599" y="2413428"/>
+              <a:ext cx="18288" cy="18288"/>
+            </a:xfrm>
+            <a:prstGeom prst="ellipse">
+              <a:avLst/>
+            </a:prstGeom>
+            <a:solidFill>
+              <a:schemeClr val="bg1">
+                <a:lumMod val="50000"/>
+              </a:schemeClr>
+            </a:solidFill>
+            <a:ln w="12700">
+              <a:noFill/>
+            </a:ln>
+          </p:spPr>
+          <p:style>
+            <a:lnRef idx="2">
+              <a:schemeClr val="accent1">
+                <a:shade val="50000"/>
+              </a:schemeClr>
+            </a:lnRef>
+            <a:fillRef idx="1">
+              <a:schemeClr val="accent1"/>
+            </a:fillRef>
+            <a:effectRef idx="0">
+              <a:schemeClr val="accent1"/>
+            </a:effectRef>
+            <a:fontRef idx="minor">
+              <a:schemeClr val="lt1"/>
+            </a:fontRef>
+          </p:style>
+          <p:txBody>
+            <a:bodyPr rtlCol="0" anchor="ctr"/>
+            <a:lstStyle/>
+            <a:p>
+              <a:pPr algn="ctr"/>
+              <a:endParaRPr lang="en-US"/>
+            </a:p>
+          </p:txBody>
+        </p:sp>
+        <p:sp>
+          <p:nvSpPr>
+            <p:cNvPr id="96" name="Elipse 95">
+              <a:extLst>
+                <a:ext uri="{FF2B5EF4-FFF2-40B4-BE49-F238E27FC236}">
+                  <a16:creationId xmlns:a16="http://schemas.microsoft.com/office/drawing/2014/main" id="{9F8EE753-5B8F-DD65-6436-8E082E4E85AC}"/>
+                </a:ext>
+              </a:extLst>
+            </p:cNvPr>
+            <p:cNvSpPr/>
+            <p:nvPr/>
+          </p:nvSpPr>
+          <p:spPr>
+            <a:xfrm rot="357242">
+              <a:off x="6387832" y="2500380"/>
+              <a:ext cx="18288" cy="18288"/>
+            </a:xfrm>
+            <a:prstGeom prst="ellipse">
+              <a:avLst/>
+            </a:prstGeom>
+            <a:solidFill>
+              <a:schemeClr val="bg1">
+                <a:lumMod val="50000"/>
+              </a:schemeClr>
+            </a:solidFill>
+            <a:ln w="12700">
+              <a:noFill/>
+            </a:ln>
+          </p:spPr>
+          <p:style>
+            <a:lnRef idx="2">
+              <a:schemeClr val="accent1">
+                <a:shade val="50000"/>
+              </a:schemeClr>
+            </a:lnRef>
+            <a:fillRef idx="1">
+              <a:schemeClr val="accent1"/>
+            </a:fillRef>
+            <a:effectRef idx="0">
+              <a:schemeClr val="accent1"/>
+            </a:effectRef>
+            <a:fontRef idx="minor">
+              <a:schemeClr val="lt1"/>
+            </a:fontRef>
+          </p:style>
+          <p:txBody>
+            <a:bodyPr rtlCol="0" anchor="ctr"/>
+            <a:lstStyle/>
+            <a:p>
+              <a:pPr algn="ctr"/>
+              <a:endParaRPr lang="en-US"/>
+            </a:p>
+          </p:txBody>
+        </p:sp>
+        <p:sp>
+          <p:nvSpPr>
+            <p:cNvPr id="97" name="Elipse 96">
+              <a:extLst>
+                <a:ext uri="{FF2B5EF4-FFF2-40B4-BE49-F238E27FC236}">
+                  <a16:creationId xmlns:a16="http://schemas.microsoft.com/office/drawing/2014/main" id="{1469AD6C-3599-74F2-C3F3-4BCB71869B38}"/>
+                </a:ext>
+              </a:extLst>
+            </p:cNvPr>
+            <p:cNvSpPr/>
+            <p:nvPr/>
+          </p:nvSpPr>
+          <p:spPr>
+            <a:xfrm rot="357242">
+              <a:off x="6387833" y="2442274"/>
+              <a:ext cx="18288" cy="18288"/>
+            </a:xfrm>
+            <a:prstGeom prst="ellipse">
+              <a:avLst/>
+            </a:prstGeom>
+            <a:solidFill>
+              <a:schemeClr val="bg1">
+                <a:lumMod val="50000"/>
+              </a:schemeClr>
+            </a:solidFill>
+            <a:ln w="12700">
+              <a:noFill/>
+            </a:ln>
+          </p:spPr>
+          <p:style>
+            <a:lnRef idx="2">
+              <a:schemeClr val="accent1">
+                <a:shade val="50000"/>
+              </a:schemeClr>
+            </a:lnRef>
+            <a:fillRef idx="1">
+              <a:schemeClr val="accent1"/>
+            </a:fillRef>
+            <a:effectRef idx="0">
+              <a:schemeClr val="accent1"/>
+            </a:effectRef>
+            <a:fontRef idx="minor">
+              <a:schemeClr val="lt1"/>
+            </a:fontRef>
+          </p:style>
+          <p:txBody>
+            <a:bodyPr rtlCol="0" anchor="ctr"/>
+            <a:lstStyle/>
+            <a:p>
+              <a:pPr algn="ctr"/>
+              <a:endParaRPr lang="en-US"/>
+            </a:p>
+          </p:txBody>
+        </p:sp>
+        <p:sp>
+          <p:nvSpPr>
+            <p:cNvPr id="98" name="Elipse 97">
+              <a:extLst>
+                <a:ext uri="{FF2B5EF4-FFF2-40B4-BE49-F238E27FC236}">
+                  <a16:creationId xmlns:a16="http://schemas.microsoft.com/office/drawing/2014/main" id="{965AB2E6-51ED-3FFB-4A79-9539A9DDEDEA}"/>
+                </a:ext>
+              </a:extLst>
+            </p:cNvPr>
+            <p:cNvSpPr/>
+            <p:nvPr/>
+          </p:nvSpPr>
+          <p:spPr>
+            <a:xfrm rot="357242">
+              <a:off x="6284015" y="2499864"/>
+              <a:ext cx="18288" cy="18288"/>
+            </a:xfrm>
+            <a:prstGeom prst="ellipse">
+              <a:avLst/>
+            </a:prstGeom>
+            <a:solidFill>
+              <a:schemeClr val="bg1">
+                <a:lumMod val="50000"/>
+              </a:schemeClr>
+            </a:solidFill>
+            <a:ln w="12700">
+              <a:noFill/>
+            </a:ln>
+          </p:spPr>
+          <p:style>
+            <a:lnRef idx="2">
+              <a:schemeClr val="accent1">
+                <a:shade val="50000"/>
+              </a:schemeClr>
+            </a:lnRef>
+            <a:fillRef idx="1">
+              <a:schemeClr val="accent1"/>
+            </a:fillRef>
+            <a:effectRef idx="0">
+              <a:schemeClr val="accent1"/>
+            </a:effectRef>
+            <a:fontRef idx="minor">
+              <a:schemeClr val="lt1"/>
+            </a:fontRef>
+          </p:style>
+          <p:txBody>
+            <a:bodyPr rtlCol="0" anchor="ctr"/>
+            <a:lstStyle/>
+            <a:p>
+              <a:pPr algn="ctr"/>
+              <a:endParaRPr lang="en-US"/>
+            </a:p>
+          </p:txBody>
+        </p:sp>
+        <p:sp>
+          <p:nvSpPr>
+            <p:cNvPr id="99" name="Elipse 98">
+              <a:extLst>
+                <a:ext uri="{FF2B5EF4-FFF2-40B4-BE49-F238E27FC236}">
+                  <a16:creationId xmlns:a16="http://schemas.microsoft.com/office/drawing/2014/main" id="{664EDA8E-520E-34B5-57D7-09991D6237AB}"/>
+                </a:ext>
+              </a:extLst>
+            </p:cNvPr>
+            <p:cNvSpPr/>
+            <p:nvPr/>
+          </p:nvSpPr>
+          <p:spPr>
+            <a:xfrm rot="357242">
+              <a:off x="6178185" y="2533616"/>
+              <a:ext cx="18288" cy="18288"/>
+            </a:xfrm>
+            <a:prstGeom prst="ellipse">
+              <a:avLst/>
+            </a:prstGeom>
+            <a:solidFill>
+              <a:schemeClr val="bg1">
+                <a:lumMod val="50000"/>
+              </a:schemeClr>
+            </a:solidFill>
+            <a:ln w="12700">
+              <a:noFill/>
+            </a:ln>
+          </p:spPr>
+          <p:style>
+            <a:lnRef idx="2">
+              <a:schemeClr val="accent1">
+                <a:shade val="50000"/>
+              </a:schemeClr>
+            </a:lnRef>
+            <a:fillRef idx="1">
+              <a:schemeClr val="accent1"/>
+            </a:fillRef>
+            <a:effectRef idx="0">
+              <a:schemeClr val="accent1"/>
+            </a:effectRef>
+            <a:fontRef idx="minor">
+              <a:schemeClr val="lt1"/>
+            </a:fontRef>
+          </p:style>
+          <p:txBody>
+            <a:bodyPr rtlCol="0" anchor="ctr"/>
+            <a:lstStyle/>
+            <a:p>
+              <a:pPr algn="ctr"/>
+              <a:endParaRPr lang="en-US"/>
+            </a:p>
+          </p:txBody>
+        </p:sp>
+        <p:sp>
+          <p:nvSpPr>
+            <p:cNvPr id="100" name="Elipse 99">
+              <a:extLst>
+                <a:ext uri="{FF2B5EF4-FFF2-40B4-BE49-F238E27FC236}">
+                  <a16:creationId xmlns:a16="http://schemas.microsoft.com/office/drawing/2014/main" id="{EB8509E4-D7C9-519C-13BF-0596D92214AE}"/>
+                </a:ext>
+              </a:extLst>
+            </p:cNvPr>
+            <p:cNvSpPr/>
+            <p:nvPr/>
+          </p:nvSpPr>
+          <p:spPr>
+            <a:xfrm rot="357242">
+              <a:off x="6371735" y="2376648"/>
+              <a:ext cx="18288" cy="18288"/>
+            </a:xfrm>
+            <a:prstGeom prst="ellipse">
+              <a:avLst/>
+            </a:prstGeom>
+            <a:solidFill>
+              <a:schemeClr val="bg1">
+                <a:lumMod val="50000"/>
+              </a:schemeClr>
+            </a:solidFill>
+            <a:ln w="12700">
+              <a:noFill/>
+            </a:ln>
+          </p:spPr>
+          <p:style>
+            <a:lnRef idx="2">
+              <a:schemeClr val="accent1">
+                <a:shade val="50000"/>
+              </a:schemeClr>
+            </a:lnRef>
+            <a:fillRef idx="1">
+              <a:schemeClr val="accent1"/>
+            </a:fillRef>
+            <a:effectRef idx="0">
+              <a:schemeClr val="accent1"/>
+            </a:effectRef>
+            <a:fontRef idx="minor">
+              <a:schemeClr val="lt1"/>
+            </a:fontRef>
+          </p:style>
+          <p:txBody>
+            <a:bodyPr rtlCol="0" anchor="ctr"/>
+            <a:lstStyle/>
+            <a:p>
+              <a:pPr algn="ctr"/>
+              <a:endParaRPr lang="en-US"/>
+            </a:p>
+          </p:txBody>
+        </p:sp>
+        <p:sp>
+          <p:nvSpPr>
+            <p:cNvPr id="101" name="Elipse 100">
+              <a:extLst>
+                <a:ext uri="{FF2B5EF4-FFF2-40B4-BE49-F238E27FC236}">
+                  <a16:creationId xmlns:a16="http://schemas.microsoft.com/office/drawing/2014/main" id="{E2C33A5C-19C4-587C-761C-6B48AB0B6665}"/>
+                </a:ext>
+              </a:extLst>
+            </p:cNvPr>
+            <p:cNvSpPr/>
+            <p:nvPr/>
+          </p:nvSpPr>
+          <p:spPr>
+            <a:xfrm rot="357242">
+              <a:off x="6506863" y="2381424"/>
+              <a:ext cx="18288" cy="18288"/>
+            </a:xfrm>
+            <a:prstGeom prst="ellipse">
+              <a:avLst/>
+            </a:prstGeom>
+            <a:solidFill>
+              <a:schemeClr val="bg1">
+                <a:lumMod val="50000"/>
+              </a:schemeClr>
+            </a:solidFill>
+            <a:ln w="12700">
+              <a:noFill/>
+            </a:ln>
+          </p:spPr>
+          <p:style>
+            <a:lnRef idx="2">
+              <a:schemeClr val="accent1">
+                <a:shade val="50000"/>
+              </a:schemeClr>
+            </a:lnRef>
+            <a:fillRef idx="1">
+              <a:schemeClr val="accent1"/>
+            </a:fillRef>
+            <a:effectRef idx="0">
+              <a:schemeClr val="accent1"/>
+            </a:effectRef>
+            <a:fontRef idx="minor">
+              <a:schemeClr val="lt1"/>
+            </a:fontRef>
+          </p:style>
+          <p:txBody>
+            <a:bodyPr rtlCol="0" anchor="ctr"/>
+            <a:lstStyle/>
+            <a:p>
+              <a:pPr algn="ctr"/>
+              <a:endParaRPr lang="en-US"/>
+            </a:p>
+          </p:txBody>
+        </p:sp>
+        <p:sp>
+          <p:nvSpPr>
+            <p:cNvPr id="102" name="Elipse 101">
+              <a:extLst>
+                <a:ext uri="{FF2B5EF4-FFF2-40B4-BE49-F238E27FC236}">
+                  <a16:creationId xmlns:a16="http://schemas.microsoft.com/office/drawing/2014/main" id="{B70B1390-A9DD-B489-843E-9E9656F07CF8}"/>
+                </a:ext>
+              </a:extLst>
+            </p:cNvPr>
+            <p:cNvSpPr/>
+            <p:nvPr/>
+          </p:nvSpPr>
+          <p:spPr>
+            <a:xfrm rot="357242">
+              <a:off x="6589348" y="3855034"/>
+              <a:ext cx="18288" cy="18288"/>
+            </a:xfrm>
+            <a:prstGeom prst="ellipse">
+              <a:avLst/>
+            </a:prstGeom>
+            <a:solidFill>
+              <a:schemeClr val="bg1">
+                <a:lumMod val="50000"/>
+              </a:schemeClr>
+            </a:solidFill>
+            <a:ln w="12700">
+              <a:noFill/>
+            </a:ln>
+          </p:spPr>
+          <p:style>
+            <a:lnRef idx="2">
+              <a:schemeClr val="accent1">
+                <a:shade val="50000"/>
+              </a:schemeClr>
+            </a:lnRef>
+            <a:fillRef idx="1">
+              <a:schemeClr val="accent1"/>
+            </a:fillRef>
+            <a:effectRef idx="0">
+              <a:schemeClr val="accent1"/>
+            </a:effectRef>
+            <a:fontRef idx="minor">
+              <a:schemeClr val="lt1"/>
+            </a:fontRef>
+          </p:style>
+          <p:txBody>
+            <a:bodyPr rtlCol="0" anchor="ctr"/>
+            <a:lstStyle/>
+            <a:p>
+              <a:pPr algn="ctr"/>
+              <a:endParaRPr lang="en-US"/>
+            </a:p>
+          </p:txBody>
+        </p:sp>
+        <p:sp>
+          <p:nvSpPr>
+            <p:cNvPr id="103" name="Elipse 102">
+              <a:extLst>
+                <a:ext uri="{FF2B5EF4-FFF2-40B4-BE49-F238E27FC236}">
+                  <a16:creationId xmlns:a16="http://schemas.microsoft.com/office/drawing/2014/main" id="{5BB9DCCC-0582-ECE9-5AE9-9EBB8BB2ED35}"/>
+                </a:ext>
+              </a:extLst>
+            </p:cNvPr>
+            <p:cNvSpPr/>
+            <p:nvPr/>
+          </p:nvSpPr>
+          <p:spPr>
+            <a:xfrm rot="357242">
+              <a:off x="6642255" y="3902443"/>
+              <a:ext cx="18288" cy="18288"/>
+            </a:xfrm>
+            <a:prstGeom prst="ellipse">
+              <a:avLst/>
+            </a:prstGeom>
+            <a:solidFill>
+              <a:schemeClr val="bg1">
+                <a:lumMod val="50000"/>
+              </a:schemeClr>
+            </a:solidFill>
+            <a:ln w="12700">
+              <a:noFill/>
+            </a:ln>
+          </p:spPr>
+          <p:style>
+            <a:lnRef idx="2">
+              <a:schemeClr val="accent1">
+                <a:shade val="50000"/>
+              </a:schemeClr>
+            </a:lnRef>
+            <a:fillRef idx="1">
+              <a:schemeClr val="accent1"/>
+            </a:fillRef>
+            <a:effectRef idx="0">
+              <a:schemeClr val="accent1"/>
+            </a:effectRef>
+            <a:fontRef idx="minor">
+              <a:schemeClr val="lt1"/>
+            </a:fontRef>
+          </p:style>
+          <p:txBody>
+            <a:bodyPr rtlCol="0" anchor="ctr"/>
+            <a:lstStyle/>
+            <a:p>
+              <a:pPr algn="ctr"/>
+              <a:endParaRPr lang="en-US"/>
+            </a:p>
+          </p:txBody>
+        </p:sp>
+        <p:sp>
+          <p:nvSpPr>
+            <p:cNvPr id="104" name="Elipse 103">
+              <a:extLst>
+                <a:ext uri="{FF2B5EF4-FFF2-40B4-BE49-F238E27FC236}">
+                  <a16:creationId xmlns:a16="http://schemas.microsoft.com/office/drawing/2014/main" id="{EA48C336-6672-57C9-AECF-E9F4CB3EF88C}"/>
+                </a:ext>
+              </a:extLst>
+            </p:cNvPr>
+            <p:cNvSpPr/>
+            <p:nvPr/>
+          </p:nvSpPr>
+          <p:spPr>
+            <a:xfrm rot="357242">
+              <a:off x="5462482" y="3615104"/>
+              <a:ext cx="18288" cy="18288"/>
+            </a:xfrm>
+            <a:prstGeom prst="ellipse">
+              <a:avLst/>
+            </a:prstGeom>
+            <a:solidFill>
+              <a:schemeClr val="bg1">
+                <a:lumMod val="50000"/>
+              </a:schemeClr>
+            </a:solidFill>
+            <a:ln w="12700">
+              <a:noFill/>
+            </a:ln>
+          </p:spPr>
+          <p:style>
+            <a:lnRef idx="2">
+              <a:schemeClr val="accent1">
+                <a:shade val="50000"/>
+              </a:schemeClr>
+            </a:lnRef>
+            <a:fillRef idx="1">
+              <a:schemeClr val="accent1"/>
+            </a:fillRef>
+            <a:effectRef idx="0">
+              <a:schemeClr val="accent1"/>
+            </a:effectRef>
+            <a:fontRef idx="minor">
+              <a:schemeClr val="lt1"/>
+            </a:fontRef>
+          </p:style>
+          <p:txBody>
+            <a:bodyPr rtlCol="0" anchor="ctr"/>
+            <a:lstStyle/>
+            <a:p>
+              <a:pPr algn="ctr"/>
+              <a:endParaRPr lang="en-US"/>
+            </a:p>
+          </p:txBody>
+        </p:sp>
+        <p:sp>
+          <p:nvSpPr>
+            <p:cNvPr id="105" name="Elipse 104">
+              <a:extLst>
+                <a:ext uri="{FF2B5EF4-FFF2-40B4-BE49-F238E27FC236}">
+                  <a16:creationId xmlns:a16="http://schemas.microsoft.com/office/drawing/2014/main" id="{DBB07E65-D5EA-1AB8-7D3C-56D87EA86620}"/>
+                </a:ext>
+              </a:extLst>
+            </p:cNvPr>
+            <p:cNvSpPr/>
+            <p:nvPr/>
+          </p:nvSpPr>
+          <p:spPr>
+            <a:xfrm rot="357242">
+              <a:off x="6506863" y="3770130"/>
+              <a:ext cx="18288" cy="18288"/>
+            </a:xfrm>
+            <a:prstGeom prst="ellipse">
+              <a:avLst/>
+            </a:prstGeom>
+            <a:solidFill>
+              <a:schemeClr val="bg1">
+                <a:lumMod val="50000"/>
+              </a:schemeClr>
+            </a:solidFill>
+            <a:ln w="12700">
+              <a:noFill/>
+            </a:ln>
+          </p:spPr>
+          <p:style>
+            <a:lnRef idx="2">
+              <a:schemeClr val="accent1">
+                <a:shade val="50000"/>
+              </a:schemeClr>
+            </a:lnRef>
+            <a:fillRef idx="1">
+              <a:schemeClr val="accent1"/>
+            </a:fillRef>
+            <a:effectRef idx="0">
+              <a:schemeClr val="accent1"/>
+            </a:effectRef>
+            <a:fontRef idx="minor">
+              <a:schemeClr val="lt1"/>
+            </a:fontRef>
+          </p:style>
+          <p:txBody>
+            <a:bodyPr rtlCol="0" anchor="ctr"/>
+            <a:lstStyle/>
+            <a:p>
+              <a:pPr algn="ctr"/>
+              <a:endParaRPr lang="en-US"/>
+            </a:p>
+          </p:txBody>
+        </p:sp>
+        <p:sp>
+          <p:nvSpPr>
+            <p:cNvPr id="106" name="Elipse 105">
+              <a:extLst>
+                <a:ext uri="{FF2B5EF4-FFF2-40B4-BE49-F238E27FC236}">
+                  <a16:creationId xmlns:a16="http://schemas.microsoft.com/office/drawing/2014/main" id="{BB1EB1B0-A34E-98E0-B10D-A840CD515D84}"/>
+                </a:ext>
+              </a:extLst>
+            </p:cNvPr>
+            <p:cNvSpPr/>
+            <p:nvPr/>
+          </p:nvSpPr>
+          <p:spPr>
+            <a:xfrm rot="357242">
+              <a:off x="6560676" y="3894984"/>
+              <a:ext cx="18288" cy="18288"/>
+            </a:xfrm>
+            <a:prstGeom prst="ellipse">
+              <a:avLst/>
+            </a:prstGeom>
+            <a:solidFill>
+              <a:schemeClr val="bg1">
+                <a:lumMod val="50000"/>
+              </a:schemeClr>
+            </a:solidFill>
+            <a:ln w="12700">
+              <a:noFill/>
+            </a:ln>
+          </p:spPr>
+          <p:style>
+            <a:lnRef idx="2">
+              <a:schemeClr val="accent1">
+                <a:shade val="50000"/>
+              </a:schemeClr>
+            </a:lnRef>
+            <a:fillRef idx="1">
+              <a:schemeClr val="accent1"/>
+            </a:fillRef>
+            <a:effectRef idx="0">
+              <a:schemeClr val="accent1"/>
+            </a:effectRef>
+            <a:fontRef idx="minor">
+              <a:schemeClr val="lt1"/>
+            </a:fontRef>
+          </p:style>
+          <p:txBody>
+            <a:bodyPr rtlCol="0" anchor="ctr"/>
+            <a:lstStyle/>
+            <a:p>
+              <a:pPr algn="ctr"/>
+              <a:endParaRPr lang="en-US"/>
+            </a:p>
+          </p:txBody>
+        </p:sp>
+        <p:sp>
+          <p:nvSpPr>
+            <p:cNvPr id="107" name="Elipse 106">
+              <a:extLst>
+                <a:ext uri="{FF2B5EF4-FFF2-40B4-BE49-F238E27FC236}">
+                  <a16:creationId xmlns:a16="http://schemas.microsoft.com/office/drawing/2014/main" id="{C06010C2-AAB5-8A98-02E5-DEAC16017CB6}"/>
+                </a:ext>
+              </a:extLst>
+            </p:cNvPr>
+            <p:cNvSpPr/>
+            <p:nvPr/>
+          </p:nvSpPr>
+          <p:spPr>
+            <a:xfrm rot="357242">
+              <a:off x="6723833" y="3922531"/>
+              <a:ext cx="18288" cy="18288"/>
+            </a:xfrm>
+            <a:prstGeom prst="ellipse">
+              <a:avLst/>
+            </a:prstGeom>
+            <a:solidFill>
+              <a:schemeClr val="bg1">
+                <a:lumMod val="50000"/>
+              </a:schemeClr>
+            </a:solidFill>
+            <a:ln w="12700">
+              <a:noFill/>
+            </a:ln>
+          </p:spPr>
+          <p:style>
+            <a:lnRef idx="2">
+              <a:schemeClr val="accent1">
+                <a:shade val="50000"/>
+              </a:schemeClr>
+            </a:lnRef>
+            <a:fillRef idx="1">
+              <a:schemeClr val="accent1"/>
+            </a:fillRef>
+            <a:effectRef idx="0">
+              <a:schemeClr val="accent1"/>
+            </a:effectRef>
+            <a:fontRef idx="minor">
+              <a:schemeClr val="lt1"/>
+            </a:fontRef>
+          </p:style>
+          <p:txBody>
+            <a:bodyPr rtlCol="0" anchor="ctr"/>
+            <a:lstStyle/>
+            <a:p>
+              <a:pPr algn="ctr"/>
+              <a:endParaRPr lang="en-US"/>
+            </a:p>
+          </p:txBody>
+        </p:sp>
+        <p:sp>
+          <p:nvSpPr>
+            <p:cNvPr id="108" name="Elipse 107">
+              <a:extLst>
+                <a:ext uri="{FF2B5EF4-FFF2-40B4-BE49-F238E27FC236}">
+                  <a16:creationId xmlns:a16="http://schemas.microsoft.com/office/drawing/2014/main" id="{239EA429-DD3D-90A6-4EBE-ECFA10DFBF21}"/>
+                </a:ext>
+              </a:extLst>
+            </p:cNvPr>
+            <p:cNvSpPr/>
+            <p:nvPr/>
+          </p:nvSpPr>
+          <p:spPr>
+            <a:xfrm rot="357242">
+              <a:off x="6529886" y="3837699"/>
+              <a:ext cx="18288" cy="18288"/>
+            </a:xfrm>
+            <a:prstGeom prst="ellipse">
+              <a:avLst/>
+            </a:prstGeom>
+            <a:solidFill>
+              <a:schemeClr val="bg1">
+                <a:lumMod val="50000"/>
+              </a:schemeClr>
+            </a:solidFill>
+            <a:ln w="12700">
+              <a:noFill/>
+            </a:ln>
+          </p:spPr>
+          <p:style>
+            <a:lnRef idx="2">
+              <a:schemeClr val="accent1">
+                <a:shade val="50000"/>
+              </a:schemeClr>
+            </a:lnRef>
+            <a:fillRef idx="1">
+              <a:schemeClr val="accent1"/>
+            </a:fillRef>
+            <a:effectRef idx="0">
+              <a:schemeClr val="accent1"/>
+            </a:effectRef>
+            <a:fontRef idx="minor">
+              <a:schemeClr val="lt1"/>
+            </a:fontRef>
+          </p:style>
+          <p:txBody>
+            <a:bodyPr rtlCol="0" anchor="ctr"/>
+            <a:lstStyle/>
+            <a:p>
+              <a:pPr algn="ctr"/>
+              <a:endParaRPr lang="en-US"/>
+            </a:p>
+          </p:txBody>
+        </p:sp>
+        <p:sp>
+          <p:nvSpPr>
+            <p:cNvPr id="109" name="Elipse 108">
+              <a:extLst>
+                <a:ext uri="{FF2B5EF4-FFF2-40B4-BE49-F238E27FC236}">
+                  <a16:creationId xmlns:a16="http://schemas.microsoft.com/office/drawing/2014/main" id="{C815A775-2700-8404-7CC3-D25EF183B813}"/>
+                </a:ext>
+              </a:extLst>
+            </p:cNvPr>
+            <p:cNvSpPr/>
+            <p:nvPr/>
+          </p:nvSpPr>
+          <p:spPr>
+            <a:xfrm rot="357242">
+              <a:off x="8012581" y="3004314"/>
+              <a:ext cx="18288" cy="18288"/>
+            </a:xfrm>
+            <a:prstGeom prst="ellipse">
+              <a:avLst/>
+            </a:prstGeom>
+            <a:solidFill>
+              <a:schemeClr val="bg1">
+                <a:lumMod val="50000"/>
+              </a:schemeClr>
+            </a:solidFill>
+            <a:ln w="12700">
+              <a:noFill/>
+            </a:ln>
+          </p:spPr>
+          <p:style>
+            <a:lnRef idx="2">
+              <a:schemeClr val="accent1">
+                <a:shade val="50000"/>
+              </a:schemeClr>
+            </a:lnRef>
+            <a:fillRef idx="1">
+              <a:schemeClr val="accent1"/>
+            </a:fillRef>
+            <a:effectRef idx="0">
+              <a:schemeClr val="accent1"/>
+            </a:effectRef>
+            <a:fontRef idx="minor">
+              <a:schemeClr val="lt1"/>
+            </a:fontRef>
+          </p:style>
+          <p:txBody>
+            <a:bodyPr rtlCol="0" anchor="ctr"/>
+            <a:lstStyle/>
+            <a:p>
+              <a:pPr algn="ctr"/>
+              <a:endParaRPr lang="en-US"/>
+            </a:p>
+          </p:txBody>
+        </p:sp>
+        <p:sp>
+          <p:nvSpPr>
+            <p:cNvPr id="110" name="Elipse 109">
+              <a:extLst>
+                <a:ext uri="{FF2B5EF4-FFF2-40B4-BE49-F238E27FC236}">
+                  <a16:creationId xmlns:a16="http://schemas.microsoft.com/office/drawing/2014/main" id="{7C9A220F-77DB-60AB-9FD0-F2BDCBB579E3}"/>
+                </a:ext>
+              </a:extLst>
+            </p:cNvPr>
+            <p:cNvSpPr/>
+            <p:nvPr/>
+          </p:nvSpPr>
+          <p:spPr>
+            <a:xfrm rot="357242">
+              <a:off x="7977794" y="3047861"/>
+              <a:ext cx="18288" cy="18288"/>
+            </a:xfrm>
+            <a:prstGeom prst="ellipse">
+              <a:avLst/>
+            </a:prstGeom>
+            <a:solidFill>
+              <a:schemeClr val="bg1">
+                <a:lumMod val="50000"/>
+              </a:schemeClr>
+            </a:solidFill>
+            <a:ln w="12700">
+              <a:noFill/>
+            </a:ln>
+          </p:spPr>
+          <p:style>
+            <a:lnRef idx="2">
+              <a:schemeClr val="accent1">
+                <a:shade val="50000"/>
+              </a:schemeClr>
+            </a:lnRef>
+            <a:fillRef idx="1">
+              <a:schemeClr val="accent1"/>
+            </a:fillRef>
+            <a:effectRef idx="0">
+              <a:schemeClr val="accent1"/>
+            </a:effectRef>
+            <a:fontRef idx="minor">
+              <a:schemeClr val="lt1"/>
+            </a:fontRef>
+          </p:style>
+          <p:txBody>
+            <a:bodyPr rtlCol="0" anchor="ctr"/>
+            <a:lstStyle/>
+            <a:p>
+              <a:pPr algn="ctr"/>
+              <a:endParaRPr lang="en-US"/>
+            </a:p>
+          </p:txBody>
+        </p:sp>
+        <p:sp>
+          <p:nvSpPr>
+            <p:cNvPr id="111" name="Elipse 110">
+              <a:extLst>
+                <a:ext uri="{FF2B5EF4-FFF2-40B4-BE49-F238E27FC236}">
+                  <a16:creationId xmlns:a16="http://schemas.microsoft.com/office/drawing/2014/main" id="{747F8A01-1658-2F62-3D8E-6C44D0071165}"/>
+                </a:ext>
+              </a:extLst>
+            </p:cNvPr>
+            <p:cNvSpPr/>
+            <p:nvPr/>
+          </p:nvSpPr>
+          <p:spPr>
+            <a:xfrm rot="357242">
+              <a:off x="8070194" y="2964138"/>
+              <a:ext cx="18288" cy="18288"/>
+            </a:xfrm>
+            <a:prstGeom prst="ellipse">
+              <a:avLst/>
+            </a:prstGeom>
+            <a:solidFill>
+              <a:schemeClr val="bg1">
+                <a:lumMod val="50000"/>
+              </a:schemeClr>
+            </a:solidFill>
+            <a:ln w="12700">
+              <a:noFill/>
+            </a:ln>
+          </p:spPr>
+          <p:style>
+            <a:lnRef idx="2">
+              <a:schemeClr val="accent1">
+                <a:shade val="50000"/>
+              </a:schemeClr>
+            </a:lnRef>
+            <a:fillRef idx="1">
+              <a:schemeClr val="accent1"/>
+            </a:fillRef>
+            <a:effectRef idx="0">
+              <a:schemeClr val="accent1"/>
+            </a:effectRef>
+            <a:fontRef idx="minor">
+              <a:schemeClr val="lt1"/>
+            </a:fontRef>
+          </p:style>
+          <p:txBody>
+            <a:bodyPr rtlCol="0" anchor="ctr"/>
+            <a:lstStyle/>
+            <a:p>
+              <a:pPr algn="ctr"/>
+              <a:endParaRPr lang="en-US"/>
+            </a:p>
+          </p:txBody>
+        </p:sp>
+        <p:sp>
+          <p:nvSpPr>
+            <p:cNvPr id="112" name="Elipse 111">
+              <a:extLst>
+                <a:ext uri="{FF2B5EF4-FFF2-40B4-BE49-F238E27FC236}">
+                  <a16:creationId xmlns:a16="http://schemas.microsoft.com/office/drawing/2014/main" id="{D1EE8FE7-0CD9-B3E8-A553-1067951B4800}"/>
+                </a:ext>
+              </a:extLst>
+            </p:cNvPr>
+            <p:cNvSpPr/>
+            <p:nvPr/>
+          </p:nvSpPr>
+          <p:spPr>
+            <a:xfrm rot="357242">
+              <a:off x="8038013" y="2945863"/>
+              <a:ext cx="18288" cy="18288"/>
+            </a:xfrm>
+            <a:prstGeom prst="ellipse">
+              <a:avLst/>
+            </a:prstGeom>
+            <a:solidFill>
+              <a:schemeClr val="bg1">
+                <a:lumMod val="50000"/>
+              </a:schemeClr>
+            </a:solidFill>
+            <a:ln w="12700">
+              <a:noFill/>
+            </a:ln>
+          </p:spPr>
+          <p:style>
+            <a:lnRef idx="2">
+              <a:schemeClr val="accent1">
+                <a:shade val="50000"/>
+              </a:schemeClr>
+            </a:lnRef>
+            <a:fillRef idx="1">
+              <a:schemeClr val="accent1"/>
+            </a:fillRef>
+            <a:effectRef idx="0">
+              <a:schemeClr val="accent1"/>
+            </a:effectRef>
+            <a:fontRef idx="minor">
+              <a:schemeClr val="lt1"/>
+            </a:fontRef>
+          </p:style>
+          <p:txBody>
+            <a:bodyPr rtlCol="0" anchor="ctr"/>
+            <a:lstStyle/>
+            <a:p>
+              <a:pPr algn="ctr"/>
+              <a:endParaRPr lang="en-US"/>
+            </a:p>
+          </p:txBody>
+        </p:sp>
+        <p:sp>
+          <p:nvSpPr>
+            <p:cNvPr id="113" name="Elipse 112">
+              <a:extLst>
+                <a:ext uri="{FF2B5EF4-FFF2-40B4-BE49-F238E27FC236}">
+                  <a16:creationId xmlns:a16="http://schemas.microsoft.com/office/drawing/2014/main" id="{035E8B6F-28CB-8799-2A2E-D926005F28FD}"/>
+                </a:ext>
+              </a:extLst>
+            </p:cNvPr>
+            <p:cNvSpPr/>
+            <p:nvPr/>
+          </p:nvSpPr>
+          <p:spPr>
+            <a:xfrm rot="357242">
+              <a:off x="8003335" y="2969552"/>
+              <a:ext cx="18288" cy="18288"/>
+            </a:xfrm>
+            <a:prstGeom prst="ellipse">
+              <a:avLst/>
+            </a:prstGeom>
+            <a:solidFill>
+              <a:schemeClr val="bg1">
+                <a:lumMod val="50000"/>
+              </a:schemeClr>
+            </a:solidFill>
+            <a:ln w="12700">
+              <a:noFill/>
+            </a:ln>
+          </p:spPr>
+          <p:style>
+            <a:lnRef idx="2">
+              <a:schemeClr val="accent1">
+                <a:shade val="50000"/>
+              </a:schemeClr>
+            </a:lnRef>
+            <a:fillRef idx="1">
+              <a:schemeClr val="accent1"/>
+            </a:fillRef>
+            <a:effectRef idx="0">
+              <a:schemeClr val="accent1"/>
+            </a:effectRef>
+            <a:fontRef idx="minor">
+              <a:schemeClr val="lt1"/>
+            </a:fontRef>
+          </p:style>
+          <p:txBody>
+            <a:bodyPr rtlCol="0" anchor="ctr"/>
+            <a:lstStyle/>
+            <a:p>
+              <a:pPr algn="ctr"/>
+              <a:endParaRPr lang="en-US"/>
+            </a:p>
+          </p:txBody>
+        </p:sp>
+        <p:sp>
+          <p:nvSpPr>
+            <p:cNvPr id="114" name="Elipse 113">
+              <a:extLst>
+                <a:ext uri="{FF2B5EF4-FFF2-40B4-BE49-F238E27FC236}">
+                  <a16:creationId xmlns:a16="http://schemas.microsoft.com/office/drawing/2014/main" id="{EFC4F296-0D66-C7BF-97CF-67A625745F0C}"/>
+                </a:ext>
+              </a:extLst>
+            </p:cNvPr>
+            <p:cNvSpPr/>
+            <p:nvPr/>
+          </p:nvSpPr>
+          <p:spPr>
+            <a:xfrm rot="357242">
+              <a:off x="7967512" y="3091986"/>
+              <a:ext cx="18288" cy="18288"/>
+            </a:xfrm>
+            <a:prstGeom prst="ellipse">
+              <a:avLst/>
+            </a:prstGeom>
+            <a:solidFill>
+              <a:schemeClr val="bg1">
+                <a:lumMod val="50000"/>
+              </a:schemeClr>
+            </a:solidFill>
+            <a:ln w="12700">
+              <a:noFill/>
+            </a:ln>
+          </p:spPr>
+          <p:style>
+            <a:lnRef idx="2">
+              <a:schemeClr val="accent1">
+                <a:shade val="50000"/>
+              </a:schemeClr>
+            </a:lnRef>
+            <a:fillRef idx="1">
+              <a:schemeClr val="accent1"/>
+            </a:fillRef>
+            <a:effectRef idx="0">
+              <a:schemeClr val="accent1"/>
+            </a:effectRef>
+            <a:fontRef idx="minor">
+              <a:schemeClr val="lt1"/>
+            </a:fontRef>
+          </p:style>
+          <p:txBody>
+            <a:bodyPr rtlCol="0" anchor="ctr"/>
+            <a:lstStyle/>
+            <a:p>
+              <a:pPr algn="ctr"/>
+              <a:endParaRPr lang="en-US"/>
+            </a:p>
+          </p:txBody>
+        </p:sp>
+        <p:cxnSp>
+          <p:nvCxnSpPr>
+            <p:cNvPr id="118" name="Conector recto de flecha 117">
+              <a:extLst>
+                <a:ext uri="{FF2B5EF4-FFF2-40B4-BE49-F238E27FC236}">
+                  <a16:creationId xmlns:a16="http://schemas.microsoft.com/office/drawing/2014/main" id="{0435DE74-CCE3-864C-05F6-1A8403CE371F}"/>
+                </a:ext>
+              </a:extLst>
+            </p:cNvPr>
+            <p:cNvCxnSpPr>
+              <a:cxnSpLocks/>
+            </p:cNvCxnSpPr>
+            <p:nvPr/>
+          </p:nvCxnSpPr>
+          <p:spPr>
+            <a:xfrm flipH="1" flipV="1">
+              <a:off x="3944957" y="3170779"/>
+              <a:ext cx="77185" cy="239290"/>
+            </a:xfrm>
+            <a:prstGeom prst="straightConnector1">
+              <a:avLst/>
+            </a:prstGeom>
+            <a:ln>
+              <a:solidFill>
+                <a:schemeClr val="bg2">
+                  <a:lumMod val="25000"/>
+                </a:schemeClr>
+              </a:solidFill>
+              <a:tailEnd type="triangle"/>
+            </a:ln>
+          </p:spPr>
+          <p:style>
+            <a:lnRef idx="1">
+              <a:schemeClr val="accent3"/>
+            </a:lnRef>
+            <a:fillRef idx="0">
+              <a:schemeClr val="accent3"/>
+            </a:fillRef>
+            <a:effectRef idx="0">
+              <a:schemeClr val="accent3"/>
+            </a:effectRef>
+            <a:fontRef idx="minor">
+              <a:schemeClr val="tx1"/>
+            </a:fontRef>
+          </p:style>
+        </p:cxnSp>
+        <p:sp>
+          <p:nvSpPr>
+            <p:cNvPr id="120" name="CuadroTexto 119">
+              <a:extLst>
+                <a:ext uri="{FF2B5EF4-FFF2-40B4-BE49-F238E27FC236}">
+                  <a16:creationId xmlns:a16="http://schemas.microsoft.com/office/drawing/2014/main" id="{8F28435A-548E-BA2E-CF6B-3C662FCB2EB6}"/>
+                </a:ext>
+              </a:extLst>
+            </p:cNvPr>
+            <p:cNvSpPr txBox="1"/>
+            <p:nvPr/>
+          </p:nvSpPr>
+          <p:spPr>
+            <a:xfrm>
+              <a:off x="3825241" y="2932487"/>
+              <a:ext cx="290702" cy="261610"/>
+            </a:xfrm>
+            <a:prstGeom prst="rect">
+              <a:avLst/>
+            </a:prstGeom>
+            <a:noFill/>
+          </p:spPr>
+          <p:txBody>
+            <a:bodyPr wrap="square" rtlCol="0">
+              <a:spAutoFit/>
+            </a:bodyPr>
+            <a:lstStyle/>
+            <a:p>
+              <a:r>
+                <a:rPr lang="es-VE" sz="1100" b="1" dirty="0">
+                  <a:latin typeface="Segoe UI Light" panose="020B0502040204020203" pitchFamily="34" charset="0"/>
+                  <a:cs typeface="Segoe UI Light" panose="020B0502040204020203" pitchFamily="34" charset="0"/>
+                </a:rPr>
+                <a:t>Q</a:t>
+              </a:r>
+              <a:endParaRPr lang="en-US" sz="1100" b="1" dirty="0">
+                <a:latin typeface="Segoe UI Light" panose="020B0502040204020203" pitchFamily="34" charset="0"/>
+                <a:cs typeface="Segoe UI Light" panose="020B0502040204020203" pitchFamily="34" charset="0"/>
+              </a:endParaRPr>
+            </a:p>
+          </p:txBody>
+        </p:sp>
+        <p:sp>
+          <p:nvSpPr>
+            <p:cNvPr id="123" name="Forma libre: forma 122">
+              <a:extLst>
+                <a:ext uri="{FF2B5EF4-FFF2-40B4-BE49-F238E27FC236}">
+                  <a16:creationId xmlns:a16="http://schemas.microsoft.com/office/drawing/2014/main" id="{68F1E2CD-EC28-E4B8-8E4E-DA4E89D41B2C}"/>
+                </a:ext>
+              </a:extLst>
+            </p:cNvPr>
+            <p:cNvSpPr/>
+            <p:nvPr/>
+          </p:nvSpPr>
+          <p:spPr>
+            <a:xfrm>
+              <a:off x="3825671" y="5740252"/>
+              <a:ext cx="315766" cy="128340"/>
+            </a:xfrm>
+            <a:custGeom>
+              <a:avLst/>
+              <a:gdLst>
+                <a:gd name="connsiteX0" fmla="*/ 28779 w 315766"/>
+                <a:gd name="connsiteY0" fmla="*/ 38248 h 128340"/>
+                <a:gd name="connsiteX1" fmla="*/ 124029 w 315766"/>
+                <a:gd name="connsiteY1" fmla="*/ 148 h 128340"/>
+                <a:gd name="connsiteX2" fmla="*/ 231979 w 315766"/>
+                <a:gd name="connsiteY2" fmla="*/ 25548 h 128340"/>
+                <a:gd name="connsiteX3" fmla="*/ 314529 w 315766"/>
+                <a:gd name="connsiteY3" fmla="*/ 38248 h 128340"/>
+                <a:gd name="connsiteX4" fmla="*/ 276429 w 315766"/>
+                <a:gd name="connsiteY4" fmla="*/ 95398 h 128340"/>
+                <a:gd name="connsiteX5" fmla="*/ 206579 w 315766"/>
+                <a:gd name="connsiteY5" fmla="*/ 108098 h 128340"/>
+                <a:gd name="connsiteX6" fmla="*/ 85929 w 315766"/>
+                <a:gd name="connsiteY6" fmla="*/ 127148 h 128340"/>
+                <a:gd name="connsiteX7" fmla="*/ 3379 w 315766"/>
+                <a:gd name="connsiteY7" fmla="*/ 114448 h 128340"/>
+                <a:gd name="connsiteX8" fmla="*/ 28779 w 315766"/>
+                <a:gd name="connsiteY8" fmla="*/ 38248 h 128340"/>
+              </a:gdLst>
+              <a:ahLst/>
+              <a:cxnLst>
+                <a:cxn ang="0">
+                  <a:pos x="connsiteX0" y="connsiteY0"/>
+                </a:cxn>
+                <a:cxn ang="0">
+                  <a:pos x="connsiteX1" y="connsiteY1"/>
+                </a:cxn>
+                <a:cxn ang="0">
+                  <a:pos x="connsiteX2" y="connsiteY2"/>
+                </a:cxn>
+                <a:cxn ang="0">
+                  <a:pos x="connsiteX3" y="connsiteY3"/>
+                </a:cxn>
+                <a:cxn ang="0">
+                  <a:pos x="connsiteX4" y="connsiteY4"/>
+                </a:cxn>
+                <a:cxn ang="0">
+                  <a:pos x="connsiteX5" y="connsiteY5"/>
+                </a:cxn>
+                <a:cxn ang="0">
+                  <a:pos x="connsiteX6" y="connsiteY6"/>
+                </a:cxn>
+                <a:cxn ang="0">
+                  <a:pos x="connsiteX7" y="connsiteY7"/>
+                </a:cxn>
+                <a:cxn ang="0">
+                  <a:pos x="connsiteX8" y="connsiteY8"/>
+                </a:cxn>
+              </a:cxnLst>
+              <a:rect l="l" t="t" r="r" b="b"/>
+              <a:pathLst>
+                <a:path w="315766" h="128340">
+                  <a:moveTo>
+                    <a:pt x="28779" y="38248"/>
+                  </a:moveTo>
+                  <a:cubicBezTo>
+                    <a:pt x="48887" y="19198"/>
+                    <a:pt x="90162" y="2265"/>
+                    <a:pt x="124029" y="148"/>
+                  </a:cubicBezTo>
+                  <a:cubicBezTo>
+                    <a:pt x="157896" y="-1969"/>
+                    <a:pt x="200229" y="19198"/>
+                    <a:pt x="231979" y="25548"/>
+                  </a:cubicBezTo>
+                  <a:cubicBezTo>
+                    <a:pt x="263729" y="31898"/>
+                    <a:pt x="307121" y="26606"/>
+                    <a:pt x="314529" y="38248"/>
+                  </a:cubicBezTo>
+                  <a:cubicBezTo>
+                    <a:pt x="321937" y="49890"/>
+                    <a:pt x="294421" y="83756"/>
+                    <a:pt x="276429" y="95398"/>
+                  </a:cubicBezTo>
+                  <a:cubicBezTo>
+                    <a:pt x="258437" y="107040"/>
+                    <a:pt x="206579" y="108098"/>
+                    <a:pt x="206579" y="108098"/>
+                  </a:cubicBezTo>
+                  <a:cubicBezTo>
+                    <a:pt x="174829" y="113390"/>
+                    <a:pt x="119796" y="126090"/>
+                    <a:pt x="85929" y="127148"/>
+                  </a:cubicBezTo>
+                  <a:cubicBezTo>
+                    <a:pt x="52062" y="128206"/>
+                    <a:pt x="13962" y="132440"/>
+                    <a:pt x="3379" y="114448"/>
+                  </a:cubicBezTo>
+                  <a:cubicBezTo>
+                    <a:pt x="-7204" y="96456"/>
+                    <a:pt x="8671" y="57298"/>
+                    <a:pt x="28779" y="38248"/>
+                  </a:cubicBezTo>
+                  <a:close/>
+                </a:path>
+              </a:pathLst>
+            </a:custGeom>
+            <a:ln w="22225">
+              <a:solidFill>
+                <a:schemeClr val="bg2">
+                  <a:lumMod val="25000"/>
+                </a:schemeClr>
+              </a:solidFill>
+            </a:ln>
+          </p:spPr>
+          <p:style>
+            <a:lnRef idx="1">
+              <a:schemeClr val="accent1"/>
+            </a:lnRef>
+            <a:fillRef idx="0">
+              <a:schemeClr val="accent1"/>
+            </a:fillRef>
+            <a:effectRef idx="0">
+              <a:schemeClr val="accent1"/>
+            </a:effectRef>
+            <a:fontRef idx="minor">
+              <a:schemeClr val="tx1"/>
+            </a:fontRef>
+          </p:style>
+          <p:txBody>
+            <a:bodyPr rtlCol="0" anchor="ctr"/>
+            <a:lstStyle/>
+            <a:p>
+              <a:pPr algn="ctr"/>
+              <a:endParaRPr lang="en-US">
+                <a:solidFill>
+                  <a:schemeClr val="tx1"/>
+                </a:solidFill>
+              </a:endParaRPr>
+            </a:p>
+          </p:txBody>
+        </p:sp>
+        <p:sp>
+          <p:nvSpPr>
+            <p:cNvPr id="124" name="Forma libre: forma 123">
+              <a:extLst>
+                <a:ext uri="{FF2B5EF4-FFF2-40B4-BE49-F238E27FC236}">
+                  <a16:creationId xmlns:a16="http://schemas.microsoft.com/office/drawing/2014/main" id="{91D959DE-FC31-78D7-6C80-3FCAC5B73DE6}"/>
+                </a:ext>
+              </a:extLst>
+            </p:cNvPr>
+            <p:cNvSpPr/>
+            <p:nvPr/>
+          </p:nvSpPr>
+          <p:spPr>
+            <a:xfrm>
+              <a:off x="4127001" y="5638739"/>
+              <a:ext cx="326145" cy="121616"/>
+            </a:xfrm>
+            <a:custGeom>
+              <a:avLst/>
+              <a:gdLst>
+                <a:gd name="connsiteX0" fmla="*/ 499 w 326145"/>
+                <a:gd name="connsiteY0" fmla="*/ 31811 h 121616"/>
+                <a:gd name="connsiteX1" fmla="*/ 83049 w 326145"/>
+                <a:gd name="connsiteY1" fmla="*/ 61 h 121616"/>
+                <a:gd name="connsiteX2" fmla="*/ 197349 w 326145"/>
+                <a:gd name="connsiteY2" fmla="*/ 25461 h 121616"/>
+                <a:gd name="connsiteX3" fmla="*/ 324349 w 326145"/>
+                <a:gd name="connsiteY3" fmla="*/ 82611 h 121616"/>
+                <a:gd name="connsiteX4" fmla="*/ 260849 w 326145"/>
+                <a:gd name="connsiteY4" fmla="*/ 120711 h 121616"/>
+                <a:gd name="connsiteX5" fmla="*/ 108449 w 326145"/>
+                <a:gd name="connsiteY5" fmla="*/ 44511 h 121616"/>
+                <a:gd name="connsiteX6" fmla="*/ 51299 w 326145"/>
+                <a:gd name="connsiteY6" fmla="*/ 57211 h 121616"/>
+                <a:gd name="connsiteX7" fmla="*/ 499 w 326145"/>
+                <a:gd name="connsiteY7" fmla="*/ 31811 h 121616"/>
+              </a:gdLst>
+              <a:ahLst/>
+              <a:cxnLst>
+                <a:cxn ang="0">
+                  <a:pos x="connsiteX0" y="connsiteY0"/>
+                </a:cxn>
+                <a:cxn ang="0">
+                  <a:pos x="connsiteX1" y="connsiteY1"/>
+                </a:cxn>
+                <a:cxn ang="0">
+                  <a:pos x="connsiteX2" y="connsiteY2"/>
+                </a:cxn>
+                <a:cxn ang="0">
+                  <a:pos x="connsiteX3" y="connsiteY3"/>
+                </a:cxn>
+                <a:cxn ang="0">
+                  <a:pos x="connsiteX4" y="connsiteY4"/>
+                </a:cxn>
+                <a:cxn ang="0">
+                  <a:pos x="connsiteX5" y="connsiteY5"/>
+                </a:cxn>
+                <a:cxn ang="0">
+                  <a:pos x="connsiteX6" y="connsiteY6"/>
+                </a:cxn>
+                <a:cxn ang="0">
+                  <a:pos x="connsiteX7" y="connsiteY7"/>
+                </a:cxn>
+              </a:cxnLst>
+              <a:rect l="l" t="t" r="r" b="b"/>
+              <a:pathLst>
+                <a:path w="326145" h="121616">
+                  <a:moveTo>
+                    <a:pt x="499" y="31811"/>
+                  </a:moveTo>
+                  <a:cubicBezTo>
+                    <a:pt x="5791" y="22286"/>
+                    <a:pt x="50241" y="1119"/>
+                    <a:pt x="83049" y="61"/>
+                  </a:cubicBezTo>
+                  <a:cubicBezTo>
+                    <a:pt x="115857" y="-997"/>
+                    <a:pt x="157132" y="11703"/>
+                    <a:pt x="197349" y="25461"/>
+                  </a:cubicBezTo>
+                  <a:cubicBezTo>
+                    <a:pt x="237566" y="39219"/>
+                    <a:pt x="313766" y="66736"/>
+                    <a:pt x="324349" y="82611"/>
+                  </a:cubicBezTo>
+                  <a:cubicBezTo>
+                    <a:pt x="334932" y="98486"/>
+                    <a:pt x="296832" y="127061"/>
+                    <a:pt x="260849" y="120711"/>
+                  </a:cubicBezTo>
+                  <a:cubicBezTo>
+                    <a:pt x="224866" y="114361"/>
+                    <a:pt x="143374" y="55094"/>
+                    <a:pt x="108449" y="44511"/>
+                  </a:cubicBezTo>
+                  <a:cubicBezTo>
+                    <a:pt x="73524" y="33928"/>
+                    <a:pt x="69291" y="62503"/>
+                    <a:pt x="51299" y="57211"/>
+                  </a:cubicBezTo>
+                  <a:cubicBezTo>
+                    <a:pt x="33307" y="51919"/>
+                    <a:pt x="-4793" y="41336"/>
+                    <a:pt x="499" y="31811"/>
+                  </a:cubicBezTo>
+                  <a:close/>
+                </a:path>
+              </a:pathLst>
+            </a:custGeom>
+            <a:ln w="22225">
+              <a:solidFill>
+                <a:schemeClr val="bg2">
+                  <a:lumMod val="25000"/>
+                </a:schemeClr>
+              </a:solidFill>
+            </a:ln>
+          </p:spPr>
+          <p:style>
+            <a:lnRef idx="1">
+              <a:schemeClr val="accent1"/>
+            </a:lnRef>
+            <a:fillRef idx="0">
+              <a:schemeClr val="accent1"/>
+            </a:fillRef>
+            <a:effectRef idx="0">
+              <a:schemeClr val="accent1"/>
+            </a:effectRef>
+            <a:fontRef idx="minor">
+              <a:schemeClr val="tx1"/>
+            </a:fontRef>
+          </p:style>
+          <p:txBody>
+            <a:bodyPr rtlCol="0" anchor="ctr"/>
+            <a:lstStyle/>
+            <a:p>
+              <a:pPr algn="ctr"/>
+              <a:endParaRPr lang="en-US">
+                <a:solidFill>
+                  <a:schemeClr val="tx1"/>
+                </a:solidFill>
+              </a:endParaRPr>
+            </a:p>
+          </p:txBody>
+        </p:sp>
+        <p:sp>
+          <p:nvSpPr>
+            <p:cNvPr id="126" name="Forma libre: forma 125">
+              <a:extLst>
+                <a:ext uri="{FF2B5EF4-FFF2-40B4-BE49-F238E27FC236}">
+                  <a16:creationId xmlns:a16="http://schemas.microsoft.com/office/drawing/2014/main" id="{E86D31AF-17F1-D772-15EE-78B703F45CB2}"/>
+                </a:ext>
+              </a:extLst>
+            </p:cNvPr>
+            <p:cNvSpPr/>
+            <p:nvPr/>
+          </p:nvSpPr>
+          <p:spPr>
+            <a:xfrm>
+              <a:off x="4073468" y="5842064"/>
+              <a:ext cx="330152" cy="158716"/>
+            </a:xfrm>
+            <a:custGeom>
+              <a:avLst/>
+              <a:gdLst>
+                <a:gd name="connsiteX0" fmla="*/ 3232 w 330152"/>
+                <a:gd name="connsiteY0" fmla="*/ 57086 h 158716"/>
+                <a:gd name="connsiteX1" fmla="*/ 95307 w 330152"/>
+                <a:gd name="connsiteY1" fmla="*/ 57086 h 158716"/>
+                <a:gd name="connsiteX2" fmla="*/ 158807 w 330152"/>
+                <a:gd name="connsiteY2" fmla="*/ 3111 h 158716"/>
+                <a:gd name="connsiteX3" fmla="*/ 219132 w 330152"/>
+                <a:gd name="connsiteY3" fmla="*/ 12636 h 158716"/>
+                <a:gd name="connsiteX4" fmla="*/ 235007 w 330152"/>
+                <a:gd name="connsiteY4" fmla="*/ 63436 h 158716"/>
+                <a:gd name="connsiteX5" fmla="*/ 317557 w 330152"/>
+                <a:gd name="connsiteY5" fmla="*/ 85661 h 158716"/>
+                <a:gd name="connsiteX6" fmla="*/ 317557 w 330152"/>
+                <a:gd name="connsiteY6" fmla="*/ 133286 h 158716"/>
+                <a:gd name="connsiteX7" fmla="*/ 200082 w 330152"/>
+                <a:gd name="connsiteY7" fmla="*/ 123761 h 158716"/>
+                <a:gd name="connsiteX8" fmla="*/ 152457 w 330152"/>
+                <a:gd name="connsiteY8" fmla="*/ 126936 h 158716"/>
+                <a:gd name="connsiteX9" fmla="*/ 114357 w 330152"/>
+                <a:gd name="connsiteY9" fmla="*/ 158686 h 158716"/>
+                <a:gd name="connsiteX10" fmla="*/ 31807 w 330152"/>
+                <a:gd name="connsiteY10" fmla="*/ 120586 h 158716"/>
+                <a:gd name="connsiteX11" fmla="*/ 3232 w 330152"/>
+                <a:gd name="connsiteY11" fmla="*/ 57086 h 158716"/>
+              </a:gdLst>
+              <a:ahLst/>
+              <a:cxnLst>
+                <a:cxn ang="0">
+                  <a:pos x="connsiteX0" y="connsiteY0"/>
+                </a:cxn>
+                <a:cxn ang="0">
+                  <a:pos x="connsiteX1" y="connsiteY1"/>
+                </a:cxn>
+                <a:cxn ang="0">
+                  <a:pos x="connsiteX2" y="connsiteY2"/>
+                </a:cxn>
+                <a:cxn ang="0">
+                  <a:pos x="connsiteX3" y="connsiteY3"/>
+                </a:cxn>
+                <a:cxn ang="0">
+                  <a:pos x="connsiteX4" y="connsiteY4"/>
+                </a:cxn>
+                <a:cxn ang="0">
+                  <a:pos x="connsiteX5" y="connsiteY5"/>
+                </a:cxn>
+                <a:cxn ang="0">
+                  <a:pos x="connsiteX6" y="connsiteY6"/>
+                </a:cxn>
+                <a:cxn ang="0">
+                  <a:pos x="connsiteX7" y="connsiteY7"/>
+                </a:cxn>
+                <a:cxn ang="0">
+                  <a:pos x="connsiteX8" y="connsiteY8"/>
+                </a:cxn>
+                <a:cxn ang="0">
+                  <a:pos x="connsiteX9" y="connsiteY9"/>
+                </a:cxn>
+                <a:cxn ang="0">
+                  <a:pos x="connsiteX10" y="connsiteY10"/>
+                </a:cxn>
+                <a:cxn ang="0">
+                  <a:pos x="connsiteX11" y="connsiteY11"/>
+                </a:cxn>
+              </a:cxnLst>
+              <a:rect l="l" t="t" r="r" b="b"/>
+              <a:pathLst>
+                <a:path w="330152" h="158716">
+                  <a:moveTo>
+                    <a:pt x="3232" y="57086"/>
+                  </a:moveTo>
+                  <a:cubicBezTo>
+                    <a:pt x="13815" y="46503"/>
+                    <a:pt x="69378" y="66082"/>
+                    <a:pt x="95307" y="57086"/>
+                  </a:cubicBezTo>
+                  <a:cubicBezTo>
+                    <a:pt x="121236" y="48090"/>
+                    <a:pt x="138170" y="10519"/>
+                    <a:pt x="158807" y="3111"/>
+                  </a:cubicBezTo>
+                  <a:cubicBezTo>
+                    <a:pt x="179444" y="-4297"/>
+                    <a:pt x="206432" y="2582"/>
+                    <a:pt x="219132" y="12636"/>
+                  </a:cubicBezTo>
+                  <a:cubicBezTo>
+                    <a:pt x="231832" y="22690"/>
+                    <a:pt x="218603" y="51265"/>
+                    <a:pt x="235007" y="63436"/>
+                  </a:cubicBezTo>
+                  <a:cubicBezTo>
+                    <a:pt x="251411" y="75607"/>
+                    <a:pt x="303799" y="74019"/>
+                    <a:pt x="317557" y="85661"/>
+                  </a:cubicBezTo>
+                  <a:cubicBezTo>
+                    <a:pt x="331315" y="97303"/>
+                    <a:pt x="337136" y="126936"/>
+                    <a:pt x="317557" y="133286"/>
+                  </a:cubicBezTo>
+                  <a:cubicBezTo>
+                    <a:pt x="297978" y="139636"/>
+                    <a:pt x="227599" y="124819"/>
+                    <a:pt x="200082" y="123761"/>
+                  </a:cubicBezTo>
+                  <a:cubicBezTo>
+                    <a:pt x="172565" y="122703"/>
+                    <a:pt x="166744" y="121115"/>
+                    <a:pt x="152457" y="126936"/>
+                  </a:cubicBezTo>
+                  <a:cubicBezTo>
+                    <a:pt x="138170" y="132757"/>
+                    <a:pt x="134465" y="159744"/>
+                    <a:pt x="114357" y="158686"/>
+                  </a:cubicBezTo>
+                  <a:cubicBezTo>
+                    <a:pt x="94249" y="157628"/>
+                    <a:pt x="54032" y="133815"/>
+                    <a:pt x="31807" y="120586"/>
+                  </a:cubicBezTo>
+                  <a:cubicBezTo>
+                    <a:pt x="9582" y="107357"/>
+                    <a:pt x="-7351" y="67669"/>
+                    <a:pt x="3232" y="57086"/>
+                  </a:cubicBezTo>
+                  <a:close/>
+                </a:path>
+              </a:pathLst>
+            </a:custGeom>
+            <a:ln w="22225">
+              <a:solidFill>
+                <a:schemeClr val="bg2">
+                  <a:lumMod val="25000"/>
+                </a:schemeClr>
+              </a:solidFill>
+            </a:ln>
+          </p:spPr>
+          <p:style>
+            <a:lnRef idx="1">
+              <a:schemeClr val="accent1"/>
+            </a:lnRef>
+            <a:fillRef idx="0">
+              <a:schemeClr val="accent1"/>
+            </a:fillRef>
+            <a:effectRef idx="0">
+              <a:schemeClr val="accent1"/>
+            </a:effectRef>
+            <a:fontRef idx="minor">
+              <a:schemeClr val="tx1"/>
+            </a:fontRef>
+          </p:style>
+          <p:txBody>
+            <a:bodyPr rtlCol="0" anchor="ctr"/>
+            <a:lstStyle/>
+            <a:p>
+              <a:pPr algn="ctr"/>
+              <a:endParaRPr lang="en-US">
+                <a:solidFill>
+                  <a:schemeClr val="tx1"/>
+                </a:solidFill>
+              </a:endParaRPr>
+            </a:p>
+          </p:txBody>
+        </p:sp>
+        <p:sp>
+          <p:nvSpPr>
+            <p:cNvPr id="127" name="Forma libre: forma 126">
+              <a:extLst>
+                <a:ext uri="{FF2B5EF4-FFF2-40B4-BE49-F238E27FC236}">
+                  <a16:creationId xmlns:a16="http://schemas.microsoft.com/office/drawing/2014/main" id="{464B3BA6-3304-586B-C87B-8204DB06924E}"/>
+                </a:ext>
+              </a:extLst>
+            </p:cNvPr>
+            <p:cNvSpPr/>
+            <p:nvPr/>
+          </p:nvSpPr>
+          <p:spPr>
+            <a:xfrm>
+              <a:off x="5185087" y="5489555"/>
+              <a:ext cx="290392" cy="161945"/>
+            </a:xfrm>
+            <a:custGeom>
+              <a:avLst/>
+              <a:gdLst>
+                <a:gd name="connsiteX0" fmla="*/ 2863 w 290392"/>
+                <a:gd name="connsiteY0" fmla="*/ 50820 h 161945"/>
+                <a:gd name="connsiteX1" fmla="*/ 104463 w 290392"/>
+                <a:gd name="connsiteY1" fmla="*/ 47645 h 161945"/>
+                <a:gd name="connsiteX2" fmla="*/ 155263 w 290392"/>
+                <a:gd name="connsiteY2" fmla="*/ 20 h 161945"/>
+                <a:gd name="connsiteX3" fmla="*/ 237813 w 290392"/>
+                <a:gd name="connsiteY3" fmla="*/ 53995 h 161945"/>
+                <a:gd name="connsiteX4" fmla="*/ 288613 w 290392"/>
+                <a:gd name="connsiteY4" fmla="*/ 130195 h 161945"/>
+                <a:gd name="connsiteX5" fmla="*/ 174313 w 290392"/>
+                <a:gd name="connsiteY5" fmla="*/ 161945 h 161945"/>
+                <a:gd name="connsiteX6" fmla="*/ 40963 w 290392"/>
+                <a:gd name="connsiteY6" fmla="*/ 130195 h 161945"/>
+                <a:gd name="connsiteX7" fmla="*/ 2863 w 290392"/>
+                <a:gd name="connsiteY7" fmla="*/ 50820 h 161945"/>
+              </a:gdLst>
+              <a:ahLst/>
+              <a:cxnLst>
+                <a:cxn ang="0">
+                  <a:pos x="connsiteX0" y="connsiteY0"/>
+                </a:cxn>
+                <a:cxn ang="0">
+                  <a:pos x="connsiteX1" y="connsiteY1"/>
+                </a:cxn>
+                <a:cxn ang="0">
+                  <a:pos x="connsiteX2" y="connsiteY2"/>
+                </a:cxn>
+                <a:cxn ang="0">
+                  <a:pos x="connsiteX3" y="connsiteY3"/>
+                </a:cxn>
+                <a:cxn ang="0">
+                  <a:pos x="connsiteX4" y="connsiteY4"/>
+                </a:cxn>
+                <a:cxn ang="0">
+                  <a:pos x="connsiteX5" y="connsiteY5"/>
+                </a:cxn>
+                <a:cxn ang="0">
+                  <a:pos x="connsiteX6" y="connsiteY6"/>
+                </a:cxn>
+                <a:cxn ang="0">
+                  <a:pos x="connsiteX7" y="connsiteY7"/>
+                </a:cxn>
+              </a:cxnLst>
+              <a:rect l="l" t="t" r="r" b="b"/>
+              <a:pathLst>
+                <a:path w="290392" h="161945">
+                  <a:moveTo>
+                    <a:pt x="2863" y="50820"/>
+                  </a:moveTo>
+                  <a:cubicBezTo>
+                    <a:pt x="13446" y="37062"/>
+                    <a:pt x="79063" y="56112"/>
+                    <a:pt x="104463" y="47645"/>
+                  </a:cubicBezTo>
+                  <a:cubicBezTo>
+                    <a:pt x="129863" y="39178"/>
+                    <a:pt x="133038" y="-1038"/>
+                    <a:pt x="155263" y="20"/>
+                  </a:cubicBezTo>
+                  <a:cubicBezTo>
+                    <a:pt x="177488" y="1078"/>
+                    <a:pt x="215588" y="32299"/>
+                    <a:pt x="237813" y="53995"/>
+                  </a:cubicBezTo>
+                  <a:cubicBezTo>
+                    <a:pt x="260038" y="75691"/>
+                    <a:pt x="299196" y="112203"/>
+                    <a:pt x="288613" y="130195"/>
+                  </a:cubicBezTo>
+                  <a:cubicBezTo>
+                    <a:pt x="278030" y="148187"/>
+                    <a:pt x="215588" y="161945"/>
+                    <a:pt x="174313" y="161945"/>
+                  </a:cubicBezTo>
+                  <a:cubicBezTo>
+                    <a:pt x="133038" y="161945"/>
+                    <a:pt x="69538" y="143953"/>
+                    <a:pt x="40963" y="130195"/>
+                  </a:cubicBezTo>
+                  <a:cubicBezTo>
+                    <a:pt x="12388" y="116437"/>
+                    <a:pt x="-7720" y="64578"/>
+                    <a:pt x="2863" y="50820"/>
+                  </a:cubicBezTo>
+                  <a:close/>
+                </a:path>
+              </a:pathLst>
+            </a:custGeom>
+            <a:ln w="22225">
+              <a:solidFill>
+                <a:schemeClr val="bg2">
+                  <a:lumMod val="25000"/>
+                </a:schemeClr>
+              </a:solidFill>
+            </a:ln>
+          </p:spPr>
+          <p:style>
+            <a:lnRef idx="1">
+              <a:schemeClr val="accent1"/>
+            </a:lnRef>
+            <a:fillRef idx="0">
+              <a:schemeClr val="accent1"/>
+            </a:fillRef>
+            <a:effectRef idx="0">
+              <a:schemeClr val="accent1"/>
+            </a:effectRef>
+            <a:fontRef idx="minor">
+              <a:schemeClr val="tx1"/>
+            </a:fontRef>
+          </p:style>
+          <p:txBody>
+            <a:bodyPr rtlCol="0" anchor="ctr"/>
+            <a:lstStyle/>
+            <a:p>
+              <a:pPr algn="ctr"/>
+              <a:endParaRPr lang="en-US">
+                <a:solidFill>
+                  <a:schemeClr val="tx1"/>
+                </a:solidFill>
+              </a:endParaRPr>
+            </a:p>
+          </p:txBody>
+        </p:sp>
+        <p:sp>
+          <p:nvSpPr>
+            <p:cNvPr id="128" name="Forma libre: forma 127">
+              <a:extLst>
+                <a:ext uri="{FF2B5EF4-FFF2-40B4-BE49-F238E27FC236}">
+                  <a16:creationId xmlns:a16="http://schemas.microsoft.com/office/drawing/2014/main" id="{F0D4FE93-758E-7155-790A-F10838E5ED02}"/>
+                </a:ext>
+              </a:extLst>
+            </p:cNvPr>
+            <p:cNvSpPr/>
+            <p:nvPr/>
+          </p:nvSpPr>
+          <p:spPr>
+            <a:xfrm>
+              <a:off x="5517957" y="5467071"/>
+              <a:ext cx="324284" cy="111415"/>
+            </a:xfrm>
+            <a:custGeom>
+              <a:avLst/>
+              <a:gdLst>
+                <a:gd name="connsiteX0" fmla="*/ 193 w 324284"/>
+                <a:gd name="connsiteY0" fmla="*/ 3454 h 111415"/>
+                <a:gd name="connsiteX1" fmla="*/ 66868 w 324284"/>
+                <a:gd name="connsiteY1" fmla="*/ 86004 h 111415"/>
+                <a:gd name="connsiteX2" fmla="*/ 200218 w 324284"/>
+                <a:gd name="connsiteY2" fmla="*/ 111404 h 111415"/>
+                <a:gd name="connsiteX3" fmla="*/ 263718 w 324284"/>
+                <a:gd name="connsiteY3" fmla="*/ 89179 h 111415"/>
+                <a:gd name="connsiteX4" fmla="*/ 320868 w 324284"/>
+                <a:gd name="connsiteY4" fmla="*/ 79654 h 111415"/>
+                <a:gd name="connsiteX5" fmla="*/ 292293 w 324284"/>
+                <a:gd name="connsiteY5" fmla="*/ 38379 h 111415"/>
+                <a:gd name="connsiteX6" fmla="*/ 85918 w 324284"/>
+                <a:gd name="connsiteY6" fmla="*/ 19329 h 111415"/>
+                <a:gd name="connsiteX7" fmla="*/ 193 w 324284"/>
+                <a:gd name="connsiteY7" fmla="*/ 3454 h 111415"/>
+              </a:gdLst>
+              <a:ahLst/>
+              <a:cxnLst>
+                <a:cxn ang="0">
+                  <a:pos x="connsiteX0" y="connsiteY0"/>
+                </a:cxn>
+                <a:cxn ang="0">
+                  <a:pos x="connsiteX1" y="connsiteY1"/>
+                </a:cxn>
+                <a:cxn ang="0">
+                  <a:pos x="connsiteX2" y="connsiteY2"/>
+                </a:cxn>
+                <a:cxn ang="0">
+                  <a:pos x="connsiteX3" y="connsiteY3"/>
+                </a:cxn>
+                <a:cxn ang="0">
+                  <a:pos x="connsiteX4" y="connsiteY4"/>
+                </a:cxn>
+                <a:cxn ang="0">
+                  <a:pos x="connsiteX5" y="connsiteY5"/>
+                </a:cxn>
+                <a:cxn ang="0">
+                  <a:pos x="connsiteX6" y="connsiteY6"/>
+                </a:cxn>
+                <a:cxn ang="0">
+                  <a:pos x="connsiteX7" y="connsiteY7"/>
+                </a:cxn>
+              </a:cxnLst>
+              <a:rect l="l" t="t" r="r" b="b"/>
+              <a:pathLst>
+                <a:path w="324284" h="111415">
+                  <a:moveTo>
+                    <a:pt x="193" y="3454"/>
+                  </a:moveTo>
+                  <a:cubicBezTo>
+                    <a:pt x="-2982" y="14567"/>
+                    <a:pt x="33531" y="68012"/>
+                    <a:pt x="66868" y="86004"/>
+                  </a:cubicBezTo>
+                  <a:cubicBezTo>
+                    <a:pt x="100205" y="103996"/>
+                    <a:pt x="167410" y="110875"/>
+                    <a:pt x="200218" y="111404"/>
+                  </a:cubicBezTo>
+                  <a:cubicBezTo>
+                    <a:pt x="233026" y="111933"/>
+                    <a:pt x="243610" y="94471"/>
+                    <a:pt x="263718" y="89179"/>
+                  </a:cubicBezTo>
+                  <a:cubicBezTo>
+                    <a:pt x="283826" y="83887"/>
+                    <a:pt x="316105" y="88121"/>
+                    <a:pt x="320868" y="79654"/>
+                  </a:cubicBezTo>
+                  <a:cubicBezTo>
+                    <a:pt x="325631" y="71187"/>
+                    <a:pt x="331451" y="48433"/>
+                    <a:pt x="292293" y="38379"/>
+                  </a:cubicBezTo>
+                  <a:cubicBezTo>
+                    <a:pt x="253135" y="28325"/>
+                    <a:pt x="133014" y="27796"/>
+                    <a:pt x="85918" y="19329"/>
+                  </a:cubicBezTo>
+                  <a:cubicBezTo>
+                    <a:pt x="38822" y="10862"/>
+                    <a:pt x="3368" y="-7659"/>
+                    <a:pt x="193" y="3454"/>
+                  </a:cubicBezTo>
+                  <a:close/>
+                </a:path>
+              </a:pathLst>
+            </a:custGeom>
+            <a:ln w="22225">
+              <a:solidFill>
+                <a:schemeClr val="bg2">
+                  <a:lumMod val="25000"/>
+                </a:schemeClr>
+              </a:solidFill>
+            </a:ln>
+          </p:spPr>
+          <p:style>
+            <a:lnRef idx="1">
+              <a:schemeClr val="accent1"/>
+            </a:lnRef>
+            <a:fillRef idx="0">
+              <a:schemeClr val="accent1"/>
+            </a:fillRef>
+            <a:effectRef idx="0">
+              <a:schemeClr val="accent1"/>
+            </a:effectRef>
+            <a:fontRef idx="minor">
+              <a:schemeClr val="tx1"/>
+            </a:fontRef>
+          </p:style>
+          <p:txBody>
+            <a:bodyPr rtlCol="0" anchor="ctr"/>
+            <a:lstStyle/>
+            <a:p>
+              <a:pPr algn="ctr"/>
+              <a:endParaRPr lang="en-US">
+                <a:solidFill>
+                  <a:schemeClr val="tx1"/>
+                </a:solidFill>
+              </a:endParaRPr>
+            </a:p>
+          </p:txBody>
+        </p:sp>
+        <p:sp>
+          <p:nvSpPr>
+            <p:cNvPr id="129" name="Forma libre: forma 128">
+              <a:extLst>
+                <a:ext uri="{FF2B5EF4-FFF2-40B4-BE49-F238E27FC236}">
+                  <a16:creationId xmlns:a16="http://schemas.microsoft.com/office/drawing/2014/main" id="{910543DF-EA5D-8E70-3BA0-A7DA7980730B}"/>
+                </a:ext>
+              </a:extLst>
+            </p:cNvPr>
+            <p:cNvSpPr/>
+            <p:nvPr/>
+          </p:nvSpPr>
+          <p:spPr>
+            <a:xfrm>
+              <a:off x="6247857" y="5470424"/>
+              <a:ext cx="540179" cy="133630"/>
+            </a:xfrm>
+            <a:custGeom>
+              <a:avLst/>
+              <a:gdLst>
+                <a:gd name="connsiteX0" fmla="*/ 35468 w 540179"/>
+                <a:gd name="connsiteY0" fmla="*/ 101 h 133630"/>
+                <a:gd name="connsiteX1" fmla="*/ 156118 w 540179"/>
+                <a:gd name="connsiteY1" fmla="*/ 35026 h 133630"/>
+                <a:gd name="connsiteX2" fmla="*/ 340268 w 540179"/>
+                <a:gd name="connsiteY2" fmla="*/ 31851 h 133630"/>
+                <a:gd name="connsiteX3" fmla="*/ 521243 w 540179"/>
+                <a:gd name="connsiteY3" fmla="*/ 101701 h 133630"/>
+                <a:gd name="connsiteX4" fmla="*/ 511718 w 540179"/>
+                <a:gd name="connsiteY4" fmla="*/ 133451 h 133630"/>
+                <a:gd name="connsiteX5" fmla="*/ 318043 w 540179"/>
+                <a:gd name="connsiteY5" fmla="*/ 89001 h 133630"/>
+                <a:gd name="connsiteX6" fmla="*/ 184693 w 540179"/>
+                <a:gd name="connsiteY6" fmla="*/ 101701 h 133630"/>
+                <a:gd name="connsiteX7" fmla="*/ 13243 w 540179"/>
+                <a:gd name="connsiteY7" fmla="*/ 47726 h 133630"/>
+                <a:gd name="connsiteX8" fmla="*/ 35468 w 540179"/>
+                <a:gd name="connsiteY8" fmla="*/ 101 h 133630"/>
+              </a:gdLst>
+              <a:ahLst/>
+              <a:cxnLst>
+                <a:cxn ang="0">
+                  <a:pos x="connsiteX0" y="connsiteY0"/>
+                </a:cxn>
+                <a:cxn ang="0">
+                  <a:pos x="connsiteX1" y="connsiteY1"/>
+                </a:cxn>
+                <a:cxn ang="0">
+                  <a:pos x="connsiteX2" y="connsiteY2"/>
+                </a:cxn>
+                <a:cxn ang="0">
+                  <a:pos x="connsiteX3" y="connsiteY3"/>
+                </a:cxn>
+                <a:cxn ang="0">
+                  <a:pos x="connsiteX4" y="connsiteY4"/>
+                </a:cxn>
+                <a:cxn ang="0">
+                  <a:pos x="connsiteX5" y="connsiteY5"/>
+                </a:cxn>
+                <a:cxn ang="0">
+                  <a:pos x="connsiteX6" y="connsiteY6"/>
+                </a:cxn>
+                <a:cxn ang="0">
+                  <a:pos x="connsiteX7" y="connsiteY7"/>
+                </a:cxn>
+                <a:cxn ang="0">
+                  <a:pos x="connsiteX8" y="connsiteY8"/>
+                </a:cxn>
+              </a:cxnLst>
+              <a:rect l="l" t="t" r="r" b="b"/>
+              <a:pathLst>
+                <a:path w="540179" h="133630">
+                  <a:moveTo>
+                    <a:pt x="35468" y="101"/>
+                  </a:moveTo>
+                  <a:cubicBezTo>
+                    <a:pt x="59281" y="-2016"/>
+                    <a:pt x="105318" y="29734"/>
+                    <a:pt x="156118" y="35026"/>
+                  </a:cubicBezTo>
+                  <a:cubicBezTo>
+                    <a:pt x="206918" y="40318"/>
+                    <a:pt x="279414" y="20739"/>
+                    <a:pt x="340268" y="31851"/>
+                  </a:cubicBezTo>
+                  <a:cubicBezTo>
+                    <a:pt x="401122" y="42963"/>
+                    <a:pt x="492668" y="84768"/>
+                    <a:pt x="521243" y="101701"/>
+                  </a:cubicBezTo>
+                  <a:cubicBezTo>
+                    <a:pt x="549818" y="118634"/>
+                    <a:pt x="545585" y="135568"/>
+                    <a:pt x="511718" y="133451"/>
+                  </a:cubicBezTo>
+                  <a:cubicBezTo>
+                    <a:pt x="477851" y="131334"/>
+                    <a:pt x="372547" y="94293"/>
+                    <a:pt x="318043" y="89001"/>
+                  </a:cubicBezTo>
+                  <a:cubicBezTo>
+                    <a:pt x="263539" y="83709"/>
+                    <a:pt x="235493" y="108580"/>
+                    <a:pt x="184693" y="101701"/>
+                  </a:cubicBezTo>
+                  <a:cubicBezTo>
+                    <a:pt x="133893" y="94822"/>
+                    <a:pt x="43934" y="66247"/>
+                    <a:pt x="13243" y="47726"/>
+                  </a:cubicBezTo>
+                  <a:cubicBezTo>
+                    <a:pt x="-17448" y="29205"/>
+                    <a:pt x="11655" y="2218"/>
+                    <a:pt x="35468" y="101"/>
+                  </a:cubicBezTo>
+                  <a:close/>
+                </a:path>
+              </a:pathLst>
+            </a:custGeom>
+            <a:ln w="22225">
+              <a:solidFill>
+                <a:schemeClr val="bg2">
+                  <a:lumMod val="25000"/>
+                </a:schemeClr>
+              </a:solidFill>
+            </a:ln>
+          </p:spPr>
+          <p:style>
+            <a:lnRef idx="1">
+              <a:schemeClr val="accent1"/>
+            </a:lnRef>
+            <a:fillRef idx="0">
+              <a:schemeClr val="accent1"/>
+            </a:fillRef>
+            <a:effectRef idx="0">
+              <a:schemeClr val="accent1"/>
+            </a:effectRef>
+            <a:fontRef idx="minor">
+              <a:schemeClr val="tx1"/>
+            </a:fontRef>
+          </p:style>
+          <p:txBody>
+            <a:bodyPr rtlCol="0" anchor="ctr"/>
+            <a:lstStyle/>
+            <a:p>
+              <a:pPr algn="ctr"/>
+              <a:endParaRPr lang="en-US">
+                <a:solidFill>
+                  <a:schemeClr val="tx1"/>
+                </a:solidFill>
+              </a:endParaRPr>
+            </a:p>
+          </p:txBody>
+        </p:sp>
+        <p:sp>
+          <p:nvSpPr>
+            <p:cNvPr id="131" name="Forma libre: forma 130">
+              <a:extLst>
+                <a:ext uri="{FF2B5EF4-FFF2-40B4-BE49-F238E27FC236}">
+                  <a16:creationId xmlns:a16="http://schemas.microsoft.com/office/drawing/2014/main" id="{45A8F4DD-44DF-EEDC-48F1-3933D03AC0C1}"/>
+                </a:ext>
+              </a:extLst>
+            </p:cNvPr>
+            <p:cNvSpPr/>
+            <p:nvPr/>
+          </p:nvSpPr>
+          <p:spPr>
+            <a:xfrm>
+              <a:off x="6892617" y="5775786"/>
+              <a:ext cx="709946" cy="301355"/>
+            </a:xfrm>
+            <a:custGeom>
+              <a:avLst/>
+              <a:gdLst>
+                <a:gd name="connsiteX0" fmla="*/ 108258 w 709946"/>
+                <a:gd name="connsiteY0" fmla="*/ 15414 h 301355"/>
+                <a:gd name="connsiteX1" fmla="*/ 305108 w 709946"/>
+                <a:gd name="connsiteY1" fmla="*/ 9064 h 301355"/>
+                <a:gd name="connsiteX2" fmla="*/ 444808 w 709946"/>
+                <a:gd name="connsiteY2" fmla="*/ 158289 h 301355"/>
+                <a:gd name="connsiteX3" fmla="*/ 654358 w 709946"/>
+                <a:gd name="connsiteY3" fmla="*/ 278939 h 301355"/>
+                <a:gd name="connsiteX4" fmla="*/ 701983 w 709946"/>
+                <a:gd name="connsiteY4" fmla="*/ 301164 h 301355"/>
+                <a:gd name="connsiteX5" fmla="*/ 521008 w 709946"/>
+                <a:gd name="connsiteY5" fmla="*/ 275764 h 301355"/>
+                <a:gd name="connsiteX6" fmla="*/ 184458 w 709946"/>
+                <a:gd name="connsiteY6" fmla="*/ 139239 h 301355"/>
+                <a:gd name="connsiteX7" fmla="*/ 28883 w 709946"/>
+                <a:gd name="connsiteY7" fmla="*/ 59864 h 301355"/>
+                <a:gd name="connsiteX8" fmla="*/ 3483 w 709946"/>
+                <a:gd name="connsiteY8" fmla="*/ 5889 h 301355"/>
+                <a:gd name="connsiteX9" fmla="*/ 108258 w 709946"/>
+                <a:gd name="connsiteY9" fmla="*/ 15414 h 301355"/>
+              </a:gdLst>
+              <a:ahLst/>
+              <a:cxnLst>
+                <a:cxn ang="0">
+                  <a:pos x="connsiteX0" y="connsiteY0"/>
+                </a:cxn>
+                <a:cxn ang="0">
+                  <a:pos x="connsiteX1" y="connsiteY1"/>
+                </a:cxn>
+                <a:cxn ang="0">
+                  <a:pos x="connsiteX2" y="connsiteY2"/>
+                </a:cxn>
+                <a:cxn ang="0">
+                  <a:pos x="connsiteX3" y="connsiteY3"/>
+                </a:cxn>
+                <a:cxn ang="0">
+                  <a:pos x="connsiteX4" y="connsiteY4"/>
+                </a:cxn>
+                <a:cxn ang="0">
+                  <a:pos x="connsiteX5" y="connsiteY5"/>
+                </a:cxn>
+                <a:cxn ang="0">
+                  <a:pos x="connsiteX6" y="connsiteY6"/>
+                </a:cxn>
+                <a:cxn ang="0">
+                  <a:pos x="connsiteX7" y="connsiteY7"/>
+                </a:cxn>
+                <a:cxn ang="0">
+                  <a:pos x="connsiteX8" y="connsiteY8"/>
+                </a:cxn>
+                <a:cxn ang="0">
+                  <a:pos x="connsiteX9" y="connsiteY9"/>
+                </a:cxn>
+              </a:cxnLst>
+              <a:rect l="l" t="t" r="r" b="b"/>
+              <a:pathLst>
+                <a:path w="709946" h="301355">
+                  <a:moveTo>
+                    <a:pt x="108258" y="15414"/>
+                  </a:moveTo>
+                  <a:cubicBezTo>
+                    <a:pt x="158529" y="15943"/>
+                    <a:pt x="249016" y="-14748"/>
+                    <a:pt x="305108" y="9064"/>
+                  </a:cubicBezTo>
+                  <a:cubicBezTo>
+                    <a:pt x="361200" y="32876"/>
+                    <a:pt x="386600" y="113310"/>
+                    <a:pt x="444808" y="158289"/>
+                  </a:cubicBezTo>
+                  <a:cubicBezTo>
+                    <a:pt x="503016" y="203268"/>
+                    <a:pt x="611496" y="255127"/>
+                    <a:pt x="654358" y="278939"/>
+                  </a:cubicBezTo>
+                  <a:cubicBezTo>
+                    <a:pt x="697221" y="302752"/>
+                    <a:pt x="724208" y="301693"/>
+                    <a:pt x="701983" y="301164"/>
+                  </a:cubicBezTo>
+                  <a:cubicBezTo>
+                    <a:pt x="679758" y="300635"/>
+                    <a:pt x="607262" y="302752"/>
+                    <a:pt x="521008" y="275764"/>
+                  </a:cubicBezTo>
+                  <a:cubicBezTo>
+                    <a:pt x="434754" y="248776"/>
+                    <a:pt x="266479" y="175222"/>
+                    <a:pt x="184458" y="139239"/>
+                  </a:cubicBezTo>
+                  <a:cubicBezTo>
+                    <a:pt x="102437" y="103256"/>
+                    <a:pt x="59045" y="82089"/>
+                    <a:pt x="28883" y="59864"/>
+                  </a:cubicBezTo>
+                  <a:cubicBezTo>
+                    <a:pt x="-1279" y="37639"/>
+                    <a:pt x="-3925" y="15414"/>
+                    <a:pt x="3483" y="5889"/>
+                  </a:cubicBezTo>
+                  <a:cubicBezTo>
+                    <a:pt x="10891" y="-3636"/>
+                    <a:pt x="57987" y="14885"/>
+                    <a:pt x="108258" y="15414"/>
+                  </a:cubicBezTo>
+                  <a:close/>
+                </a:path>
+              </a:pathLst>
+            </a:custGeom>
+            <a:ln w="22225">
+              <a:solidFill>
+                <a:schemeClr val="bg2">
+                  <a:lumMod val="25000"/>
+                </a:schemeClr>
+              </a:solidFill>
+            </a:ln>
+          </p:spPr>
+          <p:style>
+            <a:lnRef idx="1">
+              <a:schemeClr val="accent1"/>
+            </a:lnRef>
+            <a:fillRef idx="0">
+              <a:schemeClr val="accent1"/>
+            </a:fillRef>
+            <a:effectRef idx="0">
+              <a:schemeClr val="accent1"/>
+            </a:effectRef>
+            <a:fontRef idx="minor">
+              <a:schemeClr val="tx1"/>
+            </a:fontRef>
+          </p:style>
+          <p:txBody>
+            <a:bodyPr rtlCol="0" anchor="ctr"/>
+            <a:lstStyle/>
+            <a:p>
+              <a:pPr algn="ctr"/>
+              <a:endParaRPr lang="en-US"/>
+            </a:p>
+          </p:txBody>
+        </p:sp>
+        <p:sp>
+          <p:nvSpPr>
+            <p:cNvPr id="132" name="Forma libre: forma 131">
+              <a:extLst>
+                <a:ext uri="{FF2B5EF4-FFF2-40B4-BE49-F238E27FC236}">
+                  <a16:creationId xmlns:a16="http://schemas.microsoft.com/office/drawing/2014/main" id="{A4D95712-E0C7-BCBE-49C9-1F43D67082CB}"/>
+                </a:ext>
+              </a:extLst>
+            </p:cNvPr>
+            <p:cNvSpPr/>
+            <p:nvPr/>
+          </p:nvSpPr>
+          <p:spPr>
+            <a:xfrm>
+              <a:off x="7291958" y="5753671"/>
+              <a:ext cx="470967" cy="291420"/>
+            </a:xfrm>
+            <a:custGeom>
+              <a:avLst/>
+              <a:gdLst>
+                <a:gd name="connsiteX0" fmla="*/ 39117 w 470967"/>
+                <a:gd name="connsiteY0" fmla="*/ 2604 h 291420"/>
+                <a:gd name="connsiteX1" fmla="*/ 4192 w 470967"/>
+                <a:gd name="connsiteY1" fmla="*/ 56579 h 291420"/>
+                <a:gd name="connsiteX2" fmla="*/ 137542 w 470967"/>
+                <a:gd name="connsiteY2" fmla="*/ 151829 h 291420"/>
+                <a:gd name="connsiteX3" fmla="*/ 343917 w 470967"/>
+                <a:gd name="connsiteY3" fmla="*/ 282004 h 291420"/>
+                <a:gd name="connsiteX4" fmla="*/ 470917 w 470967"/>
+                <a:gd name="connsiteY4" fmla="*/ 266129 h 291420"/>
+                <a:gd name="connsiteX5" fmla="*/ 356617 w 470967"/>
+                <a:gd name="connsiteY5" fmla="*/ 145479 h 291420"/>
+                <a:gd name="connsiteX6" fmla="*/ 162942 w 470967"/>
+                <a:gd name="connsiteY6" fmla="*/ 50229 h 291420"/>
+                <a:gd name="connsiteX7" fmla="*/ 96267 w 470967"/>
+                <a:gd name="connsiteY7" fmla="*/ 12129 h 291420"/>
+                <a:gd name="connsiteX8" fmla="*/ 39117 w 470967"/>
+                <a:gd name="connsiteY8" fmla="*/ 2604 h 291420"/>
+              </a:gdLst>
+              <a:ahLst/>
+              <a:cxnLst>
+                <a:cxn ang="0">
+                  <a:pos x="connsiteX0" y="connsiteY0"/>
+                </a:cxn>
+                <a:cxn ang="0">
+                  <a:pos x="connsiteX1" y="connsiteY1"/>
+                </a:cxn>
+                <a:cxn ang="0">
+                  <a:pos x="connsiteX2" y="connsiteY2"/>
+                </a:cxn>
+                <a:cxn ang="0">
+                  <a:pos x="connsiteX3" y="connsiteY3"/>
+                </a:cxn>
+                <a:cxn ang="0">
+                  <a:pos x="connsiteX4" y="connsiteY4"/>
+                </a:cxn>
+                <a:cxn ang="0">
+                  <a:pos x="connsiteX5" y="connsiteY5"/>
+                </a:cxn>
+                <a:cxn ang="0">
+                  <a:pos x="connsiteX6" y="connsiteY6"/>
+                </a:cxn>
+                <a:cxn ang="0">
+                  <a:pos x="connsiteX7" y="connsiteY7"/>
+                </a:cxn>
+                <a:cxn ang="0">
+                  <a:pos x="connsiteX8" y="connsiteY8"/>
+                </a:cxn>
+              </a:cxnLst>
+              <a:rect l="l" t="t" r="r" b="b"/>
+              <a:pathLst>
+                <a:path w="470967" h="291420">
+                  <a:moveTo>
+                    <a:pt x="39117" y="2604"/>
+                  </a:moveTo>
+                  <a:cubicBezTo>
+                    <a:pt x="23771" y="10012"/>
+                    <a:pt x="-12212" y="31708"/>
+                    <a:pt x="4192" y="56579"/>
+                  </a:cubicBezTo>
+                  <a:cubicBezTo>
+                    <a:pt x="20596" y="81450"/>
+                    <a:pt x="80921" y="114258"/>
+                    <a:pt x="137542" y="151829"/>
+                  </a:cubicBezTo>
+                  <a:cubicBezTo>
+                    <a:pt x="194163" y="189400"/>
+                    <a:pt x="288355" y="262954"/>
+                    <a:pt x="343917" y="282004"/>
+                  </a:cubicBezTo>
+                  <a:cubicBezTo>
+                    <a:pt x="399480" y="301054"/>
+                    <a:pt x="468800" y="288883"/>
+                    <a:pt x="470917" y="266129"/>
+                  </a:cubicBezTo>
+                  <a:cubicBezTo>
+                    <a:pt x="473034" y="243375"/>
+                    <a:pt x="407946" y="181462"/>
+                    <a:pt x="356617" y="145479"/>
+                  </a:cubicBezTo>
+                  <a:cubicBezTo>
+                    <a:pt x="305288" y="109496"/>
+                    <a:pt x="206334" y="72454"/>
+                    <a:pt x="162942" y="50229"/>
+                  </a:cubicBezTo>
+                  <a:cubicBezTo>
+                    <a:pt x="119550" y="28004"/>
+                    <a:pt x="117963" y="19008"/>
+                    <a:pt x="96267" y="12129"/>
+                  </a:cubicBezTo>
+                  <a:cubicBezTo>
+                    <a:pt x="74571" y="5250"/>
+                    <a:pt x="54463" y="-4804"/>
+                    <a:pt x="39117" y="2604"/>
+                  </a:cubicBezTo>
+                  <a:close/>
+                </a:path>
+              </a:pathLst>
+            </a:custGeom>
+            <a:ln w="22225">
+              <a:solidFill>
+                <a:schemeClr val="bg2">
+                  <a:lumMod val="25000"/>
+                </a:schemeClr>
+              </a:solidFill>
+            </a:ln>
+          </p:spPr>
+          <p:style>
+            <a:lnRef idx="1">
+              <a:schemeClr val="accent1"/>
+            </a:lnRef>
+            <a:fillRef idx="0">
+              <a:schemeClr val="accent1"/>
+            </a:fillRef>
+            <a:effectRef idx="0">
+              <a:schemeClr val="accent1"/>
+            </a:effectRef>
+            <a:fontRef idx="minor">
+              <a:schemeClr val="tx1"/>
+            </a:fontRef>
+          </p:style>
+          <p:txBody>
+            <a:bodyPr rtlCol="0" anchor="ctr"/>
+            <a:lstStyle/>
+            <a:p>
+              <a:pPr algn="ctr"/>
+              <a:endParaRPr lang="en-US">
+                <a:solidFill>
+                  <a:schemeClr val="tx1"/>
+                </a:solidFill>
+              </a:endParaRPr>
+            </a:p>
+          </p:txBody>
+        </p:sp>
+        <p:cxnSp>
+          <p:nvCxnSpPr>
+            <p:cNvPr id="133" name="Conector recto de flecha 132">
+              <a:extLst>
+                <a:ext uri="{FF2B5EF4-FFF2-40B4-BE49-F238E27FC236}">
+                  <a16:creationId xmlns:a16="http://schemas.microsoft.com/office/drawing/2014/main" id="{5EE4FC00-0599-19E2-D271-8474413692C9}"/>
+                </a:ext>
+              </a:extLst>
+            </p:cNvPr>
+            <p:cNvCxnSpPr>
+              <a:cxnSpLocks/>
+            </p:cNvCxnSpPr>
+            <p:nvPr/>
+          </p:nvCxnSpPr>
+          <p:spPr>
+            <a:xfrm>
+              <a:off x="5020506" y="5086040"/>
+              <a:ext cx="237618" cy="151267"/>
+            </a:xfrm>
+            <a:prstGeom prst="straightConnector1">
+              <a:avLst/>
+            </a:prstGeom>
+            <a:ln>
+              <a:solidFill>
+                <a:schemeClr val="bg2">
+                  <a:lumMod val="25000"/>
+                </a:schemeClr>
+              </a:solidFill>
+              <a:tailEnd type="triangle"/>
+            </a:ln>
+          </p:spPr>
+          <p:style>
+            <a:lnRef idx="1">
+              <a:schemeClr val="accent3"/>
+            </a:lnRef>
+            <a:fillRef idx="0">
+              <a:schemeClr val="accent3"/>
+            </a:fillRef>
+            <a:effectRef idx="0">
+              <a:schemeClr val="accent3"/>
+            </a:effectRef>
+            <a:fontRef idx="minor">
+              <a:schemeClr val="tx1"/>
+            </a:fontRef>
+          </p:style>
+        </p:cxnSp>
+        <p:cxnSp>
+          <p:nvCxnSpPr>
+            <p:cNvPr id="135" name="Conector recto de flecha 134">
+              <a:extLst>
+                <a:ext uri="{FF2B5EF4-FFF2-40B4-BE49-F238E27FC236}">
+                  <a16:creationId xmlns:a16="http://schemas.microsoft.com/office/drawing/2014/main" id="{5CFCAB8A-1D21-3709-758B-49A128A1F319}"/>
+                </a:ext>
+              </a:extLst>
+            </p:cNvPr>
+            <p:cNvCxnSpPr>
+              <a:cxnSpLocks/>
+            </p:cNvCxnSpPr>
+            <p:nvPr/>
+          </p:nvCxnSpPr>
+          <p:spPr>
+            <a:xfrm flipV="1">
+              <a:off x="4749800" y="5724286"/>
+              <a:ext cx="250618" cy="96807"/>
+            </a:xfrm>
+            <a:prstGeom prst="straightConnector1">
+              <a:avLst/>
+            </a:prstGeom>
+            <a:ln>
+              <a:solidFill>
+                <a:schemeClr val="bg2">
+                  <a:lumMod val="25000"/>
+                </a:schemeClr>
+              </a:solidFill>
+              <a:tailEnd type="triangle"/>
+            </a:ln>
+          </p:spPr>
+          <p:style>
+            <a:lnRef idx="1">
+              <a:schemeClr val="accent3"/>
+            </a:lnRef>
+            <a:fillRef idx="0">
+              <a:schemeClr val="accent3"/>
+            </a:fillRef>
+            <a:effectRef idx="0">
+              <a:schemeClr val="accent3"/>
+            </a:effectRef>
+            <a:fontRef idx="minor">
+              <a:schemeClr val="tx1"/>
+            </a:fontRef>
+          </p:style>
+        </p:cxnSp>
+        <p:sp>
+          <p:nvSpPr>
+            <p:cNvPr id="137" name="Elipse 136">
+              <a:extLst>
+                <a:ext uri="{FF2B5EF4-FFF2-40B4-BE49-F238E27FC236}">
+                  <a16:creationId xmlns:a16="http://schemas.microsoft.com/office/drawing/2014/main" id="{D7A55882-6C25-8F61-2F2A-2AD6B88D07EC}"/>
+                </a:ext>
+              </a:extLst>
+            </p:cNvPr>
+            <p:cNvSpPr/>
+            <p:nvPr/>
+          </p:nvSpPr>
+          <p:spPr>
+            <a:xfrm rot="357242">
+              <a:off x="4729792" y="5467970"/>
+              <a:ext cx="18288" cy="18288"/>
+            </a:xfrm>
+            <a:prstGeom prst="ellipse">
+              <a:avLst/>
+            </a:prstGeom>
+            <a:solidFill>
+              <a:schemeClr val="bg1">
+                <a:lumMod val="50000"/>
+              </a:schemeClr>
+            </a:solidFill>
+            <a:ln w="12700">
+              <a:noFill/>
+            </a:ln>
+          </p:spPr>
+          <p:style>
+            <a:lnRef idx="2">
+              <a:schemeClr val="accent1">
+                <a:shade val="50000"/>
+              </a:schemeClr>
+            </a:lnRef>
+            <a:fillRef idx="1">
+              <a:schemeClr val="accent1"/>
+            </a:fillRef>
+            <a:effectRef idx="0">
+              <a:schemeClr val="accent1"/>
+            </a:effectRef>
+            <a:fontRef idx="minor">
+              <a:schemeClr val="lt1"/>
+            </a:fontRef>
+          </p:style>
+          <p:txBody>
+            <a:bodyPr rtlCol="0" anchor="ctr"/>
+            <a:lstStyle/>
+            <a:p>
+              <a:pPr algn="ctr"/>
+              <a:endParaRPr lang="en-US"/>
+            </a:p>
+          </p:txBody>
+        </p:sp>
+        <p:sp>
+          <p:nvSpPr>
+            <p:cNvPr id="138" name="Elipse 137">
+              <a:extLst>
+                <a:ext uri="{FF2B5EF4-FFF2-40B4-BE49-F238E27FC236}">
+                  <a16:creationId xmlns:a16="http://schemas.microsoft.com/office/drawing/2014/main" id="{E633DAD0-D7DA-207E-7314-D6035D1A996E}"/>
+                </a:ext>
+              </a:extLst>
+            </p:cNvPr>
+            <p:cNvSpPr/>
+            <p:nvPr/>
+          </p:nvSpPr>
+          <p:spPr>
+            <a:xfrm rot="357242">
+              <a:off x="4832302" y="5569882"/>
+              <a:ext cx="18288" cy="18288"/>
+            </a:xfrm>
+            <a:prstGeom prst="ellipse">
+              <a:avLst/>
+            </a:prstGeom>
+            <a:solidFill>
+              <a:schemeClr val="bg1">
+                <a:lumMod val="50000"/>
+              </a:schemeClr>
+            </a:solidFill>
+            <a:ln w="12700">
+              <a:noFill/>
+            </a:ln>
+          </p:spPr>
+          <p:style>
+            <a:lnRef idx="2">
+              <a:schemeClr val="accent1">
+                <a:shade val="50000"/>
+              </a:schemeClr>
+            </a:lnRef>
+            <a:fillRef idx="1">
+              <a:schemeClr val="accent1"/>
+            </a:fillRef>
+            <a:effectRef idx="0">
+              <a:schemeClr val="accent1"/>
+            </a:effectRef>
+            <a:fontRef idx="minor">
+              <a:schemeClr val="lt1"/>
+            </a:fontRef>
+          </p:style>
+          <p:txBody>
+            <a:bodyPr rtlCol="0" anchor="ctr"/>
+            <a:lstStyle/>
+            <a:p>
+              <a:pPr algn="ctr"/>
+              <a:endParaRPr lang="en-US"/>
+            </a:p>
+          </p:txBody>
+        </p:sp>
+        <p:sp>
+          <p:nvSpPr>
+            <p:cNvPr id="139" name="Elipse 138">
+              <a:extLst>
+                <a:ext uri="{FF2B5EF4-FFF2-40B4-BE49-F238E27FC236}">
+                  <a16:creationId xmlns:a16="http://schemas.microsoft.com/office/drawing/2014/main" id="{6C90B8AD-D872-BB05-4A87-E36506B8411C}"/>
+                </a:ext>
+              </a:extLst>
+            </p:cNvPr>
+            <p:cNvSpPr/>
+            <p:nvPr/>
+          </p:nvSpPr>
+          <p:spPr>
+            <a:xfrm rot="357242">
+              <a:off x="4515415" y="5548270"/>
+              <a:ext cx="18288" cy="18288"/>
+            </a:xfrm>
+            <a:prstGeom prst="ellipse">
+              <a:avLst/>
+            </a:prstGeom>
+            <a:solidFill>
+              <a:schemeClr val="bg1">
+                <a:lumMod val="50000"/>
+              </a:schemeClr>
+            </a:solidFill>
+            <a:ln w="12700">
+              <a:noFill/>
+            </a:ln>
+          </p:spPr>
+          <p:style>
+            <a:lnRef idx="2">
+              <a:schemeClr val="accent1">
+                <a:shade val="50000"/>
+              </a:schemeClr>
+            </a:lnRef>
+            <a:fillRef idx="1">
+              <a:schemeClr val="accent1"/>
+            </a:fillRef>
+            <a:effectRef idx="0">
+              <a:schemeClr val="accent1"/>
+            </a:effectRef>
+            <a:fontRef idx="minor">
+              <a:schemeClr val="lt1"/>
+            </a:fontRef>
+          </p:style>
+          <p:txBody>
+            <a:bodyPr rtlCol="0" anchor="ctr"/>
+            <a:lstStyle/>
+            <a:p>
+              <a:pPr algn="ctr"/>
+              <a:endParaRPr lang="en-US"/>
+            </a:p>
+          </p:txBody>
+        </p:sp>
+        <p:sp>
+          <p:nvSpPr>
+            <p:cNvPr id="140" name="Elipse 139">
+              <a:extLst>
+                <a:ext uri="{FF2B5EF4-FFF2-40B4-BE49-F238E27FC236}">
+                  <a16:creationId xmlns:a16="http://schemas.microsoft.com/office/drawing/2014/main" id="{3E2407AE-2292-005E-17D9-4D7E364D613B}"/>
+                </a:ext>
+              </a:extLst>
+            </p:cNvPr>
+            <p:cNvSpPr/>
+            <p:nvPr/>
+          </p:nvSpPr>
+          <p:spPr>
+            <a:xfrm rot="357242">
+              <a:off x="4876008" y="5540385"/>
+              <a:ext cx="18288" cy="18288"/>
+            </a:xfrm>
+            <a:prstGeom prst="ellipse">
+              <a:avLst/>
+            </a:prstGeom>
+            <a:solidFill>
+              <a:schemeClr val="bg1">
+                <a:lumMod val="50000"/>
+              </a:schemeClr>
+            </a:solidFill>
+            <a:ln w="12700">
+              <a:noFill/>
+            </a:ln>
+          </p:spPr>
+          <p:style>
+            <a:lnRef idx="2">
+              <a:schemeClr val="accent1">
+                <a:shade val="50000"/>
+              </a:schemeClr>
+            </a:lnRef>
+            <a:fillRef idx="1">
+              <a:schemeClr val="accent1"/>
+            </a:fillRef>
+            <a:effectRef idx="0">
+              <a:schemeClr val="accent1"/>
+            </a:effectRef>
+            <a:fontRef idx="minor">
+              <a:schemeClr val="lt1"/>
+            </a:fontRef>
+          </p:style>
+          <p:txBody>
+            <a:bodyPr rtlCol="0" anchor="ctr"/>
+            <a:lstStyle/>
+            <a:p>
+              <a:pPr algn="ctr"/>
+              <a:endParaRPr lang="en-US"/>
+            </a:p>
+          </p:txBody>
+        </p:sp>
+        <p:sp>
+          <p:nvSpPr>
+            <p:cNvPr id="141" name="Elipse 140">
+              <a:extLst>
+                <a:ext uri="{FF2B5EF4-FFF2-40B4-BE49-F238E27FC236}">
+                  <a16:creationId xmlns:a16="http://schemas.microsoft.com/office/drawing/2014/main" id="{EEF6FDF6-4096-1FAB-F616-33E30BCEE548}"/>
+                </a:ext>
+              </a:extLst>
+            </p:cNvPr>
+            <p:cNvSpPr/>
+            <p:nvPr/>
+          </p:nvSpPr>
+          <p:spPr>
+            <a:xfrm rot="357242">
+              <a:off x="5011363" y="5449359"/>
+              <a:ext cx="18288" cy="18288"/>
+            </a:xfrm>
+            <a:prstGeom prst="ellipse">
+              <a:avLst/>
+            </a:prstGeom>
+            <a:solidFill>
+              <a:schemeClr val="bg1">
+                <a:lumMod val="50000"/>
+              </a:schemeClr>
+            </a:solidFill>
+            <a:ln w="12700">
+              <a:noFill/>
+            </a:ln>
+          </p:spPr>
+          <p:style>
+            <a:lnRef idx="2">
+              <a:schemeClr val="accent1">
+                <a:shade val="50000"/>
+              </a:schemeClr>
+            </a:lnRef>
+            <a:fillRef idx="1">
+              <a:schemeClr val="accent1"/>
+            </a:fillRef>
+            <a:effectRef idx="0">
+              <a:schemeClr val="accent1"/>
+            </a:effectRef>
+            <a:fontRef idx="minor">
+              <a:schemeClr val="lt1"/>
+            </a:fontRef>
+          </p:style>
+          <p:txBody>
+            <a:bodyPr rtlCol="0" anchor="ctr"/>
+            <a:lstStyle/>
+            <a:p>
+              <a:pPr algn="ctr"/>
+              <a:endParaRPr lang="en-US"/>
+            </a:p>
+          </p:txBody>
+        </p:sp>
+        <p:sp>
+          <p:nvSpPr>
+            <p:cNvPr id="142" name="Elipse 141">
+              <a:extLst>
+                <a:ext uri="{FF2B5EF4-FFF2-40B4-BE49-F238E27FC236}">
+                  <a16:creationId xmlns:a16="http://schemas.microsoft.com/office/drawing/2014/main" id="{5F32A239-B3CE-AC7A-5373-1168B1220FE5}"/>
+                </a:ext>
+              </a:extLst>
+            </p:cNvPr>
+            <p:cNvSpPr/>
+            <p:nvPr/>
+          </p:nvSpPr>
+          <p:spPr>
+            <a:xfrm rot="357242">
+              <a:off x="4954762" y="5499867"/>
+              <a:ext cx="18288" cy="18288"/>
+            </a:xfrm>
+            <a:prstGeom prst="ellipse">
+              <a:avLst/>
+            </a:prstGeom>
+            <a:solidFill>
+              <a:schemeClr val="bg1">
+                <a:lumMod val="50000"/>
+              </a:schemeClr>
+            </a:solidFill>
+            <a:ln w="12700">
+              <a:noFill/>
+            </a:ln>
+          </p:spPr>
+          <p:style>
+            <a:lnRef idx="2">
+              <a:schemeClr val="accent1">
+                <a:shade val="50000"/>
+              </a:schemeClr>
+            </a:lnRef>
+            <a:fillRef idx="1">
+              <a:schemeClr val="accent1"/>
+            </a:fillRef>
+            <a:effectRef idx="0">
+              <a:schemeClr val="accent1"/>
+            </a:effectRef>
+            <a:fontRef idx="minor">
+              <a:schemeClr val="lt1"/>
+            </a:fontRef>
+          </p:style>
+          <p:txBody>
+            <a:bodyPr rtlCol="0" anchor="ctr"/>
+            <a:lstStyle/>
+            <a:p>
+              <a:pPr algn="ctr"/>
+              <a:endParaRPr lang="en-US"/>
+            </a:p>
+          </p:txBody>
+        </p:sp>
+        <p:sp>
+          <p:nvSpPr>
+            <p:cNvPr id="143" name="Elipse 142">
+              <a:extLst>
+                <a:ext uri="{FF2B5EF4-FFF2-40B4-BE49-F238E27FC236}">
+                  <a16:creationId xmlns:a16="http://schemas.microsoft.com/office/drawing/2014/main" id="{78A9922F-56D6-70E2-49A5-6E301B149194}"/>
+                </a:ext>
+              </a:extLst>
+            </p:cNvPr>
+            <p:cNvSpPr/>
+            <p:nvPr/>
+          </p:nvSpPr>
+          <p:spPr>
+            <a:xfrm rot="357242">
+              <a:off x="4703868" y="5550844"/>
+              <a:ext cx="18288" cy="18288"/>
+            </a:xfrm>
+            <a:prstGeom prst="ellipse">
+              <a:avLst/>
+            </a:prstGeom>
+            <a:solidFill>
+              <a:schemeClr val="bg1">
+                <a:lumMod val="50000"/>
+              </a:schemeClr>
+            </a:solidFill>
+            <a:ln w="12700">
+              <a:noFill/>
+            </a:ln>
+          </p:spPr>
+          <p:style>
+            <a:lnRef idx="2">
+              <a:schemeClr val="accent1">
+                <a:shade val="50000"/>
+              </a:schemeClr>
+            </a:lnRef>
+            <a:fillRef idx="1">
+              <a:schemeClr val="accent1"/>
+            </a:fillRef>
+            <a:effectRef idx="0">
+              <a:schemeClr val="accent1"/>
+            </a:effectRef>
+            <a:fontRef idx="minor">
+              <a:schemeClr val="lt1"/>
+            </a:fontRef>
+          </p:style>
+          <p:txBody>
+            <a:bodyPr rtlCol="0" anchor="ctr"/>
+            <a:lstStyle/>
+            <a:p>
+              <a:pPr algn="ctr"/>
+              <a:endParaRPr lang="en-US"/>
+            </a:p>
+          </p:txBody>
+        </p:sp>
+        <p:sp>
+          <p:nvSpPr>
+            <p:cNvPr id="144" name="Elipse 143">
+              <a:extLst>
+                <a:ext uri="{FF2B5EF4-FFF2-40B4-BE49-F238E27FC236}">
+                  <a16:creationId xmlns:a16="http://schemas.microsoft.com/office/drawing/2014/main" id="{14A2BE87-7D31-4DC4-819D-06A6AC49DA82}"/>
+                </a:ext>
+              </a:extLst>
+            </p:cNvPr>
+            <p:cNvSpPr/>
+            <p:nvPr/>
+          </p:nvSpPr>
+          <p:spPr>
+            <a:xfrm rot="357242">
+              <a:off x="4651013" y="5591194"/>
+              <a:ext cx="18288" cy="18288"/>
+            </a:xfrm>
+            <a:prstGeom prst="ellipse">
+              <a:avLst/>
+            </a:prstGeom>
+            <a:solidFill>
+              <a:schemeClr val="bg1">
+                <a:lumMod val="50000"/>
+              </a:schemeClr>
+            </a:solidFill>
+            <a:ln w="12700">
+              <a:noFill/>
+            </a:ln>
+          </p:spPr>
+          <p:style>
+            <a:lnRef idx="2">
+              <a:schemeClr val="accent1">
+                <a:shade val="50000"/>
+              </a:schemeClr>
+            </a:lnRef>
+            <a:fillRef idx="1">
+              <a:schemeClr val="accent1"/>
+            </a:fillRef>
+            <a:effectRef idx="0">
+              <a:schemeClr val="accent1"/>
+            </a:effectRef>
+            <a:fontRef idx="minor">
+              <a:schemeClr val="lt1"/>
+            </a:fontRef>
+          </p:style>
+          <p:txBody>
+            <a:bodyPr rtlCol="0" anchor="ctr"/>
+            <a:lstStyle/>
+            <a:p>
+              <a:pPr algn="ctr"/>
+              <a:endParaRPr lang="en-US"/>
+            </a:p>
+          </p:txBody>
+        </p:sp>
+        <p:sp>
+          <p:nvSpPr>
+            <p:cNvPr id="145" name="Elipse 144">
+              <a:extLst>
+                <a:ext uri="{FF2B5EF4-FFF2-40B4-BE49-F238E27FC236}">
+                  <a16:creationId xmlns:a16="http://schemas.microsoft.com/office/drawing/2014/main" id="{EE741EB3-3C1A-E039-32A4-4079686427AB}"/>
+                </a:ext>
+              </a:extLst>
+            </p:cNvPr>
+            <p:cNvSpPr/>
+            <p:nvPr/>
+          </p:nvSpPr>
+          <p:spPr>
+            <a:xfrm rot="357242">
+              <a:off x="4771413" y="5588885"/>
+              <a:ext cx="18288" cy="18288"/>
+            </a:xfrm>
+            <a:prstGeom prst="ellipse">
+              <a:avLst/>
+            </a:prstGeom>
+            <a:solidFill>
+              <a:schemeClr val="bg1">
+                <a:lumMod val="50000"/>
+              </a:schemeClr>
+            </a:solidFill>
+            <a:ln w="12700">
+              <a:noFill/>
+            </a:ln>
+          </p:spPr>
+          <p:style>
+            <a:lnRef idx="2">
+              <a:schemeClr val="accent1">
+                <a:shade val="50000"/>
+              </a:schemeClr>
+            </a:lnRef>
+            <a:fillRef idx="1">
+              <a:schemeClr val="accent1"/>
+            </a:fillRef>
+            <a:effectRef idx="0">
+              <a:schemeClr val="accent1"/>
+            </a:effectRef>
+            <a:fontRef idx="minor">
+              <a:schemeClr val="lt1"/>
+            </a:fontRef>
+          </p:style>
+          <p:txBody>
+            <a:bodyPr rtlCol="0" anchor="ctr"/>
+            <a:lstStyle/>
+            <a:p>
+              <a:pPr algn="ctr"/>
+              <a:endParaRPr lang="en-US"/>
+            </a:p>
+          </p:txBody>
+        </p:sp>
+        <p:sp>
+          <p:nvSpPr>
+            <p:cNvPr id="146" name="Elipse 145">
+              <a:extLst>
+                <a:ext uri="{FF2B5EF4-FFF2-40B4-BE49-F238E27FC236}">
+                  <a16:creationId xmlns:a16="http://schemas.microsoft.com/office/drawing/2014/main" id="{2B242748-2F87-7415-B017-B0172560B4E5}"/>
+                </a:ext>
+              </a:extLst>
+            </p:cNvPr>
+            <p:cNvSpPr/>
+            <p:nvPr/>
+          </p:nvSpPr>
+          <p:spPr>
+            <a:xfrm rot="357242">
+              <a:off x="4631170" y="5532592"/>
+              <a:ext cx="18288" cy="18288"/>
+            </a:xfrm>
+            <a:prstGeom prst="ellipse">
+              <a:avLst/>
+            </a:prstGeom>
+            <a:solidFill>
+              <a:schemeClr val="bg1">
+                <a:lumMod val="50000"/>
+              </a:schemeClr>
+            </a:solidFill>
+            <a:ln w="12700">
+              <a:noFill/>
+            </a:ln>
+          </p:spPr>
+          <p:style>
+            <a:lnRef idx="2">
+              <a:schemeClr val="accent1">
+                <a:shade val="50000"/>
+              </a:schemeClr>
+            </a:lnRef>
+            <a:fillRef idx="1">
+              <a:schemeClr val="accent1"/>
+            </a:fillRef>
+            <a:effectRef idx="0">
+              <a:schemeClr val="accent1"/>
+            </a:effectRef>
+            <a:fontRef idx="minor">
+              <a:schemeClr val="lt1"/>
+            </a:fontRef>
+          </p:style>
+          <p:txBody>
+            <a:bodyPr rtlCol="0" anchor="ctr"/>
+            <a:lstStyle/>
+            <a:p>
+              <a:pPr algn="ctr"/>
+              <a:endParaRPr lang="en-US"/>
+            </a:p>
+          </p:txBody>
+        </p:sp>
+        <p:sp>
+          <p:nvSpPr>
+            <p:cNvPr id="147" name="Elipse 146">
+              <a:extLst>
+                <a:ext uri="{FF2B5EF4-FFF2-40B4-BE49-F238E27FC236}">
+                  <a16:creationId xmlns:a16="http://schemas.microsoft.com/office/drawing/2014/main" id="{1098CE2C-8D7E-DEB9-7833-A4D05B6706DE}"/>
+                </a:ext>
+              </a:extLst>
+            </p:cNvPr>
+            <p:cNvSpPr/>
+            <p:nvPr/>
+          </p:nvSpPr>
+          <p:spPr>
+            <a:xfrm rot="357242">
+              <a:off x="4796561" y="5504447"/>
+              <a:ext cx="18288" cy="18288"/>
+            </a:xfrm>
+            <a:prstGeom prst="ellipse">
+              <a:avLst/>
+            </a:prstGeom>
+            <a:solidFill>
+              <a:schemeClr val="bg1">
+                <a:lumMod val="50000"/>
+              </a:schemeClr>
+            </a:solidFill>
+            <a:ln w="12700">
+              <a:noFill/>
+            </a:ln>
+          </p:spPr>
+          <p:style>
+            <a:lnRef idx="2">
+              <a:schemeClr val="accent1">
+                <a:shade val="50000"/>
+              </a:schemeClr>
+            </a:lnRef>
+            <a:fillRef idx="1">
+              <a:schemeClr val="accent1"/>
+            </a:fillRef>
+            <a:effectRef idx="0">
+              <a:schemeClr val="accent1"/>
+            </a:effectRef>
+            <a:fontRef idx="minor">
+              <a:schemeClr val="lt1"/>
+            </a:fontRef>
+          </p:style>
+          <p:txBody>
+            <a:bodyPr rtlCol="0" anchor="ctr"/>
+            <a:lstStyle/>
+            <a:p>
+              <a:pPr algn="ctr"/>
+              <a:endParaRPr lang="en-US"/>
+            </a:p>
+          </p:txBody>
+        </p:sp>
+        <p:sp>
+          <p:nvSpPr>
+            <p:cNvPr id="148" name="Elipse 147">
+              <a:extLst>
+                <a:ext uri="{FF2B5EF4-FFF2-40B4-BE49-F238E27FC236}">
+                  <a16:creationId xmlns:a16="http://schemas.microsoft.com/office/drawing/2014/main" id="{CB2B602F-4798-CCFC-651C-96829D88AE2A}"/>
+                </a:ext>
+              </a:extLst>
+            </p:cNvPr>
+            <p:cNvSpPr/>
+            <p:nvPr/>
+          </p:nvSpPr>
+          <p:spPr>
+            <a:xfrm rot="357242">
+              <a:off x="4886249" y="5478014"/>
+              <a:ext cx="18288" cy="18288"/>
+            </a:xfrm>
+            <a:prstGeom prst="ellipse">
+              <a:avLst/>
+            </a:prstGeom>
+            <a:solidFill>
+              <a:schemeClr val="bg1">
+                <a:lumMod val="50000"/>
+              </a:schemeClr>
+            </a:solidFill>
+            <a:ln w="12700">
+              <a:noFill/>
+            </a:ln>
+          </p:spPr>
+          <p:style>
+            <a:lnRef idx="2">
+              <a:schemeClr val="accent1">
+                <a:shade val="50000"/>
+              </a:schemeClr>
+            </a:lnRef>
+            <a:fillRef idx="1">
+              <a:schemeClr val="accent1"/>
+            </a:fillRef>
+            <a:effectRef idx="0">
+              <a:schemeClr val="accent1"/>
+            </a:effectRef>
+            <a:fontRef idx="minor">
+              <a:schemeClr val="lt1"/>
+            </a:fontRef>
+          </p:style>
+          <p:txBody>
+            <a:bodyPr rtlCol="0" anchor="ctr"/>
+            <a:lstStyle/>
+            <a:p>
+              <a:pPr algn="ctr"/>
+              <a:endParaRPr lang="en-US"/>
+            </a:p>
+          </p:txBody>
+        </p:sp>
+        <p:sp>
+          <p:nvSpPr>
+            <p:cNvPr id="149" name="Elipse 148">
+              <a:extLst>
+                <a:ext uri="{FF2B5EF4-FFF2-40B4-BE49-F238E27FC236}">
+                  <a16:creationId xmlns:a16="http://schemas.microsoft.com/office/drawing/2014/main" id="{30DE9084-F3EF-7AE0-7E5F-8298E324598E}"/>
+                </a:ext>
+              </a:extLst>
+            </p:cNvPr>
+            <p:cNvSpPr/>
+            <p:nvPr/>
+          </p:nvSpPr>
+          <p:spPr>
+            <a:xfrm rot="357242">
+              <a:off x="4570281" y="5553891"/>
+              <a:ext cx="18288" cy="18288"/>
+            </a:xfrm>
+            <a:prstGeom prst="ellipse">
+              <a:avLst/>
+            </a:prstGeom>
+            <a:solidFill>
+              <a:schemeClr val="bg1">
+                <a:lumMod val="50000"/>
+              </a:schemeClr>
+            </a:solidFill>
+            <a:ln w="12700">
+              <a:noFill/>
+            </a:ln>
+          </p:spPr>
+          <p:style>
+            <a:lnRef idx="2">
+              <a:schemeClr val="accent1">
+                <a:shade val="50000"/>
+              </a:schemeClr>
+            </a:lnRef>
+            <a:fillRef idx="1">
+              <a:schemeClr val="accent1"/>
+            </a:fillRef>
+            <a:effectRef idx="0">
+              <a:schemeClr val="accent1"/>
+            </a:effectRef>
+            <a:fontRef idx="minor">
+              <a:schemeClr val="lt1"/>
+            </a:fontRef>
+          </p:style>
+          <p:txBody>
+            <a:bodyPr rtlCol="0" anchor="ctr"/>
+            <a:lstStyle/>
+            <a:p>
+              <a:pPr algn="ctr"/>
+              <a:endParaRPr lang="en-US"/>
+            </a:p>
+          </p:txBody>
+        </p:sp>
+        <p:sp>
+          <p:nvSpPr>
+            <p:cNvPr id="150" name="Elipse 149">
+              <a:extLst>
+                <a:ext uri="{FF2B5EF4-FFF2-40B4-BE49-F238E27FC236}">
+                  <a16:creationId xmlns:a16="http://schemas.microsoft.com/office/drawing/2014/main" id="{E6D48A70-526F-F468-9626-B8FA2EE4BDDC}"/>
+                </a:ext>
+              </a:extLst>
+            </p:cNvPr>
+            <p:cNvSpPr/>
+            <p:nvPr/>
+          </p:nvSpPr>
+          <p:spPr>
+            <a:xfrm rot="357242">
+              <a:off x="4429156" y="5543922"/>
+              <a:ext cx="18288" cy="18288"/>
+            </a:xfrm>
+            <a:prstGeom prst="ellipse">
+              <a:avLst/>
+            </a:prstGeom>
+            <a:solidFill>
+              <a:schemeClr val="bg1">
+                <a:lumMod val="50000"/>
+              </a:schemeClr>
+            </a:solidFill>
+            <a:ln w="12700">
+              <a:noFill/>
+            </a:ln>
+          </p:spPr>
+          <p:style>
+            <a:lnRef idx="2">
+              <a:schemeClr val="accent1">
+                <a:shade val="50000"/>
+              </a:schemeClr>
+            </a:lnRef>
+            <a:fillRef idx="1">
+              <a:schemeClr val="accent1"/>
+            </a:fillRef>
+            <a:effectRef idx="0">
+              <a:schemeClr val="accent1"/>
+            </a:effectRef>
+            <a:fontRef idx="minor">
+              <a:schemeClr val="lt1"/>
+            </a:fontRef>
+          </p:style>
+          <p:txBody>
+            <a:bodyPr rtlCol="0" anchor="ctr"/>
+            <a:lstStyle/>
+            <a:p>
+              <a:pPr algn="ctr"/>
+              <a:endParaRPr lang="en-US"/>
+            </a:p>
+          </p:txBody>
+        </p:sp>
+        <p:sp>
+          <p:nvSpPr>
+            <p:cNvPr id="151" name="Elipse 150">
+              <a:extLst>
+                <a:ext uri="{FF2B5EF4-FFF2-40B4-BE49-F238E27FC236}">
+                  <a16:creationId xmlns:a16="http://schemas.microsoft.com/office/drawing/2014/main" id="{7354CB7E-3624-6910-33E3-ACB92ACA4A0B}"/>
+                </a:ext>
+              </a:extLst>
+            </p:cNvPr>
+            <p:cNvSpPr/>
+            <p:nvPr/>
+          </p:nvSpPr>
+          <p:spPr>
+            <a:xfrm rot="357242">
+              <a:off x="4584504" y="5504908"/>
+              <a:ext cx="18288" cy="18288"/>
+            </a:xfrm>
+            <a:prstGeom prst="ellipse">
+              <a:avLst/>
+            </a:prstGeom>
+            <a:solidFill>
+              <a:schemeClr val="bg1">
+                <a:lumMod val="50000"/>
+              </a:schemeClr>
+            </a:solidFill>
+            <a:ln w="12700">
+              <a:noFill/>
+            </a:ln>
+          </p:spPr>
+          <p:style>
+            <a:lnRef idx="2">
+              <a:schemeClr val="accent1">
+                <a:shade val="50000"/>
+              </a:schemeClr>
+            </a:lnRef>
+            <a:fillRef idx="1">
+              <a:schemeClr val="accent1"/>
+            </a:fillRef>
+            <a:effectRef idx="0">
+              <a:schemeClr val="accent1"/>
+            </a:effectRef>
+            <a:fontRef idx="minor">
+              <a:schemeClr val="lt1"/>
+            </a:fontRef>
+          </p:style>
+          <p:txBody>
+            <a:bodyPr rtlCol="0" anchor="ctr"/>
+            <a:lstStyle/>
+            <a:p>
+              <a:pPr algn="ctr"/>
+              <a:endParaRPr lang="en-US"/>
+            </a:p>
+          </p:txBody>
+        </p:sp>
+        <p:sp>
+          <p:nvSpPr>
+            <p:cNvPr id="152" name="Elipse 151">
+              <a:extLst>
+                <a:ext uri="{FF2B5EF4-FFF2-40B4-BE49-F238E27FC236}">
+                  <a16:creationId xmlns:a16="http://schemas.microsoft.com/office/drawing/2014/main" id="{5E8E10C5-6291-65D2-33BB-0B5634395C58}"/>
+                </a:ext>
+              </a:extLst>
+            </p:cNvPr>
+            <p:cNvSpPr/>
+            <p:nvPr/>
+          </p:nvSpPr>
+          <p:spPr>
+            <a:xfrm rot="357242">
+              <a:off x="4681099" y="5505505"/>
+              <a:ext cx="18288" cy="18288"/>
+            </a:xfrm>
+            <a:prstGeom prst="ellipse">
+              <a:avLst/>
+            </a:prstGeom>
+            <a:solidFill>
+              <a:schemeClr val="bg1">
+                <a:lumMod val="50000"/>
+              </a:schemeClr>
+            </a:solidFill>
+            <a:ln w="12700">
+              <a:noFill/>
+            </a:ln>
+          </p:spPr>
+          <p:style>
+            <a:lnRef idx="2">
+              <a:schemeClr val="accent1">
+                <a:shade val="50000"/>
+              </a:schemeClr>
+            </a:lnRef>
+            <a:fillRef idx="1">
+              <a:schemeClr val="accent1"/>
+            </a:fillRef>
+            <a:effectRef idx="0">
+              <a:schemeClr val="accent1"/>
+            </a:effectRef>
+            <a:fontRef idx="minor">
+              <a:schemeClr val="lt1"/>
+            </a:fontRef>
+          </p:style>
+          <p:txBody>
+            <a:bodyPr rtlCol="0" anchor="ctr"/>
+            <a:lstStyle/>
+            <a:p>
+              <a:pPr algn="ctr"/>
+              <a:endParaRPr lang="en-US"/>
+            </a:p>
+          </p:txBody>
+        </p:sp>
+        <p:sp>
+          <p:nvSpPr>
+            <p:cNvPr id="153" name="Elipse 152">
+              <a:extLst>
+                <a:ext uri="{FF2B5EF4-FFF2-40B4-BE49-F238E27FC236}">
+                  <a16:creationId xmlns:a16="http://schemas.microsoft.com/office/drawing/2014/main" id="{C4218518-4B9E-B351-5D3C-18755F3E7BFA}"/>
+                </a:ext>
+              </a:extLst>
+            </p:cNvPr>
+            <p:cNvSpPr/>
+            <p:nvPr/>
+          </p:nvSpPr>
+          <p:spPr>
+            <a:xfrm rot="357242">
+              <a:off x="4779691" y="5543765"/>
+              <a:ext cx="18288" cy="18288"/>
+            </a:xfrm>
+            <a:prstGeom prst="ellipse">
+              <a:avLst/>
+            </a:prstGeom>
+            <a:solidFill>
+              <a:schemeClr val="bg1">
+                <a:lumMod val="50000"/>
+              </a:schemeClr>
+            </a:solidFill>
+            <a:ln w="12700">
+              <a:noFill/>
+            </a:ln>
+          </p:spPr>
+          <p:style>
+            <a:lnRef idx="2">
+              <a:schemeClr val="accent1">
+                <a:shade val="50000"/>
+              </a:schemeClr>
+            </a:lnRef>
+            <a:fillRef idx="1">
+              <a:schemeClr val="accent1"/>
+            </a:fillRef>
+            <a:effectRef idx="0">
+              <a:schemeClr val="accent1"/>
+            </a:effectRef>
+            <a:fontRef idx="minor">
+              <a:schemeClr val="lt1"/>
+            </a:fontRef>
+          </p:style>
+          <p:txBody>
+            <a:bodyPr rtlCol="0" anchor="ctr"/>
+            <a:lstStyle/>
+            <a:p>
+              <a:pPr algn="ctr"/>
+              <a:endParaRPr lang="en-US"/>
+            </a:p>
+          </p:txBody>
+        </p:sp>
+        <p:sp>
+          <p:nvSpPr>
+            <p:cNvPr id="154" name="Elipse 153">
+              <a:extLst>
+                <a:ext uri="{FF2B5EF4-FFF2-40B4-BE49-F238E27FC236}">
+                  <a16:creationId xmlns:a16="http://schemas.microsoft.com/office/drawing/2014/main" id="{91C84C72-1B1F-6957-F3D6-117A00C91551}"/>
+                </a:ext>
+              </a:extLst>
+            </p:cNvPr>
+            <p:cNvSpPr/>
+            <p:nvPr/>
+          </p:nvSpPr>
+          <p:spPr>
+            <a:xfrm rot="357242">
+              <a:off x="4834520" y="5469805"/>
+              <a:ext cx="18288" cy="18288"/>
+            </a:xfrm>
+            <a:prstGeom prst="ellipse">
+              <a:avLst/>
+            </a:prstGeom>
+            <a:solidFill>
+              <a:schemeClr val="bg1">
+                <a:lumMod val="50000"/>
+              </a:schemeClr>
+            </a:solidFill>
+            <a:ln w="12700">
+              <a:noFill/>
+            </a:ln>
+          </p:spPr>
+          <p:style>
+            <a:lnRef idx="2">
+              <a:schemeClr val="accent1">
+                <a:shade val="50000"/>
+              </a:schemeClr>
+            </a:lnRef>
+            <a:fillRef idx="1">
+              <a:schemeClr val="accent1"/>
+            </a:fillRef>
+            <a:effectRef idx="0">
+              <a:schemeClr val="accent1"/>
+            </a:effectRef>
+            <a:fontRef idx="minor">
+              <a:schemeClr val="lt1"/>
+            </a:fontRef>
+          </p:style>
+          <p:txBody>
+            <a:bodyPr rtlCol="0" anchor="ctr"/>
+            <a:lstStyle/>
+            <a:p>
+              <a:pPr algn="ctr"/>
+              <a:endParaRPr lang="en-US"/>
+            </a:p>
+          </p:txBody>
+        </p:sp>
+        <p:sp>
+          <p:nvSpPr>
+            <p:cNvPr id="155" name="CuadroTexto 154">
+              <a:extLst>
+                <a:ext uri="{FF2B5EF4-FFF2-40B4-BE49-F238E27FC236}">
+                  <a16:creationId xmlns:a16="http://schemas.microsoft.com/office/drawing/2014/main" id="{9FB2BB87-7D1B-D278-83A9-7BEB90B97779}"/>
+                </a:ext>
+              </a:extLst>
+            </p:cNvPr>
+            <p:cNvSpPr txBox="1"/>
+            <p:nvPr/>
+          </p:nvSpPr>
+          <p:spPr>
+            <a:xfrm>
+              <a:off x="4483135" y="5580454"/>
+              <a:ext cx="290702" cy="261610"/>
+            </a:xfrm>
+            <a:prstGeom prst="rect">
+              <a:avLst/>
+            </a:prstGeom>
+            <a:noFill/>
+          </p:spPr>
+          <p:txBody>
+            <a:bodyPr wrap="square" rtlCol="0">
+              <a:spAutoFit/>
+            </a:bodyPr>
+            <a:lstStyle/>
+            <a:p>
+              <a:r>
+                <a:rPr lang="es-VE" sz="1100" b="1" dirty="0">
+                  <a:latin typeface="Segoe UI Light" panose="020B0502040204020203" pitchFamily="34" charset="0"/>
+                  <a:cs typeface="Segoe UI Light" panose="020B0502040204020203" pitchFamily="34" charset="0"/>
+                </a:rPr>
+                <a:t>Q</a:t>
+              </a:r>
+              <a:endParaRPr lang="en-US" sz="1100" b="1" dirty="0">
+                <a:latin typeface="Segoe UI Light" panose="020B0502040204020203" pitchFamily="34" charset="0"/>
+                <a:cs typeface="Segoe UI Light" panose="020B0502040204020203" pitchFamily="34" charset="0"/>
+              </a:endParaRPr>
+            </a:p>
+          </p:txBody>
+        </p:sp>
+      </p:grpSp>
+    </p:spTree>
+    <p:extLst>
+      <p:ext uri="{BB962C8B-B14F-4D97-AF65-F5344CB8AC3E}">
+        <p14:creationId xmlns:p14="http://schemas.microsoft.com/office/powerpoint/2010/main" val="2263531859"/>
       </p:ext>
     </p:extLst>
   </p:cSld>
